--- a/fig/fig3.pptx
+++ b/fig/fig3.pptx
@@ -2,12 +2,12 @@
 <file path=ppt/presentation.xml><?xml version="1.0" encoding="utf-8"?>
 <p:presentation xmlns:a="http://schemas.openxmlformats.org/drawingml/2006/main" xmlns:r="http://schemas.openxmlformats.org/officeDocument/2006/relationships" xmlns:p="http://schemas.openxmlformats.org/presentationml/2006/main" saveSubsetFonts="1" autoCompressPictures="0">
   <p:sldMasterIdLst>
-    <p:sldMasterId id="2147483744" r:id="rId1"/>
+    <p:sldMasterId id="2147483780" r:id="rId1"/>
   </p:sldMasterIdLst>
   <p:sldIdLst>
     <p:sldId id="257" r:id="rId2"/>
   </p:sldIdLst>
-  <p:sldSz cx="12960350" cy="8281988"/>
+  <p:sldSz cx="10439400" cy="8999538"/>
   <p:notesSz cx="6858000" cy="9144000"/>
   <p:defaultTextStyle>
     <a:defPPr>
@@ -107,12 +107,12 @@
   <p:extLst>
     <p:ext uri="{EFAFB233-063F-42B5-8137-9DF3F51BA10A}">
       <p15:sldGuideLst xmlns:p15="http://schemas.microsoft.com/office/powerpoint/2012/main">
-        <p15:guide id="1" orient="horz" pos="2609" userDrawn="1">
+        <p15:guide id="1" orient="horz" pos="2835" userDrawn="1">
           <p15:clr>
             <a:srgbClr val="A4A3A4"/>
           </p15:clr>
         </p15:guide>
-        <p15:guide id="2" pos="4064" userDrawn="1">
+        <p15:guide id="2" pos="3274" userDrawn="1">
           <p15:clr>
             <a:srgbClr val="A4A3A4"/>
           </p15:clr>
@@ -152,15 +152,15 @@
         </p:nvSpPr>
         <p:spPr>
           <a:xfrm>
-            <a:off x="1620044" y="1355409"/>
-            <a:ext cx="9720263" cy="2883359"/>
+            <a:off x="782955" y="1472842"/>
+            <a:ext cx="8873490" cy="3133172"/>
           </a:xfrm>
         </p:spPr>
         <p:txBody>
           <a:bodyPr anchor="b"/>
           <a:lstStyle>
             <a:lvl1pPr algn="ctr">
-              <a:defRPr sz="6378"/>
+              <a:defRPr sz="6850"/>
             </a:lvl1pPr>
           </a:lstStyle>
           <a:p>
@@ -184,8 +184,8 @@
         </p:nvSpPr>
         <p:spPr>
           <a:xfrm>
-            <a:off x="1620044" y="4349961"/>
-            <a:ext cx="9720263" cy="1999563"/>
+            <a:off x="1304925" y="4726842"/>
+            <a:ext cx="7829550" cy="2172804"/>
           </a:xfrm>
         </p:spPr>
         <p:txBody>
@@ -193,39 +193,39 @@
           <a:lstStyle>
             <a:lvl1pPr marL="0" indent="0" algn="ctr">
               <a:buNone/>
-              <a:defRPr sz="2551"/>
+              <a:defRPr sz="2740"/>
             </a:lvl1pPr>
-            <a:lvl2pPr marL="486004" indent="0" algn="ctr">
-              <a:buNone/>
-              <a:defRPr sz="2126"/>
+            <a:lvl2pPr marL="521985" indent="0" algn="ctr">
+              <a:buNone/>
+              <a:defRPr sz="2283"/>
             </a:lvl2pPr>
-            <a:lvl3pPr marL="972007" indent="0" algn="ctr">
-              <a:buNone/>
-              <a:defRPr sz="1913"/>
+            <a:lvl3pPr marL="1043970" indent="0" algn="ctr">
+              <a:buNone/>
+              <a:defRPr sz="2055"/>
             </a:lvl3pPr>
-            <a:lvl4pPr marL="1458011" indent="0" algn="ctr">
-              <a:buNone/>
-              <a:defRPr sz="1701"/>
+            <a:lvl4pPr marL="1565956" indent="0" algn="ctr">
+              <a:buNone/>
+              <a:defRPr sz="1827"/>
             </a:lvl4pPr>
-            <a:lvl5pPr marL="1944014" indent="0" algn="ctr">
-              <a:buNone/>
-              <a:defRPr sz="1701"/>
+            <a:lvl5pPr marL="2087941" indent="0" algn="ctr">
+              <a:buNone/>
+              <a:defRPr sz="1827"/>
             </a:lvl5pPr>
-            <a:lvl6pPr marL="2430018" indent="0" algn="ctr">
-              <a:buNone/>
-              <a:defRPr sz="1701"/>
+            <a:lvl6pPr marL="2609926" indent="0" algn="ctr">
+              <a:buNone/>
+              <a:defRPr sz="1827"/>
             </a:lvl6pPr>
-            <a:lvl7pPr marL="2916022" indent="0" algn="ctr">
-              <a:buNone/>
-              <a:defRPr sz="1701"/>
+            <a:lvl7pPr marL="3131911" indent="0" algn="ctr">
+              <a:buNone/>
+              <a:defRPr sz="1827"/>
             </a:lvl7pPr>
-            <a:lvl8pPr marL="3402025" indent="0" algn="ctr">
-              <a:buNone/>
-              <a:defRPr sz="1701"/>
+            <a:lvl8pPr marL="3653897" indent="0" algn="ctr">
+              <a:buNone/>
+              <a:defRPr sz="1827"/>
             </a:lvl8pPr>
-            <a:lvl9pPr marL="3888029" indent="0" algn="ctr">
-              <a:buNone/>
-              <a:defRPr sz="1701"/>
+            <a:lvl9pPr marL="4175882" indent="0" algn="ctr">
+              <a:buNone/>
+              <a:defRPr sz="1827"/>
             </a:lvl9pPr>
           </a:lstStyle>
           <a:p>
@@ -260,7 +260,7 @@
               <a:pPr>
                 <a:defRPr/>
               </a:pPr>
-              <a:t>02.03.22</a:t>
+              <a:t>29.04.22</a:t>
             </a:fld>
             <a:endParaRPr lang="en-DE"/>
           </a:p>
@@ -320,7 +320,7 @@
     </p:spTree>
     <p:extLst>
       <p:ext uri="{BB962C8B-B14F-4D97-AF65-F5344CB8AC3E}">
-        <p14:creationId xmlns:p14="http://schemas.microsoft.com/office/powerpoint/2010/main" val="480074599"/>
+        <p14:creationId xmlns:p14="http://schemas.microsoft.com/office/powerpoint/2010/main" val="72790862"/>
       </p:ext>
     </p:extLst>
   </p:cSld>
@@ -445,7 +445,7 @@
               <a:pPr>
                 <a:defRPr/>
               </a:pPr>
-              <a:t>02.03.22</a:t>
+              <a:t>29.04.22</a:t>
             </a:fld>
             <a:endParaRPr lang="en-DE"/>
           </a:p>
@@ -505,7 +505,7 @@
     </p:spTree>
     <p:extLst>
       <p:ext uri="{BB962C8B-B14F-4D97-AF65-F5344CB8AC3E}">
-        <p14:creationId xmlns:p14="http://schemas.microsoft.com/office/powerpoint/2010/main" val="2152076047"/>
+        <p14:creationId xmlns:p14="http://schemas.microsoft.com/office/powerpoint/2010/main" val="2939607035"/>
       </p:ext>
     </p:extLst>
   </p:cSld>
@@ -544,8 +544,8 @@
         </p:nvSpPr>
         <p:spPr>
           <a:xfrm>
-            <a:off x="9274751" y="440939"/>
-            <a:ext cx="2794575" cy="7018602"/>
+            <a:off x="7470696" y="479142"/>
+            <a:ext cx="2250996" cy="7626692"/>
           </a:xfrm>
         </p:spPr>
         <p:txBody>
@@ -572,8 +572,8 @@
         </p:nvSpPr>
         <p:spPr>
           <a:xfrm>
-            <a:off x="891024" y="440939"/>
-            <a:ext cx="8221722" cy="7018602"/>
+            <a:off x="717710" y="479142"/>
+            <a:ext cx="6622494" cy="7626692"/>
           </a:xfrm>
         </p:spPr>
         <p:txBody>
@@ -640,7 +640,7 @@
               <a:pPr>
                 <a:defRPr/>
               </a:pPr>
-              <a:t>02.03.22</a:t>
+              <a:t>29.04.22</a:t>
             </a:fld>
             <a:endParaRPr lang="en-DE"/>
           </a:p>
@@ -700,7 +700,7 @@
     </p:spTree>
     <p:extLst>
       <p:ext uri="{BB962C8B-B14F-4D97-AF65-F5344CB8AC3E}">
-        <p14:creationId xmlns:p14="http://schemas.microsoft.com/office/powerpoint/2010/main" val="3995569263"/>
+        <p14:creationId xmlns:p14="http://schemas.microsoft.com/office/powerpoint/2010/main" val="3993575050"/>
       </p:ext>
     </p:extLst>
   </p:cSld>
@@ -825,7 +825,7 @@
               <a:pPr>
                 <a:defRPr/>
               </a:pPr>
-              <a:t>02.03.22</a:t>
+              <a:t>29.04.22</a:t>
             </a:fld>
             <a:endParaRPr lang="en-DE"/>
           </a:p>
@@ -885,7 +885,7 @@
     </p:spTree>
     <p:extLst>
       <p:ext uri="{BB962C8B-B14F-4D97-AF65-F5344CB8AC3E}">
-        <p14:creationId xmlns:p14="http://schemas.microsoft.com/office/powerpoint/2010/main" val="3611514236"/>
+        <p14:creationId xmlns:p14="http://schemas.microsoft.com/office/powerpoint/2010/main" val="878227262"/>
       </p:ext>
     </p:extLst>
   </p:cSld>
@@ -924,15 +924,15 @@
         </p:nvSpPr>
         <p:spPr>
           <a:xfrm>
-            <a:off x="884274" y="2064747"/>
-            <a:ext cx="11178302" cy="3445076"/>
+            <a:off x="712272" y="2243638"/>
+            <a:ext cx="9003983" cy="3743557"/>
           </a:xfrm>
         </p:spPr>
         <p:txBody>
           <a:bodyPr anchor="b"/>
           <a:lstStyle>
             <a:lvl1pPr>
-              <a:defRPr sz="6378"/>
+              <a:defRPr sz="6850"/>
             </a:lvl1pPr>
           </a:lstStyle>
           <a:p>
@@ -956,8 +956,8 @@
         </p:nvSpPr>
         <p:spPr>
           <a:xfrm>
-            <a:off x="884274" y="5542415"/>
-            <a:ext cx="11178302" cy="1811684"/>
+            <a:off x="712272" y="6022610"/>
+            <a:ext cx="9003983" cy="1968648"/>
           </a:xfrm>
         </p:spPr>
         <p:txBody>
@@ -965,87 +965,85 @@
           <a:lstStyle>
             <a:lvl1pPr marL="0" indent="0">
               <a:buNone/>
-              <a:defRPr sz="2551">
+              <a:defRPr sz="2740">
+                <a:solidFill>
+                  <a:schemeClr val="tx1"/>
+                </a:solidFill>
+              </a:defRPr>
+            </a:lvl1pPr>
+            <a:lvl2pPr marL="521985" indent="0">
+              <a:buNone/>
+              <a:defRPr sz="2283">
                 <a:solidFill>
                   <a:schemeClr val="tx1">
                     <a:tint val="75000"/>
                   </a:schemeClr>
                 </a:solidFill>
               </a:defRPr>
-            </a:lvl1pPr>
-            <a:lvl2pPr marL="486004" indent="0">
-              <a:buNone/>
-              <a:defRPr sz="2126">
+            </a:lvl2pPr>
+            <a:lvl3pPr marL="1043970" indent="0">
+              <a:buNone/>
+              <a:defRPr sz="2055">
                 <a:solidFill>
                   <a:schemeClr val="tx1">
                     <a:tint val="75000"/>
                   </a:schemeClr>
                 </a:solidFill>
               </a:defRPr>
-            </a:lvl2pPr>
-            <a:lvl3pPr marL="972007" indent="0">
-              <a:buNone/>
-              <a:defRPr sz="1913">
+            </a:lvl3pPr>
+            <a:lvl4pPr marL="1565956" indent="0">
+              <a:buNone/>
+              <a:defRPr sz="1827">
                 <a:solidFill>
                   <a:schemeClr val="tx1">
                     <a:tint val="75000"/>
                   </a:schemeClr>
                 </a:solidFill>
               </a:defRPr>
-            </a:lvl3pPr>
-            <a:lvl4pPr marL="1458011" indent="0">
-              <a:buNone/>
-              <a:defRPr sz="1701">
+            </a:lvl4pPr>
+            <a:lvl5pPr marL="2087941" indent="0">
+              <a:buNone/>
+              <a:defRPr sz="1827">
                 <a:solidFill>
                   <a:schemeClr val="tx1">
                     <a:tint val="75000"/>
                   </a:schemeClr>
                 </a:solidFill>
               </a:defRPr>
-            </a:lvl4pPr>
-            <a:lvl5pPr marL="1944014" indent="0">
-              <a:buNone/>
-              <a:defRPr sz="1701">
+            </a:lvl5pPr>
+            <a:lvl6pPr marL="2609926" indent="0">
+              <a:buNone/>
+              <a:defRPr sz="1827">
                 <a:solidFill>
                   <a:schemeClr val="tx1">
                     <a:tint val="75000"/>
                   </a:schemeClr>
                 </a:solidFill>
               </a:defRPr>
-            </a:lvl5pPr>
-            <a:lvl6pPr marL="2430018" indent="0">
-              <a:buNone/>
-              <a:defRPr sz="1701">
+            </a:lvl6pPr>
+            <a:lvl7pPr marL="3131911" indent="0">
+              <a:buNone/>
+              <a:defRPr sz="1827">
                 <a:solidFill>
                   <a:schemeClr val="tx1">
                     <a:tint val="75000"/>
                   </a:schemeClr>
                 </a:solidFill>
               </a:defRPr>
-            </a:lvl6pPr>
-            <a:lvl7pPr marL="2916022" indent="0">
-              <a:buNone/>
-              <a:defRPr sz="1701">
+            </a:lvl7pPr>
+            <a:lvl8pPr marL="3653897" indent="0">
+              <a:buNone/>
+              <a:defRPr sz="1827">
                 <a:solidFill>
                   <a:schemeClr val="tx1">
                     <a:tint val="75000"/>
                   </a:schemeClr>
                 </a:solidFill>
               </a:defRPr>
-            </a:lvl7pPr>
-            <a:lvl8pPr marL="3402025" indent="0">
-              <a:buNone/>
-              <a:defRPr sz="1701">
-                <a:solidFill>
-                  <a:schemeClr val="tx1">
-                    <a:tint val="75000"/>
-                  </a:schemeClr>
-                </a:solidFill>
-              </a:defRPr>
             </a:lvl8pPr>
-            <a:lvl9pPr marL="3888029" indent="0">
-              <a:buNone/>
-              <a:defRPr sz="1701">
+            <a:lvl9pPr marL="4175882" indent="0">
+              <a:buNone/>
+              <a:defRPr sz="1827">
                 <a:solidFill>
                   <a:schemeClr val="tx1">
                     <a:tint val="75000"/>
@@ -1086,7 +1084,7 @@
               <a:pPr>
                 <a:defRPr/>
               </a:pPr>
-              <a:t>02.03.22</a:t>
+              <a:t>29.04.22</a:t>
             </a:fld>
             <a:endParaRPr lang="en-DE"/>
           </a:p>
@@ -1146,7 +1144,7 @@
     </p:spTree>
     <p:extLst>
       <p:ext uri="{BB962C8B-B14F-4D97-AF65-F5344CB8AC3E}">
-        <p14:creationId xmlns:p14="http://schemas.microsoft.com/office/powerpoint/2010/main" val="3944814043"/>
+        <p14:creationId xmlns:p14="http://schemas.microsoft.com/office/powerpoint/2010/main" val="4112144185"/>
       </p:ext>
     </p:extLst>
   </p:cSld>
@@ -1208,8 +1206,8 @@
         </p:nvSpPr>
         <p:spPr>
           <a:xfrm>
-            <a:off x="891024" y="2204696"/>
-            <a:ext cx="5508149" cy="5254845"/>
+            <a:off x="717709" y="2395710"/>
+            <a:ext cx="4436745" cy="5710124"/>
           </a:xfrm>
         </p:spPr>
         <p:txBody>
@@ -1265,8 +1263,8 @@
         </p:nvSpPr>
         <p:spPr>
           <a:xfrm>
-            <a:off x="6561177" y="2204696"/>
-            <a:ext cx="5508149" cy="5254845"/>
+            <a:off x="5284946" y="2395710"/>
+            <a:ext cx="4436745" cy="5710124"/>
           </a:xfrm>
         </p:spPr>
         <p:txBody>
@@ -1333,7 +1331,7 @@
               <a:pPr>
                 <a:defRPr/>
               </a:pPr>
-              <a:t>02.03.22</a:t>
+              <a:t>29.04.22</a:t>
             </a:fld>
             <a:endParaRPr lang="en-DE"/>
           </a:p>
@@ -1393,7 +1391,7 @@
     </p:spTree>
     <p:extLst>
       <p:ext uri="{BB962C8B-B14F-4D97-AF65-F5344CB8AC3E}">
-        <p14:creationId xmlns:p14="http://schemas.microsoft.com/office/powerpoint/2010/main" val="616443346"/>
+        <p14:creationId xmlns:p14="http://schemas.microsoft.com/office/powerpoint/2010/main" val="1822941291"/>
       </p:ext>
     </p:extLst>
   </p:cSld>
@@ -1432,8 +1430,8 @@
         </p:nvSpPr>
         <p:spPr>
           <a:xfrm>
-            <a:off x="892712" y="440940"/>
-            <a:ext cx="11178302" cy="1600802"/>
+            <a:off x="719068" y="479144"/>
+            <a:ext cx="9003983" cy="1739495"/>
           </a:xfrm>
         </p:spPr>
         <p:txBody>
@@ -1460,8 +1458,8 @@
         </p:nvSpPr>
         <p:spPr>
           <a:xfrm>
-            <a:off x="892713" y="2030238"/>
-            <a:ext cx="5482835" cy="994988"/>
+            <a:off x="719070" y="2206137"/>
+            <a:ext cx="4416355" cy="1081194"/>
           </a:xfrm>
         </p:spPr>
         <p:txBody>
@@ -1469,39 +1467,39 @@
           <a:lstStyle>
             <a:lvl1pPr marL="0" indent="0">
               <a:buNone/>
-              <a:defRPr sz="2551" b="1"/>
+              <a:defRPr sz="2740" b="1"/>
             </a:lvl1pPr>
-            <a:lvl2pPr marL="486004" indent="0">
-              <a:buNone/>
-              <a:defRPr sz="2126" b="1"/>
+            <a:lvl2pPr marL="521985" indent="0">
+              <a:buNone/>
+              <a:defRPr sz="2283" b="1"/>
             </a:lvl2pPr>
-            <a:lvl3pPr marL="972007" indent="0">
-              <a:buNone/>
-              <a:defRPr sz="1913" b="1"/>
+            <a:lvl3pPr marL="1043970" indent="0">
+              <a:buNone/>
+              <a:defRPr sz="2055" b="1"/>
             </a:lvl3pPr>
-            <a:lvl4pPr marL="1458011" indent="0">
-              <a:buNone/>
-              <a:defRPr sz="1701" b="1"/>
+            <a:lvl4pPr marL="1565956" indent="0">
+              <a:buNone/>
+              <a:defRPr sz="1827" b="1"/>
             </a:lvl4pPr>
-            <a:lvl5pPr marL="1944014" indent="0">
-              <a:buNone/>
-              <a:defRPr sz="1701" b="1"/>
+            <a:lvl5pPr marL="2087941" indent="0">
+              <a:buNone/>
+              <a:defRPr sz="1827" b="1"/>
             </a:lvl5pPr>
-            <a:lvl6pPr marL="2430018" indent="0">
-              <a:buNone/>
-              <a:defRPr sz="1701" b="1"/>
+            <a:lvl6pPr marL="2609926" indent="0">
+              <a:buNone/>
+              <a:defRPr sz="1827" b="1"/>
             </a:lvl6pPr>
-            <a:lvl7pPr marL="2916022" indent="0">
-              <a:buNone/>
-              <a:defRPr sz="1701" b="1"/>
+            <a:lvl7pPr marL="3131911" indent="0">
+              <a:buNone/>
+              <a:defRPr sz="1827" b="1"/>
             </a:lvl7pPr>
-            <a:lvl8pPr marL="3402025" indent="0">
-              <a:buNone/>
-              <a:defRPr sz="1701" b="1"/>
+            <a:lvl8pPr marL="3653897" indent="0">
+              <a:buNone/>
+              <a:defRPr sz="1827" b="1"/>
             </a:lvl8pPr>
-            <a:lvl9pPr marL="3888029" indent="0">
-              <a:buNone/>
-              <a:defRPr sz="1701" b="1"/>
+            <a:lvl9pPr marL="4175882" indent="0">
+              <a:buNone/>
+              <a:defRPr sz="1827" b="1"/>
             </a:lvl9pPr>
           </a:lstStyle>
           <a:p>
@@ -1525,8 +1523,8 @@
         </p:nvSpPr>
         <p:spPr>
           <a:xfrm>
-            <a:off x="892713" y="3025226"/>
-            <a:ext cx="5482835" cy="4449652"/>
+            <a:off x="719070" y="3287331"/>
+            <a:ext cx="4416355" cy="4835169"/>
           </a:xfrm>
         </p:spPr>
         <p:txBody>
@@ -1582,8 +1580,8 @@
         </p:nvSpPr>
         <p:spPr>
           <a:xfrm>
-            <a:off x="6561177" y="2030238"/>
-            <a:ext cx="5509837" cy="994988"/>
+            <a:off x="5284947" y="2206137"/>
+            <a:ext cx="4438105" cy="1081194"/>
           </a:xfrm>
         </p:spPr>
         <p:txBody>
@@ -1591,39 +1589,39 @@
           <a:lstStyle>
             <a:lvl1pPr marL="0" indent="0">
               <a:buNone/>
-              <a:defRPr sz="2551" b="1"/>
+              <a:defRPr sz="2740" b="1"/>
             </a:lvl1pPr>
-            <a:lvl2pPr marL="486004" indent="0">
-              <a:buNone/>
-              <a:defRPr sz="2126" b="1"/>
+            <a:lvl2pPr marL="521985" indent="0">
+              <a:buNone/>
+              <a:defRPr sz="2283" b="1"/>
             </a:lvl2pPr>
-            <a:lvl3pPr marL="972007" indent="0">
-              <a:buNone/>
-              <a:defRPr sz="1913" b="1"/>
+            <a:lvl3pPr marL="1043970" indent="0">
+              <a:buNone/>
+              <a:defRPr sz="2055" b="1"/>
             </a:lvl3pPr>
-            <a:lvl4pPr marL="1458011" indent="0">
-              <a:buNone/>
-              <a:defRPr sz="1701" b="1"/>
+            <a:lvl4pPr marL="1565956" indent="0">
+              <a:buNone/>
+              <a:defRPr sz="1827" b="1"/>
             </a:lvl4pPr>
-            <a:lvl5pPr marL="1944014" indent="0">
-              <a:buNone/>
-              <a:defRPr sz="1701" b="1"/>
+            <a:lvl5pPr marL="2087941" indent="0">
+              <a:buNone/>
+              <a:defRPr sz="1827" b="1"/>
             </a:lvl5pPr>
-            <a:lvl6pPr marL="2430018" indent="0">
-              <a:buNone/>
-              <a:defRPr sz="1701" b="1"/>
+            <a:lvl6pPr marL="2609926" indent="0">
+              <a:buNone/>
+              <a:defRPr sz="1827" b="1"/>
             </a:lvl6pPr>
-            <a:lvl7pPr marL="2916022" indent="0">
-              <a:buNone/>
-              <a:defRPr sz="1701" b="1"/>
+            <a:lvl7pPr marL="3131911" indent="0">
+              <a:buNone/>
+              <a:defRPr sz="1827" b="1"/>
             </a:lvl7pPr>
-            <a:lvl8pPr marL="3402025" indent="0">
-              <a:buNone/>
-              <a:defRPr sz="1701" b="1"/>
+            <a:lvl8pPr marL="3653897" indent="0">
+              <a:buNone/>
+              <a:defRPr sz="1827" b="1"/>
             </a:lvl8pPr>
-            <a:lvl9pPr marL="3888029" indent="0">
-              <a:buNone/>
-              <a:defRPr sz="1701" b="1"/>
+            <a:lvl9pPr marL="4175882" indent="0">
+              <a:buNone/>
+              <a:defRPr sz="1827" b="1"/>
             </a:lvl9pPr>
           </a:lstStyle>
           <a:p>
@@ -1647,8 +1645,8 @@
         </p:nvSpPr>
         <p:spPr>
           <a:xfrm>
-            <a:off x="6561177" y="3025226"/>
-            <a:ext cx="5509837" cy="4449652"/>
+            <a:off x="5284947" y="3287331"/>
+            <a:ext cx="4438105" cy="4835169"/>
           </a:xfrm>
         </p:spPr>
         <p:txBody>
@@ -1715,7 +1713,7 @@
               <a:pPr>
                 <a:defRPr/>
               </a:pPr>
-              <a:t>02.03.22</a:t>
+              <a:t>29.04.22</a:t>
             </a:fld>
             <a:endParaRPr lang="en-DE"/>
           </a:p>
@@ -1775,7 +1773,7 @@
     </p:spTree>
     <p:extLst>
       <p:ext uri="{BB962C8B-B14F-4D97-AF65-F5344CB8AC3E}">
-        <p14:creationId xmlns:p14="http://schemas.microsoft.com/office/powerpoint/2010/main" val="546167643"/>
+        <p14:creationId xmlns:p14="http://schemas.microsoft.com/office/powerpoint/2010/main" val="2583326661"/>
       </p:ext>
     </p:extLst>
   </p:cSld>
@@ -1848,7 +1846,7 @@
               <a:pPr>
                 <a:defRPr/>
               </a:pPr>
-              <a:t>02.03.22</a:t>
+              <a:t>29.04.22</a:t>
             </a:fld>
             <a:endParaRPr lang="en-DE"/>
           </a:p>
@@ -1908,7 +1906,7 @@
     </p:spTree>
     <p:extLst>
       <p:ext uri="{BB962C8B-B14F-4D97-AF65-F5344CB8AC3E}">
-        <p14:creationId xmlns:p14="http://schemas.microsoft.com/office/powerpoint/2010/main" val="2741461510"/>
+        <p14:creationId xmlns:p14="http://schemas.microsoft.com/office/powerpoint/2010/main" val="821223770"/>
       </p:ext>
     </p:extLst>
   </p:cSld>
@@ -1958,7 +1956,7 @@
               <a:pPr>
                 <a:defRPr/>
               </a:pPr>
-              <a:t>02.03.22</a:t>
+              <a:t>29.04.22</a:t>
             </a:fld>
             <a:endParaRPr lang="en-DE"/>
           </a:p>
@@ -2018,7 +2016,7 @@
     </p:spTree>
     <p:extLst>
       <p:ext uri="{BB962C8B-B14F-4D97-AF65-F5344CB8AC3E}">
-        <p14:creationId xmlns:p14="http://schemas.microsoft.com/office/powerpoint/2010/main" val="541421318"/>
+        <p14:creationId xmlns:p14="http://schemas.microsoft.com/office/powerpoint/2010/main" val="1057914846"/>
       </p:ext>
     </p:extLst>
   </p:cSld>
@@ -2057,15 +2055,15 @@
         </p:nvSpPr>
         <p:spPr>
           <a:xfrm>
-            <a:off x="892713" y="552132"/>
-            <a:ext cx="4180050" cy="1932464"/>
+            <a:off x="719069" y="599969"/>
+            <a:ext cx="3366978" cy="2099892"/>
           </a:xfrm>
         </p:spPr>
         <p:txBody>
           <a:bodyPr anchor="b"/>
           <a:lstStyle>
             <a:lvl1pPr>
-              <a:defRPr sz="3402"/>
+              <a:defRPr sz="3653"/>
             </a:lvl1pPr>
           </a:lstStyle>
           <a:p>
@@ -2089,39 +2087,39 @@
         </p:nvSpPr>
         <p:spPr>
           <a:xfrm>
-            <a:off x="5509837" y="1192454"/>
-            <a:ext cx="6561177" cy="5885579"/>
+            <a:off x="4438105" y="1295769"/>
+            <a:ext cx="5284946" cy="6395505"/>
           </a:xfrm>
         </p:spPr>
         <p:txBody>
           <a:bodyPr/>
           <a:lstStyle>
             <a:lvl1pPr>
-              <a:defRPr sz="3402"/>
+              <a:defRPr sz="3653"/>
             </a:lvl1pPr>
             <a:lvl2pPr>
-              <a:defRPr sz="2976"/>
+              <a:defRPr sz="3197"/>
             </a:lvl2pPr>
             <a:lvl3pPr>
-              <a:defRPr sz="2551"/>
+              <a:defRPr sz="2740"/>
             </a:lvl3pPr>
             <a:lvl4pPr>
-              <a:defRPr sz="2126"/>
+              <a:defRPr sz="2283"/>
             </a:lvl4pPr>
             <a:lvl5pPr>
-              <a:defRPr sz="2126"/>
+              <a:defRPr sz="2283"/>
             </a:lvl5pPr>
             <a:lvl6pPr>
-              <a:defRPr sz="2126"/>
+              <a:defRPr sz="2283"/>
             </a:lvl6pPr>
             <a:lvl7pPr>
-              <a:defRPr sz="2126"/>
+              <a:defRPr sz="2283"/>
             </a:lvl7pPr>
             <a:lvl8pPr>
-              <a:defRPr sz="2126"/>
+              <a:defRPr sz="2283"/>
             </a:lvl8pPr>
             <a:lvl9pPr>
-              <a:defRPr sz="2126"/>
+              <a:defRPr sz="2283"/>
             </a:lvl9pPr>
           </a:lstStyle>
           <a:p>
@@ -2174,8 +2172,8 @@
         </p:nvSpPr>
         <p:spPr>
           <a:xfrm>
-            <a:off x="892713" y="2484596"/>
-            <a:ext cx="4180050" cy="4603022"/>
+            <a:off x="719069" y="2699862"/>
+            <a:ext cx="3366978" cy="5001827"/>
           </a:xfrm>
         </p:spPr>
         <p:txBody>
@@ -2183,39 +2181,39 @@
           <a:lstStyle>
             <a:lvl1pPr marL="0" indent="0">
               <a:buNone/>
-              <a:defRPr sz="1701"/>
+              <a:defRPr sz="1827"/>
             </a:lvl1pPr>
-            <a:lvl2pPr marL="486004" indent="0">
-              <a:buNone/>
-              <a:defRPr sz="1488"/>
+            <a:lvl2pPr marL="521985" indent="0">
+              <a:buNone/>
+              <a:defRPr sz="1598"/>
             </a:lvl2pPr>
-            <a:lvl3pPr marL="972007" indent="0">
-              <a:buNone/>
-              <a:defRPr sz="1276"/>
+            <a:lvl3pPr marL="1043970" indent="0">
+              <a:buNone/>
+              <a:defRPr sz="1370"/>
             </a:lvl3pPr>
-            <a:lvl4pPr marL="1458011" indent="0">
-              <a:buNone/>
-              <a:defRPr sz="1063"/>
+            <a:lvl4pPr marL="1565956" indent="0">
+              <a:buNone/>
+              <a:defRPr sz="1142"/>
             </a:lvl4pPr>
-            <a:lvl5pPr marL="1944014" indent="0">
-              <a:buNone/>
-              <a:defRPr sz="1063"/>
+            <a:lvl5pPr marL="2087941" indent="0">
+              <a:buNone/>
+              <a:defRPr sz="1142"/>
             </a:lvl5pPr>
-            <a:lvl6pPr marL="2430018" indent="0">
-              <a:buNone/>
-              <a:defRPr sz="1063"/>
+            <a:lvl6pPr marL="2609926" indent="0">
+              <a:buNone/>
+              <a:defRPr sz="1142"/>
             </a:lvl6pPr>
-            <a:lvl7pPr marL="2916022" indent="0">
-              <a:buNone/>
-              <a:defRPr sz="1063"/>
+            <a:lvl7pPr marL="3131911" indent="0">
+              <a:buNone/>
+              <a:defRPr sz="1142"/>
             </a:lvl7pPr>
-            <a:lvl8pPr marL="3402025" indent="0">
-              <a:buNone/>
-              <a:defRPr sz="1063"/>
+            <a:lvl8pPr marL="3653897" indent="0">
+              <a:buNone/>
+              <a:defRPr sz="1142"/>
             </a:lvl8pPr>
-            <a:lvl9pPr marL="3888029" indent="0">
-              <a:buNone/>
-              <a:defRPr sz="1063"/>
+            <a:lvl9pPr marL="4175882" indent="0">
+              <a:buNone/>
+              <a:defRPr sz="1142"/>
             </a:lvl9pPr>
           </a:lstStyle>
           <a:p>
@@ -2250,7 +2248,7 @@
               <a:pPr>
                 <a:defRPr/>
               </a:pPr>
-              <a:t>02.03.22</a:t>
+              <a:t>29.04.22</a:t>
             </a:fld>
             <a:endParaRPr lang="en-DE"/>
           </a:p>
@@ -2310,7 +2308,7 @@
     </p:spTree>
     <p:extLst>
       <p:ext uri="{BB962C8B-B14F-4D97-AF65-F5344CB8AC3E}">
-        <p14:creationId xmlns:p14="http://schemas.microsoft.com/office/powerpoint/2010/main" val="4272009750"/>
+        <p14:creationId xmlns:p14="http://schemas.microsoft.com/office/powerpoint/2010/main" val="906487033"/>
       </p:ext>
     </p:extLst>
   </p:cSld>
@@ -2349,15 +2347,15 @@
         </p:nvSpPr>
         <p:spPr>
           <a:xfrm>
-            <a:off x="892713" y="552132"/>
-            <a:ext cx="4180050" cy="1932464"/>
+            <a:off x="719069" y="599969"/>
+            <a:ext cx="3366978" cy="2099892"/>
           </a:xfrm>
         </p:spPr>
         <p:txBody>
           <a:bodyPr anchor="b"/>
           <a:lstStyle>
             <a:lvl1pPr>
-              <a:defRPr sz="3402"/>
+              <a:defRPr sz="3653"/>
             </a:lvl1pPr>
           </a:lstStyle>
           <a:p>
@@ -2381,8 +2379,8 @@
         </p:nvSpPr>
         <p:spPr>
           <a:xfrm>
-            <a:off x="5509837" y="1192454"/>
-            <a:ext cx="6561177" cy="5885579"/>
+            <a:off x="4438105" y="1295769"/>
+            <a:ext cx="5284946" cy="6395505"/>
           </a:xfrm>
         </p:spPr>
         <p:txBody>
@@ -2390,39 +2388,39 @@
           <a:lstStyle>
             <a:lvl1pPr marL="0" indent="0">
               <a:buNone/>
-              <a:defRPr sz="3402"/>
+              <a:defRPr sz="3653"/>
             </a:lvl1pPr>
-            <a:lvl2pPr marL="486004" indent="0">
-              <a:buNone/>
-              <a:defRPr sz="2976"/>
+            <a:lvl2pPr marL="521985" indent="0">
+              <a:buNone/>
+              <a:defRPr sz="3197"/>
             </a:lvl2pPr>
-            <a:lvl3pPr marL="972007" indent="0">
-              <a:buNone/>
-              <a:defRPr sz="2551"/>
+            <a:lvl3pPr marL="1043970" indent="0">
+              <a:buNone/>
+              <a:defRPr sz="2740"/>
             </a:lvl3pPr>
-            <a:lvl4pPr marL="1458011" indent="0">
-              <a:buNone/>
-              <a:defRPr sz="2126"/>
+            <a:lvl4pPr marL="1565956" indent="0">
+              <a:buNone/>
+              <a:defRPr sz="2283"/>
             </a:lvl4pPr>
-            <a:lvl5pPr marL="1944014" indent="0">
-              <a:buNone/>
-              <a:defRPr sz="2126"/>
+            <a:lvl5pPr marL="2087941" indent="0">
+              <a:buNone/>
+              <a:defRPr sz="2283"/>
             </a:lvl5pPr>
-            <a:lvl6pPr marL="2430018" indent="0">
-              <a:buNone/>
-              <a:defRPr sz="2126"/>
+            <a:lvl6pPr marL="2609926" indent="0">
+              <a:buNone/>
+              <a:defRPr sz="2283"/>
             </a:lvl6pPr>
-            <a:lvl7pPr marL="2916022" indent="0">
-              <a:buNone/>
-              <a:defRPr sz="2126"/>
+            <a:lvl7pPr marL="3131911" indent="0">
+              <a:buNone/>
+              <a:defRPr sz="2283"/>
             </a:lvl7pPr>
-            <a:lvl8pPr marL="3402025" indent="0">
-              <a:buNone/>
-              <a:defRPr sz="2126"/>
+            <a:lvl8pPr marL="3653897" indent="0">
+              <a:buNone/>
+              <a:defRPr sz="2283"/>
             </a:lvl8pPr>
-            <a:lvl9pPr marL="3888029" indent="0">
-              <a:buNone/>
-              <a:defRPr sz="2126"/>
+            <a:lvl9pPr marL="4175882" indent="0">
+              <a:buNone/>
+              <a:defRPr sz="2283"/>
             </a:lvl9pPr>
           </a:lstStyle>
           <a:p>
@@ -2446,8 +2444,8 @@
         </p:nvSpPr>
         <p:spPr>
           <a:xfrm>
-            <a:off x="892713" y="2484596"/>
-            <a:ext cx="4180050" cy="4603022"/>
+            <a:off x="719069" y="2699862"/>
+            <a:ext cx="3366978" cy="5001827"/>
           </a:xfrm>
         </p:spPr>
         <p:txBody>
@@ -2455,39 +2453,39 @@
           <a:lstStyle>
             <a:lvl1pPr marL="0" indent="0">
               <a:buNone/>
-              <a:defRPr sz="1701"/>
+              <a:defRPr sz="1827"/>
             </a:lvl1pPr>
-            <a:lvl2pPr marL="486004" indent="0">
-              <a:buNone/>
-              <a:defRPr sz="1488"/>
+            <a:lvl2pPr marL="521985" indent="0">
+              <a:buNone/>
+              <a:defRPr sz="1598"/>
             </a:lvl2pPr>
-            <a:lvl3pPr marL="972007" indent="0">
-              <a:buNone/>
-              <a:defRPr sz="1276"/>
+            <a:lvl3pPr marL="1043970" indent="0">
+              <a:buNone/>
+              <a:defRPr sz="1370"/>
             </a:lvl3pPr>
-            <a:lvl4pPr marL="1458011" indent="0">
-              <a:buNone/>
-              <a:defRPr sz="1063"/>
+            <a:lvl4pPr marL="1565956" indent="0">
+              <a:buNone/>
+              <a:defRPr sz="1142"/>
             </a:lvl4pPr>
-            <a:lvl5pPr marL="1944014" indent="0">
-              <a:buNone/>
-              <a:defRPr sz="1063"/>
+            <a:lvl5pPr marL="2087941" indent="0">
+              <a:buNone/>
+              <a:defRPr sz="1142"/>
             </a:lvl5pPr>
-            <a:lvl6pPr marL="2430018" indent="0">
-              <a:buNone/>
-              <a:defRPr sz="1063"/>
+            <a:lvl6pPr marL="2609926" indent="0">
+              <a:buNone/>
+              <a:defRPr sz="1142"/>
             </a:lvl6pPr>
-            <a:lvl7pPr marL="2916022" indent="0">
-              <a:buNone/>
-              <a:defRPr sz="1063"/>
+            <a:lvl7pPr marL="3131911" indent="0">
+              <a:buNone/>
+              <a:defRPr sz="1142"/>
             </a:lvl7pPr>
-            <a:lvl8pPr marL="3402025" indent="0">
-              <a:buNone/>
-              <a:defRPr sz="1063"/>
+            <a:lvl8pPr marL="3653897" indent="0">
+              <a:buNone/>
+              <a:defRPr sz="1142"/>
             </a:lvl8pPr>
-            <a:lvl9pPr marL="3888029" indent="0">
-              <a:buNone/>
-              <a:defRPr sz="1063"/>
+            <a:lvl9pPr marL="4175882" indent="0">
+              <a:buNone/>
+              <a:defRPr sz="1142"/>
             </a:lvl9pPr>
           </a:lstStyle>
           <a:p>
@@ -2522,7 +2520,7 @@
               <a:pPr>
                 <a:defRPr/>
               </a:pPr>
-              <a:t>02.03.22</a:t>
+              <a:t>29.04.22</a:t>
             </a:fld>
             <a:endParaRPr lang="en-DE"/>
           </a:p>
@@ -2582,7 +2580,7 @@
     </p:spTree>
     <p:extLst>
       <p:ext uri="{BB962C8B-B14F-4D97-AF65-F5344CB8AC3E}">
-        <p14:creationId xmlns:p14="http://schemas.microsoft.com/office/powerpoint/2010/main" val="1077810448"/>
+        <p14:creationId xmlns:p14="http://schemas.microsoft.com/office/powerpoint/2010/main" val="4269766242"/>
       </p:ext>
     </p:extLst>
   </p:cSld>
@@ -2626,8 +2624,8 @@
         </p:nvSpPr>
         <p:spPr>
           <a:xfrm>
-            <a:off x="891024" y="440940"/>
-            <a:ext cx="11178302" cy="1600802"/>
+            <a:off x="717709" y="479144"/>
+            <a:ext cx="9003983" cy="1739495"/>
           </a:xfrm>
           <a:prstGeom prst="rect">
             <a:avLst/>
@@ -2659,8 +2657,8 @@
         </p:nvSpPr>
         <p:spPr>
           <a:xfrm>
-            <a:off x="891024" y="2204696"/>
-            <a:ext cx="11178302" cy="5254845"/>
+            <a:off x="717709" y="2395710"/>
+            <a:ext cx="9003983" cy="5710124"/>
           </a:xfrm>
           <a:prstGeom prst="rect">
             <a:avLst/>
@@ -2721,8 +2719,8 @@
         </p:nvSpPr>
         <p:spPr>
           <a:xfrm>
-            <a:off x="891024" y="7676177"/>
-            <a:ext cx="2916079" cy="440939"/>
+            <a:off x="717709" y="8341240"/>
+            <a:ext cx="2348865" cy="479142"/>
           </a:xfrm>
           <a:prstGeom prst="rect">
             <a:avLst/>
@@ -2732,7 +2730,7 @@
           <a:bodyPr vert="horz" lIns="91440" tIns="45720" rIns="91440" bIns="45720" rtlCol="0" anchor="ctr"/>
           <a:lstStyle>
             <a:lvl1pPr algn="l">
-              <a:defRPr sz="1276">
+              <a:defRPr sz="1370">
                 <a:solidFill>
                   <a:schemeClr val="tx1">
                     <a:tint val="75000"/>
@@ -2750,7 +2748,7 @@
               <a:pPr>
                 <a:defRPr/>
               </a:pPr>
-              <a:t>02.03.22</a:t>
+              <a:t>29.04.22</a:t>
             </a:fld>
             <a:endParaRPr lang="en-DE"/>
           </a:p>
@@ -2768,8 +2766,8 @@
         </p:nvSpPr>
         <p:spPr>
           <a:xfrm>
-            <a:off x="4293116" y="7676177"/>
-            <a:ext cx="4374118" cy="440939"/>
+            <a:off x="3458051" y="8341240"/>
+            <a:ext cx="3523298" cy="479142"/>
           </a:xfrm>
           <a:prstGeom prst="rect">
             <a:avLst/>
@@ -2779,7 +2777,7 @@
           <a:bodyPr vert="horz" lIns="91440" tIns="45720" rIns="91440" bIns="45720" rtlCol="0" anchor="ctr"/>
           <a:lstStyle>
             <a:lvl1pPr algn="ctr">
-              <a:defRPr sz="1276">
+              <a:defRPr sz="1370">
                 <a:solidFill>
                   <a:schemeClr val="tx1">
                     <a:tint val="75000"/>
@@ -2808,8 +2806,8 @@
         </p:nvSpPr>
         <p:spPr>
           <a:xfrm>
-            <a:off x="9153247" y="7676177"/>
-            <a:ext cx="2916079" cy="440939"/>
+            <a:off x="7372826" y="8341240"/>
+            <a:ext cx="2348865" cy="479142"/>
           </a:xfrm>
           <a:prstGeom prst="rect">
             <a:avLst/>
@@ -2819,7 +2817,7 @@
           <a:bodyPr vert="horz" lIns="91440" tIns="45720" rIns="91440" bIns="45720" rtlCol="0" anchor="ctr"/>
           <a:lstStyle>
             <a:lvl1pPr algn="r">
-              <a:defRPr sz="1276">
+              <a:defRPr sz="1370">
                 <a:solidFill>
                   <a:schemeClr val="tx1">
                     <a:tint val="75000"/>
@@ -2846,27 +2844,27 @@
     </p:spTree>
     <p:extLst>
       <p:ext uri="{BB962C8B-B14F-4D97-AF65-F5344CB8AC3E}">
-        <p14:creationId xmlns:p14="http://schemas.microsoft.com/office/powerpoint/2010/main" val="2645764422"/>
+        <p14:creationId xmlns:p14="http://schemas.microsoft.com/office/powerpoint/2010/main" val="2168034404"/>
       </p:ext>
     </p:extLst>
   </p:cSld>
   <p:clrMap bg1="lt1" tx1="dk1" bg2="lt2" tx2="dk2" accent1="accent1" accent2="accent2" accent3="accent3" accent4="accent4" accent5="accent5" accent6="accent6" hlink="hlink" folHlink="folHlink"/>
   <p:sldLayoutIdLst>
-    <p:sldLayoutId id="2147483745" r:id="rId1"/>
-    <p:sldLayoutId id="2147483746" r:id="rId2"/>
-    <p:sldLayoutId id="2147483747" r:id="rId3"/>
-    <p:sldLayoutId id="2147483748" r:id="rId4"/>
-    <p:sldLayoutId id="2147483749" r:id="rId5"/>
-    <p:sldLayoutId id="2147483750" r:id="rId6"/>
-    <p:sldLayoutId id="2147483751" r:id="rId7"/>
-    <p:sldLayoutId id="2147483752" r:id="rId8"/>
-    <p:sldLayoutId id="2147483753" r:id="rId9"/>
-    <p:sldLayoutId id="2147483754" r:id="rId10"/>
-    <p:sldLayoutId id="2147483755" r:id="rId11"/>
+    <p:sldLayoutId id="2147483781" r:id="rId1"/>
+    <p:sldLayoutId id="2147483782" r:id="rId2"/>
+    <p:sldLayoutId id="2147483783" r:id="rId3"/>
+    <p:sldLayoutId id="2147483784" r:id="rId4"/>
+    <p:sldLayoutId id="2147483785" r:id="rId5"/>
+    <p:sldLayoutId id="2147483786" r:id="rId6"/>
+    <p:sldLayoutId id="2147483787" r:id="rId7"/>
+    <p:sldLayoutId id="2147483788" r:id="rId8"/>
+    <p:sldLayoutId id="2147483789" r:id="rId9"/>
+    <p:sldLayoutId id="2147483790" r:id="rId10"/>
+    <p:sldLayoutId id="2147483791" r:id="rId11"/>
   </p:sldLayoutIdLst>
   <p:txStyles>
     <p:titleStyle>
-      <a:lvl1pPr algn="l" defTabSz="972007" rtl="0" eaLnBrk="1" latinLnBrk="0" hangingPunct="1">
+      <a:lvl1pPr algn="l" defTabSz="1043970" rtl="0" eaLnBrk="1" latinLnBrk="0" hangingPunct="1">
         <a:lnSpc>
           <a:spcPct val="90000"/>
         </a:lnSpc>
@@ -2874,7 +2872,7 @@
           <a:spcPct val="0"/>
         </a:spcBef>
         <a:buNone/>
-        <a:defRPr sz="4677" kern="1200">
+        <a:defRPr sz="5023" kern="1200">
           <a:solidFill>
             <a:schemeClr val="tx1"/>
           </a:solidFill>
@@ -2885,16 +2883,16 @@
       </a:lvl1pPr>
     </p:titleStyle>
     <p:bodyStyle>
-      <a:lvl1pPr marL="243002" indent="-243002" algn="l" defTabSz="972007" rtl="0" eaLnBrk="1" latinLnBrk="0" hangingPunct="1">
+      <a:lvl1pPr marL="260993" indent="-260993" algn="l" defTabSz="1043970" rtl="0" eaLnBrk="1" latinLnBrk="0" hangingPunct="1">
         <a:lnSpc>
           <a:spcPct val="90000"/>
         </a:lnSpc>
         <a:spcBef>
-          <a:spcPts val="1063"/>
+          <a:spcPts val="1142"/>
         </a:spcBef>
         <a:buFont typeface="Arial" panose="020B0604020202020204" pitchFamily="34" charset="0"/>
         <a:buChar char="•"/>
-        <a:defRPr sz="2976" kern="1200">
+        <a:defRPr sz="3197" kern="1200">
           <a:solidFill>
             <a:schemeClr val="tx1"/>
           </a:solidFill>
@@ -2903,16 +2901,16 @@
           <a:cs typeface="+mn-cs"/>
         </a:defRPr>
       </a:lvl1pPr>
-      <a:lvl2pPr marL="729005" indent="-243002" algn="l" defTabSz="972007" rtl="0" eaLnBrk="1" latinLnBrk="0" hangingPunct="1">
+      <a:lvl2pPr marL="782978" indent="-260993" algn="l" defTabSz="1043970" rtl="0" eaLnBrk="1" latinLnBrk="0" hangingPunct="1">
         <a:lnSpc>
           <a:spcPct val="90000"/>
         </a:lnSpc>
         <a:spcBef>
-          <a:spcPts val="532"/>
+          <a:spcPts val="571"/>
         </a:spcBef>
         <a:buFont typeface="Arial" panose="020B0604020202020204" pitchFamily="34" charset="0"/>
         <a:buChar char="•"/>
-        <a:defRPr sz="2551" kern="1200">
+        <a:defRPr sz="2740" kern="1200">
           <a:solidFill>
             <a:schemeClr val="tx1"/>
           </a:solidFill>
@@ -2921,16 +2919,16 @@
           <a:cs typeface="+mn-cs"/>
         </a:defRPr>
       </a:lvl2pPr>
-      <a:lvl3pPr marL="1215009" indent="-243002" algn="l" defTabSz="972007" rtl="0" eaLnBrk="1" latinLnBrk="0" hangingPunct="1">
+      <a:lvl3pPr marL="1304963" indent="-260993" algn="l" defTabSz="1043970" rtl="0" eaLnBrk="1" latinLnBrk="0" hangingPunct="1">
         <a:lnSpc>
           <a:spcPct val="90000"/>
         </a:lnSpc>
         <a:spcBef>
-          <a:spcPts val="532"/>
+          <a:spcPts val="571"/>
         </a:spcBef>
         <a:buFont typeface="Arial" panose="020B0604020202020204" pitchFamily="34" charset="0"/>
         <a:buChar char="•"/>
-        <a:defRPr sz="2126" kern="1200">
+        <a:defRPr sz="2283" kern="1200">
           <a:solidFill>
             <a:schemeClr val="tx1"/>
           </a:solidFill>
@@ -2939,16 +2937,16 @@
           <a:cs typeface="+mn-cs"/>
         </a:defRPr>
       </a:lvl3pPr>
-      <a:lvl4pPr marL="1701013" indent="-243002" algn="l" defTabSz="972007" rtl="0" eaLnBrk="1" latinLnBrk="0" hangingPunct="1">
+      <a:lvl4pPr marL="1826948" indent="-260993" algn="l" defTabSz="1043970" rtl="0" eaLnBrk="1" latinLnBrk="0" hangingPunct="1">
         <a:lnSpc>
           <a:spcPct val="90000"/>
         </a:lnSpc>
         <a:spcBef>
-          <a:spcPts val="532"/>
+          <a:spcPts val="571"/>
         </a:spcBef>
         <a:buFont typeface="Arial" panose="020B0604020202020204" pitchFamily="34" charset="0"/>
         <a:buChar char="•"/>
-        <a:defRPr sz="1913" kern="1200">
+        <a:defRPr sz="2055" kern="1200">
           <a:solidFill>
             <a:schemeClr val="tx1"/>
           </a:solidFill>
@@ -2957,16 +2955,16 @@
           <a:cs typeface="+mn-cs"/>
         </a:defRPr>
       </a:lvl4pPr>
-      <a:lvl5pPr marL="2187016" indent="-243002" algn="l" defTabSz="972007" rtl="0" eaLnBrk="1" latinLnBrk="0" hangingPunct="1">
+      <a:lvl5pPr marL="2348934" indent="-260993" algn="l" defTabSz="1043970" rtl="0" eaLnBrk="1" latinLnBrk="0" hangingPunct="1">
         <a:lnSpc>
           <a:spcPct val="90000"/>
         </a:lnSpc>
         <a:spcBef>
-          <a:spcPts val="532"/>
+          <a:spcPts val="571"/>
         </a:spcBef>
         <a:buFont typeface="Arial" panose="020B0604020202020204" pitchFamily="34" charset="0"/>
         <a:buChar char="•"/>
-        <a:defRPr sz="1913" kern="1200">
+        <a:defRPr sz="2055" kern="1200">
           <a:solidFill>
             <a:schemeClr val="tx1"/>
           </a:solidFill>
@@ -2975,16 +2973,16 @@
           <a:cs typeface="+mn-cs"/>
         </a:defRPr>
       </a:lvl5pPr>
-      <a:lvl6pPr marL="2673020" indent="-243002" algn="l" defTabSz="972007" rtl="0" eaLnBrk="1" latinLnBrk="0" hangingPunct="1">
+      <a:lvl6pPr marL="2870919" indent="-260993" algn="l" defTabSz="1043970" rtl="0" eaLnBrk="1" latinLnBrk="0" hangingPunct="1">
         <a:lnSpc>
           <a:spcPct val="90000"/>
         </a:lnSpc>
         <a:spcBef>
-          <a:spcPts val="532"/>
+          <a:spcPts val="571"/>
         </a:spcBef>
         <a:buFont typeface="Arial" panose="020B0604020202020204" pitchFamily="34" charset="0"/>
         <a:buChar char="•"/>
-        <a:defRPr sz="1913" kern="1200">
+        <a:defRPr sz="2055" kern="1200">
           <a:solidFill>
             <a:schemeClr val="tx1"/>
           </a:solidFill>
@@ -2993,16 +2991,16 @@
           <a:cs typeface="+mn-cs"/>
         </a:defRPr>
       </a:lvl6pPr>
-      <a:lvl7pPr marL="3159023" indent="-243002" algn="l" defTabSz="972007" rtl="0" eaLnBrk="1" latinLnBrk="0" hangingPunct="1">
+      <a:lvl7pPr marL="3392904" indent="-260993" algn="l" defTabSz="1043970" rtl="0" eaLnBrk="1" latinLnBrk="0" hangingPunct="1">
         <a:lnSpc>
           <a:spcPct val="90000"/>
         </a:lnSpc>
         <a:spcBef>
-          <a:spcPts val="532"/>
+          <a:spcPts val="571"/>
         </a:spcBef>
         <a:buFont typeface="Arial" panose="020B0604020202020204" pitchFamily="34" charset="0"/>
         <a:buChar char="•"/>
-        <a:defRPr sz="1913" kern="1200">
+        <a:defRPr sz="2055" kern="1200">
           <a:solidFill>
             <a:schemeClr val="tx1"/>
           </a:solidFill>
@@ -3011,16 +3009,16 @@
           <a:cs typeface="+mn-cs"/>
         </a:defRPr>
       </a:lvl7pPr>
-      <a:lvl8pPr marL="3645027" indent="-243002" algn="l" defTabSz="972007" rtl="0" eaLnBrk="1" latinLnBrk="0" hangingPunct="1">
+      <a:lvl8pPr marL="3914889" indent="-260993" algn="l" defTabSz="1043970" rtl="0" eaLnBrk="1" latinLnBrk="0" hangingPunct="1">
         <a:lnSpc>
           <a:spcPct val="90000"/>
         </a:lnSpc>
         <a:spcBef>
-          <a:spcPts val="532"/>
+          <a:spcPts val="571"/>
         </a:spcBef>
         <a:buFont typeface="Arial" panose="020B0604020202020204" pitchFamily="34" charset="0"/>
         <a:buChar char="•"/>
-        <a:defRPr sz="1913" kern="1200">
+        <a:defRPr sz="2055" kern="1200">
           <a:solidFill>
             <a:schemeClr val="tx1"/>
           </a:solidFill>
@@ -3029,16 +3027,16 @@
           <a:cs typeface="+mn-cs"/>
         </a:defRPr>
       </a:lvl8pPr>
-      <a:lvl9pPr marL="4131031" indent="-243002" algn="l" defTabSz="972007" rtl="0" eaLnBrk="1" latinLnBrk="0" hangingPunct="1">
+      <a:lvl9pPr marL="4436875" indent="-260993" algn="l" defTabSz="1043970" rtl="0" eaLnBrk="1" latinLnBrk="0" hangingPunct="1">
         <a:lnSpc>
           <a:spcPct val="90000"/>
         </a:lnSpc>
         <a:spcBef>
-          <a:spcPts val="532"/>
+          <a:spcPts val="571"/>
         </a:spcBef>
         <a:buFont typeface="Arial" panose="020B0604020202020204" pitchFamily="34" charset="0"/>
         <a:buChar char="•"/>
-        <a:defRPr sz="1913" kern="1200">
+        <a:defRPr sz="2055" kern="1200">
           <a:solidFill>
             <a:schemeClr val="tx1"/>
           </a:solidFill>
@@ -3052,8 +3050,8 @@
       <a:defPPr>
         <a:defRPr lang="en-US"/>
       </a:defPPr>
-      <a:lvl1pPr marL="0" algn="l" defTabSz="972007" rtl="0" eaLnBrk="1" latinLnBrk="0" hangingPunct="1">
-        <a:defRPr sz="1913" kern="1200">
+      <a:lvl1pPr marL="0" algn="l" defTabSz="1043970" rtl="0" eaLnBrk="1" latinLnBrk="0" hangingPunct="1">
+        <a:defRPr sz="2055" kern="1200">
           <a:solidFill>
             <a:schemeClr val="tx1"/>
           </a:solidFill>
@@ -3062,8 +3060,8 @@
           <a:cs typeface="+mn-cs"/>
         </a:defRPr>
       </a:lvl1pPr>
-      <a:lvl2pPr marL="486004" algn="l" defTabSz="972007" rtl="0" eaLnBrk="1" latinLnBrk="0" hangingPunct="1">
-        <a:defRPr sz="1913" kern="1200">
+      <a:lvl2pPr marL="521985" algn="l" defTabSz="1043970" rtl="0" eaLnBrk="1" latinLnBrk="0" hangingPunct="1">
+        <a:defRPr sz="2055" kern="1200">
           <a:solidFill>
             <a:schemeClr val="tx1"/>
           </a:solidFill>
@@ -3072,8 +3070,8 @@
           <a:cs typeface="+mn-cs"/>
         </a:defRPr>
       </a:lvl2pPr>
-      <a:lvl3pPr marL="972007" algn="l" defTabSz="972007" rtl="0" eaLnBrk="1" latinLnBrk="0" hangingPunct="1">
-        <a:defRPr sz="1913" kern="1200">
+      <a:lvl3pPr marL="1043970" algn="l" defTabSz="1043970" rtl="0" eaLnBrk="1" latinLnBrk="0" hangingPunct="1">
+        <a:defRPr sz="2055" kern="1200">
           <a:solidFill>
             <a:schemeClr val="tx1"/>
           </a:solidFill>
@@ -3082,8 +3080,8 @@
           <a:cs typeface="+mn-cs"/>
         </a:defRPr>
       </a:lvl3pPr>
-      <a:lvl4pPr marL="1458011" algn="l" defTabSz="972007" rtl="0" eaLnBrk="1" latinLnBrk="0" hangingPunct="1">
-        <a:defRPr sz="1913" kern="1200">
+      <a:lvl4pPr marL="1565956" algn="l" defTabSz="1043970" rtl="0" eaLnBrk="1" latinLnBrk="0" hangingPunct="1">
+        <a:defRPr sz="2055" kern="1200">
           <a:solidFill>
             <a:schemeClr val="tx1"/>
           </a:solidFill>
@@ -3092,8 +3090,8 @@
           <a:cs typeface="+mn-cs"/>
         </a:defRPr>
       </a:lvl4pPr>
-      <a:lvl5pPr marL="1944014" algn="l" defTabSz="972007" rtl="0" eaLnBrk="1" latinLnBrk="0" hangingPunct="1">
-        <a:defRPr sz="1913" kern="1200">
+      <a:lvl5pPr marL="2087941" algn="l" defTabSz="1043970" rtl="0" eaLnBrk="1" latinLnBrk="0" hangingPunct="1">
+        <a:defRPr sz="2055" kern="1200">
           <a:solidFill>
             <a:schemeClr val="tx1"/>
           </a:solidFill>
@@ -3102,8 +3100,8 @@
           <a:cs typeface="+mn-cs"/>
         </a:defRPr>
       </a:lvl5pPr>
-      <a:lvl6pPr marL="2430018" algn="l" defTabSz="972007" rtl="0" eaLnBrk="1" latinLnBrk="0" hangingPunct="1">
-        <a:defRPr sz="1913" kern="1200">
+      <a:lvl6pPr marL="2609926" algn="l" defTabSz="1043970" rtl="0" eaLnBrk="1" latinLnBrk="0" hangingPunct="1">
+        <a:defRPr sz="2055" kern="1200">
           <a:solidFill>
             <a:schemeClr val="tx1"/>
           </a:solidFill>
@@ -3112,8 +3110,8 @@
           <a:cs typeface="+mn-cs"/>
         </a:defRPr>
       </a:lvl6pPr>
-      <a:lvl7pPr marL="2916022" algn="l" defTabSz="972007" rtl="0" eaLnBrk="1" latinLnBrk="0" hangingPunct="1">
-        <a:defRPr sz="1913" kern="1200">
+      <a:lvl7pPr marL="3131911" algn="l" defTabSz="1043970" rtl="0" eaLnBrk="1" latinLnBrk="0" hangingPunct="1">
+        <a:defRPr sz="2055" kern="1200">
           <a:solidFill>
             <a:schemeClr val="tx1"/>
           </a:solidFill>
@@ -3122,8 +3120,8 @@
           <a:cs typeface="+mn-cs"/>
         </a:defRPr>
       </a:lvl7pPr>
-      <a:lvl8pPr marL="3402025" algn="l" defTabSz="972007" rtl="0" eaLnBrk="1" latinLnBrk="0" hangingPunct="1">
-        <a:defRPr sz="1913" kern="1200">
+      <a:lvl8pPr marL="3653897" algn="l" defTabSz="1043970" rtl="0" eaLnBrk="1" latinLnBrk="0" hangingPunct="1">
+        <a:defRPr sz="2055" kern="1200">
           <a:solidFill>
             <a:schemeClr val="tx1"/>
           </a:solidFill>
@@ -3132,8 +3130,8 @@
           <a:cs typeface="+mn-cs"/>
         </a:defRPr>
       </a:lvl8pPr>
-      <a:lvl9pPr marL="3888029" algn="l" defTabSz="972007" rtl="0" eaLnBrk="1" latinLnBrk="0" hangingPunct="1">
-        <a:defRPr sz="1913" kern="1200">
+      <a:lvl9pPr marL="4175882" algn="l" defTabSz="1043970" rtl="0" eaLnBrk="1" latinLnBrk="0" hangingPunct="1">
+        <a:defRPr sz="2055" kern="1200">
           <a:solidFill>
             <a:schemeClr val="tx1"/>
           </a:solidFill>
@@ -3166,10 +3164,10 @@
       </p:grpSpPr>
       <p:pic>
         <p:nvPicPr>
-          <p:cNvPr id="9" name="Picture 8">
+          <p:cNvPr id="12" name="Picture 11">
             <a:extLst>
               <a:ext uri="{FF2B5EF4-FFF2-40B4-BE49-F238E27FC236}">
-                <a16:creationId xmlns:a16="http://schemas.microsoft.com/office/drawing/2014/main" id="{5D33CEFE-2577-8246-B3D6-A21332162EEF}"/>
+                <a16:creationId xmlns:a16="http://schemas.microsoft.com/office/drawing/2014/main" id="{F08F2BB7-7611-FF63-8641-E46734E5DCB7}"/>
               </a:ext>
             </a:extLst>
           </p:cNvPr>
@@ -3185,8 +3183,8 @@
         </p:blipFill>
         <p:spPr>
           <a:xfrm>
-            <a:off x="7733219" y="178901"/>
-            <a:ext cx="5026338" cy="4639696"/>
+            <a:off x="3778771" y="84024"/>
+            <a:ext cx="6476288" cy="6685200"/>
           </a:xfrm>
           <a:prstGeom prst="rect">
             <a:avLst/>
@@ -3209,8 +3207,8 @@
         </p:nvSpPr>
         <p:spPr bwMode="auto">
           <a:xfrm>
-            <a:off x="119038" y="97314"/>
-            <a:ext cx="477710" cy="599561"/>
+            <a:off x="7904" y="26951"/>
+            <a:ext cx="477710" cy="523220"/>
           </a:xfrm>
           <a:prstGeom prst="rect">
             <a:avLst/>
@@ -3344,7 +3342,7 @@
           <a:p>
             <a:pPr algn="ctr" eaLnBrk="1" hangingPunct="1"/>
             <a:r>
-              <a:rPr lang="en-DE" altLang="en-DE" sz="3200" b="1" dirty="0">
+              <a:rPr lang="en-DE" altLang="en-DE" sz="2800" b="1" dirty="0">
                 <a:latin typeface="Arial" panose="020B0604020202020204" pitchFamily="34" charset="0"/>
                 <a:cs typeface="Arial" panose="020B0604020202020204" pitchFamily="34" charset="0"/>
               </a:rPr>
@@ -3369,8 +3367,8 @@
         </p:nvSpPr>
         <p:spPr bwMode="auto">
           <a:xfrm>
-            <a:off x="114505" y="2921077"/>
-            <a:ext cx="477710" cy="599561"/>
+            <a:off x="3927245" y="26951"/>
+            <a:ext cx="477710" cy="523220"/>
           </a:xfrm>
           <a:prstGeom prst="rect">
             <a:avLst/>
@@ -3504,7 +3502,7 @@
           <a:p>
             <a:pPr algn="ctr" eaLnBrk="1" hangingPunct="1"/>
             <a:r>
-              <a:rPr lang="en-DE" altLang="en-DE" sz="3200" b="1" dirty="0">
+              <a:rPr lang="en-DE" altLang="en-DE" sz="2800" b="1" dirty="0">
                 <a:latin typeface="Arial" panose="020B0604020202020204" pitchFamily="34" charset="0"/>
                 <a:cs typeface="Arial" panose="020B0604020202020204" pitchFamily="34" charset="0"/>
               </a:rPr>
@@ -3513,12 +3511,332 @@
           </a:p>
         </p:txBody>
       </p:sp>
+      <p:sp>
+        <p:nvSpPr>
+          <p:cNvPr id="16" name="TextBox 4">
+            <a:extLst>
+              <a:ext uri="{FF2B5EF4-FFF2-40B4-BE49-F238E27FC236}">
+                <a16:creationId xmlns:a16="http://schemas.microsoft.com/office/drawing/2014/main" id="{18D58B1B-CBDE-734C-9FF5-FDAB39841F5C}"/>
+              </a:ext>
+            </a:extLst>
+          </p:cNvPr>
+          <p:cNvSpPr txBox="1">
+            <a:spLocks noChangeArrowheads="1"/>
+          </p:cNvSpPr>
+          <p:nvPr/>
+        </p:nvSpPr>
+        <p:spPr bwMode="auto">
+          <a:xfrm>
+            <a:off x="3253297" y="6761639"/>
+            <a:ext cx="477710" cy="523220"/>
+          </a:xfrm>
+          <a:prstGeom prst="rect">
+            <a:avLst/>
+          </a:prstGeom>
+          <a:noFill/>
+          <a:ln>
+            <a:noFill/>
+          </a:ln>
+          <a:extLst>
+            <a:ext uri="{909E8E84-426E-40DD-AFC4-6F175D3DCCD1}">
+              <a14:hiddenFill xmlns:a14="http://schemas.microsoft.com/office/drawing/2010/main">
+                <a:solidFill>
+                  <a:srgbClr val="FFFFFF"/>
+                </a:solidFill>
+              </a14:hiddenFill>
+            </a:ext>
+            <a:ext uri="{91240B29-F687-4F45-9708-019B960494DF}">
+              <a14:hiddenLine xmlns:a14="http://schemas.microsoft.com/office/drawing/2010/main" w="9525">
+                <a:solidFill>
+                  <a:srgbClr val="000000"/>
+                </a:solidFill>
+                <a:miter lim="800000"/>
+                <a:headEnd/>
+                <a:tailEnd/>
+              </a14:hiddenLine>
+            </a:ext>
+          </a:extLst>
+        </p:spPr>
+        <p:txBody>
+          <a:bodyPr wrap="square">
+            <a:spAutoFit/>
+          </a:bodyPr>
+          <a:lstStyle>
+            <a:lvl1pPr>
+              <a:defRPr>
+                <a:solidFill>
+                  <a:schemeClr val="tx1"/>
+                </a:solidFill>
+                <a:latin typeface="Calibri" panose="020F0502020204030204" pitchFamily="34" charset="0"/>
+              </a:defRPr>
+            </a:lvl1pPr>
+            <a:lvl2pPr marL="742950" indent="-285750">
+              <a:defRPr>
+                <a:solidFill>
+                  <a:schemeClr val="tx1"/>
+                </a:solidFill>
+                <a:latin typeface="Calibri" panose="020F0502020204030204" pitchFamily="34" charset="0"/>
+              </a:defRPr>
+            </a:lvl2pPr>
+            <a:lvl3pPr marL="1143000" indent="-228600">
+              <a:defRPr>
+                <a:solidFill>
+                  <a:schemeClr val="tx1"/>
+                </a:solidFill>
+                <a:latin typeface="Calibri" panose="020F0502020204030204" pitchFamily="34" charset="0"/>
+              </a:defRPr>
+            </a:lvl3pPr>
+            <a:lvl4pPr marL="1600200" indent="-228600">
+              <a:defRPr>
+                <a:solidFill>
+                  <a:schemeClr val="tx1"/>
+                </a:solidFill>
+                <a:latin typeface="Calibri" panose="020F0502020204030204" pitchFamily="34" charset="0"/>
+              </a:defRPr>
+            </a:lvl4pPr>
+            <a:lvl5pPr marL="2057400" indent="-228600">
+              <a:defRPr>
+                <a:solidFill>
+                  <a:schemeClr val="tx1"/>
+                </a:solidFill>
+                <a:latin typeface="Calibri" panose="020F0502020204030204" pitchFamily="34" charset="0"/>
+              </a:defRPr>
+            </a:lvl5pPr>
+            <a:lvl6pPr marL="2514600" indent="-228600" defTabSz="457200" eaLnBrk="0" fontAlgn="base" hangingPunct="0">
+              <a:spcBef>
+                <a:spcPct val="0"/>
+              </a:spcBef>
+              <a:spcAft>
+                <a:spcPct val="0"/>
+              </a:spcAft>
+              <a:defRPr>
+                <a:solidFill>
+                  <a:schemeClr val="tx1"/>
+                </a:solidFill>
+                <a:latin typeface="Calibri" panose="020F0502020204030204" pitchFamily="34" charset="0"/>
+              </a:defRPr>
+            </a:lvl6pPr>
+            <a:lvl7pPr marL="2971800" indent="-228600" defTabSz="457200" eaLnBrk="0" fontAlgn="base" hangingPunct="0">
+              <a:spcBef>
+                <a:spcPct val="0"/>
+              </a:spcBef>
+              <a:spcAft>
+                <a:spcPct val="0"/>
+              </a:spcAft>
+              <a:defRPr>
+                <a:solidFill>
+                  <a:schemeClr val="tx1"/>
+                </a:solidFill>
+                <a:latin typeface="Calibri" panose="020F0502020204030204" pitchFamily="34" charset="0"/>
+              </a:defRPr>
+            </a:lvl7pPr>
+            <a:lvl8pPr marL="3429000" indent="-228600" defTabSz="457200" eaLnBrk="0" fontAlgn="base" hangingPunct="0">
+              <a:spcBef>
+                <a:spcPct val="0"/>
+              </a:spcBef>
+              <a:spcAft>
+                <a:spcPct val="0"/>
+              </a:spcAft>
+              <a:defRPr>
+                <a:solidFill>
+                  <a:schemeClr val="tx1"/>
+                </a:solidFill>
+                <a:latin typeface="Calibri" panose="020F0502020204030204" pitchFamily="34" charset="0"/>
+              </a:defRPr>
+            </a:lvl8pPr>
+            <a:lvl9pPr marL="3886200" indent="-228600" defTabSz="457200" eaLnBrk="0" fontAlgn="base" hangingPunct="0">
+              <a:spcBef>
+                <a:spcPct val="0"/>
+              </a:spcBef>
+              <a:spcAft>
+                <a:spcPct val="0"/>
+              </a:spcAft>
+              <a:defRPr>
+                <a:solidFill>
+                  <a:schemeClr val="tx1"/>
+                </a:solidFill>
+                <a:latin typeface="Calibri" panose="020F0502020204030204" pitchFamily="34" charset="0"/>
+              </a:defRPr>
+            </a:lvl9pPr>
+          </a:lstStyle>
+          <a:p>
+            <a:pPr algn="ctr" eaLnBrk="1" hangingPunct="1"/>
+            <a:r>
+              <a:rPr lang="en-DE" altLang="en-DE" sz="2800" b="1" dirty="0">
+                <a:latin typeface="Arial" panose="020B0604020202020204" pitchFamily="34" charset="0"/>
+                <a:cs typeface="Arial" panose="020B0604020202020204" pitchFamily="34" charset="0"/>
+              </a:rPr>
+              <a:t>C</a:t>
+            </a:r>
+          </a:p>
+        </p:txBody>
+      </p:sp>
+      <p:sp>
+        <p:nvSpPr>
+          <p:cNvPr id="31" name="TextBox 4">
+            <a:extLst>
+              <a:ext uri="{FF2B5EF4-FFF2-40B4-BE49-F238E27FC236}">
+                <a16:creationId xmlns:a16="http://schemas.microsoft.com/office/drawing/2014/main" id="{C742E70B-B676-4F41-B390-01141EC23DAF}"/>
+              </a:ext>
+            </a:extLst>
+          </p:cNvPr>
+          <p:cNvSpPr txBox="1">
+            <a:spLocks noChangeArrowheads="1"/>
+          </p:cNvSpPr>
+          <p:nvPr/>
+        </p:nvSpPr>
+        <p:spPr bwMode="auto">
+          <a:xfrm flipH="1">
+            <a:off x="6317162" y="32976"/>
+            <a:ext cx="483345" cy="523220"/>
+          </a:xfrm>
+          <a:prstGeom prst="rect">
+            <a:avLst/>
+          </a:prstGeom>
+          <a:noFill/>
+          <a:ln>
+            <a:noFill/>
+          </a:ln>
+          <a:extLst>
+            <a:ext uri="{909E8E84-426E-40DD-AFC4-6F175D3DCCD1}">
+              <a14:hiddenFill xmlns:a14="http://schemas.microsoft.com/office/drawing/2010/main">
+                <a:solidFill>
+                  <a:srgbClr val="FFFFFF"/>
+                </a:solidFill>
+              </a14:hiddenFill>
+            </a:ext>
+            <a:ext uri="{91240B29-F687-4F45-9708-019B960494DF}">
+              <a14:hiddenLine xmlns:a14="http://schemas.microsoft.com/office/drawing/2010/main" w="9525">
+                <a:solidFill>
+                  <a:srgbClr val="000000"/>
+                </a:solidFill>
+                <a:miter lim="800000"/>
+                <a:headEnd/>
+                <a:tailEnd/>
+              </a14:hiddenLine>
+            </a:ext>
+          </a:extLst>
+        </p:spPr>
+        <p:txBody>
+          <a:bodyPr wrap="square">
+            <a:spAutoFit/>
+          </a:bodyPr>
+          <a:lstStyle>
+            <a:lvl1pPr>
+              <a:defRPr>
+                <a:solidFill>
+                  <a:schemeClr val="tx1"/>
+                </a:solidFill>
+                <a:latin typeface="Calibri" panose="020F0502020204030204" pitchFamily="34" charset="0"/>
+              </a:defRPr>
+            </a:lvl1pPr>
+            <a:lvl2pPr marL="742950" indent="-285750">
+              <a:defRPr>
+                <a:solidFill>
+                  <a:schemeClr val="tx1"/>
+                </a:solidFill>
+                <a:latin typeface="Calibri" panose="020F0502020204030204" pitchFamily="34" charset="0"/>
+              </a:defRPr>
+            </a:lvl2pPr>
+            <a:lvl3pPr marL="1143000" indent="-228600">
+              <a:defRPr>
+                <a:solidFill>
+                  <a:schemeClr val="tx1"/>
+                </a:solidFill>
+                <a:latin typeface="Calibri" panose="020F0502020204030204" pitchFamily="34" charset="0"/>
+              </a:defRPr>
+            </a:lvl3pPr>
+            <a:lvl4pPr marL="1600200" indent="-228600">
+              <a:defRPr>
+                <a:solidFill>
+                  <a:schemeClr val="tx1"/>
+                </a:solidFill>
+                <a:latin typeface="Calibri" panose="020F0502020204030204" pitchFamily="34" charset="0"/>
+              </a:defRPr>
+            </a:lvl4pPr>
+            <a:lvl5pPr marL="2057400" indent="-228600">
+              <a:defRPr>
+                <a:solidFill>
+                  <a:schemeClr val="tx1"/>
+                </a:solidFill>
+                <a:latin typeface="Calibri" panose="020F0502020204030204" pitchFamily="34" charset="0"/>
+              </a:defRPr>
+            </a:lvl5pPr>
+            <a:lvl6pPr marL="2514600" indent="-228600" defTabSz="457200" eaLnBrk="0" fontAlgn="base" hangingPunct="0">
+              <a:spcBef>
+                <a:spcPct val="0"/>
+              </a:spcBef>
+              <a:spcAft>
+                <a:spcPct val="0"/>
+              </a:spcAft>
+              <a:defRPr>
+                <a:solidFill>
+                  <a:schemeClr val="tx1"/>
+                </a:solidFill>
+                <a:latin typeface="Calibri" panose="020F0502020204030204" pitchFamily="34" charset="0"/>
+              </a:defRPr>
+            </a:lvl6pPr>
+            <a:lvl7pPr marL="2971800" indent="-228600" defTabSz="457200" eaLnBrk="0" fontAlgn="base" hangingPunct="0">
+              <a:spcBef>
+                <a:spcPct val="0"/>
+              </a:spcBef>
+              <a:spcAft>
+                <a:spcPct val="0"/>
+              </a:spcAft>
+              <a:defRPr>
+                <a:solidFill>
+                  <a:schemeClr val="tx1"/>
+                </a:solidFill>
+                <a:latin typeface="Calibri" panose="020F0502020204030204" pitchFamily="34" charset="0"/>
+              </a:defRPr>
+            </a:lvl7pPr>
+            <a:lvl8pPr marL="3429000" indent="-228600" defTabSz="457200" eaLnBrk="0" fontAlgn="base" hangingPunct="0">
+              <a:spcBef>
+                <a:spcPct val="0"/>
+              </a:spcBef>
+              <a:spcAft>
+                <a:spcPct val="0"/>
+              </a:spcAft>
+              <a:defRPr>
+                <a:solidFill>
+                  <a:schemeClr val="tx1"/>
+                </a:solidFill>
+                <a:latin typeface="Calibri" panose="020F0502020204030204" pitchFamily="34" charset="0"/>
+              </a:defRPr>
+            </a:lvl8pPr>
+            <a:lvl9pPr marL="3886200" indent="-228600" defTabSz="457200" eaLnBrk="0" fontAlgn="base" hangingPunct="0">
+              <a:spcBef>
+                <a:spcPct val="0"/>
+              </a:spcBef>
+              <a:spcAft>
+                <a:spcPct val="0"/>
+              </a:spcAft>
+              <a:defRPr>
+                <a:solidFill>
+                  <a:schemeClr val="tx1"/>
+                </a:solidFill>
+                <a:latin typeface="Calibri" panose="020F0502020204030204" pitchFamily="34" charset="0"/>
+              </a:defRPr>
+            </a:lvl9pPr>
+          </a:lstStyle>
+          <a:p>
+            <a:pPr algn="ctr" eaLnBrk="1" hangingPunct="1"/>
+            <a:r>
+              <a:rPr lang="en-DE" altLang="en-DE" sz="2800" b="1" dirty="0">
+                <a:latin typeface="Arial" panose="020B0604020202020204" pitchFamily="34" charset="0"/>
+                <a:cs typeface="Arial" panose="020B0604020202020204" pitchFamily="34" charset="0"/>
+              </a:rPr>
+              <a:t>D</a:t>
+            </a:r>
+          </a:p>
+        </p:txBody>
+      </p:sp>
       <p:pic>
         <p:nvPicPr>
-          <p:cNvPr id="13" name="Picture 12">
+          <p:cNvPr id="6" name="Picture 5">
             <a:extLst>
               <a:ext uri="{FF2B5EF4-FFF2-40B4-BE49-F238E27FC236}">
-                <a16:creationId xmlns:a16="http://schemas.microsoft.com/office/drawing/2014/main" id="{C4C03E87-0344-2641-B531-F2C13C44EA3C}"/>
+                <a16:creationId xmlns:a16="http://schemas.microsoft.com/office/drawing/2014/main" id="{FEFB9AEC-7D00-4074-FFF1-2490D4469824}"/>
               </a:ext>
             </a:extLst>
           </p:cNvPr>
@@ -3534,430 +3852,1016 @@
         </p:blipFill>
         <p:spPr>
           <a:xfrm>
-            <a:off x="8010329" y="4014039"/>
-            <a:ext cx="4218850" cy="4077752"/>
+            <a:off x="487593" y="77176"/>
+            <a:ext cx="3353898" cy="8830800"/>
           </a:xfrm>
           <a:prstGeom prst="rect">
             <a:avLst/>
           </a:prstGeom>
         </p:spPr>
       </p:pic>
-      <p:sp>
-        <p:nvSpPr>
-          <p:cNvPr id="16" name="TextBox 4">
+      <p:grpSp>
+        <p:nvGrpSpPr>
+          <p:cNvPr id="15" name="Group 14">
             <a:extLst>
               <a:ext uri="{FF2B5EF4-FFF2-40B4-BE49-F238E27FC236}">
-                <a16:creationId xmlns:a16="http://schemas.microsoft.com/office/drawing/2014/main" id="{18D58B1B-CBDE-734C-9FF5-FDAB39841F5C}"/>
+                <a16:creationId xmlns:a16="http://schemas.microsoft.com/office/drawing/2014/main" id="{C4A89295-C8A6-197B-CA3F-D04A9186726A}"/>
               </a:ext>
             </a:extLst>
           </p:cNvPr>
-          <p:cNvSpPr txBox="1">
-            <a:spLocks noChangeArrowheads="1"/>
-          </p:cNvSpPr>
+          <p:cNvGrpSpPr>
+            <a:grpSpLocks noChangeAspect="1"/>
+          </p:cNvGrpSpPr>
           <p:nvPr/>
-        </p:nvSpPr>
-        <p:spPr bwMode="auto">
+        </p:nvGrpSpPr>
+        <p:grpSpPr>
           <a:xfrm>
-            <a:off x="114505" y="5847954"/>
-            <a:ext cx="477710" cy="599561"/>
+            <a:off x="3545321" y="6871017"/>
+            <a:ext cx="6615832" cy="2044800"/>
+            <a:chOff x="3348371" y="6812234"/>
+            <a:chExt cx="6615832" cy="2043562"/>
           </a:xfrm>
-          <a:prstGeom prst="rect">
-            <a:avLst/>
-          </a:prstGeom>
-          <a:noFill/>
-          <a:ln>
-            <a:noFill/>
-          </a:ln>
-          <a:extLst>
-            <a:ext uri="{909E8E84-426E-40DD-AFC4-6F175D3DCCD1}">
-              <a14:hiddenFill xmlns:a14="http://schemas.microsoft.com/office/drawing/2010/main">
-                <a:solidFill>
-                  <a:srgbClr val="FFFFFF"/>
-                </a:solidFill>
-              </a14:hiddenFill>
-            </a:ext>
-            <a:ext uri="{91240B29-F687-4F45-9708-019B960494DF}">
-              <a14:hiddenLine xmlns:a14="http://schemas.microsoft.com/office/drawing/2010/main" w="9525">
-                <a:solidFill>
-                  <a:srgbClr val="000000"/>
-                </a:solidFill>
-                <a:miter lim="800000"/>
-                <a:headEnd/>
-                <a:tailEnd/>
-              </a14:hiddenLine>
-            </a:ext>
-          </a:extLst>
-        </p:spPr>
-        <p:txBody>
-          <a:bodyPr wrap="square">
-            <a:spAutoFit/>
-          </a:bodyPr>
-          <a:lstStyle>
-            <a:lvl1pPr>
-              <a:defRPr>
+        </p:grpSpPr>
+        <p:grpSp>
+          <p:nvGrpSpPr>
+            <p:cNvPr id="2" name="Group 1">
+              <a:extLst>
+                <a:ext uri="{FF2B5EF4-FFF2-40B4-BE49-F238E27FC236}">
+                  <a16:creationId xmlns:a16="http://schemas.microsoft.com/office/drawing/2014/main" id="{591A9965-B890-3247-94B2-DD3322639C78}"/>
+                </a:ext>
+              </a:extLst>
+            </p:cNvPr>
+            <p:cNvGrpSpPr/>
+            <p:nvPr/>
+          </p:nvGrpSpPr>
+          <p:grpSpPr>
+            <a:xfrm>
+              <a:off x="3348371" y="6812234"/>
+              <a:ext cx="6404882" cy="2043562"/>
+              <a:chOff x="481553" y="5941507"/>
+              <a:chExt cx="7093723" cy="2263346"/>
+            </a:xfrm>
+          </p:grpSpPr>
+          <p:pic>
+            <p:nvPicPr>
+              <p:cNvPr id="14" name="Picture 13">
+                <a:extLst>
+                  <a:ext uri="{FF2B5EF4-FFF2-40B4-BE49-F238E27FC236}">
+                    <a16:creationId xmlns:a16="http://schemas.microsoft.com/office/drawing/2014/main" id="{EC52B794-E796-5C43-BECB-EB2FB6943718}"/>
+                  </a:ext>
+                </a:extLst>
+              </p:cNvPr>
+              <p:cNvPicPr>
+                <a:picLocks noChangeAspect="1"/>
+              </p:cNvPicPr>
+              <p:nvPr/>
+            </p:nvPicPr>
+            <p:blipFill>
+              <a:blip r:embed="rId4"/>
+              <a:srcRect/>
+              <a:stretch/>
+            </p:blipFill>
+            <p:spPr>
+              <a:xfrm>
+                <a:off x="821745" y="5941507"/>
+                <a:ext cx="6753531" cy="2263346"/>
+              </a:xfrm>
+              <a:prstGeom prst="rect">
+                <a:avLst/>
+              </a:prstGeom>
+            </p:spPr>
+          </p:pic>
+          <p:sp>
+            <p:nvSpPr>
+              <p:cNvPr id="24" name="Rectangle 23">
+                <a:extLst>
+                  <a:ext uri="{FF2B5EF4-FFF2-40B4-BE49-F238E27FC236}">
+                    <a16:creationId xmlns:a16="http://schemas.microsoft.com/office/drawing/2014/main" id="{6E2F11B3-481B-4849-829B-7B44A3EAE550}"/>
+                  </a:ext>
+                </a:extLst>
+              </p:cNvPr>
+              <p:cNvSpPr/>
+              <p:nvPr/>
+            </p:nvSpPr>
+            <p:spPr>
+              <a:xfrm>
+                <a:off x="2049221" y="6356272"/>
+                <a:ext cx="324000" cy="324000"/>
+              </a:xfrm>
+              <a:prstGeom prst="rect">
+                <a:avLst/>
+              </a:prstGeom>
+              <a:noFill/>
+              <a:ln w="22225">
                 <a:solidFill>
                   <a:schemeClr val="tx1"/>
                 </a:solidFill>
-                <a:latin typeface="Calibri" panose="020F0502020204030204" pitchFamily="34" charset="0"/>
-              </a:defRPr>
-            </a:lvl1pPr>
-            <a:lvl2pPr marL="742950" indent="-285750">
-              <a:defRPr>
+              </a:ln>
+            </p:spPr>
+            <p:style>
+              <a:lnRef idx="2">
+                <a:schemeClr val="accent1">
+                  <a:shade val="50000"/>
+                </a:schemeClr>
+              </a:lnRef>
+              <a:fillRef idx="1">
+                <a:schemeClr val="accent1"/>
+              </a:fillRef>
+              <a:effectRef idx="0">
+                <a:schemeClr val="accent1"/>
+              </a:effectRef>
+              <a:fontRef idx="minor">
+                <a:schemeClr val="lt1"/>
+              </a:fontRef>
+            </p:style>
+            <p:txBody>
+              <a:bodyPr rtlCol="0" anchor="ctr"/>
+              <a:lstStyle/>
+              <a:p>
+                <a:pPr algn="ctr"/>
+                <a:endParaRPr lang="en-DE" dirty="0"/>
+              </a:p>
+            </p:txBody>
+          </p:sp>
+          <p:pic>
+            <p:nvPicPr>
+              <p:cNvPr id="8" name="Graphic 7" descr="Baby crawling outline">
+                <a:extLst>
+                  <a:ext uri="{FF2B5EF4-FFF2-40B4-BE49-F238E27FC236}">
+                    <a16:creationId xmlns:a16="http://schemas.microsoft.com/office/drawing/2014/main" id="{CAC84254-E8D7-A84F-9F0B-8B31490D4DC9}"/>
+                  </a:ext>
+                </a:extLst>
+              </p:cNvPr>
+              <p:cNvPicPr>
+                <a:picLocks noChangeAspect="1"/>
+              </p:cNvPicPr>
+              <p:nvPr/>
+            </p:nvPicPr>
+            <p:blipFill>
+              <a:blip r:embed="rId5">
+                <a:extLst>
+                  <a:ext uri="{96DAC541-7B7A-43D3-8B79-37D633B846F1}">
+                    <asvg:svgBlip xmlns:asvg="http://schemas.microsoft.com/office/drawing/2016/SVG/main" r:embed="rId6"/>
+                  </a:ext>
+                </a:extLst>
+              </a:blip>
+              <a:stretch>
+                <a:fillRect/>
+              </a:stretch>
+            </p:blipFill>
+            <p:spPr>
+              <a:xfrm>
+                <a:off x="807458" y="6303957"/>
+                <a:ext cx="403091" cy="403091"/>
+              </a:xfrm>
+              <a:prstGeom prst="rect">
+                <a:avLst/>
+              </a:prstGeom>
+            </p:spPr>
+          </p:pic>
+          <p:pic>
+            <p:nvPicPr>
+              <p:cNvPr id="26" name="Graphic 25" descr="School girl outline">
+                <a:extLst>
+                  <a:ext uri="{FF2B5EF4-FFF2-40B4-BE49-F238E27FC236}">
+                    <a16:creationId xmlns:a16="http://schemas.microsoft.com/office/drawing/2014/main" id="{7C2EA9BB-1DEB-574D-B663-A75CE3F829A6}"/>
+                  </a:ext>
+                </a:extLst>
+              </p:cNvPr>
+              <p:cNvPicPr>
+                <a:picLocks noChangeAspect="1"/>
+              </p:cNvPicPr>
+              <p:nvPr/>
+            </p:nvPicPr>
+            <p:blipFill>
+              <a:blip r:embed="rId7">
+                <a:extLst>
+                  <a:ext uri="{96DAC541-7B7A-43D3-8B79-37D633B846F1}">
+                    <asvg:svgBlip xmlns:asvg="http://schemas.microsoft.com/office/drawing/2016/SVG/main" r:embed="rId8"/>
+                  </a:ext>
+                </a:extLst>
+              </a:blip>
+              <a:stretch>
+                <a:fillRect/>
+              </a:stretch>
+            </p:blipFill>
+            <p:spPr>
+              <a:xfrm>
+                <a:off x="930162" y="6621772"/>
+                <a:ext cx="388695" cy="388695"/>
+              </a:xfrm>
+              <a:prstGeom prst="rect">
+                <a:avLst/>
+              </a:prstGeom>
+            </p:spPr>
+          </p:pic>
+          <p:pic>
+            <p:nvPicPr>
+              <p:cNvPr id="32" name="Graphic 31" descr="School boy outline">
+                <a:extLst>
+                  <a:ext uri="{FF2B5EF4-FFF2-40B4-BE49-F238E27FC236}">
+                    <a16:creationId xmlns:a16="http://schemas.microsoft.com/office/drawing/2014/main" id="{42D9EE82-4132-2242-B696-1A47C4ED58ED}"/>
+                  </a:ext>
+                </a:extLst>
+              </p:cNvPr>
+              <p:cNvPicPr>
+                <a:picLocks noChangeAspect="1"/>
+              </p:cNvPicPr>
+              <p:nvPr/>
+            </p:nvPicPr>
+            <p:blipFill>
+              <a:blip r:embed="rId9">
+                <a:extLst>
+                  <a:ext uri="{96DAC541-7B7A-43D3-8B79-37D633B846F1}">
+                    <asvg:svgBlip xmlns:asvg="http://schemas.microsoft.com/office/drawing/2016/SVG/main" r:embed="rId10"/>
+                  </a:ext>
+                </a:extLst>
+              </a:blip>
+              <a:stretch>
+                <a:fillRect/>
+              </a:stretch>
+            </p:blipFill>
+            <p:spPr>
+              <a:xfrm>
+                <a:off x="481553" y="6935008"/>
+                <a:ext cx="457199" cy="457199"/>
+              </a:xfrm>
+              <a:prstGeom prst="rect">
+                <a:avLst/>
+              </a:prstGeom>
+            </p:spPr>
+          </p:pic>
+          <p:pic>
+            <p:nvPicPr>
+              <p:cNvPr id="34" name="Graphic 33" descr="Female Profile outline">
+                <a:extLst>
+                  <a:ext uri="{FF2B5EF4-FFF2-40B4-BE49-F238E27FC236}">
+                    <a16:creationId xmlns:a16="http://schemas.microsoft.com/office/drawing/2014/main" id="{0A9B2B9A-2857-B34A-9785-438460C6B1A5}"/>
+                  </a:ext>
+                </a:extLst>
+              </p:cNvPr>
+              <p:cNvPicPr>
+                <a:picLocks noChangeAspect="1"/>
+              </p:cNvPicPr>
+              <p:nvPr/>
+            </p:nvPicPr>
+            <p:blipFill>
+              <a:blip r:embed="rId11">
+                <a:extLst>
+                  <a:ext uri="{96DAC541-7B7A-43D3-8B79-37D633B846F1}">
+                    <asvg:svgBlip xmlns:asvg="http://schemas.microsoft.com/office/drawing/2016/SVG/main" r:embed="rId12"/>
+                  </a:ext>
+                </a:extLst>
+              </a:blip>
+              <a:stretch>
+                <a:fillRect/>
+              </a:stretch>
+            </p:blipFill>
+            <p:spPr>
+              <a:xfrm>
+                <a:off x="872168" y="7309619"/>
+                <a:ext cx="457199" cy="457199"/>
+              </a:xfrm>
+              <a:prstGeom prst="rect">
+                <a:avLst/>
+              </a:prstGeom>
+            </p:spPr>
+          </p:pic>
+          <p:pic>
+            <p:nvPicPr>
+              <p:cNvPr id="36" name="Graphic 35" descr="Pregnant lady outline">
+                <a:extLst>
+                  <a:ext uri="{FF2B5EF4-FFF2-40B4-BE49-F238E27FC236}">
+                    <a16:creationId xmlns:a16="http://schemas.microsoft.com/office/drawing/2014/main" id="{222D1A07-673B-DE4D-AB3D-CDD50B301D13}"/>
+                  </a:ext>
+                </a:extLst>
+              </p:cNvPr>
+              <p:cNvPicPr>
+                <a:picLocks noChangeAspect="1"/>
+              </p:cNvPicPr>
+              <p:nvPr/>
+            </p:nvPicPr>
+            <p:blipFill>
+              <a:blip r:embed="rId13">
+                <a:extLst>
+                  <a:ext uri="{96DAC541-7B7A-43D3-8B79-37D633B846F1}">
+                    <asvg:svgBlip xmlns:asvg="http://schemas.microsoft.com/office/drawing/2016/SVG/main" r:embed="rId14"/>
+                  </a:ext>
+                </a:extLst>
+              </a:blip>
+              <a:stretch>
+                <a:fillRect/>
+              </a:stretch>
+            </p:blipFill>
+            <p:spPr>
+              <a:xfrm>
+                <a:off x="670891" y="5945760"/>
+                <a:ext cx="483425" cy="483425"/>
+              </a:xfrm>
+              <a:prstGeom prst="rect">
+                <a:avLst/>
+              </a:prstGeom>
+            </p:spPr>
+          </p:pic>
+          <p:sp>
+            <p:nvSpPr>
+              <p:cNvPr id="38" name="Rectangle 37">
+                <a:extLst>
+                  <a:ext uri="{FF2B5EF4-FFF2-40B4-BE49-F238E27FC236}">
+                    <a16:creationId xmlns:a16="http://schemas.microsoft.com/office/drawing/2014/main" id="{118143E4-513E-1142-8AA4-A874E9B47273}"/>
+                  </a:ext>
+                </a:extLst>
+              </p:cNvPr>
+              <p:cNvSpPr/>
+              <p:nvPr/>
+            </p:nvSpPr>
+            <p:spPr>
+              <a:xfrm>
+                <a:off x="3315091" y="6356083"/>
+                <a:ext cx="324000" cy="324000"/>
+              </a:xfrm>
+              <a:prstGeom prst="rect">
+                <a:avLst/>
+              </a:prstGeom>
+              <a:noFill/>
+              <a:ln w="22225">
                 <a:solidFill>
                   <a:schemeClr val="tx1"/>
                 </a:solidFill>
-                <a:latin typeface="Calibri" panose="020F0502020204030204" pitchFamily="34" charset="0"/>
-              </a:defRPr>
-            </a:lvl2pPr>
-            <a:lvl3pPr marL="1143000" indent="-228600">
-              <a:defRPr>
+              </a:ln>
+            </p:spPr>
+            <p:style>
+              <a:lnRef idx="2">
+                <a:schemeClr val="accent1">
+                  <a:shade val="50000"/>
+                </a:schemeClr>
+              </a:lnRef>
+              <a:fillRef idx="1">
+                <a:schemeClr val="accent1"/>
+              </a:fillRef>
+              <a:effectRef idx="0">
+                <a:schemeClr val="accent1"/>
+              </a:effectRef>
+              <a:fontRef idx="minor">
+                <a:schemeClr val="lt1"/>
+              </a:fontRef>
+            </p:style>
+            <p:txBody>
+              <a:bodyPr rtlCol="0" anchor="ctr"/>
+              <a:lstStyle/>
+              <a:p>
+                <a:pPr algn="ctr"/>
+                <a:endParaRPr lang="en-DE" dirty="0"/>
+              </a:p>
+            </p:txBody>
+          </p:sp>
+          <p:sp>
+            <p:nvSpPr>
+              <p:cNvPr id="39" name="Rectangle 38">
+                <a:extLst>
+                  <a:ext uri="{FF2B5EF4-FFF2-40B4-BE49-F238E27FC236}">
+                    <a16:creationId xmlns:a16="http://schemas.microsoft.com/office/drawing/2014/main" id="{93901959-DBF8-7D40-9973-0DDC1C9B3405}"/>
+                  </a:ext>
+                </a:extLst>
+              </p:cNvPr>
+              <p:cNvSpPr/>
+              <p:nvPr/>
+            </p:nvSpPr>
+            <p:spPr>
+              <a:xfrm>
+                <a:off x="3948026" y="6356083"/>
+                <a:ext cx="648000" cy="324000"/>
+              </a:xfrm>
+              <a:prstGeom prst="rect">
+                <a:avLst/>
+              </a:prstGeom>
+              <a:noFill/>
+              <a:ln w="22225">
                 <a:solidFill>
                   <a:schemeClr val="tx1"/>
                 </a:solidFill>
-                <a:latin typeface="Calibri" panose="020F0502020204030204" pitchFamily="34" charset="0"/>
-              </a:defRPr>
-            </a:lvl3pPr>
-            <a:lvl4pPr marL="1600200" indent="-228600">
-              <a:defRPr>
+              </a:ln>
+            </p:spPr>
+            <p:style>
+              <a:lnRef idx="2">
+                <a:schemeClr val="accent1">
+                  <a:shade val="50000"/>
+                </a:schemeClr>
+              </a:lnRef>
+              <a:fillRef idx="1">
+                <a:schemeClr val="accent1"/>
+              </a:fillRef>
+              <a:effectRef idx="0">
+                <a:schemeClr val="accent1"/>
+              </a:effectRef>
+              <a:fontRef idx="minor">
+                <a:schemeClr val="lt1"/>
+              </a:fontRef>
+            </p:style>
+            <p:txBody>
+              <a:bodyPr rtlCol="0" anchor="ctr"/>
+              <a:lstStyle/>
+              <a:p>
+                <a:pPr algn="ctr"/>
+                <a:endParaRPr lang="en-DE" dirty="0"/>
+              </a:p>
+            </p:txBody>
+          </p:sp>
+          <p:sp>
+            <p:nvSpPr>
+              <p:cNvPr id="40" name="Rectangle 39">
+                <a:extLst>
+                  <a:ext uri="{FF2B5EF4-FFF2-40B4-BE49-F238E27FC236}">
+                    <a16:creationId xmlns:a16="http://schemas.microsoft.com/office/drawing/2014/main" id="{0C5F53AA-1212-5E46-8F44-4E55D100E7BC}"/>
+                  </a:ext>
+                </a:extLst>
+              </p:cNvPr>
+              <p:cNvSpPr/>
+              <p:nvPr/>
+            </p:nvSpPr>
+            <p:spPr>
+              <a:xfrm>
+                <a:off x="1731675" y="7013289"/>
+                <a:ext cx="324000" cy="651556"/>
+              </a:xfrm>
+              <a:prstGeom prst="rect">
+                <a:avLst/>
+              </a:prstGeom>
+              <a:noFill/>
+              <a:ln w="22225">
                 <a:solidFill>
                   <a:schemeClr val="tx1"/>
                 </a:solidFill>
-                <a:latin typeface="Calibri" panose="020F0502020204030204" pitchFamily="34" charset="0"/>
-              </a:defRPr>
-            </a:lvl4pPr>
-            <a:lvl5pPr marL="2057400" indent="-228600">
-              <a:defRPr>
+              </a:ln>
+            </p:spPr>
+            <p:style>
+              <a:lnRef idx="2">
+                <a:schemeClr val="accent1">
+                  <a:shade val="50000"/>
+                </a:schemeClr>
+              </a:lnRef>
+              <a:fillRef idx="1">
+                <a:schemeClr val="accent1"/>
+              </a:fillRef>
+              <a:effectRef idx="0">
+                <a:schemeClr val="accent1"/>
+              </a:effectRef>
+              <a:fontRef idx="minor">
+                <a:schemeClr val="lt1"/>
+              </a:fontRef>
+            </p:style>
+            <p:txBody>
+              <a:bodyPr rtlCol="0" anchor="ctr"/>
+              <a:lstStyle/>
+              <a:p>
+                <a:pPr algn="ctr"/>
+                <a:endParaRPr lang="en-DE" dirty="0"/>
+              </a:p>
+            </p:txBody>
+          </p:sp>
+          <p:sp>
+            <p:nvSpPr>
+              <p:cNvPr id="41" name="Rectangle 40">
+                <a:extLst>
+                  <a:ext uri="{FF2B5EF4-FFF2-40B4-BE49-F238E27FC236}">
+                    <a16:creationId xmlns:a16="http://schemas.microsoft.com/office/drawing/2014/main" id="{7E347C49-4A41-6A43-8958-FD9339DACC7A}"/>
+                  </a:ext>
+                </a:extLst>
+              </p:cNvPr>
+              <p:cNvSpPr/>
+              <p:nvPr/>
+            </p:nvSpPr>
+            <p:spPr>
+              <a:xfrm>
+                <a:off x="2368548" y="7014006"/>
+                <a:ext cx="648000" cy="324000"/>
+              </a:xfrm>
+              <a:prstGeom prst="rect">
+                <a:avLst/>
+              </a:prstGeom>
+              <a:noFill/>
+              <a:ln w="22225">
                 <a:solidFill>
                   <a:schemeClr val="tx1"/>
                 </a:solidFill>
-                <a:latin typeface="Calibri" panose="020F0502020204030204" pitchFamily="34" charset="0"/>
-              </a:defRPr>
-            </a:lvl5pPr>
-            <a:lvl6pPr marL="2514600" indent="-228600" defTabSz="457200" eaLnBrk="0" fontAlgn="base" hangingPunct="0">
-              <a:spcBef>
-                <a:spcPct val="0"/>
-              </a:spcBef>
-              <a:spcAft>
-                <a:spcPct val="0"/>
-              </a:spcAft>
-              <a:defRPr>
+              </a:ln>
+            </p:spPr>
+            <p:style>
+              <a:lnRef idx="2">
+                <a:schemeClr val="accent1">
+                  <a:shade val="50000"/>
+                </a:schemeClr>
+              </a:lnRef>
+              <a:fillRef idx="1">
+                <a:schemeClr val="accent1"/>
+              </a:fillRef>
+              <a:effectRef idx="0">
+                <a:schemeClr val="accent1"/>
+              </a:effectRef>
+              <a:fontRef idx="minor">
+                <a:schemeClr val="lt1"/>
+              </a:fontRef>
+            </p:style>
+            <p:txBody>
+              <a:bodyPr rtlCol="0" anchor="ctr"/>
+              <a:lstStyle/>
+              <a:p>
+                <a:pPr algn="ctr"/>
+                <a:endParaRPr lang="en-DE" dirty="0"/>
+              </a:p>
+            </p:txBody>
+          </p:sp>
+          <p:sp>
+            <p:nvSpPr>
+              <p:cNvPr id="43" name="Rectangle 42">
+                <a:extLst>
+                  <a:ext uri="{FF2B5EF4-FFF2-40B4-BE49-F238E27FC236}">
+                    <a16:creationId xmlns:a16="http://schemas.microsoft.com/office/drawing/2014/main" id="{6B6F2267-9DFE-B546-95CB-8D8239E38F34}"/>
+                  </a:ext>
+                </a:extLst>
+              </p:cNvPr>
+              <p:cNvSpPr/>
+              <p:nvPr/>
+            </p:nvSpPr>
+            <p:spPr>
+              <a:xfrm>
+                <a:off x="3311155" y="7013289"/>
+                <a:ext cx="1284873" cy="324000"/>
+              </a:xfrm>
+              <a:prstGeom prst="rect">
+                <a:avLst/>
+              </a:prstGeom>
+              <a:noFill/>
+              <a:ln w="22225">
                 <a:solidFill>
                   <a:schemeClr val="tx1"/>
                 </a:solidFill>
-                <a:latin typeface="Calibri" panose="020F0502020204030204" pitchFamily="34" charset="0"/>
-              </a:defRPr>
-            </a:lvl6pPr>
-            <a:lvl7pPr marL="2971800" indent="-228600" defTabSz="457200" eaLnBrk="0" fontAlgn="base" hangingPunct="0">
-              <a:spcBef>
-                <a:spcPct val="0"/>
-              </a:spcBef>
-              <a:spcAft>
-                <a:spcPct val="0"/>
-              </a:spcAft>
-              <a:defRPr>
+              </a:ln>
+            </p:spPr>
+            <p:style>
+              <a:lnRef idx="2">
+                <a:schemeClr val="accent1">
+                  <a:shade val="50000"/>
+                </a:schemeClr>
+              </a:lnRef>
+              <a:fillRef idx="1">
+                <a:schemeClr val="accent1"/>
+              </a:fillRef>
+              <a:effectRef idx="0">
+                <a:schemeClr val="accent1"/>
+              </a:effectRef>
+              <a:fontRef idx="minor">
+                <a:schemeClr val="lt1"/>
+              </a:fontRef>
+            </p:style>
+            <p:txBody>
+              <a:bodyPr rtlCol="0" anchor="ctr"/>
+              <a:lstStyle/>
+              <a:p>
+                <a:pPr algn="ctr"/>
+                <a:endParaRPr lang="en-DE" dirty="0"/>
+              </a:p>
+            </p:txBody>
+          </p:sp>
+          <p:sp>
+            <p:nvSpPr>
+              <p:cNvPr id="44" name="Rectangle 43">
+                <a:extLst>
+                  <a:ext uri="{FF2B5EF4-FFF2-40B4-BE49-F238E27FC236}">
+                    <a16:creationId xmlns:a16="http://schemas.microsoft.com/office/drawing/2014/main" id="{D96A5EF6-D7F7-2745-B704-E92591A296F8}"/>
+                  </a:ext>
+                </a:extLst>
+              </p:cNvPr>
+              <p:cNvSpPr/>
+              <p:nvPr/>
+            </p:nvSpPr>
+            <p:spPr>
+              <a:xfrm rot="5400000">
+                <a:off x="5983269" y="6848465"/>
+                <a:ext cx="1308759" cy="324000"/>
+              </a:xfrm>
+              <a:prstGeom prst="rect">
+                <a:avLst/>
+              </a:prstGeom>
+              <a:noFill/>
+              <a:ln w="22225">
                 <a:solidFill>
                   <a:schemeClr val="tx1"/>
                 </a:solidFill>
-                <a:latin typeface="Calibri" panose="020F0502020204030204" pitchFamily="34" charset="0"/>
-              </a:defRPr>
-            </a:lvl7pPr>
-            <a:lvl8pPr marL="3429000" indent="-228600" defTabSz="457200" eaLnBrk="0" fontAlgn="base" hangingPunct="0">
-              <a:spcBef>
-                <a:spcPct val="0"/>
-              </a:spcBef>
-              <a:spcAft>
-                <a:spcPct val="0"/>
-              </a:spcAft>
-              <a:defRPr>
+              </a:ln>
+            </p:spPr>
+            <p:style>
+              <a:lnRef idx="2">
+                <a:schemeClr val="accent1">
+                  <a:shade val="50000"/>
+                </a:schemeClr>
+              </a:lnRef>
+              <a:fillRef idx="1">
+                <a:schemeClr val="accent1"/>
+              </a:fillRef>
+              <a:effectRef idx="0">
+                <a:schemeClr val="accent1"/>
+              </a:effectRef>
+              <a:fontRef idx="minor">
+                <a:schemeClr val="lt1"/>
+              </a:fontRef>
+            </p:style>
+            <p:txBody>
+              <a:bodyPr rtlCol="0" anchor="ctr"/>
+              <a:lstStyle/>
+              <a:p>
+                <a:pPr algn="ctr"/>
+                <a:endParaRPr lang="en-DE" dirty="0"/>
+              </a:p>
+            </p:txBody>
+          </p:sp>
+          <p:sp>
+            <p:nvSpPr>
+              <p:cNvPr id="45" name="Rectangle 44">
+                <a:extLst>
+                  <a:ext uri="{FF2B5EF4-FFF2-40B4-BE49-F238E27FC236}">
+                    <a16:creationId xmlns:a16="http://schemas.microsoft.com/office/drawing/2014/main" id="{78BFC0B9-7028-D04C-8447-806AFBB257C6}"/>
+                  </a:ext>
+                </a:extLst>
+              </p:cNvPr>
+              <p:cNvSpPr/>
+              <p:nvPr/>
+            </p:nvSpPr>
+            <p:spPr>
+              <a:xfrm rot="5400000">
+                <a:off x="4410441" y="6523166"/>
+                <a:ext cx="1304251" cy="324000"/>
+              </a:xfrm>
+              <a:prstGeom prst="rect">
+                <a:avLst/>
+              </a:prstGeom>
+              <a:noFill/>
+              <a:ln w="22225">
                 <a:solidFill>
                   <a:schemeClr val="tx1"/>
                 </a:solidFill>
-                <a:latin typeface="Calibri" panose="020F0502020204030204" pitchFamily="34" charset="0"/>
-              </a:defRPr>
-            </a:lvl8pPr>
-            <a:lvl9pPr marL="3886200" indent="-228600" defTabSz="457200" eaLnBrk="0" fontAlgn="base" hangingPunct="0">
-              <a:spcBef>
-                <a:spcPct val="0"/>
-              </a:spcBef>
-              <a:spcAft>
-                <a:spcPct val="0"/>
-              </a:spcAft>
-              <a:defRPr>
+              </a:ln>
+            </p:spPr>
+            <p:style>
+              <a:lnRef idx="2">
+                <a:schemeClr val="accent1">
+                  <a:shade val="50000"/>
+                </a:schemeClr>
+              </a:lnRef>
+              <a:fillRef idx="1">
+                <a:schemeClr val="accent1"/>
+              </a:fillRef>
+              <a:effectRef idx="0">
+                <a:schemeClr val="accent1"/>
+              </a:effectRef>
+              <a:fontRef idx="minor">
+                <a:schemeClr val="lt1"/>
+              </a:fontRef>
+            </p:style>
+            <p:txBody>
+              <a:bodyPr rtlCol="0" anchor="ctr"/>
+              <a:lstStyle/>
+              <a:p>
+                <a:pPr algn="ctr"/>
+                <a:endParaRPr lang="en-DE" dirty="0"/>
+              </a:p>
+            </p:txBody>
+          </p:sp>
+          <p:sp>
+            <p:nvSpPr>
+              <p:cNvPr id="46" name="Rectangle 45">
+                <a:extLst>
+                  <a:ext uri="{FF2B5EF4-FFF2-40B4-BE49-F238E27FC236}">
+                    <a16:creationId xmlns:a16="http://schemas.microsoft.com/office/drawing/2014/main" id="{4E4C26D8-A980-7A4B-A3C3-AC53D6AA08F1}"/>
+                  </a:ext>
+                </a:extLst>
+              </p:cNvPr>
+              <p:cNvSpPr/>
+              <p:nvPr/>
+            </p:nvSpPr>
+            <p:spPr>
+              <a:xfrm>
+                <a:off x="2368547" y="7337291"/>
+                <a:ext cx="2856017" cy="333017"/>
+              </a:xfrm>
+              <a:prstGeom prst="rect">
+                <a:avLst/>
+              </a:prstGeom>
+              <a:noFill/>
+              <a:ln w="22225">
                 <a:solidFill>
                   <a:schemeClr val="tx1"/>
                 </a:solidFill>
-                <a:latin typeface="Calibri" panose="020F0502020204030204" pitchFamily="34" charset="0"/>
-              </a:defRPr>
-            </a:lvl9pPr>
-          </a:lstStyle>
-          <a:p>
-            <a:pPr algn="ctr" eaLnBrk="1" hangingPunct="1"/>
-            <a:r>
-              <a:rPr lang="en-DE" altLang="en-DE" sz="3200" b="1" dirty="0">
-                <a:latin typeface="Arial" panose="020B0604020202020204" pitchFamily="34" charset="0"/>
-                <a:cs typeface="Arial" panose="020B0604020202020204" pitchFamily="34" charset="0"/>
-              </a:rPr>
-              <a:t>C</a:t>
-            </a:r>
-          </a:p>
-        </p:txBody>
-      </p:sp>
-      <p:pic>
-        <p:nvPicPr>
-          <p:cNvPr id="3" name="Picture 2">
+              </a:ln>
+            </p:spPr>
+            <p:style>
+              <a:lnRef idx="2">
+                <a:schemeClr val="accent1">
+                  <a:shade val="50000"/>
+                </a:schemeClr>
+              </a:lnRef>
+              <a:fillRef idx="1">
+                <a:schemeClr val="accent1"/>
+              </a:fillRef>
+              <a:effectRef idx="0">
+                <a:schemeClr val="accent1"/>
+              </a:effectRef>
+              <a:fontRef idx="minor">
+                <a:schemeClr val="lt1"/>
+              </a:fontRef>
+            </p:style>
+            <p:txBody>
+              <a:bodyPr rtlCol="0" anchor="ctr"/>
+              <a:lstStyle/>
+              <a:p>
+                <a:pPr algn="ctr"/>
+                <a:endParaRPr lang="en-DE" dirty="0"/>
+              </a:p>
+            </p:txBody>
+          </p:sp>
+        </p:grpSp>
+        <p:pic>
+          <p:nvPicPr>
+            <p:cNvPr id="33" name="Picture 32">
+              <a:extLst>
+                <a:ext uri="{FF2B5EF4-FFF2-40B4-BE49-F238E27FC236}">
+                  <a16:creationId xmlns:a16="http://schemas.microsoft.com/office/drawing/2014/main" id="{B60E074B-0F45-8D35-78B8-92097A4BE8B6}"/>
+                </a:ext>
+              </a:extLst>
+            </p:cNvPr>
+            <p:cNvPicPr>
+              <a:picLocks noChangeAspect="1"/>
+            </p:cNvPicPr>
+            <p:nvPr/>
+          </p:nvPicPr>
+          <p:blipFill rotWithShape="1">
+            <a:blip r:embed="rId15"/>
+            <a:srcRect l="60783" t="96355" r="29038" b="462"/>
+            <a:stretch/>
+          </p:blipFill>
+          <p:spPr>
+            <a:xfrm rot="16200000">
+              <a:off x="9500710" y="7516486"/>
+              <a:ext cx="714203" cy="212783"/>
+            </a:xfrm>
+            <a:prstGeom prst="rect">
+              <a:avLst/>
+            </a:prstGeom>
+          </p:spPr>
+        </p:pic>
+      </p:grpSp>
+      <p:grpSp>
+        <p:nvGrpSpPr>
+          <p:cNvPr id="21" name="Group 20">
             <a:extLst>
               <a:ext uri="{FF2B5EF4-FFF2-40B4-BE49-F238E27FC236}">
-                <a16:creationId xmlns:a16="http://schemas.microsoft.com/office/drawing/2014/main" id="{04076617-EBB4-FF47-A819-6040AEC9FCE1}"/>
+                <a16:creationId xmlns:a16="http://schemas.microsoft.com/office/drawing/2014/main" id="{001388B9-6CCA-B060-5E0B-75070D4A0A68}"/>
               </a:ext>
             </a:extLst>
           </p:cNvPr>
-          <p:cNvPicPr>
-            <a:picLocks noChangeAspect="1"/>
-          </p:cNvPicPr>
+          <p:cNvGrpSpPr/>
           <p:nvPr/>
-        </p:nvPicPr>
-        <p:blipFill>
-          <a:blip r:embed="rId4"/>
-          <a:srcRect/>
-          <a:stretch/>
-        </p:blipFill>
-        <p:spPr>
-          <a:xfrm>
-            <a:off x="528124" y="178902"/>
-            <a:ext cx="6909206" cy="2684396"/>
+        </p:nvGrpSpPr>
+        <p:grpSpPr>
+          <a:xfrm flipH="1">
+            <a:off x="9040512" y="181584"/>
+            <a:ext cx="1245367" cy="4200137"/>
+            <a:chOff x="10549419" y="181584"/>
+            <a:chExt cx="1245367" cy="4200137"/>
           </a:xfrm>
-          <a:prstGeom prst="rect">
-            <a:avLst/>
-          </a:prstGeom>
-        </p:spPr>
-      </p:pic>
-      <p:pic>
-        <p:nvPicPr>
-          <p:cNvPr id="30" name="Picture 29">
+        </p:grpSpPr>
+        <p:sp>
+          <p:nvSpPr>
+            <p:cNvPr id="58" name="Left Bracket 57">
+              <a:extLst>
+                <a:ext uri="{FF2B5EF4-FFF2-40B4-BE49-F238E27FC236}">
+                  <a16:creationId xmlns:a16="http://schemas.microsoft.com/office/drawing/2014/main" id="{8CCDF50D-0DE6-6C04-E9FE-F3B7848EDC22}"/>
+                </a:ext>
+              </a:extLst>
+            </p:cNvPr>
+            <p:cNvSpPr/>
+            <p:nvPr/>
+          </p:nvSpPr>
+          <p:spPr>
+            <a:xfrm>
+              <a:off x="10549419" y="181584"/>
+              <a:ext cx="36000" cy="576000"/>
+            </a:xfrm>
+            <a:prstGeom prst="leftBracket">
+              <a:avLst/>
+            </a:prstGeom>
+            <a:ln w="15875"/>
+          </p:spPr>
+          <p:style>
+            <a:lnRef idx="1">
+              <a:schemeClr val="dk1"/>
+            </a:lnRef>
+            <a:fillRef idx="0">
+              <a:schemeClr val="dk1"/>
+            </a:fillRef>
+            <a:effectRef idx="0">
+              <a:schemeClr val="dk1"/>
+            </a:effectRef>
+            <a:fontRef idx="minor">
+              <a:schemeClr val="tx1"/>
+            </a:fontRef>
+          </p:style>
+          <p:txBody>
+            <a:bodyPr rtlCol="0" anchor="ctr"/>
+            <a:lstStyle/>
+            <a:p>
+              <a:pPr algn="ctr"/>
+              <a:endParaRPr lang="en-DE"/>
+            </a:p>
+          </p:txBody>
+        </p:sp>
+        <p:sp>
+          <p:nvSpPr>
+            <p:cNvPr id="59" name="Left Bracket 58">
+              <a:extLst>
+                <a:ext uri="{FF2B5EF4-FFF2-40B4-BE49-F238E27FC236}">
+                  <a16:creationId xmlns:a16="http://schemas.microsoft.com/office/drawing/2014/main" id="{63963A27-E999-83D2-9657-B38999AC3318}"/>
+                </a:ext>
+              </a:extLst>
+            </p:cNvPr>
+            <p:cNvSpPr/>
+            <p:nvPr/>
+          </p:nvSpPr>
+          <p:spPr>
+            <a:xfrm>
+              <a:off x="11183597" y="798770"/>
+              <a:ext cx="36000" cy="360000"/>
+            </a:xfrm>
+            <a:prstGeom prst="leftBracket">
+              <a:avLst/>
+            </a:prstGeom>
+            <a:ln w="15875"/>
+          </p:spPr>
+          <p:style>
+            <a:lnRef idx="1">
+              <a:schemeClr val="dk1"/>
+            </a:lnRef>
+            <a:fillRef idx="0">
+              <a:schemeClr val="dk1"/>
+            </a:fillRef>
+            <a:effectRef idx="0">
+              <a:schemeClr val="dk1"/>
+            </a:effectRef>
+            <a:fontRef idx="minor">
+              <a:schemeClr val="tx1"/>
+            </a:fontRef>
+          </p:style>
+          <p:txBody>
+            <a:bodyPr rtlCol="0" anchor="ctr"/>
+            <a:lstStyle/>
+            <a:p>
+              <a:pPr algn="ctr"/>
+              <a:endParaRPr lang="en-DE"/>
+            </a:p>
+          </p:txBody>
+        </p:sp>
+        <p:sp>
+          <p:nvSpPr>
+            <p:cNvPr id="60" name="Left Bracket 59">
+              <a:extLst>
+                <a:ext uri="{FF2B5EF4-FFF2-40B4-BE49-F238E27FC236}">
+                  <a16:creationId xmlns:a16="http://schemas.microsoft.com/office/drawing/2014/main" id="{348E4E07-7775-7B82-3A50-A95D0D7DA590}"/>
+                </a:ext>
+              </a:extLst>
+            </p:cNvPr>
+            <p:cNvSpPr/>
+            <p:nvPr/>
+          </p:nvSpPr>
+          <p:spPr>
+            <a:xfrm>
+              <a:off x="11249963" y="2207738"/>
+              <a:ext cx="36000" cy="360000"/>
+            </a:xfrm>
+            <a:prstGeom prst="leftBracket">
+              <a:avLst/>
+            </a:prstGeom>
+            <a:ln w="15875"/>
+          </p:spPr>
+          <p:style>
+            <a:lnRef idx="1">
+              <a:schemeClr val="dk1"/>
+            </a:lnRef>
+            <a:fillRef idx="0">
+              <a:schemeClr val="dk1"/>
+            </a:fillRef>
+            <a:effectRef idx="0">
+              <a:schemeClr val="dk1"/>
+            </a:effectRef>
+            <a:fontRef idx="minor">
+              <a:schemeClr val="tx1"/>
+            </a:fontRef>
+          </p:style>
+          <p:txBody>
+            <a:bodyPr rtlCol="0" anchor="ctr"/>
+            <a:lstStyle/>
+            <a:p>
+              <a:pPr algn="ctr"/>
+              <a:endParaRPr lang="en-DE"/>
+            </a:p>
+          </p:txBody>
+        </p:sp>
+        <p:sp>
+          <p:nvSpPr>
+            <p:cNvPr id="61" name="Left Bracket 60">
+              <a:extLst>
+                <a:ext uri="{FF2B5EF4-FFF2-40B4-BE49-F238E27FC236}">
+                  <a16:creationId xmlns:a16="http://schemas.microsoft.com/office/drawing/2014/main" id="{16CD651D-C121-358A-7CD0-73929DA2E77D}"/>
+                </a:ext>
+              </a:extLst>
+            </p:cNvPr>
+            <p:cNvSpPr/>
+            <p:nvPr/>
+          </p:nvSpPr>
+          <p:spPr>
+            <a:xfrm>
+              <a:off x="11758786" y="2816672"/>
+              <a:ext cx="36000" cy="1170000"/>
+            </a:xfrm>
+            <a:prstGeom prst="leftBracket">
+              <a:avLst/>
+            </a:prstGeom>
+            <a:ln w="15875"/>
+          </p:spPr>
+          <p:style>
+            <a:lnRef idx="1">
+              <a:schemeClr val="dk1"/>
+            </a:lnRef>
+            <a:fillRef idx="0">
+              <a:schemeClr val="dk1"/>
+            </a:fillRef>
+            <a:effectRef idx="0">
+              <a:schemeClr val="dk1"/>
+            </a:effectRef>
+            <a:fontRef idx="minor">
+              <a:schemeClr val="tx1"/>
+            </a:fontRef>
+          </p:style>
+          <p:txBody>
+            <a:bodyPr rtlCol="0" anchor="ctr"/>
+            <a:lstStyle/>
+            <a:p>
+              <a:pPr algn="ctr"/>
+              <a:endParaRPr lang="en-DE"/>
+            </a:p>
+          </p:txBody>
+        </p:sp>
+        <p:sp>
+          <p:nvSpPr>
+            <p:cNvPr id="62" name="Left Bracket 61">
+              <a:extLst>
+                <a:ext uri="{FF2B5EF4-FFF2-40B4-BE49-F238E27FC236}">
+                  <a16:creationId xmlns:a16="http://schemas.microsoft.com/office/drawing/2014/main" id="{DD6624E4-7BD0-9FE5-1AA9-E9BB65A9499F}"/>
+                </a:ext>
+              </a:extLst>
+            </p:cNvPr>
+            <p:cNvSpPr/>
+            <p:nvPr/>
+          </p:nvSpPr>
+          <p:spPr>
+            <a:xfrm>
+              <a:off x="11048462" y="4021721"/>
+              <a:ext cx="36000" cy="360000"/>
+            </a:xfrm>
+            <a:prstGeom prst="leftBracket">
+              <a:avLst/>
+            </a:prstGeom>
+            <a:ln w="15875"/>
+          </p:spPr>
+          <p:style>
+            <a:lnRef idx="1">
+              <a:schemeClr val="dk1"/>
+            </a:lnRef>
+            <a:fillRef idx="0">
+              <a:schemeClr val="dk1"/>
+            </a:fillRef>
+            <a:effectRef idx="0">
+              <a:schemeClr val="dk1"/>
+            </a:effectRef>
+            <a:fontRef idx="minor">
+              <a:schemeClr val="tx1"/>
+            </a:fontRef>
+          </p:style>
+          <p:txBody>
+            <a:bodyPr rtlCol="0" anchor="ctr"/>
+            <a:lstStyle/>
+            <a:p>
+              <a:pPr algn="ctr"/>
+              <a:endParaRPr lang="en-DE"/>
+            </a:p>
+          </p:txBody>
+        </p:sp>
+      </p:grpSp>
+      <p:grpSp>
+        <p:nvGrpSpPr>
+          <p:cNvPr id="3" name="Group 2">
             <a:extLst>
               <a:ext uri="{FF2B5EF4-FFF2-40B4-BE49-F238E27FC236}">
-                <a16:creationId xmlns:a16="http://schemas.microsoft.com/office/drawing/2014/main" id="{649DE6F9-201B-5841-A86B-174AE5C339B3}"/>
-              </a:ext>
-            </a:extLst>
-          </p:cNvPr>
-          <p:cNvPicPr>
-            <a:picLocks noChangeAspect="1"/>
-          </p:cNvPicPr>
-          <p:nvPr/>
-        </p:nvPicPr>
-        <p:blipFill>
-          <a:blip r:embed="rId5"/>
-          <a:srcRect/>
-          <a:stretch/>
-        </p:blipFill>
-        <p:spPr>
-          <a:xfrm>
-            <a:off x="633330" y="2992256"/>
-            <a:ext cx="6804000" cy="2944357"/>
-          </a:xfrm>
-          <a:prstGeom prst="rect">
-            <a:avLst/>
-          </a:prstGeom>
-        </p:spPr>
-      </p:pic>
-      <p:sp>
-        <p:nvSpPr>
-          <p:cNvPr id="31" name="TextBox 4">
-            <a:extLst>
-              <a:ext uri="{FF2B5EF4-FFF2-40B4-BE49-F238E27FC236}">
-                <a16:creationId xmlns:a16="http://schemas.microsoft.com/office/drawing/2014/main" id="{C742E70B-B676-4F41-B390-01141EC23DAF}"/>
-              </a:ext>
-            </a:extLst>
-          </p:cNvPr>
-          <p:cNvSpPr txBox="1">
-            <a:spLocks noChangeArrowheads="1"/>
-          </p:cNvSpPr>
-          <p:nvPr/>
-        </p:nvSpPr>
-        <p:spPr bwMode="auto">
-          <a:xfrm>
-            <a:off x="7648385" y="97314"/>
-            <a:ext cx="477710" cy="599561"/>
-          </a:xfrm>
-          <a:prstGeom prst="rect">
-            <a:avLst/>
-          </a:prstGeom>
-          <a:noFill/>
-          <a:ln>
-            <a:noFill/>
-          </a:ln>
-          <a:extLst>
-            <a:ext uri="{909E8E84-426E-40DD-AFC4-6F175D3DCCD1}">
-              <a14:hiddenFill xmlns:a14="http://schemas.microsoft.com/office/drawing/2010/main">
-                <a:solidFill>
-                  <a:srgbClr val="FFFFFF"/>
-                </a:solidFill>
-              </a14:hiddenFill>
-            </a:ext>
-            <a:ext uri="{91240B29-F687-4F45-9708-019B960494DF}">
-              <a14:hiddenLine xmlns:a14="http://schemas.microsoft.com/office/drawing/2010/main" w="9525">
-                <a:solidFill>
-                  <a:srgbClr val="000000"/>
-                </a:solidFill>
-                <a:miter lim="800000"/>
-                <a:headEnd/>
-                <a:tailEnd/>
-              </a14:hiddenLine>
-            </a:ext>
-          </a:extLst>
-        </p:spPr>
-        <p:txBody>
-          <a:bodyPr wrap="square">
-            <a:spAutoFit/>
-          </a:bodyPr>
-          <a:lstStyle>
-            <a:lvl1pPr>
-              <a:defRPr>
-                <a:solidFill>
-                  <a:schemeClr val="tx1"/>
-                </a:solidFill>
-                <a:latin typeface="Calibri" panose="020F0502020204030204" pitchFamily="34" charset="0"/>
-              </a:defRPr>
-            </a:lvl1pPr>
-            <a:lvl2pPr marL="742950" indent="-285750">
-              <a:defRPr>
-                <a:solidFill>
-                  <a:schemeClr val="tx1"/>
-                </a:solidFill>
-                <a:latin typeface="Calibri" panose="020F0502020204030204" pitchFamily="34" charset="0"/>
-              </a:defRPr>
-            </a:lvl2pPr>
-            <a:lvl3pPr marL="1143000" indent="-228600">
-              <a:defRPr>
-                <a:solidFill>
-                  <a:schemeClr val="tx1"/>
-                </a:solidFill>
-                <a:latin typeface="Calibri" panose="020F0502020204030204" pitchFamily="34" charset="0"/>
-              </a:defRPr>
-            </a:lvl3pPr>
-            <a:lvl4pPr marL="1600200" indent="-228600">
-              <a:defRPr>
-                <a:solidFill>
-                  <a:schemeClr val="tx1"/>
-                </a:solidFill>
-                <a:latin typeface="Calibri" panose="020F0502020204030204" pitchFamily="34" charset="0"/>
-              </a:defRPr>
-            </a:lvl4pPr>
-            <a:lvl5pPr marL="2057400" indent="-228600">
-              <a:defRPr>
-                <a:solidFill>
-                  <a:schemeClr val="tx1"/>
-                </a:solidFill>
-                <a:latin typeface="Calibri" panose="020F0502020204030204" pitchFamily="34" charset="0"/>
-              </a:defRPr>
-            </a:lvl5pPr>
-            <a:lvl6pPr marL="2514600" indent="-228600" defTabSz="457200" eaLnBrk="0" fontAlgn="base" hangingPunct="0">
-              <a:spcBef>
-                <a:spcPct val="0"/>
-              </a:spcBef>
-              <a:spcAft>
-                <a:spcPct val="0"/>
-              </a:spcAft>
-              <a:defRPr>
-                <a:solidFill>
-                  <a:schemeClr val="tx1"/>
-                </a:solidFill>
-                <a:latin typeface="Calibri" panose="020F0502020204030204" pitchFamily="34" charset="0"/>
-              </a:defRPr>
-            </a:lvl6pPr>
-            <a:lvl7pPr marL="2971800" indent="-228600" defTabSz="457200" eaLnBrk="0" fontAlgn="base" hangingPunct="0">
-              <a:spcBef>
-                <a:spcPct val="0"/>
-              </a:spcBef>
-              <a:spcAft>
-                <a:spcPct val="0"/>
-              </a:spcAft>
-              <a:defRPr>
-                <a:solidFill>
-                  <a:schemeClr val="tx1"/>
-                </a:solidFill>
-                <a:latin typeface="Calibri" panose="020F0502020204030204" pitchFamily="34" charset="0"/>
-              </a:defRPr>
-            </a:lvl7pPr>
-            <a:lvl8pPr marL="3429000" indent="-228600" defTabSz="457200" eaLnBrk="0" fontAlgn="base" hangingPunct="0">
-              <a:spcBef>
-                <a:spcPct val="0"/>
-              </a:spcBef>
-              <a:spcAft>
-                <a:spcPct val="0"/>
-              </a:spcAft>
-              <a:defRPr>
-                <a:solidFill>
-                  <a:schemeClr val="tx1"/>
-                </a:solidFill>
-                <a:latin typeface="Calibri" panose="020F0502020204030204" pitchFamily="34" charset="0"/>
-              </a:defRPr>
-            </a:lvl8pPr>
-            <a:lvl9pPr marL="3886200" indent="-228600" defTabSz="457200" eaLnBrk="0" fontAlgn="base" hangingPunct="0">
-              <a:spcBef>
-                <a:spcPct val="0"/>
-              </a:spcBef>
-              <a:spcAft>
-                <a:spcPct val="0"/>
-              </a:spcAft>
-              <a:defRPr>
-                <a:solidFill>
-                  <a:schemeClr val="tx1"/>
-                </a:solidFill>
-                <a:latin typeface="Calibri" panose="020F0502020204030204" pitchFamily="34" charset="0"/>
-              </a:defRPr>
-            </a:lvl9pPr>
-          </a:lstStyle>
-          <a:p>
-            <a:pPr algn="ctr" eaLnBrk="1" hangingPunct="1"/>
-            <a:r>
-              <a:rPr lang="en-DE" altLang="en-DE" sz="3200" b="1" dirty="0">
-                <a:latin typeface="Arial" panose="020B0604020202020204" pitchFamily="34" charset="0"/>
-                <a:cs typeface="Arial" panose="020B0604020202020204" pitchFamily="34" charset="0"/>
-              </a:rPr>
-              <a:t>D</a:t>
-            </a:r>
-          </a:p>
-        </p:txBody>
-      </p:sp>
-      <p:sp>
-        <p:nvSpPr>
-          <p:cNvPr id="47" name="TextBox 46">
-            <a:extLst>
-              <a:ext uri="{FF2B5EF4-FFF2-40B4-BE49-F238E27FC236}">
-                <a16:creationId xmlns:a16="http://schemas.microsoft.com/office/drawing/2014/main" id="{5F557FBB-8829-0740-9A22-5063A5F5B050}"/>
-              </a:ext>
-            </a:extLst>
-          </p:cNvPr>
-          <p:cNvSpPr txBox="1"/>
-          <p:nvPr/>
-        </p:nvSpPr>
-        <p:spPr>
-          <a:xfrm>
-            <a:off x="7527715" y="4818597"/>
-            <a:ext cx="184731" cy="369332"/>
-          </a:xfrm>
-          <a:prstGeom prst="rect">
-            <a:avLst/>
-          </a:prstGeom>
-          <a:noFill/>
-        </p:spPr>
-        <p:txBody>
-          <a:bodyPr wrap="none" rtlCol="0">
-            <a:spAutoFit/>
-          </a:bodyPr>
-          <a:lstStyle/>
-          <a:p>
-            <a:endParaRPr lang="en-DE"/>
-          </a:p>
-        </p:txBody>
-      </p:sp>
-      <p:grpSp>
-        <p:nvGrpSpPr>
-          <p:cNvPr id="2" name="Group 1">
-            <a:extLst>
-              <a:ext uri="{FF2B5EF4-FFF2-40B4-BE49-F238E27FC236}">
-                <a16:creationId xmlns:a16="http://schemas.microsoft.com/office/drawing/2014/main" id="{591A9965-B890-3247-94B2-DD3322639C78}"/>
+                <a16:creationId xmlns:a16="http://schemas.microsoft.com/office/drawing/2014/main" id="{EB98048F-3B4B-F9AF-117B-0D0FE234070B}"/>
               </a:ext>
             </a:extLst>
           </p:cNvPr>
@@ -3966,47 +4870,264 @@
         </p:nvGrpSpPr>
         <p:grpSpPr>
           <a:xfrm>
-            <a:off x="481553" y="5936611"/>
-            <a:ext cx="7143429" cy="2257200"/>
-            <a:chOff x="481553" y="5936611"/>
-            <a:chExt cx="7143429" cy="2257200"/>
+            <a:off x="6821767" y="181584"/>
+            <a:ext cx="36000" cy="5630382"/>
+            <a:chOff x="6821767" y="181584"/>
+            <a:chExt cx="36000" cy="5630382"/>
           </a:xfrm>
         </p:grpSpPr>
-        <p:pic>
-          <p:nvPicPr>
-            <p:cNvPr id="14" name="Picture 13">
+        <p:grpSp>
+          <p:nvGrpSpPr>
+            <p:cNvPr id="22" name="Group 21">
               <a:extLst>
                 <a:ext uri="{FF2B5EF4-FFF2-40B4-BE49-F238E27FC236}">
-                  <a16:creationId xmlns:a16="http://schemas.microsoft.com/office/drawing/2014/main" id="{EC52B794-E796-5C43-BECB-EB2FB6943718}"/>
+                  <a16:creationId xmlns:a16="http://schemas.microsoft.com/office/drawing/2014/main" id="{260412FF-F9A4-4670-A7D4-3382A062AF53}"/>
                 </a:ext>
               </a:extLst>
             </p:cNvPr>
-            <p:cNvPicPr>
-              <a:picLocks noChangeAspect="1"/>
-            </p:cNvPicPr>
+            <p:cNvGrpSpPr/>
             <p:nvPr/>
-          </p:nvPicPr>
-          <p:blipFill>
-            <a:blip r:embed="rId6"/>
-            <a:srcRect/>
-            <a:stretch/>
-          </p:blipFill>
-          <p:spPr>
+          </p:nvGrpSpPr>
+          <p:grpSpPr>
             <a:xfrm>
-              <a:off x="821744" y="5936611"/>
-              <a:ext cx="6705971" cy="2257200"/>
+              <a:off x="6821767" y="181584"/>
+              <a:ext cx="36000" cy="4200137"/>
+              <a:chOff x="7023240" y="181584"/>
+              <a:chExt cx="36000" cy="4200137"/>
             </a:xfrm>
-            <a:prstGeom prst="rect">
-              <a:avLst/>
-            </a:prstGeom>
-          </p:spPr>
-        </p:pic>
+          </p:grpSpPr>
+          <p:sp>
+            <p:nvSpPr>
+              <p:cNvPr id="20" name="Left Bracket 19">
+                <a:extLst>
+                  <a:ext uri="{FF2B5EF4-FFF2-40B4-BE49-F238E27FC236}">
+                    <a16:creationId xmlns:a16="http://schemas.microsoft.com/office/drawing/2014/main" id="{BE48FF81-7BEC-667C-A11B-D9A2353D0375}"/>
+                  </a:ext>
+                </a:extLst>
+              </p:cNvPr>
+              <p:cNvSpPr/>
+              <p:nvPr/>
+            </p:nvSpPr>
+            <p:spPr>
+              <a:xfrm>
+                <a:off x="7023240" y="181584"/>
+                <a:ext cx="36000" cy="576000"/>
+              </a:xfrm>
+              <a:prstGeom prst="leftBracket">
+                <a:avLst/>
+              </a:prstGeom>
+              <a:ln w="15875"/>
+            </p:spPr>
+            <p:style>
+              <a:lnRef idx="1">
+                <a:schemeClr val="dk1"/>
+              </a:lnRef>
+              <a:fillRef idx="0">
+                <a:schemeClr val="dk1"/>
+              </a:fillRef>
+              <a:effectRef idx="0">
+                <a:schemeClr val="dk1"/>
+              </a:effectRef>
+              <a:fontRef idx="minor">
+                <a:schemeClr val="tx1"/>
+              </a:fontRef>
+            </p:style>
+            <p:txBody>
+              <a:bodyPr rtlCol="0" anchor="ctr"/>
+              <a:lstStyle/>
+              <a:p>
+                <a:pPr algn="ctr"/>
+                <a:endParaRPr lang="en-DE"/>
+              </a:p>
+            </p:txBody>
+          </p:sp>
+          <p:sp>
+            <p:nvSpPr>
+              <p:cNvPr id="42" name="Left Bracket 41">
+                <a:extLst>
+                  <a:ext uri="{FF2B5EF4-FFF2-40B4-BE49-F238E27FC236}">
+                    <a16:creationId xmlns:a16="http://schemas.microsoft.com/office/drawing/2014/main" id="{81AD698D-A1ED-A286-EBE1-0D9BCDA8A8B0}"/>
+                  </a:ext>
+                </a:extLst>
+              </p:cNvPr>
+              <p:cNvSpPr/>
+              <p:nvPr/>
+            </p:nvSpPr>
+            <p:spPr>
+              <a:xfrm>
+                <a:off x="7023240" y="798770"/>
+                <a:ext cx="36000" cy="360000"/>
+              </a:xfrm>
+              <a:prstGeom prst="leftBracket">
+                <a:avLst/>
+              </a:prstGeom>
+              <a:ln w="15875"/>
+            </p:spPr>
+            <p:style>
+              <a:lnRef idx="1">
+                <a:schemeClr val="dk1"/>
+              </a:lnRef>
+              <a:fillRef idx="0">
+                <a:schemeClr val="dk1"/>
+              </a:fillRef>
+              <a:effectRef idx="0">
+                <a:schemeClr val="dk1"/>
+              </a:effectRef>
+              <a:fontRef idx="minor">
+                <a:schemeClr val="tx1"/>
+              </a:fontRef>
+            </p:style>
+            <p:txBody>
+              <a:bodyPr rtlCol="0" anchor="ctr"/>
+              <a:lstStyle/>
+              <a:p>
+                <a:pPr algn="ctr"/>
+                <a:endParaRPr lang="en-DE"/>
+              </a:p>
+            </p:txBody>
+          </p:sp>
+          <p:sp>
+            <p:nvSpPr>
+              <p:cNvPr id="48" name="Left Bracket 47">
+                <a:extLst>
+                  <a:ext uri="{FF2B5EF4-FFF2-40B4-BE49-F238E27FC236}">
+                    <a16:creationId xmlns:a16="http://schemas.microsoft.com/office/drawing/2014/main" id="{405DA880-431E-DF9A-016F-119282D9EA75}"/>
+                  </a:ext>
+                </a:extLst>
+              </p:cNvPr>
+              <p:cNvSpPr/>
+              <p:nvPr/>
+            </p:nvSpPr>
+            <p:spPr>
+              <a:xfrm>
+                <a:off x="7023240" y="2207738"/>
+                <a:ext cx="36000" cy="360000"/>
+              </a:xfrm>
+              <a:prstGeom prst="leftBracket">
+                <a:avLst/>
+              </a:prstGeom>
+              <a:ln w="15875"/>
+            </p:spPr>
+            <p:style>
+              <a:lnRef idx="1">
+                <a:schemeClr val="dk1"/>
+              </a:lnRef>
+              <a:fillRef idx="0">
+                <a:schemeClr val="dk1"/>
+              </a:fillRef>
+              <a:effectRef idx="0">
+                <a:schemeClr val="dk1"/>
+              </a:effectRef>
+              <a:fontRef idx="minor">
+                <a:schemeClr val="tx1"/>
+              </a:fontRef>
+            </p:style>
+            <p:txBody>
+              <a:bodyPr rtlCol="0" anchor="ctr"/>
+              <a:lstStyle/>
+              <a:p>
+                <a:pPr algn="ctr"/>
+                <a:endParaRPr lang="en-DE"/>
+              </a:p>
+            </p:txBody>
+          </p:sp>
+          <p:sp>
+            <p:nvSpPr>
+              <p:cNvPr id="49" name="Left Bracket 48">
+                <a:extLst>
+                  <a:ext uri="{FF2B5EF4-FFF2-40B4-BE49-F238E27FC236}">
+                    <a16:creationId xmlns:a16="http://schemas.microsoft.com/office/drawing/2014/main" id="{469D8FA8-98C5-8254-77C2-6CE7C932750F}"/>
+                  </a:ext>
+                </a:extLst>
+              </p:cNvPr>
+              <p:cNvSpPr/>
+              <p:nvPr/>
+            </p:nvSpPr>
+            <p:spPr>
+              <a:xfrm>
+                <a:off x="7023240" y="2816672"/>
+                <a:ext cx="36000" cy="1170000"/>
+              </a:xfrm>
+              <a:prstGeom prst="leftBracket">
+                <a:avLst/>
+              </a:prstGeom>
+              <a:ln w="15875"/>
+            </p:spPr>
+            <p:style>
+              <a:lnRef idx="1">
+                <a:schemeClr val="dk1"/>
+              </a:lnRef>
+              <a:fillRef idx="0">
+                <a:schemeClr val="dk1"/>
+              </a:fillRef>
+              <a:effectRef idx="0">
+                <a:schemeClr val="dk1"/>
+              </a:effectRef>
+              <a:fontRef idx="minor">
+                <a:schemeClr val="tx1"/>
+              </a:fontRef>
+            </p:style>
+            <p:txBody>
+              <a:bodyPr rtlCol="0" anchor="ctr"/>
+              <a:lstStyle/>
+              <a:p>
+                <a:pPr algn="ctr"/>
+                <a:endParaRPr lang="en-DE"/>
+              </a:p>
+            </p:txBody>
+          </p:sp>
+          <p:sp>
+            <p:nvSpPr>
+              <p:cNvPr id="50" name="Left Bracket 49">
+                <a:extLst>
+                  <a:ext uri="{FF2B5EF4-FFF2-40B4-BE49-F238E27FC236}">
+                    <a16:creationId xmlns:a16="http://schemas.microsoft.com/office/drawing/2014/main" id="{33BD4B18-803E-8063-4F04-105EAB202A23}"/>
+                  </a:ext>
+                </a:extLst>
+              </p:cNvPr>
+              <p:cNvSpPr/>
+              <p:nvPr/>
+            </p:nvSpPr>
+            <p:spPr>
+              <a:xfrm>
+                <a:off x="7023240" y="4021721"/>
+                <a:ext cx="36000" cy="360000"/>
+              </a:xfrm>
+              <a:prstGeom prst="leftBracket">
+                <a:avLst/>
+              </a:prstGeom>
+              <a:ln w="15875"/>
+            </p:spPr>
+            <p:style>
+              <a:lnRef idx="1">
+                <a:schemeClr val="dk1"/>
+              </a:lnRef>
+              <a:fillRef idx="0">
+                <a:schemeClr val="dk1"/>
+              </a:fillRef>
+              <a:effectRef idx="0">
+                <a:schemeClr val="dk1"/>
+              </a:effectRef>
+              <a:fontRef idx="minor">
+                <a:schemeClr val="tx1"/>
+              </a:fontRef>
+            </p:style>
+            <p:txBody>
+              <a:bodyPr rtlCol="0" anchor="ctr"/>
+              <a:lstStyle/>
+              <a:p>
+                <a:pPr algn="ctr"/>
+                <a:endParaRPr lang="en-DE" dirty="0"/>
+              </a:p>
+            </p:txBody>
+          </p:sp>
+        </p:grpSp>
         <p:sp>
           <p:nvSpPr>
-            <p:cNvPr id="24" name="Rectangle 23">
+            <p:cNvPr id="47" name="Left Bracket 46">
               <a:extLst>
                 <a:ext uri="{FF2B5EF4-FFF2-40B4-BE49-F238E27FC236}">
-                  <a16:creationId xmlns:a16="http://schemas.microsoft.com/office/drawing/2014/main" id="{6E2F11B3-481B-4849-829B-7B44A3EAE550}"/>
+                  <a16:creationId xmlns:a16="http://schemas.microsoft.com/office/drawing/2014/main" id="{6F96B5B1-4289-70FA-1203-2C204F519EEA}"/>
                 </a:ext>
               </a:extLst>
             </p:cNvPr>
@@ -4015,33 +5136,26 @@
           </p:nvSpPr>
           <p:spPr>
             <a:xfrm>
-              <a:off x="2049221" y="6356272"/>
-              <a:ext cx="324000" cy="324000"/>
+              <a:off x="6821767" y="5235966"/>
+              <a:ext cx="36000" cy="576000"/>
             </a:xfrm>
-            <a:prstGeom prst="rect">
+            <a:prstGeom prst="leftBracket">
               <a:avLst/>
             </a:prstGeom>
-            <a:noFill/>
-            <a:ln w="22225">
-              <a:solidFill>
-                <a:schemeClr val="tx1"/>
-              </a:solidFill>
-            </a:ln>
+            <a:ln w="15875"/>
           </p:spPr>
           <p:style>
-            <a:lnRef idx="2">
-              <a:schemeClr val="accent1">
-                <a:shade val="50000"/>
-              </a:schemeClr>
+            <a:lnRef idx="1">
+              <a:schemeClr val="dk1"/>
             </a:lnRef>
-            <a:fillRef idx="1">
-              <a:schemeClr val="accent1"/>
+            <a:fillRef idx="0">
+              <a:schemeClr val="dk1"/>
             </a:fillRef>
             <a:effectRef idx="0">
-              <a:schemeClr val="accent1"/>
+              <a:schemeClr val="dk1"/>
             </a:effectRef>
             <a:fontRef idx="minor">
-              <a:schemeClr val="lt1"/>
+              <a:schemeClr val="tx1"/>
             </a:fontRef>
           </p:style>
           <p:txBody>
@@ -4049,637 +5163,56 @@
             <a:lstStyle/>
             <a:p>
               <a:pPr algn="ctr"/>
-              <a:endParaRPr lang="en-DE" dirty="0"/>
+              <a:endParaRPr lang="en-DE"/>
             </a:p>
           </p:txBody>
         </p:sp>
-        <p:pic>
-          <p:nvPicPr>
-            <p:cNvPr id="8" name="Graphic 7" descr="Baby crawling outline">
-              <a:extLst>
-                <a:ext uri="{FF2B5EF4-FFF2-40B4-BE49-F238E27FC236}">
-                  <a16:creationId xmlns:a16="http://schemas.microsoft.com/office/drawing/2014/main" id="{CAC84254-E8D7-A84F-9F0B-8B31490D4DC9}"/>
-                </a:ext>
-              </a:extLst>
-            </p:cNvPr>
-            <p:cNvPicPr>
-              <a:picLocks noChangeAspect="1"/>
-            </p:cNvPicPr>
-            <p:nvPr/>
-          </p:nvPicPr>
-          <p:blipFill>
-            <a:blip r:embed="rId7">
-              <a:extLst>
-                <a:ext uri="{96DAC541-7B7A-43D3-8B79-37D633B846F1}">
-                  <asvg:svgBlip xmlns:asvg="http://schemas.microsoft.com/office/drawing/2016/SVG/main" r:embed="rId8"/>
-                </a:ext>
-              </a:extLst>
-            </a:blip>
-            <a:stretch>
-              <a:fillRect/>
-            </a:stretch>
-          </p:blipFill>
-          <p:spPr>
-            <a:xfrm>
-              <a:off x="807458" y="6303957"/>
-              <a:ext cx="403091" cy="403091"/>
-            </a:xfrm>
-            <a:prstGeom prst="rect">
-              <a:avLst/>
-            </a:prstGeom>
-          </p:spPr>
-        </p:pic>
-        <p:pic>
-          <p:nvPicPr>
-            <p:cNvPr id="26" name="Graphic 25" descr="School girl outline">
-              <a:extLst>
-                <a:ext uri="{FF2B5EF4-FFF2-40B4-BE49-F238E27FC236}">
-                  <a16:creationId xmlns:a16="http://schemas.microsoft.com/office/drawing/2014/main" id="{7C2EA9BB-1DEB-574D-B663-A75CE3F829A6}"/>
-                </a:ext>
-              </a:extLst>
-            </p:cNvPr>
-            <p:cNvPicPr>
-              <a:picLocks noChangeAspect="1"/>
-            </p:cNvPicPr>
-            <p:nvPr/>
-          </p:nvPicPr>
-          <p:blipFill>
-            <a:blip r:embed="rId9">
-              <a:extLst>
-                <a:ext uri="{96DAC541-7B7A-43D3-8B79-37D633B846F1}">
-                  <asvg:svgBlip xmlns:asvg="http://schemas.microsoft.com/office/drawing/2016/SVG/main" r:embed="rId10"/>
-                </a:ext>
-              </a:extLst>
-            </a:blip>
-            <a:stretch>
-              <a:fillRect/>
-            </a:stretch>
-          </p:blipFill>
-          <p:spPr>
-            <a:xfrm>
-              <a:off x="930162" y="6621772"/>
-              <a:ext cx="388695" cy="388695"/>
-            </a:xfrm>
-            <a:prstGeom prst="rect">
-              <a:avLst/>
-            </a:prstGeom>
-          </p:spPr>
-        </p:pic>
-        <p:pic>
-          <p:nvPicPr>
-            <p:cNvPr id="32" name="Graphic 31" descr="School boy outline">
-              <a:extLst>
-                <a:ext uri="{FF2B5EF4-FFF2-40B4-BE49-F238E27FC236}">
-                  <a16:creationId xmlns:a16="http://schemas.microsoft.com/office/drawing/2014/main" id="{42D9EE82-4132-2242-B696-1A47C4ED58ED}"/>
-                </a:ext>
-              </a:extLst>
-            </p:cNvPr>
-            <p:cNvPicPr>
-              <a:picLocks noChangeAspect="1"/>
-            </p:cNvPicPr>
-            <p:nvPr/>
-          </p:nvPicPr>
-          <p:blipFill>
-            <a:blip r:embed="rId11">
-              <a:extLst>
-                <a:ext uri="{96DAC541-7B7A-43D3-8B79-37D633B846F1}">
-                  <asvg:svgBlip xmlns:asvg="http://schemas.microsoft.com/office/drawing/2016/SVG/main" r:embed="rId12"/>
-                </a:ext>
-              </a:extLst>
-            </a:blip>
-            <a:stretch>
-              <a:fillRect/>
-            </a:stretch>
-          </p:blipFill>
-          <p:spPr>
-            <a:xfrm>
-              <a:off x="481553" y="6935008"/>
-              <a:ext cx="457199" cy="457199"/>
-            </a:xfrm>
-            <a:prstGeom prst="rect">
-              <a:avLst/>
-            </a:prstGeom>
-          </p:spPr>
-        </p:pic>
-        <p:pic>
-          <p:nvPicPr>
-            <p:cNvPr id="34" name="Graphic 33" descr="Female Profile outline">
-              <a:extLst>
-                <a:ext uri="{FF2B5EF4-FFF2-40B4-BE49-F238E27FC236}">
-                  <a16:creationId xmlns:a16="http://schemas.microsoft.com/office/drawing/2014/main" id="{0A9B2B9A-2857-B34A-9785-438460C6B1A5}"/>
-                </a:ext>
-              </a:extLst>
-            </p:cNvPr>
-            <p:cNvPicPr>
-              <a:picLocks noChangeAspect="1"/>
-            </p:cNvPicPr>
-            <p:nvPr/>
-          </p:nvPicPr>
-          <p:blipFill>
-            <a:blip r:embed="rId13">
-              <a:extLst>
-                <a:ext uri="{96DAC541-7B7A-43D3-8B79-37D633B846F1}">
-                  <asvg:svgBlip xmlns:asvg="http://schemas.microsoft.com/office/drawing/2016/SVG/main" r:embed="rId14"/>
-                </a:ext>
-              </a:extLst>
-            </a:blip>
-            <a:stretch>
-              <a:fillRect/>
-            </a:stretch>
-          </p:blipFill>
-          <p:spPr>
-            <a:xfrm>
-              <a:off x="872168" y="7309619"/>
-              <a:ext cx="457199" cy="457199"/>
-            </a:xfrm>
-            <a:prstGeom prst="rect">
-              <a:avLst/>
-            </a:prstGeom>
-          </p:spPr>
-        </p:pic>
-        <p:pic>
-          <p:nvPicPr>
-            <p:cNvPr id="36" name="Graphic 35" descr="Pregnant lady outline">
-              <a:extLst>
-                <a:ext uri="{FF2B5EF4-FFF2-40B4-BE49-F238E27FC236}">
-                  <a16:creationId xmlns:a16="http://schemas.microsoft.com/office/drawing/2014/main" id="{222D1A07-673B-DE4D-AB3D-CDD50B301D13}"/>
-                </a:ext>
-              </a:extLst>
-            </p:cNvPr>
-            <p:cNvPicPr>
-              <a:picLocks noChangeAspect="1"/>
-            </p:cNvPicPr>
-            <p:nvPr/>
-          </p:nvPicPr>
-          <p:blipFill>
-            <a:blip r:embed="rId15">
-              <a:extLst>
-                <a:ext uri="{96DAC541-7B7A-43D3-8B79-37D633B846F1}">
-                  <asvg:svgBlip xmlns:asvg="http://schemas.microsoft.com/office/drawing/2016/SVG/main" r:embed="rId16"/>
-                </a:ext>
-              </a:extLst>
-            </a:blip>
-            <a:stretch>
-              <a:fillRect/>
-            </a:stretch>
-          </p:blipFill>
-          <p:spPr>
-            <a:xfrm>
-              <a:off x="670891" y="5945760"/>
-              <a:ext cx="483425" cy="483425"/>
-            </a:xfrm>
-            <a:prstGeom prst="rect">
-              <a:avLst/>
-            </a:prstGeom>
-          </p:spPr>
-        </p:pic>
-        <p:sp>
-          <p:nvSpPr>
-            <p:cNvPr id="38" name="Rectangle 37">
-              <a:extLst>
-                <a:ext uri="{FF2B5EF4-FFF2-40B4-BE49-F238E27FC236}">
-                  <a16:creationId xmlns:a16="http://schemas.microsoft.com/office/drawing/2014/main" id="{118143E4-513E-1142-8AA4-A874E9B47273}"/>
-                </a:ext>
-              </a:extLst>
-            </p:cNvPr>
-            <p:cNvSpPr/>
-            <p:nvPr/>
-          </p:nvSpPr>
-          <p:spPr>
-            <a:xfrm>
-              <a:off x="3315091" y="6356083"/>
-              <a:ext cx="324000" cy="324000"/>
-            </a:xfrm>
-            <a:prstGeom prst="rect">
-              <a:avLst/>
-            </a:prstGeom>
-            <a:noFill/>
-            <a:ln w="22225">
-              <a:solidFill>
-                <a:schemeClr val="tx1"/>
-              </a:solidFill>
-            </a:ln>
-          </p:spPr>
-          <p:style>
-            <a:lnRef idx="2">
-              <a:schemeClr val="accent1">
-                <a:shade val="50000"/>
-              </a:schemeClr>
-            </a:lnRef>
-            <a:fillRef idx="1">
-              <a:schemeClr val="accent1"/>
-            </a:fillRef>
-            <a:effectRef idx="0">
-              <a:schemeClr val="accent1"/>
-            </a:effectRef>
-            <a:fontRef idx="minor">
-              <a:schemeClr val="lt1"/>
-            </a:fontRef>
-          </p:style>
-          <p:txBody>
-            <a:bodyPr rtlCol="0" anchor="ctr"/>
-            <a:lstStyle/>
-            <a:p>
-              <a:pPr algn="ctr"/>
-              <a:endParaRPr lang="en-DE" dirty="0"/>
-            </a:p>
-          </p:txBody>
-        </p:sp>
-        <p:sp>
-          <p:nvSpPr>
-            <p:cNvPr id="39" name="Rectangle 38">
-              <a:extLst>
-                <a:ext uri="{FF2B5EF4-FFF2-40B4-BE49-F238E27FC236}">
-                  <a16:creationId xmlns:a16="http://schemas.microsoft.com/office/drawing/2014/main" id="{93901959-DBF8-7D40-9973-0DDC1C9B3405}"/>
-                </a:ext>
-              </a:extLst>
-            </p:cNvPr>
-            <p:cNvSpPr/>
-            <p:nvPr/>
-          </p:nvSpPr>
-          <p:spPr>
-            <a:xfrm>
-              <a:off x="3948026" y="6356083"/>
-              <a:ext cx="648000" cy="324000"/>
-            </a:xfrm>
-            <a:prstGeom prst="rect">
-              <a:avLst/>
-            </a:prstGeom>
-            <a:noFill/>
-            <a:ln w="22225">
-              <a:solidFill>
-                <a:schemeClr val="tx1"/>
-              </a:solidFill>
-            </a:ln>
-          </p:spPr>
-          <p:style>
-            <a:lnRef idx="2">
-              <a:schemeClr val="accent1">
-                <a:shade val="50000"/>
-              </a:schemeClr>
-            </a:lnRef>
-            <a:fillRef idx="1">
-              <a:schemeClr val="accent1"/>
-            </a:fillRef>
-            <a:effectRef idx="0">
-              <a:schemeClr val="accent1"/>
-            </a:effectRef>
-            <a:fontRef idx="minor">
-              <a:schemeClr val="lt1"/>
-            </a:fontRef>
-          </p:style>
-          <p:txBody>
-            <a:bodyPr rtlCol="0" anchor="ctr"/>
-            <a:lstStyle/>
-            <a:p>
-              <a:pPr algn="ctr"/>
-              <a:endParaRPr lang="en-DE" dirty="0"/>
-            </a:p>
-          </p:txBody>
-        </p:sp>
-        <p:sp>
-          <p:nvSpPr>
-            <p:cNvPr id="40" name="Rectangle 39">
-              <a:extLst>
-                <a:ext uri="{FF2B5EF4-FFF2-40B4-BE49-F238E27FC236}">
-                  <a16:creationId xmlns:a16="http://schemas.microsoft.com/office/drawing/2014/main" id="{0C5F53AA-1212-5E46-8F44-4E55D100E7BC}"/>
-                </a:ext>
-              </a:extLst>
-            </p:cNvPr>
-            <p:cNvSpPr/>
-            <p:nvPr/>
-          </p:nvSpPr>
-          <p:spPr>
-            <a:xfrm>
-              <a:off x="1731675" y="7013289"/>
-              <a:ext cx="324000" cy="651556"/>
-            </a:xfrm>
-            <a:prstGeom prst="rect">
-              <a:avLst/>
-            </a:prstGeom>
-            <a:noFill/>
-            <a:ln w="22225">
-              <a:solidFill>
-                <a:schemeClr val="tx1"/>
-              </a:solidFill>
-            </a:ln>
-          </p:spPr>
-          <p:style>
-            <a:lnRef idx="2">
-              <a:schemeClr val="accent1">
-                <a:shade val="50000"/>
-              </a:schemeClr>
-            </a:lnRef>
-            <a:fillRef idx="1">
-              <a:schemeClr val="accent1"/>
-            </a:fillRef>
-            <a:effectRef idx="0">
-              <a:schemeClr val="accent1"/>
-            </a:effectRef>
-            <a:fontRef idx="minor">
-              <a:schemeClr val="lt1"/>
-            </a:fontRef>
-          </p:style>
-          <p:txBody>
-            <a:bodyPr rtlCol="0" anchor="ctr"/>
-            <a:lstStyle/>
-            <a:p>
-              <a:pPr algn="ctr"/>
-              <a:endParaRPr lang="en-DE" dirty="0"/>
-            </a:p>
-          </p:txBody>
-        </p:sp>
-        <p:sp>
-          <p:nvSpPr>
-            <p:cNvPr id="41" name="Rectangle 40">
-              <a:extLst>
-                <a:ext uri="{FF2B5EF4-FFF2-40B4-BE49-F238E27FC236}">
-                  <a16:creationId xmlns:a16="http://schemas.microsoft.com/office/drawing/2014/main" id="{7E347C49-4A41-6A43-8958-FD9339DACC7A}"/>
-                </a:ext>
-              </a:extLst>
-            </p:cNvPr>
-            <p:cNvSpPr/>
-            <p:nvPr/>
-          </p:nvSpPr>
-          <p:spPr>
-            <a:xfrm>
-              <a:off x="2368548" y="7014006"/>
-              <a:ext cx="648000" cy="324000"/>
-            </a:xfrm>
-            <a:prstGeom prst="rect">
-              <a:avLst/>
-            </a:prstGeom>
-            <a:noFill/>
-            <a:ln w="22225">
-              <a:solidFill>
-                <a:schemeClr val="tx1"/>
-              </a:solidFill>
-            </a:ln>
-          </p:spPr>
-          <p:style>
-            <a:lnRef idx="2">
-              <a:schemeClr val="accent1">
-                <a:shade val="50000"/>
-              </a:schemeClr>
-            </a:lnRef>
-            <a:fillRef idx="1">
-              <a:schemeClr val="accent1"/>
-            </a:fillRef>
-            <a:effectRef idx="0">
-              <a:schemeClr val="accent1"/>
-            </a:effectRef>
-            <a:fontRef idx="minor">
-              <a:schemeClr val="lt1"/>
-            </a:fontRef>
-          </p:style>
-          <p:txBody>
-            <a:bodyPr rtlCol="0" anchor="ctr"/>
-            <a:lstStyle/>
-            <a:p>
-              <a:pPr algn="ctr"/>
-              <a:endParaRPr lang="en-DE" dirty="0"/>
-            </a:p>
-          </p:txBody>
-        </p:sp>
-        <p:sp>
-          <p:nvSpPr>
-            <p:cNvPr id="43" name="Rectangle 42">
-              <a:extLst>
-                <a:ext uri="{FF2B5EF4-FFF2-40B4-BE49-F238E27FC236}">
-                  <a16:creationId xmlns:a16="http://schemas.microsoft.com/office/drawing/2014/main" id="{6B6F2267-9DFE-B546-95CB-8D8239E38F34}"/>
-                </a:ext>
-              </a:extLst>
-            </p:cNvPr>
-            <p:cNvSpPr/>
-            <p:nvPr/>
-          </p:nvSpPr>
-          <p:spPr>
-            <a:xfrm>
-              <a:off x="3311155" y="7013289"/>
-              <a:ext cx="1284873" cy="324000"/>
-            </a:xfrm>
-            <a:prstGeom prst="rect">
-              <a:avLst/>
-            </a:prstGeom>
-            <a:noFill/>
-            <a:ln w="22225">
-              <a:solidFill>
-                <a:schemeClr val="tx1"/>
-              </a:solidFill>
-            </a:ln>
-          </p:spPr>
-          <p:style>
-            <a:lnRef idx="2">
-              <a:schemeClr val="accent1">
-                <a:shade val="50000"/>
-              </a:schemeClr>
-            </a:lnRef>
-            <a:fillRef idx="1">
-              <a:schemeClr val="accent1"/>
-            </a:fillRef>
-            <a:effectRef idx="0">
-              <a:schemeClr val="accent1"/>
-            </a:effectRef>
-            <a:fontRef idx="minor">
-              <a:schemeClr val="lt1"/>
-            </a:fontRef>
-          </p:style>
-          <p:txBody>
-            <a:bodyPr rtlCol="0" anchor="ctr"/>
-            <a:lstStyle/>
-            <a:p>
-              <a:pPr algn="ctr"/>
-              <a:endParaRPr lang="en-DE" dirty="0"/>
-            </a:p>
-          </p:txBody>
-        </p:sp>
-        <p:sp>
-          <p:nvSpPr>
-            <p:cNvPr id="44" name="Rectangle 43">
-              <a:extLst>
-                <a:ext uri="{FF2B5EF4-FFF2-40B4-BE49-F238E27FC236}">
-                  <a16:creationId xmlns:a16="http://schemas.microsoft.com/office/drawing/2014/main" id="{D96A5EF6-D7F7-2745-B704-E92591A296F8}"/>
-                </a:ext>
-              </a:extLst>
-            </p:cNvPr>
-            <p:cNvSpPr/>
-            <p:nvPr/>
-          </p:nvSpPr>
-          <p:spPr>
-            <a:xfrm rot="5400000">
-              <a:off x="5983269" y="6848465"/>
-              <a:ext cx="1308759" cy="324000"/>
-            </a:xfrm>
-            <a:prstGeom prst="rect">
-              <a:avLst/>
-            </a:prstGeom>
-            <a:noFill/>
-            <a:ln w="22225">
-              <a:solidFill>
-                <a:schemeClr val="tx1"/>
-              </a:solidFill>
-            </a:ln>
-          </p:spPr>
-          <p:style>
-            <a:lnRef idx="2">
-              <a:schemeClr val="accent1">
-                <a:shade val="50000"/>
-              </a:schemeClr>
-            </a:lnRef>
-            <a:fillRef idx="1">
-              <a:schemeClr val="accent1"/>
-            </a:fillRef>
-            <a:effectRef idx="0">
-              <a:schemeClr val="accent1"/>
-            </a:effectRef>
-            <a:fontRef idx="minor">
-              <a:schemeClr val="lt1"/>
-            </a:fontRef>
-          </p:style>
-          <p:txBody>
-            <a:bodyPr rtlCol="0" anchor="ctr"/>
-            <a:lstStyle/>
-            <a:p>
-              <a:pPr algn="ctr"/>
-              <a:endParaRPr lang="en-DE" dirty="0"/>
-            </a:p>
-          </p:txBody>
-        </p:sp>
-        <p:sp>
-          <p:nvSpPr>
-            <p:cNvPr id="45" name="Rectangle 44">
-              <a:extLst>
-                <a:ext uri="{FF2B5EF4-FFF2-40B4-BE49-F238E27FC236}">
-                  <a16:creationId xmlns:a16="http://schemas.microsoft.com/office/drawing/2014/main" id="{78BFC0B9-7028-D04C-8447-806AFBB257C6}"/>
-                </a:ext>
-              </a:extLst>
-            </p:cNvPr>
-            <p:cNvSpPr/>
-            <p:nvPr/>
-          </p:nvSpPr>
-          <p:spPr>
-            <a:xfrm rot="5400000">
-              <a:off x="4410441" y="6523166"/>
-              <a:ext cx="1304251" cy="324000"/>
-            </a:xfrm>
-            <a:prstGeom prst="rect">
-              <a:avLst/>
-            </a:prstGeom>
-            <a:noFill/>
-            <a:ln w="22225">
-              <a:solidFill>
-                <a:schemeClr val="tx1"/>
-              </a:solidFill>
-            </a:ln>
-          </p:spPr>
-          <p:style>
-            <a:lnRef idx="2">
-              <a:schemeClr val="accent1">
-                <a:shade val="50000"/>
-              </a:schemeClr>
-            </a:lnRef>
-            <a:fillRef idx="1">
-              <a:schemeClr val="accent1"/>
-            </a:fillRef>
-            <a:effectRef idx="0">
-              <a:schemeClr val="accent1"/>
-            </a:effectRef>
-            <a:fontRef idx="minor">
-              <a:schemeClr val="lt1"/>
-            </a:fontRef>
-          </p:style>
-          <p:txBody>
-            <a:bodyPr rtlCol="0" anchor="ctr"/>
-            <a:lstStyle/>
-            <a:p>
-              <a:pPr algn="ctr"/>
-              <a:endParaRPr lang="en-DE" dirty="0"/>
-            </a:p>
-          </p:txBody>
-        </p:sp>
-        <p:sp>
-          <p:nvSpPr>
-            <p:cNvPr id="46" name="Rectangle 45">
-              <a:extLst>
-                <a:ext uri="{FF2B5EF4-FFF2-40B4-BE49-F238E27FC236}">
-                  <a16:creationId xmlns:a16="http://schemas.microsoft.com/office/drawing/2014/main" id="{4E4C26D8-A980-7A4B-A3C3-AC53D6AA08F1}"/>
-                </a:ext>
-              </a:extLst>
-            </p:cNvPr>
-            <p:cNvSpPr/>
-            <p:nvPr/>
-          </p:nvSpPr>
-          <p:spPr>
-            <a:xfrm>
-              <a:off x="2368547" y="7337291"/>
-              <a:ext cx="2856017" cy="333017"/>
-            </a:xfrm>
-            <a:prstGeom prst="rect">
-              <a:avLst/>
-            </a:prstGeom>
-            <a:noFill/>
-            <a:ln w="22225">
-              <a:solidFill>
-                <a:schemeClr val="tx1"/>
-              </a:solidFill>
-            </a:ln>
-          </p:spPr>
-          <p:style>
-            <a:lnRef idx="2">
-              <a:schemeClr val="accent1">
-                <a:shade val="50000"/>
-              </a:schemeClr>
-            </a:lnRef>
-            <a:fillRef idx="1">
-              <a:schemeClr val="accent1"/>
-            </a:fillRef>
-            <a:effectRef idx="0">
-              <a:schemeClr val="accent1"/>
-            </a:effectRef>
-            <a:fontRef idx="minor">
-              <a:schemeClr val="lt1"/>
-            </a:fontRef>
-          </p:style>
-          <p:txBody>
-            <a:bodyPr rtlCol="0" anchor="ctr"/>
-            <a:lstStyle/>
-            <a:p>
-              <a:pPr algn="ctr"/>
-              <a:endParaRPr lang="en-DE" dirty="0"/>
-            </a:p>
-          </p:txBody>
-        </p:sp>
-        <p:pic>
-          <p:nvPicPr>
-            <p:cNvPr id="4" name="Picture 3">
-              <a:extLst>
-                <a:ext uri="{FF2B5EF4-FFF2-40B4-BE49-F238E27FC236}">
-                  <a16:creationId xmlns:a16="http://schemas.microsoft.com/office/drawing/2014/main" id="{7EF2341D-EE5C-9743-83C1-4ABD1D3058C7}"/>
-                </a:ext>
-              </a:extLst>
-            </p:cNvPr>
-            <p:cNvPicPr>
-              <a:picLocks noChangeAspect="1"/>
-            </p:cNvPicPr>
-            <p:nvPr/>
-          </p:nvPicPr>
-          <p:blipFill>
-            <a:blip r:embed="rId17"/>
-            <a:stretch>
-              <a:fillRect/>
-            </a:stretch>
-          </p:blipFill>
-          <p:spPr>
-            <a:xfrm>
-              <a:off x="7380228" y="6588918"/>
-              <a:ext cx="244754" cy="617712"/>
-            </a:xfrm>
-            <a:prstGeom prst="rect">
-              <a:avLst/>
-            </a:prstGeom>
-          </p:spPr>
-        </p:pic>
       </p:grpSp>
+      <p:sp>
+        <p:nvSpPr>
+          <p:cNvPr id="52" name="Left Bracket 51">
+            <a:extLst>
+              <a:ext uri="{FF2B5EF4-FFF2-40B4-BE49-F238E27FC236}">
+                <a16:creationId xmlns:a16="http://schemas.microsoft.com/office/drawing/2014/main" id="{8AB34B34-3FDC-6AA3-36C8-851C959C421C}"/>
+              </a:ext>
+            </a:extLst>
+          </p:cNvPr>
+          <p:cNvSpPr/>
+          <p:nvPr/>
+        </p:nvSpPr>
+        <p:spPr>
+          <a:xfrm flipH="1">
+            <a:off x="9180237" y="5235966"/>
+            <a:ext cx="48366" cy="576000"/>
+          </a:xfrm>
+          <a:prstGeom prst="leftBracket">
+            <a:avLst/>
+          </a:prstGeom>
+          <a:ln w="15875"/>
+        </p:spPr>
+        <p:style>
+          <a:lnRef idx="1">
+            <a:schemeClr val="dk1"/>
+          </a:lnRef>
+          <a:fillRef idx="0">
+            <a:schemeClr val="dk1"/>
+          </a:fillRef>
+          <a:effectRef idx="0">
+            <a:schemeClr val="dk1"/>
+          </a:effectRef>
+          <a:fontRef idx="minor">
+            <a:schemeClr val="tx1"/>
+          </a:fontRef>
+        </p:style>
+        <p:txBody>
+          <a:bodyPr rtlCol="0" anchor="ctr"/>
+          <a:lstStyle/>
+          <a:p>
+            <a:pPr algn="ctr"/>
+            <a:endParaRPr lang="en-DE"/>
+          </a:p>
+        </p:txBody>
+      </p:sp>
     </p:spTree>
     <p:extLst>
       <p:ext uri="{BB962C8B-B14F-4D97-AF65-F5344CB8AC3E}">

--- a/fig/fig3.pptx
+++ b/fig/fig3.pptx
@@ -260,7 +260,7 @@
               <a:pPr>
                 <a:defRPr/>
               </a:pPr>
-              <a:t>29.04.22</a:t>
+              <a:t>13.07.22</a:t>
             </a:fld>
             <a:endParaRPr lang="en-DE"/>
           </a:p>
@@ -445,7 +445,7 @@
               <a:pPr>
                 <a:defRPr/>
               </a:pPr>
-              <a:t>29.04.22</a:t>
+              <a:t>13.07.22</a:t>
             </a:fld>
             <a:endParaRPr lang="en-DE"/>
           </a:p>
@@ -640,7 +640,7 @@
               <a:pPr>
                 <a:defRPr/>
               </a:pPr>
-              <a:t>29.04.22</a:t>
+              <a:t>13.07.22</a:t>
             </a:fld>
             <a:endParaRPr lang="en-DE"/>
           </a:p>
@@ -825,7 +825,7 @@
               <a:pPr>
                 <a:defRPr/>
               </a:pPr>
-              <a:t>29.04.22</a:t>
+              <a:t>13.07.22</a:t>
             </a:fld>
             <a:endParaRPr lang="en-DE"/>
           </a:p>
@@ -1084,7 +1084,7 @@
               <a:pPr>
                 <a:defRPr/>
               </a:pPr>
-              <a:t>29.04.22</a:t>
+              <a:t>13.07.22</a:t>
             </a:fld>
             <a:endParaRPr lang="en-DE"/>
           </a:p>
@@ -1331,7 +1331,7 @@
               <a:pPr>
                 <a:defRPr/>
               </a:pPr>
-              <a:t>29.04.22</a:t>
+              <a:t>13.07.22</a:t>
             </a:fld>
             <a:endParaRPr lang="en-DE"/>
           </a:p>
@@ -1713,7 +1713,7 @@
               <a:pPr>
                 <a:defRPr/>
               </a:pPr>
-              <a:t>29.04.22</a:t>
+              <a:t>13.07.22</a:t>
             </a:fld>
             <a:endParaRPr lang="en-DE"/>
           </a:p>
@@ -1846,7 +1846,7 @@
               <a:pPr>
                 <a:defRPr/>
               </a:pPr>
-              <a:t>29.04.22</a:t>
+              <a:t>13.07.22</a:t>
             </a:fld>
             <a:endParaRPr lang="en-DE"/>
           </a:p>
@@ -1956,7 +1956,7 @@
               <a:pPr>
                 <a:defRPr/>
               </a:pPr>
-              <a:t>29.04.22</a:t>
+              <a:t>13.07.22</a:t>
             </a:fld>
             <a:endParaRPr lang="en-DE"/>
           </a:p>
@@ -2248,7 +2248,7 @@
               <a:pPr>
                 <a:defRPr/>
               </a:pPr>
-              <a:t>29.04.22</a:t>
+              <a:t>13.07.22</a:t>
             </a:fld>
             <a:endParaRPr lang="en-DE"/>
           </a:p>
@@ -2520,7 +2520,7 @@
               <a:pPr>
                 <a:defRPr/>
               </a:pPr>
-              <a:t>29.04.22</a:t>
+              <a:t>13.07.22</a:t>
             </a:fld>
             <a:endParaRPr lang="en-DE"/>
           </a:p>
@@ -2748,7 +2748,7 @@
               <a:pPr>
                 <a:defRPr/>
               </a:pPr>
-              <a:t>29.04.22</a:t>
+              <a:t>13.07.22</a:t>
             </a:fld>
             <a:endParaRPr lang="en-DE"/>
           </a:p>
@@ -3853,7 +3853,7 @@
         <p:spPr>
           <a:xfrm>
             <a:off x="487593" y="77176"/>
-            <a:ext cx="3353898" cy="8830800"/>
+            <a:ext cx="3353897" cy="8830800"/>
           </a:xfrm>
           <a:prstGeom prst="rect">
             <a:avLst/>

--- a/fig/fig3.pptx
+++ b/fig/fig3.pptx
@@ -2,103 +2,133 @@
 <file path=ppt/presentation.xml><?xml version="1.0" encoding="utf-8"?>
 <p:presentation xmlns:a="http://schemas.openxmlformats.org/drawingml/2006/main" xmlns:r="http://schemas.openxmlformats.org/officeDocument/2006/relationships" xmlns:p="http://schemas.openxmlformats.org/presentationml/2006/main" saveSubsetFonts="1" autoCompressPictures="0">
   <p:sldMasterIdLst>
-    <p:sldMasterId id="2147483780" r:id="rId1"/>
+    <p:sldMasterId id="2147483660" r:id="rId1"/>
   </p:sldMasterIdLst>
   <p:sldIdLst>
-    <p:sldId id="257" r:id="rId2"/>
+    <p:sldId id="256" r:id="rId2"/>
   </p:sldIdLst>
-  <p:sldSz cx="10439400" cy="8999538"/>
+  <p:sldSz cx="16200438" cy="12599988"/>
   <p:notesSz cx="6858000" cy="9144000"/>
   <p:defaultTextStyle>
     <a:defPPr>
       <a:defRPr lang="en-US"/>
     </a:defPPr>
-    <a:lvl1pPr marL="0" algn="l" defTabSz="457200" rtl="0" eaLnBrk="1" latinLnBrk="0" hangingPunct="1">
-      <a:defRPr sz="1800" kern="1200">
+    <a:lvl1pPr algn="l" defTabSz="457200" rtl="0" eaLnBrk="0" fontAlgn="base" hangingPunct="0">
+      <a:spcBef>
+        <a:spcPct val="0"/>
+      </a:spcBef>
+      <a:spcAft>
+        <a:spcPct val="0"/>
+      </a:spcAft>
+      <a:defRPr kern="1200">
         <a:solidFill>
           <a:schemeClr val="tx1"/>
         </a:solidFill>
-        <a:latin typeface="+mn-lt"/>
+        <a:latin typeface="Calibri" panose="020F0502020204030204" pitchFamily="34" charset="0"/>
         <a:ea typeface="+mn-ea"/>
         <a:cs typeface="+mn-cs"/>
       </a:defRPr>
     </a:lvl1pPr>
-    <a:lvl2pPr marL="457200" algn="l" defTabSz="457200" rtl="0" eaLnBrk="1" latinLnBrk="0" hangingPunct="1">
-      <a:defRPr sz="1800" kern="1200">
+    <a:lvl2pPr marL="457200" algn="l" defTabSz="457200" rtl="0" eaLnBrk="0" fontAlgn="base" hangingPunct="0">
+      <a:spcBef>
+        <a:spcPct val="0"/>
+      </a:spcBef>
+      <a:spcAft>
+        <a:spcPct val="0"/>
+      </a:spcAft>
+      <a:defRPr kern="1200">
         <a:solidFill>
           <a:schemeClr val="tx1"/>
         </a:solidFill>
-        <a:latin typeface="+mn-lt"/>
+        <a:latin typeface="Calibri" panose="020F0502020204030204" pitchFamily="34" charset="0"/>
         <a:ea typeface="+mn-ea"/>
         <a:cs typeface="+mn-cs"/>
       </a:defRPr>
     </a:lvl2pPr>
-    <a:lvl3pPr marL="914400" algn="l" defTabSz="457200" rtl="0" eaLnBrk="1" latinLnBrk="0" hangingPunct="1">
-      <a:defRPr sz="1800" kern="1200">
+    <a:lvl3pPr marL="914400" algn="l" defTabSz="457200" rtl="0" eaLnBrk="0" fontAlgn="base" hangingPunct="0">
+      <a:spcBef>
+        <a:spcPct val="0"/>
+      </a:spcBef>
+      <a:spcAft>
+        <a:spcPct val="0"/>
+      </a:spcAft>
+      <a:defRPr kern="1200">
         <a:solidFill>
           <a:schemeClr val="tx1"/>
         </a:solidFill>
-        <a:latin typeface="+mn-lt"/>
+        <a:latin typeface="Calibri" panose="020F0502020204030204" pitchFamily="34" charset="0"/>
         <a:ea typeface="+mn-ea"/>
         <a:cs typeface="+mn-cs"/>
       </a:defRPr>
     </a:lvl3pPr>
-    <a:lvl4pPr marL="1371600" algn="l" defTabSz="457200" rtl="0" eaLnBrk="1" latinLnBrk="0" hangingPunct="1">
-      <a:defRPr sz="1800" kern="1200">
+    <a:lvl4pPr marL="1371600" algn="l" defTabSz="457200" rtl="0" eaLnBrk="0" fontAlgn="base" hangingPunct="0">
+      <a:spcBef>
+        <a:spcPct val="0"/>
+      </a:spcBef>
+      <a:spcAft>
+        <a:spcPct val="0"/>
+      </a:spcAft>
+      <a:defRPr kern="1200">
         <a:solidFill>
           <a:schemeClr val="tx1"/>
         </a:solidFill>
-        <a:latin typeface="+mn-lt"/>
+        <a:latin typeface="Calibri" panose="020F0502020204030204" pitchFamily="34" charset="0"/>
         <a:ea typeface="+mn-ea"/>
         <a:cs typeface="+mn-cs"/>
       </a:defRPr>
     </a:lvl4pPr>
-    <a:lvl5pPr marL="1828800" algn="l" defTabSz="457200" rtl="0" eaLnBrk="1" latinLnBrk="0" hangingPunct="1">
-      <a:defRPr sz="1800" kern="1200">
+    <a:lvl5pPr marL="1828800" algn="l" defTabSz="457200" rtl="0" eaLnBrk="0" fontAlgn="base" hangingPunct="0">
+      <a:spcBef>
+        <a:spcPct val="0"/>
+      </a:spcBef>
+      <a:spcAft>
+        <a:spcPct val="0"/>
+      </a:spcAft>
+      <a:defRPr kern="1200">
         <a:solidFill>
           <a:schemeClr val="tx1"/>
         </a:solidFill>
-        <a:latin typeface="+mn-lt"/>
+        <a:latin typeface="Calibri" panose="020F0502020204030204" pitchFamily="34" charset="0"/>
         <a:ea typeface="+mn-ea"/>
         <a:cs typeface="+mn-cs"/>
       </a:defRPr>
     </a:lvl5pPr>
-    <a:lvl6pPr marL="2286000" algn="l" defTabSz="457200" rtl="0" eaLnBrk="1" latinLnBrk="0" hangingPunct="1">
-      <a:defRPr sz="1800" kern="1200">
+    <a:lvl6pPr marL="2286000" algn="l" defTabSz="914400" rtl="0" eaLnBrk="1" latinLnBrk="0" hangingPunct="1">
+      <a:defRPr kern="1200">
         <a:solidFill>
           <a:schemeClr val="tx1"/>
         </a:solidFill>
-        <a:latin typeface="+mn-lt"/>
+        <a:latin typeface="Calibri" panose="020F0502020204030204" pitchFamily="34" charset="0"/>
         <a:ea typeface="+mn-ea"/>
         <a:cs typeface="+mn-cs"/>
       </a:defRPr>
     </a:lvl6pPr>
-    <a:lvl7pPr marL="2743200" algn="l" defTabSz="457200" rtl="0" eaLnBrk="1" latinLnBrk="0" hangingPunct="1">
-      <a:defRPr sz="1800" kern="1200">
+    <a:lvl7pPr marL="2743200" algn="l" defTabSz="914400" rtl="0" eaLnBrk="1" latinLnBrk="0" hangingPunct="1">
+      <a:defRPr kern="1200">
         <a:solidFill>
           <a:schemeClr val="tx1"/>
         </a:solidFill>
-        <a:latin typeface="+mn-lt"/>
+        <a:latin typeface="Calibri" panose="020F0502020204030204" pitchFamily="34" charset="0"/>
         <a:ea typeface="+mn-ea"/>
         <a:cs typeface="+mn-cs"/>
       </a:defRPr>
     </a:lvl7pPr>
-    <a:lvl8pPr marL="3200400" algn="l" defTabSz="457200" rtl="0" eaLnBrk="1" latinLnBrk="0" hangingPunct="1">
-      <a:defRPr sz="1800" kern="1200">
+    <a:lvl8pPr marL="3200400" algn="l" defTabSz="914400" rtl="0" eaLnBrk="1" latinLnBrk="0" hangingPunct="1">
+      <a:defRPr kern="1200">
         <a:solidFill>
           <a:schemeClr val="tx1"/>
         </a:solidFill>
-        <a:latin typeface="+mn-lt"/>
+        <a:latin typeface="Calibri" panose="020F0502020204030204" pitchFamily="34" charset="0"/>
         <a:ea typeface="+mn-ea"/>
         <a:cs typeface="+mn-cs"/>
       </a:defRPr>
     </a:lvl8pPr>
-    <a:lvl9pPr marL="3657600" algn="l" defTabSz="457200" rtl="0" eaLnBrk="1" latinLnBrk="0" hangingPunct="1">
-      <a:defRPr sz="1800" kern="1200">
+    <a:lvl9pPr marL="3657600" algn="l" defTabSz="914400" rtl="0" eaLnBrk="1" latinLnBrk="0" hangingPunct="1">
+      <a:defRPr kern="1200">
         <a:solidFill>
           <a:schemeClr val="tx1"/>
         </a:solidFill>
-        <a:latin typeface="+mn-lt"/>
+        <a:latin typeface="Calibri" panose="020F0502020204030204" pitchFamily="34" charset="0"/>
         <a:ea typeface="+mn-ea"/>
         <a:cs typeface="+mn-cs"/>
       </a:defRPr>
@@ -107,12 +137,12 @@
   <p:extLst>
     <p:ext uri="{EFAFB233-063F-42B5-8137-9DF3F51BA10A}">
       <p15:sldGuideLst xmlns:p15="http://schemas.microsoft.com/office/powerpoint/2012/main">
-        <p15:guide id="1" orient="horz" pos="2835" userDrawn="1">
+        <p15:guide id="1" orient="horz" pos="3968" userDrawn="1">
           <p15:clr>
             <a:srgbClr val="A4A3A4"/>
           </p15:clr>
         </p15:guide>
-        <p15:guide id="2" pos="3274" userDrawn="1">
+        <p15:guide id="2" pos="4989" userDrawn="1">
           <p15:clr>
             <a:srgbClr val="A4A3A4"/>
           </p15:clr>
@@ -152,15 +182,15 @@
         </p:nvSpPr>
         <p:spPr>
           <a:xfrm>
-            <a:off x="782955" y="1472842"/>
-            <a:ext cx="8873490" cy="3133172"/>
+            <a:off x="1215034" y="2062083"/>
+            <a:ext cx="13770372" cy="4386662"/>
           </a:xfrm>
         </p:spPr>
         <p:txBody>
           <a:bodyPr anchor="b"/>
           <a:lstStyle>
             <a:lvl1pPr algn="ctr">
-              <a:defRPr sz="6850"/>
+              <a:defRPr sz="10630"/>
             </a:lvl1pPr>
           </a:lstStyle>
           <a:p>
@@ -184,8 +214,8 @@
         </p:nvSpPr>
         <p:spPr>
           <a:xfrm>
-            <a:off x="1304925" y="4726842"/>
-            <a:ext cx="7829550" cy="2172804"/>
+            <a:off x="2025055" y="6617911"/>
+            <a:ext cx="12150329" cy="3042080"/>
           </a:xfrm>
         </p:spPr>
         <p:txBody>
@@ -193,39 +223,39 @@
           <a:lstStyle>
             <a:lvl1pPr marL="0" indent="0" algn="ctr">
               <a:buNone/>
-              <a:defRPr sz="2740"/>
-            </a:lvl1pPr>
-            <a:lvl2pPr marL="521985" indent="0" algn="ctr">
-              <a:buNone/>
-              <a:defRPr sz="2283"/>
+              <a:defRPr sz="4252"/>
+            </a:lvl1pPr>
+            <a:lvl2pPr marL="810021" indent="0" algn="ctr">
+              <a:buNone/>
+              <a:defRPr sz="3543"/>
             </a:lvl2pPr>
-            <a:lvl3pPr marL="1043970" indent="0" algn="ctr">
-              <a:buNone/>
-              <a:defRPr sz="2055"/>
+            <a:lvl3pPr marL="1620042" indent="0" algn="ctr">
+              <a:buNone/>
+              <a:defRPr sz="3189"/>
             </a:lvl3pPr>
-            <a:lvl4pPr marL="1565956" indent="0" algn="ctr">
-              <a:buNone/>
-              <a:defRPr sz="1827"/>
+            <a:lvl4pPr marL="2430064" indent="0" algn="ctr">
+              <a:buNone/>
+              <a:defRPr sz="2835"/>
             </a:lvl4pPr>
-            <a:lvl5pPr marL="2087941" indent="0" algn="ctr">
-              <a:buNone/>
-              <a:defRPr sz="1827"/>
+            <a:lvl5pPr marL="3240085" indent="0" algn="ctr">
+              <a:buNone/>
+              <a:defRPr sz="2835"/>
             </a:lvl5pPr>
-            <a:lvl6pPr marL="2609926" indent="0" algn="ctr">
-              <a:buNone/>
-              <a:defRPr sz="1827"/>
+            <a:lvl6pPr marL="4050106" indent="0" algn="ctr">
+              <a:buNone/>
+              <a:defRPr sz="2835"/>
             </a:lvl6pPr>
-            <a:lvl7pPr marL="3131911" indent="0" algn="ctr">
-              <a:buNone/>
-              <a:defRPr sz="1827"/>
+            <a:lvl7pPr marL="4860127" indent="0" algn="ctr">
+              <a:buNone/>
+              <a:defRPr sz="2835"/>
             </a:lvl7pPr>
-            <a:lvl8pPr marL="3653897" indent="0" algn="ctr">
-              <a:buNone/>
-              <a:defRPr sz="1827"/>
+            <a:lvl8pPr marL="5670149" indent="0" algn="ctr">
+              <a:buNone/>
+              <a:defRPr sz="2835"/>
             </a:lvl8pPr>
-            <a:lvl9pPr marL="4175882" indent="0" algn="ctr">
-              <a:buNone/>
-              <a:defRPr sz="1827"/>
+            <a:lvl9pPr marL="6480170" indent="0" algn="ctr">
+              <a:buNone/>
+              <a:defRPr sz="2835"/>
             </a:lvl9pPr>
           </a:lstStyle>
           <a:p>
@@ -239,7 +269,13 @@
       </p:sp>
       <p:sp>
         <p:nvSpPr>
-          <p:cNvPr id="4" name="Date Placeholder 3"/>
+          <p:cNvPr id="4" name="Date Placeholder 3">
+            <a:extLst>
+              <a:ext uri="{FF2B5EF4-FFF2-40B4-BE49-F238E27FC236}">
+                <a16:creationId xmlns:a16="http://schemas.microsoft.com/office/drawing/2014/main" id="{3323EA5D-D16A-9545-AE6F-1708B3CDFEDC}"/>
+              </a:ext>
+            </a:extLst>
+          </p:cNvPr>
           <p:cNvSpPr>
             <a:spLocks noGrp="1"/>
           </p:cNvSpPr>
@@ -250,13 +286,17 @@
         <p:spPr/>
         <p:txBody>
           <a:bodyPr/>
-          <a:lstStyle/>
+          <a:lstStyle>
+            <a:lvl1pPr>
+              <a:defRPr/>
+            </a:lvl1pPr>
+          </a:lstStyle>
           <a:p>
             <a:pPr>
               <a:defRPr/>
             </a:pPr>
             <a:fld id="{002A0CC9-C125-6D4D-8665-B1EE68ADB008}" type="datetimeFigureOut">
-              <a:rPr lang="en-DE" smtClean="0"/>
+              <a:rPr lang="en-DE"/>
               <a:pPr>
                 <a:defRPr/>
               </a:pPr>
@@ -268,7 +308,13 @@
       </p:sp>
       <p:sp>
         <p:nvSpPr>
-          <p:cNvPr id="5" name="Footer Placeholder 4"/>
+          <p:cNvPr id="5" name="Footer Placeholder 4">
+            <a:extLst>
+              <a:ext uri="{FF2B5EF4-FFF2-40B4-BE49-F238E27FC236}">
+                <a16:creationId xmlns:a16="http://schemas.microsoft.com/office/drawing/2014/main" id="{D642B24F-9E47-BD4D-AC5F-0D2A5B87CA90}"/>
+              </a:ext>
+            </a:extLst>
+          </p:cNvPr>
           <p:cNvSpPr>
             <a:spLocks noGrp="1"/>
           </p:cNvSpPr>
@@ -279,7 +325,11 @@
         <p:spPr/>
         <p:txBody>
           <a:bodyPr/>
-          <a:lstStyle/>
+          <a:lstStyle>
+            <a:lvl1pPr>
+              <a:defRPr/>
+            </a:lvl1pPr>
+          </a:lstStyle>
           <a:p>
             <a:pPr>
               <a:defRPr/>
@@ -290,7 +340,13 @@
       </p:sp>
       <p:sp>
         <p:nvSpPr>
-          <p:cNvPr id="6" name="Slide Number Placeholder 5"/>
+          <p:cNvPr id="6" name="Slide Number Placeholder 5">
+            <a:extLst>
+              <a:ext uri="{FF2B5EF4-FFF2-40B4-BE49-F238E27FC236}">
+                <a16:creationId xmlns:a16="http://schemas.microsoft.com/office/drawing/2014/main" id="{4AF7D597-3114-0B4D-8A48-F671C588B872}"/>
+              </a:ext>
+            </a:extLst>
+          </p:cNvPr>
           <p:cNvSpPr>
             <a:spLocks noGrp="1"/>
           </p:cNvSpPr>
@@ -301,13 +357,17 @@
         <p:spPr/>
         <p:txBody>
           <a:bodyPr/>
-          <a:lstStyle/>
+          <a:lstStyle>
+            <a:lvl1pPr>
+              <a:defRPr/>
+            </a:lvl1pPr>
+          </a:lstStyle>
           <a:p>
             <a:pPr>
               <a:defRPr/>
             </a:pPr>
             <a:fld id="{0FE77543-E77F-6946-94A3-87AE885C0474}" type="slidenum">
-              <a:rPr lang="en-DE" smtClean="0"/>
+              <a:rPr lang="en-DE"/>
               <a:pPr>
                 <a:defRPr/>
               </a:pPr>
@@ -320,7 +380,7 @@
     </p:spTree>
     <p:extLst>
       <p:ext uri="{BB962C8B-B14F-4D97-AF65-F5344CB8AC3E}">
-        <p14:creationId xmlns:p14="http://schemas.microsoft.com/office/powerpoint/2010/main" val="72790862"/>
+        <p14:creationId xmlns:p14="http://schemas.microsoft.com/office/powerpoint/2010/main" val="1432685919"/>
       </p:ext>
     </p:extLst>
   </p:cSld>
@@ -424,7 +484,13 @@
       </p:sp>
       <p:sp>
         <p:nvSpPr>
-          <p:cNvPr id="4" name="Date Placeholder 3"/>
+          <p:cNvPr id="4" name="Date Placeholder 3">
+            <a:extLst>
+              <a:ext uri="{FF2B5EF4-FFF2-40B4-BE49-F238E27FC236}">
+                <a16:creationId xmlns:a16="http://schemas.microsoft.com/office/drawing/2014/main" id="{0D9CF3DE-937F-A643-8ABD-491EC7A0FEA7}"/>
+              </a:ext>
+            </a:extLst>
+          </p:cNvPr>
           <p:cNvSpPr>
             <a:spLocks noGrp="1"/>
           </p:cNvSpPr>
@@ -435,13 +501,17 @@
         <p:spPr/>
         <p:txBody>
           <a:bodyPr/>
-          <a:lstStyle/>
+          <a:lstStyle>
+            <a:lvl1pPr>
+              <a:defRPr/>
+            </a:lvl1pPr>
+          </a:lstStyle>
           <a:p>
             <a:pPr>
               <a:defRPr/>
             </a:pPr>
             <a:fld id="{46001B54-449E-1E43-B68D-939DA56138D0}" type="datetimeFigureOut">
-              <a:rPr lang="en-DE" smtClean="0"/>
+              <a:rPr lang="en-DE"/>
               <a:pPr>
                 <a:defRPr/>
               </a:pPr>
@@ -453,7 +523,13 @@
       </p:sp>
       <p:sp>
         <p:nvSpPr>
-          <p:cNvPr id="5" name="Footer Placeholder 4"/>
+          <p:cNvPr id="5" name="Footer Placeholder 4">
+            <a:extLst>
+              <a:ext uri="{FF2B5EF4-FFF2-40B4-BE49-F238E27FC236}">
+                <a16:creationId xmlns:a16="http://schemas.microsoft.com/office/drawing/2014/main" id="{70A5019F-28E9-5543-966D-2414051AA37F}"/>
+              </a:ext>
+            </a:extLst>
+          </p:cNvPr>
           <p:cNvSpPr>
             <a:spLocks noGrp="1"/>
           </p:cNvSpPr>
@@ -464,7 +540,11 @@
         <p:spPr/>
         <p:txBody>
           <a:bodyPr/>
-          <a:lstStyle/>
+          <a:lstStyle>
+            <a:lvl1pPr>
+              <a:defRPr/>
+            </a:lvl1pPr>
+          </a:lstStyle>
           <a:p>
             <a:pPr>
               <a:defRPr/>
@@ -475,7 +555,13 @@
       </p:sp>
       <p:sp>
         <p:nvSpPr>
-          <p:cNvPr id="6" name="Slide Number Placeholder 5"/>
+          <p:cNvPr id="6" name="Slide Number Placeholder 5">
+            <a:extLst>
+              <a:ext uri="{FF2B5EF4-FFF2-40B4-BE49-F238E27FC236}">
+                <a16:creationId xmlns:a16="http://schemas.microsoft.com/office/drawing/2014/main" id="{8AA4D0E7-82F6-5F47-8B89-488F5973F636}"/>
+              </a:ext>
+            </a:extLst>
+          </p:cNvPr>
           <p:cNvSpPr>
             <a:spLocks noGrp="1"/>
           </p:cNvSpPr>
@@ -486,13 +572,17 @@
         <p:spPr/>
         <p:txBody>
           <a:bodyPr/>
-          <a:lstStyle/>
+          <a:lstStyle>
+            <a:lvl1pPr>
+              <a:defRPr/>
+            </a:lvl1pPr>
+          </a:lstStyle>
           <a:p>
             <a:pPr>
               <a:defRPr/>
             </a:pPr>
             <a:fld id="{6033E86B-6410-3348-8D67-12FA1CFAFA8E}" type="slidenum">
-              <a:rPr lang="en-DE" smtClean="0"/>
+              <a:rPr lang="en-DE"/>
               <a:pPr>
                 <a:defRPr/>
               </a:pPr>
@@ -505,7 +595,7 @@
     </p:spTree>
     <p:extLst>
       <p:ext uri="{BB962C8B-B14F-4D97-AF65-F5344CB8AC3E}">
-        <p14:creationId xmlns:p14="http://schemas.microsoft.com/office/powerpoint/2010/main" val="2939607035"/>
+        <p14:creationId xmlns:p14="http://schemas.microsoft.com/office/powerpoint/2010/main" val="2778100983"/>
       </p:ext>
     </p:extLst>
   </p:cSld>
@@ -544,8 +634,8 @@
         </p:nvSpPr>
         <p:spPr>
           <a:xfrm>
-            <a:off x="7470696" y="479142"/>
-            <a:ext cx="2250996" cy="7626692"/>
+            <a:off x="11593440" y="670835"/>
+            <a:ext cx="3493220" cy="10677907"/>
           </a:xfrm>
         </p:spPr>
         <p:txBody>
@@ -572,8 +662,8 @@
         </p:nvSpPr>
         <p:spPr>
           <a:xfrm>
-            <a:off x="717710" y="479142"/>
-            <a:ext cx="6622494" cy="7626692"/>
+            <a:off x="1113782" y="670835"/>
+            <a:ext cx="10277153" cy="10677907"/>
           </a:xfrm>
         </p:spPr>
         <p:txBody>
@@ -619,7 +709,13 @@
       </p:sp>
       <p:sp>
         <p:nvSpPr>
-          <p:cNvPr id="4" name="Date Placeholder 3"/>
+          <p:cNvPr id="4" name="Date Placeholder 3">
+            <a:extLst>
+              <a:ext uri="{FF2B5EF4-FFF2-40B4-BE49-F238E27FC236}">
+                <a16:creationId xmlns:a16="http://schemas.microsoft.com/office/drawing/2014/main" id="{5F3FF409-472A-B744-B16C-B954A42D60E0}"/>
+              </a:ext>
+            </a:extLst>
+          </p:cNvPr>
           <p:cNvSpPr>
             <a:spLocks noGrp="1"/>
           </p:cNvSpPr>
@@ -630,13 +726,17 @@
         <p:spPr/>
         <p:txBody>
           <a:bodyPr/>
-          <a:lstStyle/>
+          <a:lstStyle>
+            <a:lvl1pPr>
+              <a:defRPr/>
+            </a:lvl1pPr>
+          </a:lstStyle>
           <a:p>
             <a:pPr>
               <a:defRPr/>
             </a:pPr>
             <a:fld id="{F6BAE2DB-CCFE-0B4F-9701-176178FDECA6}" type="datetimeFigureOut">
-              <a:rPr lang="en-DE" smtClean="0"/>
+              <a:rPr lang="en-DE"/>
               <a:pPr>
                 <a:defRPr/>
               </a:pPr>
@@ -648,7 +748,13 @@
       </p:sp>
       <p:sp>
         <p:nvSpPr>
-          <p:cNvPr id="5" name="Footer Placeholder 4"/>
+          <p:cNvPr id="5" name="Footer Placeholder 4">
+            <a:extLst>
+              <a:ext uri="{FF2B5EF4-FFF2-40B4-BE49-F238E27FC236}">
+                <a16:creationId xmlns:a16="http://schemas.microsoft.com/office/drawing/2014/main" id="{536D04C8-C3A3-1A44-ADAD-D74014D0F206}"/>
+              </a:ext>
+            </a:extLst>
+          </p:cNvPr>
           <p:cNvSpPr>
             <a:spLocks noGrp="1"/>
           </p:cNvSpPr>
@@ -659,7 +765,11 @@
         <p:spPr/>
         <p:txBody>
           <a:bodyPr/>
-          <a:lstStyle/>
+          <a:lstStyle>
+            <a:lvl1pPr>
+              <a:defRPr/>
+            </a:lvl1pPr>
+          </a:lstStyle>
           <a:p>
             <a:pPr>
               <a:defRPr/>
@@ -670,7 +780,13 @@
       </p:sp>
       <p:sp>
         <p:nvSpPr>
-          <p:cNvPr id="6" name="Slide Number Placeholder 5"/>
+          <p:cNvPr id="6" name="Slide Number Placeholder 5">
+            <a:extLst>
+              <a:ext uri="{FF2B5EF4-FFF2-40B4-BE49-F238E27FC236}">
+                <a16:creationId xmlns:a16="http://schemas.microsoft.com/office/drawing/2014/main" id="{194EDD42-A3D3-3C4F-A0F4-45A721829DD5}"/>
+              </a:ext>
+            </a:extLst>
+          </p:cNvPr>
           <p:cNvSpPr>
             <a:spLocks noGrp="1"/>
           </p:cNvSpPr>
@@ -681,13 +797,17 @@
         <p:spPr/>
         <p:txBody>
           <a:bodyPr/>
-          <a:lstStyle/>
+          <a:lstStyle>
+            <a:lvl1pPr>
+              <a:defRPr/>
+            </a:lvl1pPr>
+          </a:lstStyle>
           <a:p>
             <a:pPr>
               <a:defRPr/>
             </a:pPr>
             <a:fld id="{20649C45-67A7-8948-80AF-F911EC26D4C2}" type="slidenum">
-              <a:rPr lang="en-DE" smtClean="0"/>
+              <a:rPr lang="en-DE"/>
               <a:pPr>
                 <a:defRPr/>
               </a:pPr>
@@ -700,7 +820,7 @@
     </p:spTree>
     <p:extLst>
       <p:ext uri="{BB962C8B-B14F-4D97-AF65-F5344CB8AC3E}">
-        <p14:creationId xmlns:p14="http://schemas.microsoft.com/office/powerpoint/2010/main" val="3993575050"/>
+        <p14:creationId xmlns:p14="http://schemas.microsoft.com/office/powerpoint/2010/main" val="840300893"/>
       </p:ext>
     </p:extLst>
   </p:cSld>
@@ -804,7 +924,13 @@
       </p:sp>
       <p:sp>
         <p:nvSpPr>
-          <p:cNvPr id="4" name="Date Placeholder 3"/>
+          <p:cNvPr id="4" name="Date Placeholder 3">
+            <a:extLst>
+              <a:ext uri="{FF2B5EF4-FFF2-40B4-BE49-F238E27FC236}">
+                <a16:creationId xmlns:a16="http://schemas.microsoft.com/office/drawing/2014/main" id="{CBA0CD66-BC14-804F-B284-E9C82E6705CB}"/>
+              </a:ext>
+            </a:extLst>
+          </p:cNvPr>
           <p:cNvSpPr>
             <a:spLocks noGrp="1"/>
           </p:cNvSpPr>
@@ -815,13 +941,17 @@
         <p:spPr/>
         <p:txBody>
           <a:bodyPr/>
-          <a:lstStyle/>
+          <a:lstStyle>
+            <a:lvl1pPr>
+              <a:defRPr/>
+            </a:lvl1pPr>
+          </a:lstStyle>
           <a:p>
             <a:pPr>
               <a:defRPr/>
             </a:pPr>
             <a:fld id="{7EA7883C-C151-A14A-9B39-F638B7ECD34F}" type="datetimeFigureOut">
-              <a:rPr lang="en-DE" smtClean="0"/>
+              <a:rPr lang="en-DE"/>
               <a:pPr>
                 <a:defRPr/>
               </a:pPr>
@@ -833,7 +963,13 @@
       </p:sp>
       <p:sp>
         <p:nvSpPr>
-          <p:cNvPr id="5" name="Footer Placeholder 4"/>
+          <p:cNvPr id="5" name="Footer Placeholder 4">
+            <a:extLst>
+              <a:ext uri="{FF2B5EF4-FFF2-40B4-BE49-F238E27FC236}">
+                <a16:creationId xmlns:a16="http://schemas.microsoft.com/office/drawing/2014/main" id="{35640D1D-5769-8A49-BB24-C91B8B00DBF8}"/>
+              </a:ext>
+            </a:extLst>
+          </p:cNvPr>
           <p:cNvSpPr>
             <a:spLocks noGrp="1"/>
           </p:cNvSpPr>
@@ -844,7 +980,11 @@
         <p:spPr/>
         <p:txBody>
           <a:bodyPr/>
-          <a:lstStyle/>
+          <a:lstStyle>
+            <a:lvl1pPr>
+              <a:defRPr/>
+            </a:lvl1pPr>
+          </a:lstStyle>
           <a:p>
             <a:pPr>
               <a:defRPr/>
@@ -855,7 +995,13 @@
       </p:sp>
       <p:sp>
         <p:nvSpPr>
-          <p:cNvPr id="6" name="Slide Number Placeholder 5"/>
+          <p:cNvPr id="6" name="Slide Number Placeholder 5">
+            <a:extLst>
+              <a:ext uri="{FF2B5EF4-FFF2-40B4-BE49-F238E27FC236}">
+                <a16:creationId xmlns:a16="http://schemas.microsoft.com/office/drawing/2014/main" id="{D795CDD4-2827-9947-99DB-C35F36AF8CF7}"/>
+              </a:ext>
+            </a:extLst>
+          </p:cNvPr>
           <p:cNvSpPr>
             <a:spLocks noGrp="1"/>
           </p:cNvSpPr>
@@ -866,13 +1012,17 @@
         <p:spPr/>
         <p:txBody>
           <a:bodyPr/>
-          <a:lstStyle/>
+          <a:lstStyle>
+            <a:lvl1pPr>
+              <a:defRPr/>
+            </a:lvl1pPr>
+          </a:lstStyle>
           <a:p>
             <a:pPr>
               <a:defRPr/>
             </a:pPr>
             <a:fld id="{B2679455-850E-1049-ABC3-7DD4CB85601D}" type="slidenum">
-              <a:rPr lang="en-DE" smtClean="0"/>
+              <a:rPr lang="en-DE"/>
               <a:pPr>
                 <a:defRPr/>
               </a:pPr>
@@ -885,7 +1035,7 @@
     </p:spTree>
     <p:extLst>
       <p:ext uri="{BB962C8B-B14F-4D97-AF65-F5344CB8AC3E}">
-        <p14:creationId xmlns:p14="http://schemas.microsoft.com/office/powerpoint/2010/main" val="878227262"/>
+        <p14:creationId xmlns:p14="http://schemas.microsoft.com/office/powerpoint/2010/main" val="1881940090"/>
       </p:ext>
     </p:extLst>
   </p:cSld>
@@ -924,15 +1074,15 @@
         </p:nvSpPr>
         <p:spPr>
           <a:xfrm>
-            <a:off x="712272" y="2243638"/>
-            <a:ext cx="9003983" cy="3743557"/>
+            <a:off x="1105343" y="3141251"/>
+            <a:ext cx="13972878" cy="5241244"/>
           </a:xfrm>
         </p:spPr>
         <p:txBody>
           <a:bodyPr anchor="b"/>
           <a:lstStyle>
             <a:lvl1pPr>
-              <a:defRPr sz="6850"/>
+              <a:defRPr sz="10630"/>
             </a:lvl1pPr>
           </a:lstStyle>
           <a:p>
@@ -956,8 +1106,8 @@
         </p:nvSpPr>
         <p:spPr>
           <a:xfrm>
-            <a:off x="712272" y="6022610"/>
-            <a:ext cx="9003983" cy="1968648"/>
+            <a:off x="1105343" y="8432079"/>
+            <a:ext cx="13972878" cy="2756246"/>
           </a:xfrm>
         </p:spPr>
         <p:txBody>
@@ -965,15 +1115,15 @@
           <a:lstStyle>
             <a:lvl1pPr marL="0" indent="0">
               <a:buNone/>
-              <a:defRPr sz="2740">
-                <a:solidFill>
-                  <a:schemeClr val="tx1"/>
-                </a:solidFill>
-              </a:defRPr>
-            </a:lvl1pPr>
-            <a:lvl2pPr marL="521985" indent="0">
-              <a:buNone/>
-              <a:defRPr sz="2283">
+              <a:defRPr sz="4252">
+                <a:solidFill>
+                  <a:schemeClr val="tx1"/>
+                </a:solidFill>
+              </a:defRPr>
+            </a:lvl1pPr>
+            <a:lvl2pPr marL="810021" indent="0">
+              <a:buNone/>
+              <a:defRPr sz="3543">
                 <a:solidFill>
                   <a:schemeClr val="tx1">
                     <a:tint val="75000"/>
@@ -981,9 +1131,9 @@
                 </a:solidFill>
               </a:defRPr>
             </a:lvl2pPr>
-            <a:lvl3pPr marL="1043970" indent="0">
-              <a:buNone/>
-              <a:defRPr sz="2055">
+            <a:lvl3pPr marL="1620042" indent="0">
+              <a:buNone/>
+              <a:defRPr sz="3189">
                 <a:solidFill>
                   <a:schemeClr val="tx1">
                     <a:tint val="75000"/>
@@ -991,9 +1141,9 @@
                 </a:solidFill>
               </a:defRPr>
             </a:lvl3pPr>
-            <a:lvl4pPr marL="1565956" indent="0">
-              <a:buNone/>
-              <a:defRPr sz="1827">
+            <a:lvl4pPr marL="2430064" indent="0">
+              <a:buNone/>
+              <a:defRPr sz="2835">
                 <a:solidFill>
                   <a:schemeClr val="tx1">
                     <a:tint val="75000"/>
@@ -1001,9 +1151,9 @@
                 </a:solidFill>
               </a:defRPr>
             </a:lvl4pPr>
-            <a:lvl5pPr marL="2087941" indent="0">
-              <a:buNone/>
-              <a:defRPr sz="1827">
+            <a:lvl5pPr marL="3240085" indent="0">
+              <a:buNone/>
+              <a:defRPr sz="2835">
                 <a:solidFill>
                   <a:schemeClr val="tx1">
                     <a:tint val="75000"/>
@@ -1011,9 +1161,9 @@
                 </a:solidFill>
               </a:defRPr>
             </a:lvl5pPr>
-            <a:lvl6pPr marL="2609926" indent="0">
-              <a:buNone/>
-              <a:defRPr sz="1827">
+            <a:lvl6pPr marL="4050106" indent="0">
+              <a:buNone/>
+              <a:defRPr sz="2835">
                 <a:solidFill>
                   <a:schemeClr val="tx1">
                     <a:tint val="75000"/>
@@ -1021,9 +1171,9 @@
                 </a:solidFill>
               </a:defRPr>
             </a:lvl6pPr>
-            <a:lvl7pPr marL="3131911" indent="0">
-              <a:buNone/>
-              <a:defRPr sz="1827">
+            <a:lvl7pPr marL="4860127" indent="0">
+              <a:buNone/>
+              <a:defRPr sz="2835">
                 <a:solidFill>
                   <a:schemeClr val="tx1">
                     <a:tint val="75000"/>
@@ -1031,9 +1181,9 @@
                 </a:solidFill>
               </a:defRPr>
             </a:lvl7pPr>
-            <a:lvl8pPr marL="3653897" indent="0">
-              <a:buNone/>
-              <a:defRPr sz="1827">
+            <a:lvl8pPr marL="5670149" indent="0">
+              <a:buNone/>
+              <a:defRPr sz="2835">
                 <a:solidFill>
                   <a:schemeClr val="tx1">
                     <a:tint val="75000"/>
@@ -1041,9 +1191,9 @@
                 </a:solidFill>
               </a:defRPr>
             </a:lvl8pPr>
-            <a:lvl9pPr marL="4175882" indent="0">
-              <a:buNone/>
-              <a:defRPr sz="1827">
+            <a:lvl9pPr marL="6480170" indent="0">
+              <a:buNone/>
+              <a:defRPr sz="2835">
                 <a:solidFill>
                   <a:schemeClr val="tx1">
                     <a:tint val="75000"/>
@@ -1063,7 +1213,13 @@
       </p:sp>
       <p:sp>
         <p:nvSpPr>
-          <p:cNvPr id="4" name="Date Placeholder 3"/>
+          <p:cNvPr id="4" name="Date Placeholder 3">
+            <a:extLst>
+              <a:ext uri="{FF2B5EF4-FFF2-40B4-BE49-F238E27FC236}">
+                <a16:creationId xmlns:a16="http://schemas.microsoft.com/office/drawing/2014/main" id="{613C2147-12B6-7249-B2E4-6A74065A134C}"/>
+              </a:ext>
+            </a:extLst>
+          </p:cNvPr>
           <p:cNvSpPr>
             <a:spLocks noGrp="1"/>
           </p:cNvSpPr>
@@ -1074,13 +1230,17 @@
         <p:spPr/>
         <p:txBody>
           <a:bodyPr/>
-          <a:lstStyle/>
+          <a:lstStyle>
+            <a:lvl1pPr>
+              <a:defRPr/>
+            </a:lvl1pPr>
+          </a:lstStyle>
           <a:p>
             <a:pPr>
               <a:defRPr/>
             </a:pPr>
             <a:fld id="{3924D394-0C85-8E4A-A815-2932B897FBBC}" type="datetimeFigureOut">
-              <a:rPr lang="en-DE" smtClean="0"/>
+              <a:rPr lang="en-DE"/>
               <a:pPr>
                 <a:defRPr/>
               </a:pPr>
@@ -1092,7 +1252,13 @@
       </p:sp>
       <p:sp>
         <p:nvSpPr>
-          <p:cNvPr id="5" name="Footer Placeholder 4"/>
+          <p:cNvPr id="5" name="Footer Placeholder 4">
+            <a:extLst>
+              <a:ext uri="{FF2B5EF4-FFF2-40B4-BE49-F238E27FC236}">
+                <a16:creationId xmlns:a16="http://schemas.microsoft.com/office/drawing/2014/main" id="{F077B9F7-A2DE-E14F-96BB-16C35161FEB0}"/>
+              </a:ext>
+            </a:extLst>
+          </p:cNvPr>
           <p:cNvSpPr>
             <a:spLocks noGrp="1"/>
           </p:cNvSpPr>
@@ -1103,7 +1269,11 @@
         <p:spPr/>
         <p:txBody>
           <a:bodyPr/>
-          <a:lstStyle/>
+          <a:lstStyle>
+            <a:lvl1pPr>
+              <a:defRPr/>
+            </a:lvl1pPr>
+          </a:lstStyle>
           <a:p>
             <a:pPr>
               <a:defRPr/>
@@ -1114,7 +1284,13 @@
       </p:sp>
       <p:sp>
         <p:nvSpPr>
-          <p:cNvPr id="6" name="Slide Number Placeholder 5"/>
+          <p:cNvPr id="6" name="Slide Number Placeholder 5">
+            <a:extLst>
+              <a:ext uri="{FF2B5EF4-FFF2-40B4-BE49-F238E27FC236}">
+                <a16:creationId xmlns:a16="http://schemas.microsoft.com/office/drawing/2014/main" id="{3EF3B885-558A-3A43-88D6-B5287FDACE23}"/>
+              </a:ext>
+            </a:extLst>
+          </p:cNvPr>
           <p:cNvSpPr>
             <a:spLocks noGrp="1"/>
           </p:cNvSpPr>
@@ -1125,13 +1301,17 @@
         <p:spPr/>
         <p:txBody>
           <a:bodyPr/>
-          <a:lstStyle/>
+          <a:lstStyle>
+            <a:lvl1pPr>
+              <a:defRPr/>
+            </a:lvl1pPr>
+          </a:lstStyle>
           <a:p>
             <a:pPr>
               <a:defRPr/>
             </a:pPr>
             <a:fld id="{1BCA6AA6-D283-5745-A40C-C50339B5A58D}" type="slidenum">
-              <a:rPr lang="en-DE" smtClean="0"/>
+              <a:rPr lang="en-DE"/>
               <a:pPr>
                 <a:defRPr/>
               </a:pPr>
@@ -1144,7 +1324,7 @@
     </p:spTree>
     <p:extLst>
       <p:ext uri="{BB962C8B-B14F-4D97-AF65-F5344CB8AC3E}">
-        <p14:creationId xmlns:p14="http://schemas.microsoft.com/office/powerpoint/2010/main" val="4112144185"/>
+        <p14:creationId xmlns:p14="http://schemas.microsoft.com/office/powerpoint/2010/main" val="2074936353"/>
       </p:ext>
     </p:extLst>
   </p:cSld>
@@ -1206,8 +1386,8 @@
         </p:nvSpPr>
         <p:spPr>
           <a:xfrm>
-            <a:off x="717709" y="2395710"/>
-            <a:ext cx="4436745" cy="5710124"/>
+            <a:off x="1113780" y="3354164"/>
+            <a:ext cx="6885186" cy="7994577"/>
           </a:xfrm>
         </p:spPr>
         <p:txBody>
@@ -1263,8 +1443,8 @@
         </p:nvSpPr>
         <p:spPr>
           <a:xfrm>
-            <a:off x="5284946" y="2395710"/>
-            <a:ext cx="4436745" cy="5710124"/>
+            <a:off x="8201472" y="3354164"/>
+            <a:ext cx="6885186" cy="7994577"/>
           </a:xfrm>
         </p:spPr>
         <p:txBody>
@@ -1310,7 +1490,13 @@
       </p:sp>
       <p:sp>
         <p:nvSpPr>
-          <p:cNvPr id="5" name="Date Placeholder 4"/>
+          <p:cNvPr id="5" name="Date Placeholder 3">
+            <a:extLst>
+              <a:ext uri="{FF2B5EF4-FFF2-40B4-BE49-F238E27FC236}">
+                <a16:creationId xmlns:a16="http://schemas.microsoft.com/office/drawing/2014/main" id="{CA9E3DF2-ACC6-C14F-AA25-68E4D64C9F16}"/>
+              </a:ext>
+            </a:extLst>
+          </p:cNvPr>
           <p:cNvSpPr>
             <a:spLocks noGrp="1"/>
           </p:cNvSpPr>
@@ -1321,13 +1507,17 @@
         <p:spPr/>
         <p:txBody>
           <a:bodyPr/>
-          <a:lstStyle/>
+          <a:lstStyle>
+            <a:lvl1pPr>
+              <a:defRPr/>
+            </a:lvl1pPr>
+          </a:lstStyle>
           <a:p>
             <a:pPr>
               <a:defRPr/>
             </a:pPr>
             <a:fld id="{4D4669D8-38F0-2147-A556-4A33C64A2421}" type="datetimeFigureOut">
-              <a:rPr lang="en-DE" smtClean="0"/>
+              <a:rPr lang="en-DE"/>
               <a:pPr>
                 <a:defRPr/>
               </a:pPr>
@@ -1339,7 +1529,13 @@
       </p:sp>
       <p:sp>
         <p:nvSpPr>
-          <p:cNvPr id="6" name="Footer Placeholder 5"/>
+          <p:cNvPr id="6" name="Footer Placeholder 4">
+            <a:extLst>
+              <a:ext uri="{FF2B5EF4-FFF2-40B4-BE49-F238E27FC236}">
+                <a16:creationId xmlns:a16="http://schemas.microsoft.com/office/drawing/2014/main" id="{2AA1710D-92F4-E24C-ACC3-0812980F18B1}"/>
+              </a:ext>
+            </a:extLst>
+          </p:cNvPr>
           <p:cNvSpPr>
             <a:spLocks noGrp="1"/>
           </p:cNvSpPr>
@@ -1350,7 +1546,11 @@
         <p:spPr/>
         <p:txBody>
           <a:bodyPr/>
-          <a:lstStyle/>
+          <a:lstStyle>
+            <a:lvl1pPr>
+              <a:defRPr/>
+            </a:lvl1pPr>
+          </a:lstStyle>
           <a:p>
             <a:pPr>
               <a:defRPr/>
@@ -1361,7 +1561,13 @@
       </p:sp>
       <p:sp>
         <p:nvSpPr>
-          <p:cNvPr id="7" name="Slide Number Placeholder 6"/>
+          <p:cNvPr id="7" name="Slide Number Placeholder 5">
+            <a:extLst>
+              <a:ext uri="{FF2B5EF4-FFF2-40B4-BE49-F238E27FC236}">
+                <a16:creationId xmlns:a16="http://schemas.microsoft.com/office/drawing/2014/main" id="{72129433-E5BE-1745-B2EA-60261C2511E3}"/>
+              </a:ext>
+            </a:extLst>
+          </p:cNvPr>
           <p:cNvSpPr>
             <a:spLocks noGrp="1"/>
           </p:cNvSpPr>
@@ -1372,13 +1578,17 @@
         <p:spPr/>
         <p:txBody>
           <a:bodyPr/>
-          <a:lstStyle/>
+          <a:lstStyle>
+            <a:lvl1pPr>
+              <a:defRPr/>
+            </a:lvl1pPr>
+          </a:lstStyle>
           <a:p>
             <a:pPr>
               <a:defRPr/>
             </a:pPr>
             <a:fld id="{77C6A8CD-AA15-A145-A4D5-57079BE71A7C}" type="slidenum">
-              <a:rPr lang="en-DE" smtClean="0"/>
+              <a:rPr lang="en-DE"/>
               <a:pPr>
                 <a:defRPr/>
               </a:pPr>
@@ -1391,7 +1601,7 @@
     </p:spTree>
     <p:extLst>
       <p:ext uri="{BB962C8B-B14F-4D97-AF65-F5344CB8AC3E}">
-        <p14:creationId xmlns:p14="http://schemas.microsoft.com/office/powerpoint/2010/main" val="1822941291"/>
+        <p14:creationId xmlns:p14="http://schemas.microsoft.com/office/powerpoint/2010/main" val="1478622035"/>
       </p:ext>
     </p:extLst>
   </p:cSld>
@@ -1430,8 +1640,8 @@
         </p:nvSpPr>
         <p:spPr>
           <a:xfrm>
-            <a:off x="719068" y="479144"/>
-            <a:ext cx="9003983" cy="1739495"/>
+            <a:off x="1115890" y="670837"/>
+            <a:ext cx="13972878" cy="2435415"/>
           </a:xfrm>
         </p:spPr>
         <p:txBody>
@@ -1458,8 +1668,8 @@
         </p:nvSpPr>
         <p:spPr>
           <a:xfrm>
-            <a:off x="719070" y="2206137"/>
-            <a:ext cx="4416355" cy="1081194"/>
+            <a:off x="1115893" y="3088748"/>
+            <a:ext cx="6853545" cy="1513748"/>
           </a:xfrm>
         </p:spPr>
         <p:txBody>
@@ -1467,39 +1677,39 @@
           <a:lstStyle>
             <a:lvl1pPr marL="0" indent="0">
               <a:buNone/>
-              <a:defRPr sz="2740" b="1"/>
-            </a:lvl1pPr>
-            <a:lvl2pPr marL="521985" indent="0">
-              <a:buNone/>
-              <a:defRPr sz="2283" b="1"/>
+              <a:defRPr sz="4252" b="1"/>
+            </a:lvl1pPr>
+            <a:lvl2pPr marL="810021" indent="0">
+              <a:buNone/>
+              <a:defRPr sz="3543" b="1"/>
             </a:lvl2pPr>
-            <a:lvl3pPr marL="1043970" indent="0">
-              <a:buNone/>
-              <a:defRPr sz="2055" b="1"/>
+            <a:lvl3pPr marL="1620042" indent="0">
+              <a:buNone/>
+              <a:defRPr sz="3189" b="1"/>
             </a:lvl3pPr>
-            <a:lvl4pPr marL="1565956" indent="0">
-              <a:buNone/>
-              <a:defRPr sz="1827" b="1"/>
+            <a:lvl4pPr marL="2430064" indent="0">
+              <a:buNone/>
+              <a:defRPr sz="2835" b="1"/>
             </a:lvl4pPr>
-            <a:lvl5pPr marL="2087941" indent="0">
-              <a:buNone/>
-              <a:defRPr sz="1827" b="1"/>
+            <a:lvl5pPr marL="3240085" indent="0">
+              <a:buNone/>
+              <a:defRPr sz="2835" b="1"/>
             </a:lvl5pPr>
-            <a:lvl6pPr marL="2609926" indent="0">
-              <a:buNone/>
-              <a:defRPr sz="1827" b="1"/>
+            <a:lvl6pPr marL="4050106" indent="0">
+              <a:buNone/>
+              <a:defRPr sz="2835" b="1"/>
             </a:lvl6pPr>
-            <a:lvl7pPr marL="3131911" indent="0">
-              <a:buNone/>
-              <a:defRPr sz="1827" b="1"/>
+            <a:lvl7pPr marL="4860127" indent="0">
+              <a:buNone/>
+              <a:defRPr sz="2835" b="1"/>
             </a:lvl7pPr>
-            <a:lvl8pPr marL="3653897" indent="0">
-              <a:buNone/>
-              <a:defRPr sz="1827" b="1"/>
+            <a:lvl8pPr marL="5670149" indent="0">
+              <a:buNone/>
+              <a:defRPr sz="2835" b="1"/>
             </a:lvl8pPr>
-            <a:lvl9pPr marL="4175882" indent="0">
-              <a:buNone/>
-              <a:defRPr sz="1827" b="1"/>
+            <a:lvl9pPr marL="6480170" indent="0">
+              <a:buNone/>
+              <a:defRPr sz="2835" b="1"/>
             </a:lvl9pPr>
           </a:lstStyle>
           <a:p>
@@ -1523,8 +1733,8 @@
         </p:nvSpPr>
         <p:spPr>
           <a:xfrm>
-            <a:off x="719070" y="3287331"/>
-            <a:ext cx="4416355" cy="4835169"/>
+            <a:off x="1115893" y="4602496"/>
+            <a:ext cx="6853545" cy="6769578"/>
           </a:xfrm>
         </p:spPr>
         <p:txBody>
@@ -1580,8 +1790,8 @@
         </p:nvSpPr>
         <p:spPr>
           <a:xfrm>
-            <a:off x="5284947" y="2206137"/>
-            <a:ext cx="4438105" cy="1081194"/>
+            <a:off x="8201473" y="3088748"/>
+            <a:ext cx="6887296" cy="1513748"/>
           </a:xfrm>
         </p:spPr>
         <p:txBody>
@@ -1589,39 +1799,39 @@
           <a:lstStyle>
             <a:lvl1pPr marL="0" indent="0">
               <a:buNone/>
-              <a:defRPr sz="2740" b="1"/>
-            </a:lvl1pPr>
-            <a:lvl2pPr marL="521985" indent="0">
-              <a:buNone/>
-              <a:defRPr sz="2283" b="1"/>
+              <a:defRPr sz="4252" b="1"/>
+            </a:lvl1pPr>
+            <a:lvl2pPr marL="810021" indent="0">
+              <a:buNone/>
+              <a:defRPr sz="3543" b="1"/>
             </a:lvl2pPr>
-            <a:lvl3pPr marL="1043970" indent="0">
-              <a:buNone/>
-              <a:defRPr sz="2055" b="1"/>
+            <a:lvl3pPr marL="1620042" indent="0">
+              <a:buNone/>
+              <a:defRPr sz="3189" b="1"/>
             </a:lvl3pPr>
-            <a:lvl4pPr marL="1565956" indent="0">
-              <a:buNone/>
-              <a:defRPr sz="1827" b="1"/>
+            <a:lvl4pPr marL="2430064" indent="0">
+              <a:buNone/>
+              <a:defRPr sz="2835" b="1"/>
             </a:lvl4pPr>
-            <a:lvl5pPr marL="2087941" indent="0">
-              <a:buNone/>
-              <a:defRPr sz="1827" b="1"/>
+            <a:lvl5pPr marL="3240085" indent="0">
+              <a:buNone/>
+              <a:defRPr sz="2835" b="1"/>
             </a:lvl5pPr>
-            <a:lvl6pPr marL="2609926" indent="0">
-              <a:buNone/>
-              <a:defRPr sz="1827" b="1"/>
+            <a:lvl6pPr marL="4050106" indent="0">
+              <a:buNone/>
+              <a:defRPr sz="2835" b="1"/>
             </a:lvl6pPr>
-            <a:lvl7pPr marL="3131911" indent="0">
-              <a:buNone/>
-              <a:defRPr sz="1827" b="1"/>
+            <a:lvl7pPr marL="4860127" indent="0">
+              <a:buNone/>
+              <a:defRPr sz="2835" b="1"/>
             </a:lvl7pPr>
-            <a:lvl8pPr marL="3653897" indent="0">
-              <a:buNone/>
-              <a:defRPr sz="1827" b="1"/>
+            <a:lvl8pPr marL="5670149" indent="0">
+              <a:buNone/>
+              <a:defRPr sz="2835" b="1"/>
             </a:lvl8pPr>
-            <a:lvl9pPr marL="4175882" indent="0">
-              <a:buNone/>
-              <a:defRPr sz="1827" b="1"/>
+            <a:lvl9pPr marL="6480170" indent="0">
+              <a:buNone/>
+              <a:defRPr sz="2835" b="1"/>
             </a:lvl9pPr>
           </a:lstStyle>
           <a:p>
@@ -1645,8 +1855,8 @@
         </p:nvSpPr>
         <p:spPr>
           <a:xfrm>
-            <a:off x="5284947" y="3287331"/>
-            <a:ext cx="4438105" cy="4835169"/>
+            <a:off x="8201473" y="4602496"/>
+            <a:ext cx="6887296" cy="6769578"/>
           </a:xfrm>
         </p:spPr>
         <p:txBody>
@@ -1692,7 +1902,13 @@
       </p:sp>
       <p:sp>
         <p:nvSpPr>
-          <p:cNvPr id="7" name="Date Placeholder 6"/>
+          <p:cNvPr id="7" name="Date Placeholder 3">
+            <a:extLst>
+              <a:ext uri="{FF2B5EF4-FFF2-40B4-BE49-F238E27FC236}">
+                <a16:creationId xmlns:a16="http://schemas.microsoft.com/office/drawing/2014/main" id="{B82081D7-330F-4143-9B5F-CDE03E8143A1}"/>
+              </a:ext>
+            </a:extLst>
+          </p:cNvPr>
           <p:cNvSpPr>
             <a:spLocks noGrp="1"/>
           </p:cNvSpPr>
@@ -1703,13 +1919,17 @@
         <p:spPr/>
         <p:txBody>
           <a:bodyPr/>
-          <a:lstStyle/>
+          <a:lstStyle>
+            <a:lvl1pPr>
+              <a:defRPr/>
+            </a:lvl1pPr>
+          </a:lstStyle>
           <a:p>
             <a:pPr>
               <a:defRPr/>
             </a:pPr>
             <a:fld id="{A435404B-D8E5-924C-8F9C-956FFA49429B}" type="datetimeFigureOut">
-              <a:rPr lang="en-DE" smtClean="0"/>
+              <a:rPr lang="en-DE"/>
               <a:pPr>
                 <a:defRPr/>
               </a:pPr>
@@ -1721,7 +1941,13 @@
       </p:sp>
       <p:sp>
         <p:nvSpPr>
-          <p:cNvPr id="8" name="Footer Placeholder 7"/>
+          <p:cNvPr id="8" name="Footer Placeholder 4">
+            <a:extLst>
+              <a:ext uri="{FF2B5EF4-FFF2-40B4-BE49-F238E27FC236}">
+                <a16:creationId xmlns:a16="http://schemas.microsoft.com/office/drawing/2014/main" id="{CDA74C36-556D-A141-A90E-D92B36EDA590}"/>
+              </a:ext>
+            </a:extLst>
+          </p:cNvPr>
           <p:cNvSpPr>
             <a:spLocks noGrp="1"/>
           </p:cNvSpPr>
@@ -1732,7 +1958,11 @@
         <p:spPr/>
         <p:txBody>
           <a:bodyPr/>
-          <a:lstStyle/>
+          <a:lstStyle>
+            <a:lvl1pPr>
+              <a:defRPr/>
+            </a:lvl1pPr>
+          </a:lstStyle>
           <a:p>
             <a:pPr>
               <a:defRPr/>
@@ -1743,7 +1973,13 @@
       </p:sp>
       <p:sp>
         <p:nvSpPr>
-          <p:cNvPr id="9" name="Slide Number Placeholder 8"/>
+          <p:cNvPr id="9" name="Slide Number Placeholder 5">
+            <a:extLst>
+              <a:ext uri="{FF2B5EF4-FFF2-40B4-BE49-F238E27FC236}">
+                <a16:creationId xmlns:a16="http://schemas.microsoft.com/office/drawing/2014/main" id="{7544F45C-7A2C-134A-8BA0-7E0BA119A8CA}"/>
+              </a:ext>
+            </a:extLst>
+          </p:cNvPr>
           <p:cNvSpPr>
             <a:spLocks noGrp="1"/>
           </p:cNvSpPr>
@@ -1754,13 +1990,17 @@
         <p:spPr/>
         <p:txBody>
           <a:bodyPr/>
-          <a:lstStyle/>
+          <a:lstStyle>
+            <a:lvl1pPr>
+              <a:defRPr/>
+            </a:lvl1pPr>
+          </a:lstStyle>
           <a:p>
             <a:pPr>
               <a:defRPr/>
             </a:pPr>
             <a:fld id="{33FDA4D7-F934-D54B-9F9E-972006390E25}" type="slidenum">
-              <a:rPr lang="en-DE" smtClean="0"/>
+              <a:rPr lang="en-DE"/>
               <a:pPr>
                 <a:defRPr/>
               </a:pPr>
@@ -1773,7 +2013,7 @@
     </p:spTree>
     <p:extLst>
       <p:ext uri="{BB962C8B-B14F-4D97-AF65-F5344CB8AC3E}">
-        <p14:creationId xmlns:p14="http://schemas.microsoft.com/office/powerpoint/2010/main" val="2583326661"/>
+        <p14:creationId xmlns:p14="http://schemas.microsoft.com/office/powerpoint/2010/main" val="3577037102"/>
       </p:ext>
     </p:extLst>
   </p:cSld>
@@ -1825,7 +2065,13 @@
       </p:sp>
       <p:sp>
         <p:nvSpPr>
-          <p:cNvPr id="3" name="Date Placeholder 2"/>
+          <p:cNvPr id="3" name="Date Placeholder 3">
+            <a:extLst>
+              <a:ext uri="{FF2B5EF4-FFF2-40B4-BE49-F238E27FC236}">
+                <a16:creationId xmlns:a16="http://schemas.microsoft.com/office/drawing/2014/main" id="{957FADD1-454E-E548-B319-A6C89E5059A7}"/>
+              </a:ext>
+            </a:extLst>
+          </p:cNvPr>
           <p:cNvSpPr>
             <a:spLocks noGrp="1"/>
           </p:cNvSpPr>
@@ -1836,13 +2082,17 @@
         <p:spPr/>
         <p:txBody>
           <a:bodyPr/>
-          <a:lstStyle/>
+          <a:lstStyle>
+            <a:lvl1pPr>
+              <a:defRPr/>
+            </a:lvl1pPr>
+          </a:lstStyle>
           <a:p>
             <a:pPr>
               <a:defRPr/>
             </a:pPr>
             <a:fld id="{CC719067-E356-8F42-9A88-B2274332F7B7}" type="datetimeFigureOut">
-              <a:rPr lang="en-DE" smtClean="0"/>
+              <a:rPr lang="en-DE"/>
               <a:pPr>
                 <a:defRPr/>
               </a:pPr>
@@ -1854,7 +2104,13 @@
       </p:sp>
       <p:sp>
         <p:nvSpPr>
-          <p:cNvPr id="4" name="Footer Placeholder 3"/>
+          <p:cNvPr id="4" name="Footer Placeholder 4">
+            <a:extLst>
+              <a:ext uri="{FF2B5EF4-FFF2-40B4-BE49-F238E27FC236}">
+                <a16:creationId xmlns:a16="http://schemas.microsoft.com/office/drawing/2014/main" id="{09BF63E6-2602-E749-BDAD-7F90F6ACBBC0}"/>
+              </a:ext>
+            </a:extLst>
+          </p:cNvPr>
           <p:cNvSpPr>
             <a:spLocks noGrp="1"/>
           </p:cNvSpPr>
@@ -1865,7 +2121,11 @@
         <p:spPr/>
         <p:txBody>
           <a:bodyPr/>
-          <a:lstStyle/>
+          <a:lstStyle>
+            <a:lvl1pPr>
+              <a:defRPr/>
+            </a:lvl1pPr>
+          </a:lstStyle>
           <a:p>
             <a:pPr>
               <a:defRPr/>
@@ -1876,7 +2136,13 @@
       </p:sp>
       <p:sp>
         <p:nvSpPr>
-          <p:cNvPr id="5" name="Slide Number Placeholder 4"/>
+          <p:cNvPr id="5" name="Slide Number Placeholder 5">
+            <a:extLst>
+              <a:ext uri="{FF2B5EF4-FFF2-40B4-BE49-F238E27FC236}">
+                <a16:creationId xmlns:a16="http://schemas.microsoft.com/office/drawing/2014/main" id="{B7185E55-37EF-814E-BAEB-F78E99A9EDE1}"/>
+              </a:ext>
+            </a:extLst>
+          </p:cNvPr>
           <p:cNvSpPr>
             <a:spLocks noGrp="1"/>
           </p:cNvSpPr>
@@ -1887,13 +2153,17 @@
         <p:spPr/>
         <p:txBody>
           <a:bodyPr/>
-          <a:lstStyle/>
+          <a:lstStyle>
+            <a:lvl1pPr>
+              <a:defRPr/>
+            </a:lvl1pPr>
+          </a:lstStyle>
           <a:p>
             <a:pPr>
               <a:defRPr/>
             </a:pPr>
             <a:fld id="{22FD1F68-47F3-B046-84B6-76575CEAE29D}" type="slidenum">
-              <a:rPr lang="en-DE" smtClean="0"/>
+              <a:rPr lang="en-DE"/>
               <a:pPr>
                 <a:defRPr/>
               </a:pPr>
@@ -1906,7 +2176,7 @@
     </p:spTree>
     <p:extLst>
       <p:ext uri="{BB962C8B-B14F-4D97-AF65-F5344CB8AC3E}">
-        <p14:creationId xmlns:p14="http://schemas.microsoft.com/office/powerpoint/2010/main" val="821223770"/>
+        <p14:creationId xmlns:p14="http://schemas.microsoft.com/office/powerpoint/2010/main" val="2663812002"/>
       </p:ext>
     </p:extLst>
   </p:cSld>
@@ -1935,7 +2205,13 @@
       </p:grpSpPr>
       <p:sp>
         <p:nvSpPr>
-          <p:cNvPr id="2" name="Date Placeholder 1"/>
+          <p:cNvPr id="2" name="Date Placeholder 3">
+            <a:extLst>
+              <a:ext uri="{FF2B5EF4-FFF2-40B4-BE49-F238E27FC236}">
+                <a16:creationId xmlns:a16="http://schemas.microsoft.com/office/drawing/2014/main" id="{591CDE57-C2A5-174E-B45C-D82422725855}"/>
+              </a:ext>
+            </a:extLst>
+          </p:cNvPr>
           <p:cNvSpPr>
             <a:spLocks noGrp="1"/>
           </p:cNvSpPr>
@@ -1946,13 +2222,17 @@
         <p:spPr/>
         <p:txBody>
           <a:bodyPr/>
-          <a:lstStyle/>
+          <a:lstStyle>
+            <a:lvl1pPr>
+              <a:defRPr/>
+            </a:lvl1pPr>
+          </a:lstStyle>
           <a:p>
             <a:pPr>
               <a:defRPr/>
             </a:pPr>
             <a:fld id="{CA8C5F16-FC34-5541-A99C-663476D71DCA}" type="datetimeFigureOut">
-              <a:rPr lang="en-DE" smtClean="0"/>
+              <a:rPr lang="en-DE"/>
               <a:pPr>
                 <a:defRPr/>
               </a:pPr>
@@ -1964,7 +2244,13 @@
       </p:sp>
       <p:sp>
         <p:nvSpPr>
-          <p:cNvPr id="3" name="Footer Placeholder 2"/>
+          <p:cNvPr id="3" name="Footer Placeholder 4">
+            <a:extLst>
+              <a:ext uri="{FF2B5EF4-FFF2-40B4-BE49-F238E27FC236}">
+                <a16:creationId xmlns:a16="http://schemas.microsoft.com/office/drawing/2014/main" id="{0B036B3A-BAB5-3049-9B81-53D56F346EF6}"/>
+              </a:ext>
+            </a:extLst>
+          </p:cNvPr>
           <p:cNvSpPr>
             <a:spLocks noGrp="1"/>
           </p:cNvSpPr>
@@ -1975,7 +2261,11 @@
         <p:spPr/>
         <p:txBody>
           <a:bodyPr/>
-          <a:lstStyle/>
+          <a:lstStyle>
+            <a:lvl1pPr>
+              <a:defRPr/>
+            </a:lvl1pPr>
+          </a:lstStyle>
           <a:p>
             <a:pPr>
               <a:defRPr/>
@@ -1986,7 +2276,13 @@
       </p:sp>
       <p:sp>
         <p:nvSpPr>
-          <p:cNvPr id="4" name="Slide Number Placeholder 3"/>
+          <p:cNvPr id="4" name="Slide Number Placeholder 5">
+            <a:extLst>
+              <a:ext uri="{FF2B5EF4-FFF2-40B4-BE49-F238E27FC236}">
+                <a16:creationId xmlns:a16="http://schemas.microsoft.com/office/drawing/2014/main" id="{56EF42C7-672E-9541-AF33-9155DD66BEEE}"/>
+              </a:ext>
+            </a:extLst>
+          </p:cNvPr>
           <p:cNvSpPr>
             <a:spLocks noGrp="1"/>
           </p:cNvSpPr>
@@ -1997,13 +2293,17 @@
         <p:spPr/>
         <p:txBody>
           <a:bodyPr/>
-          <a:lstStyle/>
+          <a:lstStyle>
+            <a:lvl1pPr>
+              <a:defRPr/>
+            </a:lvl1pPr>
+          </a:lstStyle>
           <a:p>
             <a:pPr>
               <a:defRPr/>
             </a:pPr>
             <a:fld id="{3048B44D-DE9B-2B46-9978-56F5EF545226}" type="slidenum">
-              <a:rPr lang="en-DE" smtClean="0"/>
+              <a:rPr lang="en-DE"/>
               <a:pPr>
                 <a:defRPr/>
               </a:pPr>
@@ -2016,7 +2316,7 @@
     </p:spTree>
     <p:extLst>
       <p:ext uri="{BB962C8B-B14F-4D97-AF65-F5344CB8AC3E}">
-        <p14:creationId xmlns:p14="http://schemas.microsoft.com/office/powerpoint/2010/main" val="1057914846"/>
+        <p14:creationId xmlns:p14="http://schemas.microsoft.com/office/powerpoint/2010/main" val="1402995069"/>
       </p:ext>
     </p:extLst>
   </p:cSld>
@@ -2055,15 +2355,15 @@
         </p:nvSpPr>
         <p:spPr>
           <a:xfrm>
-            <a:off x="719069" y="599969"/>
-            <a:ext cx="3366978" cy="2099892"/>
+            <a:off x="1115890" y="840001"/>
+            <a:ext cx="5225063" cy="2939997"/>
           </a:xfrm>
         </p:spPr>
         <p:txBody>
           <a:bodyPr anchor="b"/>
           <a:lstStyle>
             <a:lvl1pPr>
-              <a:defRPr sz="3653"/>
+              <a:defRPr sz="5669"/>
             </a:lvl1pPr>
           </a:lstStyle>
           <a:p>
@@ -2087,39 +2387,39 @@
         </p:nvSpPr>
         <p:spPr>
           <a:xfrm>
-            <a:off x="4438105" y="1295769"/>
-            <a:ext cx="5284946" cy="6395505"/>
+            <a:off x="6887296" y="1814168"/>
+            <a:ext cx="8201472" cy="8954158"/>
           </a:xfrm>
         </p:spPr>
         <p:txBody>
           <a:bodyPr/>
           <a:lstStyle>
             <a:lvl1pPr>
-              <a:defRPr sz="3653"/>
+              <a:defRPr sz="5669"/>
             </a:lvl1pPr>
             <a:lvl2pPr>
-              <a:defRPr sz="3197"/>
+              <a:defRPr sz="4961"/>
             </a:lvl2pPr>
             <a:lvl3pPr>
-              <a:defRPr sz="2740"/>
+              <a:defRPr sz="4252"/>
             </a:lvl3pPr>
             <a:lvl4pPr>
-              <a:defRPr sz="2283"/>
+              <a:defRPr sz="3543"/>
             </a:lvl4pPr>
             <a:lvl5pPr>
-              <a:defRPr sz="2283"/>
+              <a:defRPr sz="3543"/>
             </a:lvl5pPr>
             <a:lvl6pPr>
-              <a:defRPr sz="2283"/>
+              <a:defRPr sz="3543"/>
             </a:lvl6pPr>
             <a:lvl7pPr>
-              <a:defRPr sz="2283"/>
+              <a:defRPr sz="3543"/>
             </a:lvl7pPr>
             <a:lvl8pPr>
-              <a:defRPr sz="2283"/>
+              <a:defRPr sz="3543"/>
             </a:lvl8pPr>
             <a:lvl9pPr>
-              <a:defRPr sz="2283"/>
+              <a:defRPr sz="3543"/>
             </a:lvl9pPr>
           </a:lstStyle>
           <a:p>
@@ -2172,8 +2472,8 @@
         </p:nvSpPr>
         <p:spPr>
           <a:xfrm>
-            <a:off x="719069" y="2699862"/>
-            <a:ext cx="3366978" cy="5001827"/>
+            <a:off x="1115890" y="3779996"/>
+            <a:ext cx="5225063" cy="7002911"/>
           </a:xfrm>
         </p:spPr>
         <p:txBody>
@@ -2181,39 +2481,39 @@
           <a:lstStyle>
             <a:lvl1pPr marL="0" indent="0">
               <a:buNone/>
-              <a:defRPr sz="1827"/>
-            </a:lvl1pPr>
-            <a:lvl2pPr marL="521985" indent="0">
-              <a:buNone/>
-              <a:defRPr sz="1598"/>
+              <a:defRPr sz="2835"/>
+            </a:lvl1pPr>
+            <a:lvl2pPr marL="810021" indent="0">
+              <a:buNone/>
+              <a:defRPr sz="2480"/>
             </a:lvl2pPr>
-            <a:lvl3pPr marL="1043970" indent="0">
-              <a:buNone/>
-              <a:defRPr sz="1370"/>
+            <a:lvl3pPr marL="1620042" indent="0">
+              <a:buNone/>
+              <a:defRPr sz="2126"/>
             </a:lvl3pPr>
-            <a:lvl4pPr marL="1565956" indent="0">
-              <a:buNone/>
-              <a:defRPr sz="1142"/>
+            <a:lvl4pPr marL="2430064" indent="0">
+              <a:buNone/>
+              <a:defRPr sz="1772"/>
             </a:lvl4pPr>
-            <a:lvl5pPr marL="2087941" indent="0">
-              <a:buNone/>
-              <a:defRPr sz="1142"/>
+            <a:lvl5pPr marL="3240085" indent="0">
+              <a:buNone/>
+              <a:defRPr sz="1772"/>
             </a:lvl5pPr>
-            <a:lvl6pPr marL="2609926" indent="0">
-              <a:buNone/>
-              <a:defRPr sz="1142"/>
+            <a:lvl6pPr marL="4050106" indent="0">
+              <a:buNone/>
+              <a:defRPr sz="1772"/>
             </a:lvl6pPr>
-            <a:lvl7pPr marL="3131911" indent="0">
-              <a:buNone/>
-              <a:defRPr sz="1142"/>
+            <a:lvl7pPr marL="4860127" indent="0">
+              <a:buNone/>
+              <a:defRPr sz="1772"/>
             </a:lvl7pPr>
-            <a:lvl8pPr marL="3653897" indent="0">
-              <a:buNone/>
-              <a:defRPr sz="1142"/>
+            <a:lvl8pPr marL="5670149" indent="0">
+              <a:buNone/>
+              <a:defRPr sz="1772"/>
             </a:lvl8pPr>
-            <a:lvl9pPr marL="4175882" indent="0">
-              <a:buNone/>
-              <a:defRPr sz="1142"/>
+            <a:lvl9pPr marL="6480170" indent="0">
+              <a:buNone/>
+              <a:defRPr sz="1772"/>
             </a:lvl9pPr>
           </a:lstStyle>
           <a:p>
@@ -2227,7 +2527,13 @@
       </p:sp>
       <p:sp>
         <p:nvSpPr>
-          <p:cNvPr id="5" name="Date Placeholder 4"/>
+          <p:cNvPr id="5" name="Date Placeholder 3">
+            <a:extLst>
+              <a:ext uri="{FF2B5EF4-FFF2-40B4-BE49-F238E27FC236}">
+                <a16:creationId xmlns:a16="http://schemas.microsoft.com/office/drawing/2014/main" id="{37ED9662-EDB9-6D4C-B395-E64B585B8E1A}"/>
+              </a:ext>
+            </a:extLst>
+          </p:cNvPr>
           <p:cNvSpPr>
             <a:spLocks noGrp="1"/>
           </p:cNvSpPr>
@@ -2238,13 +2544,17 @@
         <p:spPr/>
         <p:txBody>
           <a:bodyPr/>
-          <a:lstStyle/>
+          <a:lstStyle>
+            <a:lvl1pPr>
+              <a:defRPr/>
+            </a:lvl1pPr>
+          </a:lstStyle>
           <a:p>
             <a:pPr>
               <a:defRPr/>
             </a:pPr>
             <a:fld id="{CACAF902-8D06-A34E-82F1-EC5CF9ABA77B}" type="datetimeFigureOut">
-              <a:rPr lang="en-DE" smtClean="0"/>
+              <a:rPr lang="en-DE"/>
               <a:pPr>
                 <a:defRPr/>
               </a:pPr>
@@ -2256,7 +2566,13 @@
       </p:sp>
       <p:sp>
         <p:nvSpPr>
-          <p:cNvPr id="6" name="Footer Placeholder 5"/>
+          <p:cNvPr id="6" name="Footer Placeholder 4">
+            <a:extLst>
+              <a:ext uri="{FF2B5EF4-FFF2-40B4-BE49-F238E27FC236}">
+                <a16:creationId xmlns:a16="http://schemas.microsoft.com/office/drawing/2014/main" id="{48B0F680-7239-6641-B1D6-1A9FE472E94C}"/>
+              </a:ext>
+            </a:extLst>
+          </p:cNvPr>
           <p:cNvSpPr>
             <a:spLocks noGrp="1"/>
           </p:cNvSpPr>
@@ -2267,7 +2583,11 @@
         <p:spPr/>
         <p:txBody>
           <a:bodyPr/>
-          <a:lstStyle/>
+          <a:lstStyle>
+            <a:lvl1pPr>
+              <a:defRPr/>
+            </a:lvl1pPr>
+          </a:lstStyle>
           <a:p>
             <a:pPr>
               <a:defRPr/>
@@ -2278,7 +2598,13 @@
       </p:sp>
       <p:sp>
         <p:nvSpPr>
-          <p:cNvPr id="7" name="Slide Number Placeholder 6"/>
+          <p:cNvPr id="7" name="Slide Number Placeholder 5">
+            <a:extLst>
+              <a:ext uri="{FF2B5EF4-FFF2-40B4-BE49-F238E27FC236}">
+                <a16:creationId xmlns:a16="http://schemas.microsoft.com/office/drawing/2014/main" id="{D8416926-6FEE-CF45-A2A6-940FD59882EC}"/>
+              </a:ext>
+            </a:extLst>
+          </p:cNvPr>
           <p:cNvSpPr>
             <a:spLocks noGrp="1"/>
           </p:cNvSpPr>
@@ -2289,13 +2615,17 @@
         <p:spPr/>
         <p:txBody>
           <a:bodyPr/>
-          <a:lstStyle/>
+          <a:lstStyle>
+            <a:lvl1pPr>
+              <a:defRPr/>
+            </a:lvl1pPr>
+          </a:lstStyle>
           <a:p>
             <a:pPr>
               <a:defRPr/>
             </a:pPr>
             <a:fld id="{7F08B04E-DCCF-3A45-90EA-B9447C75BEF6}" type="slidenum">
-              <a:rPr lang="en-DE" smtClean="0"/>
+              <a:rPr lang="en-DE"/>
               <a:pPr>
                 <a:defRPr/>
               </a:pPr>
@@ -2308,7 +2638,7 @@
     </p:spTree>
     <p:extLst>
       <p:ext uri="{BB962C8B-B14F-4D97-AF65-F5344CB8AC3E}">
-        <p14:creationId xmlns:p14="http://schemas.microsoft.com/office/powerpoint/2010/main" val="906487033"/>
+        <p14:creationId xmlns:p14="http://schemas.microsoft.com/office/powerpoint/2010/main" val="2101763894"/>
       </p:ext>
     </p:extLst>
   </p:cSld>
@@ -2347,15 +2677,15 @@
         </p:nvSpPr>
         <p:spPr>
           <a:xfrm>
-            <a:off x="719069" y="599969"/>
-            <a:ext cx="3366978" cy="2099892"/>
+            <a:off x="1115890" y="840001"/>
+            <a:ext cx="5225063" cy="2939997"/>
           </a:xfrm>
         </p:spPr>
         <p:txBody>
           <a:bodyPr anchor="b"/>
           <a:lstStyle>
             <a:lvl1pPr>
-              <a:defRPr sz="3653"/>
+              <a:defRPr sz="5669"/>
             </a:lvl1pPr>
           </a:lstStyle>
           <a:p>
@@ -2379,56 +2709,59 @@
         </p:nvSpPr>
         <p:spPr>
           <a:xfrm>
-            <a:off x="4438105" y="1295769"/>
-            <a:ext cx="5284946" cy="6395505"/>
+            <a:off x="6887296" y="1814168"/>
+            <a:ext cx="8201472" cy="8954158"/>
           </a:xfrm>
         </p:spPr>
         <p:txBody>
-          <a:bodyPr anchor="t"/>
+          <a:bodyPr rtlCol="0">
+            <a:normAutofit/>
+          </a:bodyPr>
           <a:lstStyle>
             <a:lvl1pPr marL="0" indent="0">
               <a:buNone/>
-              <a:defRPr sz="3653"/>
-            </a:lvl1pPr>
-            <a:lvl2pPr marL="521985" indent="0">
-              <a:buNone/>
-              <a:defRPr sz="3197"/>
+              <a:defRPr sz="5669"/>
+            </a:lvl1pPr>
+            <a:lvl2pPr marL="810021" indent="0">
+              <a:buNone/>
+              <a:defRPr sz="4961"/>
             </a:lvl2pPr>
-            <a:lvl3pPr marL="1043970" indent="0">
-              <a:buNone/>
-              <a:defRPr sz="2740"/>
+            <a:lvl3pPr marL="1620042" indent="0">
+              <a:buNone/>
+              <a:defRPr sz="4252"/>
             </a:lvl3pPr>
-            <a:lvl4pPr marL="1565956" indent="0">
-              <a:buNone/>
-              <a:defRPr sz="2283"/>
+            <a:lvl4pPr marL="2430064" indent="0">
+              <a:buNone/>
+              <a:defRPr sz="3543"/>
             </a:lvl4pPr>
-            <a:lvl5pPr marL="2087941" indent="0">
-              <a:buNone/>
-              <a:defRPr sz="2283"/>
+            <a:lvl5pPr marL="3240085" indent="0">
+              <a:buNone/>
+              <a:defRPr sz="3543"/>
             </a:lvl5pPr>
-            <a:lvl6pPr marL="2609926" indent="0">
-              <a:buNone/>
-              <a:defRPr sz="2283"/>
+            <a:lvl6pPr marL="4050106" indent="0">
+              <a:buNone/>
+              <a:defRPr sz="3543"/>
             </a:lvl6pPr>
-            <a:lvl7pPr marL="3131911" indent="0">
-              <a:buNone/>
-              <a:defRPr sz="2283"/>
+            <a:lvl7pPr marL="4860127" indent="0">
+              <a:buNone/>
+              <a:defRPr sz="3543"/>
             </a:lvl7pPr>
-            <a:lvl8pPr marL="3653897" indent="0">
-              <a:buNone/>
-              <a:defRPr sz="2283"/>
+            <a:lvl8pPr marL="5670149" indent="0">
+              <a:buNone/>
+              <a:defRPr sz="3543"/>
             </a:lvl8pPr>
-            <a:lvl9pPr marL="4175882" indent="0">
-              <a:buNone/>
-              <a:defRPr sz="2283"/>
+            <a:lvl9pPr marL="6480170" indent="0">
+              <a:buNone/>
+              <a:defRPr sz="3543"/>
             </a:lvl9pPr>
           </a:lstStyle>
           <a:p>
-            <a:r>
-              <a:rPr lang="en-GB"/>
+            <a:pPr lvl="0"/>
+            <a:r>
+              <a:rPr lang="en-GB" noProof="0"/>
               <a:t>Click icon to add picture</a:t>
             </a:r>
-            <a:endParaRPr lang="en-US" dirty="0"/>
+            <a:endParaRPr lang="en-US" noProof="0" dirty="0"/>
           </a:p>
         </p:txBody>
       </p:sp>
@@ -2444,8 +2777,8 @@
         </p:nvSpPr>
         <p:spPr>
           <a:xfrm>
-            <a:off x="719069" y="2699862"/>
-            <a:ext cx="3366978" cy="5001827"/>
+            <a:off x="1115890" y="3779996"/>
+            <a:ext cx="5225063" cy="7002911"/>
           </a:xfrm>
         </p:spPr>
         <p:txBody>
@@ -2453,39 +2786,39 @@
           <a:lstStyle>
             <a:lvl1pPr marL="0" indent="0">
               <a:buNone/>
-              <a:defRPr sz="1827"/>
-            </a:lvl1pPr>
-            <a:lvl2pPr marL="521985" indent="0">
-              <a:buNone/>
-              <a:defRPr sz="1598"/>
+              <a:defRPr sz="2835"/>
+            </a:lvl1pPr>
+            <a:lvl2pPr marL="810021" indent="0">
+              <a:buNone/>
+              <a:defRPr sz="2480"/>
             </a:lvl2pPr>
-            <a:lvl3pPr marL="1043970" indent="0">
-              <a:buNone/>
-              <a:defRPr sz="1370"/>
+            <a:lvl3pPr marL="1620042" indent="0">
+              <a:buNone/>
+              <a:defRPr sz="2126"/>
             </a:lvl3pPr>
-            <a:lvl4pPr marL="1565956" indent="0">
-              <a:buNone/>
-              <a:defRPr sz="1142"/>
+            <a:lvl4pPr marL="2430064" indent="0">
+              <a:buNone/>
+              <a:defRPr sz="1772"/>
             </a:lvl4pPr>
-            <a:lvl5pPr marL="2087941" indent="0">
-              <a:buNone/>
-              <a:defRPr sz="1142"/>
+            <a:lvl5pPr marL="3240085" indent="0">
+              <a:buNone/>
+              <a:defRPr sz="1772"/>
             </a:lvl5pPr>
-            <a:lvl6pPr marL="2609926" indent="0">
-              <a:buNone/>
-              <a:defRPr sz="1142"/>
+            <a:lvl6pPr marL="4050106" indent="0">
+              <a:buNone/>
+              <a:defRPr sz="1772"/>
             </a:lvl6pPr>
-            <a:lvl7pPr marL="3131911" indent="0">
-              <a:buNone/>
-              <a:defRPr sz="1142"/>
+            <a:lvl7pPr marL="4860127" indent="0">
+              <a:buNone/>
+              <a:defRPr sz="1772"/>
             </a:lvl7pPr>
-            <a:lvl8pPr marL="3653897" indent="0">
-              <a:buNone/>
-              <a:defRPr sz="1142"/>
+            <a:lvl8pPr marL="5670149" indent="0">
+              <a:buNone/>
+              <a:defRPr sz="1772"/>
             </a:lvl8pPr>
-            <a:lvl9pPr marL="4175882" indent="0">
-              <a:buNone/>
-              <a:defRPr sz="1142"/>
+            <a:lvl9pPr marL="6480170" indent="0">
+              <a:buNone/>
+              <a:defRPr sz="1772"/>
             </a:lvl9pPr>
           </a:lstStyle>
           <a:p>
@@ -2499,7 +2832,13 @@
       </p:sp>
       <p:sp>
         <p:nvSpPr>
-          <p:cNvPr id="5" name="Date Placeholder 4"/>
+          <p:cNvPr id="5" name="Date Placeholder 3">
+            <a:extLst>
+              <a:ext uri="{FF2B5EF4-FFF2-40B4-BE49-F238E27FC236}">
+                <a16:creationId xmlns:a16="http://schemas.microsoft.com/office/drawing/2014/main" id="{658A5285-D8F0-6841-9BFE-E78FABF60731}"/>
+              </a:ext>
+            </a:extLst>
+          </p:cNvPr>
           <p:cNvSpPr>
             <a:spLocks noGrp="1"/>
           </p:cNvSpPr>
@@ -2510,13 +2849,17 @@
         <p:spPr/>
         <p:txBody>
           <a:bodyPr/>
-          <a:lstStyle/>
+          <a:lstStyle>
+            <a:lvl1pPr>
+              <a:defRPr/>
+            </a:lvl1pPr>
+          </a:lstStyle>
           <a:p>
             <a:pPr>
               <a:defRPr/>
             </a:pPr>
             <a:fld id="{5498CE83-E174-DE42-92D2-92C348FFE687}" type="datetimeFigureOut">
-              <a:rPr lang="en-DE" smtClean="0"/>
+              <a:rPr lang="en-DE"/>
               <a:pPr>
                 <a:defRPr/>
               </a:pPr>
@@ -2528,7 +2871,13 @@
       </p:sp>
       <p:sp>
         <p:nvSpPr>
-          <p:cNvPr id="6" name="Footer Placeholder 5"/>
+          <p:cNvPr id="6" name="Footer Placeholder 4">
+            <a:extLst>
+              <a:ext uri="{FF2B5EF4-FFF2-40B4-BE49-F238E27FC236}">
+                <a16:creationId xmlns:a16="http://schemas.microsoft.com/office/drawing/2014/main" id="{51AAA733-0FC0-6842-BF24-C63B34FE1D03}"/>
+              </a:ext>
+            </a:extLst>
+          </p:cNvPr>
           <p:cNvSpPr>
             <a:spLocks noGrp="1"/>
           </p:cNvSpPr>
@@ -2539,7 +2888,11 @@
         <p:spPr/>
         <p:txBody>
           <a:bodyPr/>
-          <a:lstStyle/>
+          <a:lstStyle>
+            <a:lvl1pPr>
+              <a:defRPr/>
+            </a:lvl1pPr>
+          </a:lstStyle>
           <a:p>
             <a:pPr>
               <a:defRPr/>
@@ -2550,7 +2903,13 @@
       </p:sp>
       <p:sp>
         <p:nvSpPr>
-          <p:cNvPr id="7" name="Slide Number Placeholder 6"/>
+          <p:cNvPr id="7" name="Slide Number Placeholder 5">
+            <a:extLst>
+              <a:ext uri="{FF2B5EF4-FFF2-40B4-BE49-F238E27FC236}">
+                <a16:creationId xmlns:a16="http://schemas.microsoft.com/office/drawing/2014/main" id="{3FEF3209-F341-384D-80F3-A6FE316A70CB}"/>
+              </a:ext>
+            </a:extLst>
+          </p:cNvPr>
           <p:cNvSpPr>
             <a:spLocks noGrp="1"/>
           </p:cNvSpPr>
@@ -2561,13 +2920,17 @@
         <p:spPr/>
         <p:txBody>
           <a:bodyPr/>
-          <a:lstStyle/>
+          <a:lstStyle>
+            <a:lvl1pPr>
+              <a:defRPr/>
+            </a:lvl1pPr>
+          </a:lstStyle>
           <a:p>
             <a:pPr>
               <a:defRPr/>
             </a:pPr>
             <a:fld id="{E484C9A3-B507-2946-AE53-7DC0FDE8EA96}" type="slidenum">
-              <a:rPr lang="en-DE" smtClean="0"/>
+              <a:rPr lang="en-DE"/>
               <a:pPr>
                 <a:defRPr/>
               </a:pPr>
@@ -2580,7 +2943,7 @@
     </p:spTree>
     <p:extLst>
       <p:ext uri="{BB962C8B-B14F-4D97-AF65-F5344CB8AC3E}">
-        <p14:creationId xmlns:p14="http://schemas.microsoft.com/office/powerpoint/2010/main" val="4269766242"/>
+        <p14:creationId xmlns:p14="http://schemas.microsoft.com/office/powerpoint/2010/main" val="2895304472"/>
       </p:ext>
     </p:extLst>
   </p:cSld>
@@ -2594,9 +2957,12 @@
 <p:sldMaster xmlns:a="http://schemas.openxmlformats.org/drawingml/2006/main" xmlns:r="http://schemas.openxmlformats.org/officeDocument/2006/relationships" xmlns:p="http://schemas.openxmlformats.org/presentationml/2006/main">
   <p:cSld>
     <p:bg>
-      <p:bgRef idx="1001">
-        <a:schemeClr val="bg1"/>
-      </p:bgRef>
+      <p:bgPr>
+        <a:solidFill>
+          <a:schemeClr val="bg1"/>
+        </a:solidFill>
+        <a:effectLst/>
+      </p:bgPr>
     </p:bg>
     <p:spTree>
       <p:nvGrpSpPr>
@@ -2614,128 +2980,204 @@
       </p:grpSpPr>
       <p:sp>
         <p:nvSpPr>
-          <p:cNvPr id="2" name="Title Placeholder 1"/>
-          <p:cNvSpPr>
-            <a:spLocks noGrp="1"/>
+          <p:cNvPr id="1026" name="Title Placeholder 1">
+            <a:extLst>
+              <a:ext uri="{FF2B5EF4-FFF2-40B4-BE49-F238E27FC236}">
+                <a16:creationId xmlns:a16="http://schemas.microsoft.com/office/drawing/2014/main" id="{91AF94B9-1A87-C54E-81D8-3809E2B9B195}"/>
+              </a:ext>
+            </a:extLst>
+          </p:cNvPr>
+          <p:cNvSpPr>
+            <a:spLocks noGrp="1" noChangeArrowheads="1"/>
           </p:cNvSpPr>
           <p:nvPr>
             <p:ph type="title"/>
+          </p:nvPr>
+        </p:nvSpPr>
+        <p:spPr bwMode="auto">
+          <a:xfrm>
+            <a:off x="1114426" y="671515"/>
+            <a:ext cx="13971588" cy="2435225"/>
+          </a:xfrm>
+          <a:prstGeom prst="rect">
+            <a:avLst/>
+          </a:prstGeom>
+          <a:noFill/>
+          <a:ln>
+            <a:noFill/>
+          </a:ln>
+          <a:extLst>
+            <a:ext uri="{909E8E84-426E-40DD-AFC4-6F175D3DCCD1}">
+              <a14:hiddenFill xmlns:a14="http://schemas.microsoft.com/office/drawing/2010/main">
+                <a:solidFill>
+                  <a:srgbClr val="FFFFFF"/>
+                </a:solidFill>
+              </a14:hiddenFill>
+            </a:ext>
+            <a:ext uri="{91240B29-F687-4F45-9708-019B960494DF}">
+              <a14:hiddenLine xmlns:a14="http://schemas.microsoft.com/office/drawing/2010/main" w="9525">
+                <a:solidFill>
+                  <a:srgbClr val="000000"/>
+                </a:solidFill>
+                <a:miter lim="800000"/>
+                <a:headEnd/>
+                <a:tailEnd/>
+              </a14:hiddenLine>
+            </a:ext>
+          </a:extLst>
+        </p:spPr>
+        <p:txBody>
+          <a:bodyPr vert="horz" wrap="square" lIns="91440" tIns="45720" rIns="91440" bIns="45720" numCol="1" anchor="ctr" anchorCtr="0" compatLnSpc="1">
+            <a:prstTxWarp prst="textNoShape">
+              <a:avLst/>
+            </a:prstTxWarp>
+          </a:bodyPr>
+          <a:lstStyle/>
+          <a:p>
+            <a:pPr lvl="0"/>
+            <a:r>
+              <a:rPr lang="en-GB" altLang="en-DE"/>
+              <a:t>Click to edit Master title style</a:t>
+            </a:r>
+            <a:endParaRPr lang="en-US" altLang="en-DE"/>
+          </a:p>
+        </p:txBody>
+      </p:sp>
+      <p:sp>
+        <p:nvSpPr>
+          <p:cNvPr id="1027" name="Text Placeholder 2">
+            <a:extLst>
+              <a:ext uri="{FF2B5EF4-FFF2-40B4-BE49-F238E27FC236}">
+                <a16:creationId xmlns:a16="http://schemas.microsoft.com/office/drawing/2014/main" id="{183C9F68-2338-EB43-820C-FBFE7A569A19}"/>
+              </a:ext>
+            </a:extLst>
+          </p:cNvPr>
+          <p:cNvSpPr>
+            <a:spLocks noGrp="1" noChangeArrowheads="1"/>
+          </p:cNvSpPr>
+          <p:nvPr>
+            <p:ph type="body" idx="1"/>
+          </p:nvPr>
+        </p:nvSpPr>
+        <p:spPr bwMode="auto">
+          <a:xfrm>
+            <a:off x="1114426" y="3354388"/>
+            <a:ext cx="13971588" cy="7994650"/>
+          </a:xfrm>
+          <a:prstGeom prst="rect">
+            <a:avLst/>
+          </a:prstGeom>
+          <a:noFill/>
+          <a:ln>
+            <a:noFill/>
+          </a:ln>
+          <a:extLst>
+            <a:ext uri="{909E8E84-426E-40DD-AFC4-6F175D3DCCD1}">
+              <a14:hiddenFill xmlns:a14="http://schemas.microsoft.com/office/drawing/2010/main">
+                <a:solidFill>
+                  <a:srgbClr val="FFFFFF"/>
+                </a:solidFill>
+              </a14:hiddenFill>
+            </a:ext>
+            <a:ext uri="{91240B29-F687-4F45-9708-019B960494DF}">
+              <a14:hiddenLine xmlns:a14="http://schemas.microsoft.com/office/drawing/2010/main" w="9525">
+                <a:solidFill>
+                  <a:srgbClr val="000000"/>
+                </a:solidFill>
+                <a:miter lim="800000"/>
+                <a:headEnd/>
+                <a:tailEnd/>
+              </a14:hiddenLine>
+            </a:ext>
+          </a:extLst>
+        </p:spPr>
+        <p:txBody>
+          <a:bodyPr vert="horz" wrap="square" lIns="91440" tIns="45720" rIns="91440" bIns="45720" numCol="1" anchor="t" anchorCtr="0" compatLnSpc="1">
+            <a:prstTxWarp prst="textNoShape">
+              <a:avLst/>
+            </a:prstTxWarp>
+          </a:bodyPr>
+          <a:lstStyle/>
+          <a:p>
+            <a:pPr lvl="0"/>
+            <a:r>
+              <a:rPr lang="en-GB" altLang="en-DE"/>
+              <a:t>Click to edit Master text styles</a:t>
+            </a:r>
+          </a:p>
+          <a:p>
+            <a:pPr lvl="1"/>
+            <a:r>
+              <a:rPr lang="en-GB" altLang="en-DE"/>
+              <a:t>Second level</a:t>
+            </a:r>
+          </a:p>
+          <a:p>
+            <a:pPr lvl="2"/>
+            <a:r>
+              <a:rPr lang="en-GB" altLang="en-DE"/>
+              <a:t>Third level</a:t>
+            </a:r>
+          </a:p>
+          <a:p>
+            <a:pPr lvl="3"/>
+            <a:r>
+              <a:rPr lang="en-GB" altLang="en-DE"/>
+              <a:t>Fourth level</a:t>
+            </a:r>
+          </a:p>
+          <a:p>
+            <a:pPr lvl="4"/>
+            <a:r>
+              <a:rPr lang="en-GB" altLang="en-DE"/>
+              <a:t>Fifth level</a:t>
+            </a:r>
+            <a:endParaRPr lang="en-US" altLang="en-DE"/>
+          </a:p>
+        </p:txBody>
+      </p:sp>
+      <p:sp>
+        <p:nvSpPr>
+          <p:cNvPr id="4" name="Date Placeholder 3">
+            <a:extLst>
+              <a:ext uri="{FF2B5EF4-FFF2-40B4-BE49-F238E27FC236}">
+                <a16:creationId xmlns:a16="http://schemas.microsoft.com/office/drawing/2014/main" id="{F98E7EC1-E981-A243-831C-251A2FCE2304}"/>
+              </a:ext>
+            </a:extLst>
+          </p:cNvPr>
+          <p:cNvSpPr>
+            <a:spLocks noGrp="1"/>
+          </p:cNvSpPr>
+          <p:nvPr>
+            <p:ph type="dt" sz="half" idx="2"/>
           </p:nvPr>
         </p:nvSpPr>
         <p:spPr>
           <a:xfrm>
-            <a:off x="717709" y="479144"/>
-            <a:ext cx="9003983" cy="1739495"/>
+            <a:off x="1114425" y="11677652"/>
+            <a:ext cx="3644900" cy="671513"/>
           </a:xfrm>
           <a:prstGeom prst="rect">
             <a:avLst/>
           </a:prstGeom>
         </p:spPr>
         <p:txBody>
-          <a:bodyPr vert="horz" lIns="91440" tIns="45720" rIns="91440" bIns="45720" rtlCol="0" anchor="ctr">
-            <a:normAutofit/>
-          </a:bodyPr>
-          <a:lstStyle/>
-          <a:p>
-            <a:r>
-              <a:rPr lang="en-GB"/>
-              <a:t>Click to edit Master title style</a:t>
-            </a:r>
-            <a:endParaRPr lang="en-US" dirty="0"/>
-          </a:p>
-        </p:txBody>
-      </p:sp>
-      <p:sp>
-        <p:nvSpPr>
-          <p:cNvPr id="3" name="Text Placeholder 2"/>
-          <p:cNvSpPr>
-            <a:spLocks noGrp="1"/>
-          </p:cNvSpPr>
-          <p:nvPr>
-            <p:ph type="body" idx="1"/>
-          </p:nvPr>
-        </p:nvSpPr>
-        <p:spPr>
-          <a:xfrm>
-            <a:off x="717709" y="2395710"/>
-            <a:ext cx="9003983" cy="5710124"/>
-          </a:xfrm>
-          <a:prstGeom prst="rect">
-            <a:avLst/>
-          </a:prstGeom>
-        </p:spPr>
-        <p:txBody>
-          <a:bodyPr vert="horz" lIns="91440" tIns="45720" rIns="91440" bIns="45720" rtlCol="0">
-            <a:normAutofit/>
-          </a:bodyPr>
-          <a:lstStyle/>
-          <a:p>
-            <a:pPr lvl="0"/>
-            <a:r>
-              <a:rPr lang="en-GB"/>
-              <a:t>Click to edit Master text styles</a:t>
-            </a:r>
-          </a:p>
-          <a:p>
-            <a:pPr lvl="1"/>
-            <a:r>
-              <a:rPr lang="en-GB"/>
-              <a:t>Second level</a:t>
-            </a:r>
-          </a:p>
-          <a:p>
-            <a:pPr lvl="2"/>
-            <a:r>
-              <a:rPr lang="en-GB"/>
-              <a:t>Third level</a:t>
-            </a:r>
-          </a:p>
-          <a:p>
-            <a:pPr lvl="3"/>
-            <a:r>
-              <a:rPr lang="en-GB"/>
-              <a:t>Fourth level</a:t>
-            </a:r>
-          </a:p>
-          <a:p>
-            <a:pPr lvl="4"/>
-            <a:r>
-              <a:rPr lang="en-GB"/>
-              <a:t>Fifth level</a:t>
-            </a:r>
-            <a:endParaRPr lang="en-US" dirty="0"/>
-          </a:p>
-        </p:txBody>
-      </p:sp>
-      <p:sp>
-        <p:nvSpPr>
-          <p:cNvPr id="4" name="Date Placeholder 3"/>
-          <p:cNvSpPr>
-            <a:spLocks noGrp="1"/>
-          </p:cNvSpPr>
-          <p:nvPr>
-            <p:ph type="dt" sz="half" idx="2"/>
-          </p:nvPr>
-        </p:nvSpPr>
-        <p:spPr>
-          <a:xfrm>
-            <a:off x="717709" y="8341240"/>
-            <a:ext cx="2348865" cy="479142"/>
-          </a:xfrm>
-          <a:prstGeom prst="rect">
-            <a:avLst/>
-          </a:prstGeom>
-        </p:spPr>
-        <p:txBody>
           <a:bodyPr vert="horz" lIns="91440" tIns="45720" rIns="91440" bIns="45720" rtlCol="0" anchor="ctr"/>
           <a:lstStyle>
-            <a:lvl1pPr algn="l">
-              <a:defRPr sz="1370">
+            <a:lvl1pPr algn="l" eaLnBrk="1" fontAlgn="auto" hangingPunct="1">
+              <a:spcBef>
+                <a:spcPts val="0"/>
+              </a:spcBef>
+              <a:spcAft>
+                <a:spcPts val="0"/>
+              </a:spcAft>
+              <a:defRPr sz="2126">
                 <a:solidFill>
                   <a:schemeClr val="tx1">
                     <a:tint val="75000"/>
                   </a:schemeClr>
                 </a:solidFill>
+                <a:latin typeface="+mn-lt"/>
               </a:defRPr>
             </a:lvl1pPr>
           </a:lstStyle>
@@ -2744,7 +3186,7 @@
               <a:defRPr/>
             </a:pPr>
             <a:fld id="{27B92440-CA05-C341-8B43-E61E6A510885}" type="datetimeFigureOut">
-              <a:rPr lang="en-DE" smtClean="0"/>
+              <a:rPr lang="en-DE"/>
               <a:pPr>
                 <a:defRPr/>
               </a:pPr>
@@ -2756,7 +3198,13 @@
       </p:sp>
       <p:sp>
         <p:nvSpPr>
-          <p:cNvPr id="5" name="Footer Placeholder 4"/>
+          <p:cNvPr id="5" name="Footer Placeholder 4">
+            <a:extLst>
+              <a:ext uri="{FF2B5EF4-FFF2-40B4-BE49-F238E27FC236}">
+                <a16:creationId xmlns:a16="http://schemas.microsoft.com/office/drawing/2014/main" id="{CAE5808E-5356-FA41-BE09-93AD50F7FB87}"/>
+              </a:ext>
+            </a:extLst>
+          </p:cNvPr>
           <p:cNvSpPr>
             <a:spLocks noGrp="1"/>
           </p:cNvSpPr>
@@ -2766,8 +3214,8 @@
         </p:nvSpPr>
         <p:spPr>
           <a:xfrm>
-            <a:off x="3458051" y="8341240"/>
-            <a:ext cx="3523298" cy="479142"/>
+            <a:off x="5365751" y="11677652"/>
+            <a:ext cx="5468938" cy="671513"/>
           </a:xfrm>
           <a:prstGeom prst="rect">
             <a:avLst/>
@@ -2776,13 +3224,20 @@
         <p:txBody>
           <a:bodyPr vert="horz" lIns="91440" tIns="45720" rIns="91440" bIns="45720" rtlCol="0" anchor="ctr"/>
           <a:lstStyle>
-            <a:lvl1pPr algn="ctr">
-              <a:defRPr sz="1370">
+            <a:lvl1pPr algn="ctr" eaLnBrk="1" fontAlgn="auto" hangingPunct="1">
+              <a:spcBef>
+                <a:spcPts val="0"/>
+              </a:spcBef>
+              <a:spcAft>
+                <a:spcPts val="0"/>
+              </a:spcAft>
+              <a:defRPr sz="2126">
                 <a:solidFill>
                   <a:schemeClr val="tx1">
                     <a:tint val="75000"/>
                   </a:schemeClr>
                 </a:solidFill>
+                <a:latin typeface="+mn-lt"/>
               </a:defRPr>
             </a:lvl1pPr>
           </a:lstStyle>
@@ -2796,7 +3251,13 @@
       </p:sp>
       <p:sp>
         <p:nvSpPr>
-          <p:cNvPr id="6" name="Slide Number Placeholder 5"/>
+          <p:cNvPr id="6" name="Slide Number Placeholder 5">
+            <a:extLst>
+              <a:ext uri="{FF2B5EF4-FFF2-40B4-BE49-F238E27FC236}">
+                <a16:creationId xmlns:a16="http://schemas.microsoft.com/office/drawing/2014/main" id="{C401063C-E388-3242-B19B-D9D9BE4A3997}"/>
+              </a:ext>
+            </a:extLst>
+          </p:cNvPr>
           <p:cNvSpPr>
             <a:spLocks noGrp="1"/>
           </p:cNvSpPr>
@@ -2806,8 +3267,8 @@
         </p:nvSpPr>
         <p:spPr>
           <a:xfrm>
-            <a:off x="7372826" y="8341240"/>
-            <a:ext cx="2348865" cy="479142"/>
+            <a:off x="11441114" y="11677652"/>
+            <a:ext cx="3644900" cy="671513"/>
           </a:xfrm>
           <a:prstGeom prst="rect">
             <a:avLst/>
@@ -2816,13 +3277,20 @@
         <p:txBody>
           <a:bodyPr vert="horz" lIns="91440" tIns="45720" rIns="91440" bIns="45720" rtlCol="0" anchor="ctr"/>
           <a:lstStyle>
-            <a:lvl1pPr algn="r">
-              <a:defRPr sz="1370">
+            <a:lvl1pPr algn="r" eaLnBrk="1" fontAlgn="auto" hangingPunct="1">
+              <a:spcBef>
+                <a:spcPts val="0"/>
+              </a:spcBef>
+              <a:spcAft>
+                <a:spcPts val="0"/>
+              </a:spcAft>
+              <a:defRPr sz="2126">
                 <a:solidFill>
                   <a:schemeClr val="tx1">
                     <a:tint val="75000"/>
                   </a:schemeClr>
                 </a:solidFill>
+                <a:latin typeface="+mn-lt"/>
               </a:defRPr>
             </a:lvl1pPr>
           </a:lstStyle>
@@ -2831,7 +3299,7 @@
               <a:defRPr/>
             </a:pPr>
             <a:fld id="{63B862E8-ECA1-DC4F-ACD4-015587432F57}" type="slidenum">
-              <a:rPr lang="en-DE" smtClean="0"/>
+              <a:rPr lang="en-DE"/>
               <a:pPr>
                 <a:defRPr/>
               </a:pPr>
@@ -2842,37 +3310,34 @@
         </p:txBody>
       </p:sp>
     </p:spTree>
-    <p:extLst>
-      <p:ext uri="{BB962C8B-B14F-4D97-AF65-F5344CB8AC3E}">
-        <p14:creationId xmlns:p14="http://schemas.microsoft.com/office/powerpoint/2010/main" val="2168034404"/>
-      </p:ext>
-    </p:extLst>
   </p:cSld>
   <p:clrMap bg1="lt1" tx1="dk1" bg2="lt2" tx2="dk2" accent1="accent1" accent2="accent2" accent3="accent3" accent4="accent4" accent5="accent5" accent6="accent6" hlink="hlink" folHlink="folHlink"/>
   <p:sldLayoutIdLst>
-    <p:sldLayoutId id="2147483781" r:id="rId1"/>
-    <p:sldLayoutId id="2147483782" r:id="rId2"/>
-    <p:sldLayoutId id="2147483783" r:id="rId3"/>
-    <p:sldLayoutId id="2147483784" r:id="rId4"/>
-    <p:sldLayoutId id="2147483785" r:id="rId5"/>
-    <p:sldLayoutId id="2147483786" r:id="rId6"/>
-    <p:sldLayoutId id="2147483787" r:id="rId7"/>
-    <p:sldLayoutId id="2147483788" r:id="rId8"/>
-    <p:sldLayoutId id="2147483789" r:id="rId9"/>
-    <p:sldLayoutId id="2147483790" r:id="rId10"/>
-    <p:sldLayoutId id="2147483791" r:id="rId11"/>
+    <p:sldLayoutId id="2147483661" r:id="rId1"/>
+    <p:sldLayoutId id="2147483662" r:id="rId2"/>
+    <p:sldLayoutId id="2147483663" r:id="rId3"/>
+    <p:sldLayoutId id="2147483664" r:id="rId4"/>
+    <p:sldLayoutId id="2147483665" r:id="rId5"/>
+    <p:sldLayoutId id="2147483666" r:id="rId6"/>
+    <p:sldLayoutId id="2147483667" r:id="rId7"/>
+    <p:sldLayoutId id="2147483668" r:id="rId8"/>
+    <p:sldLayoutId id="2147483669" r:id="rId9"/>
+    <p:sldLayoutId id="2147483670" r:id="rId10"/>
+    <p:sldLayoutId id="2147483671" r:id="rId11"/>
   </p:sldLayoutIdLst>
   <p:txStyles>
     <p:titleStyle>
-      <a:lvl1pPr algn="l" defTabSz="1043970" rtl="0" eaLnBrk="1" latinLnBrk="0" hangingPunct="1">
+      <a:lvl1pPr algn="l" defTabSz="1619250" rtl="0" eaLnBrk="0" fontAlgn="base" hangingPunct="0">
         <a:lnSpc>
           <a:spcPct val="90000"/>
         </a:lnSpc>
         <a:spcBef>
           <a:spcPct val="0"/>
         </a:spcBef>
-        <a:buNone/>
-        <a:defRPr sz="5023" kern="1200">
+        <a:spcAft>
+          <a:spcPct val="0"/>
+        </a:spcAft>
+        <a:defRPr sz="7700" kern="1200">
           <a:solidFill>
             <a:schemeClr val="tx1"/>
           </a:solidFill>
@@ -2881,18 +3346,157 @@
           <a:cs typeface="+mj-cs"/>
         </a:defRPr>
       </a:lvl1pPr>
-    </p:titleStyle>
-    <p:bodyStyle>
-      <a:lvl1pPr marL="260993" indent="-260993" algn="l" defTabSz="1043970" rtl="0" eaLnBrk="1" latinLnBrk="0" hangingPunct="1">
+      <a:lvl2pPr algn="l" defTabSz="1619250" rtl="0" eaLnBrk="0" fontAlgn="base" hangingPunct="0">
         <a:lnSpc>
           <a:spcPct val="90000"/>
         </a:lnSpc>
         <a:spcBef>
-          <a:spcPts val="1142"/>
+          <a:spcPct val="0"/>
         </a:spcBef>
+        <a:spcAft>
+          <a:spcPct val="0"/>
+        </a:spcAft>
+        <a:defRPr sz="7700">
+          <a:solidFill>
+            <a:schemeClr val="tx1"/>
+          </a:solidFill>
+          <a:latin typeface="Calibri Light" panose="020F0302020204030204" pitchFamily="34" charset="0"/>
+        </a:defRPr>
+      </a:lvl2pPr>
+      <a:lvl3pPr algn="l" defTabSz="1619250" rtl="0" eaLnBrk="0" fontAlgn="base" hangingPunct="0">
+        <a:lnSpc>
+          <a:spcPct val="90000"/>
+        </a:lnSpc>
+        <a:spcBef>
+          <a:spcPct val="0"/>
+        </a:spcBef>
+        <a:spcAft>
+          <a:spcPct val="0"/>
+        </a:spcAft>
+        <a:defRPr sz="7700">
+          <a:solidFill>
+            <a:schemeClr val="tx1"/>
+          </a:solidFill>
+          <a:latin typeface="Calibri Light" panose="020F0302020204030204" pitchFamily="34" charset="0"/>
+        </a:defRPr>
+      </a:lvl3pPr>
+      <a:lvl4pPr algn="l" defTabSz="1619250" rtl="0" eaLnBrk="0" fontAlgn="base" hangingPunct="0">
+        <a:lnSpc>
+          <a:spcPct val="90000"/>
+        </a:lnSpc>
+        <a:spcBef>
+          <a:spcPct val="0"/>
+        </a:spcBef>
+        <a:spcAft>
+          <a:spcPct val="0"/>
+        </a:spcAft>
+        <a:defRPr sz="7700">
+          <a:solidFill>
+            <a:schemeClr val="tx1"/>
+          </a:solidFill>
+          <a:latin typeface="Calibri Light" panose="020F0302020204030204" pitchFamily="34" charset="0"/>
+        </a:defRPr>
+      </a:lvl4pPr>
+      <a:lvl5pPr algn="l" defTabSz="1619250" rtl="0" eaLnBrk="0" fontAlgn="base" hangingPunct="0">
+        <a:lnSpc>
+          <a:spcPct val="90000"/>
+        </a:lnSpc>
+        <a:spcBef>
+          <a:spcPct val="0"/>
+        </a:spcBef>
+        <a:spcAft>
+          <a:spcPct val="0"/>
+        </a:spcAft>
+        <a:defRPr sz="7700">
+          <a:solidFill>
+            <a:schemeClr val="tx1"/>
+          </a:solidFill>
+          <a:latin typeface="Calibri Light" panose="020F0302020204030204" pitchFamily="34" charset="0"/>
+        </a:defRPr>
+      </a:lvl5pPr>
+      <a:lvl6pPr marL="457200" algn="l" defTabSz="1619250" rtl="0" fontAlgn="base">
+        <a:lnSpc>
+          <a:spcPct val="90000"/>
+        </a:lnSpc>
+        <a:spcBef>
+          <a:spcPct val="0"/>
+        </a:spcBef>
+        <a:spcAft>
+          <a:spcPct val="0"/>
+        </a:spcAft>
+        <a:defRPr sz="7700">
+          <a:solidFill>
+            <a:schemeClr val="tx1"/>
+          </a:solidFill>
+          <a:latin typeface="Calibri Light" panose="020F0302020204030204" pitchFamily="34" charset="0"/>
+        </a:defRPr>
+      </a:lvl6pPr>
+      <a:lvl7pPr marL="914400" algn="l" defTabSz="1619250" rtl="0" fontAlgn="base">
+        <a:lnSpc>
+          <a:spcPct val="90000"/>
+        </a:lnSpc>
+        <a:spcBef>
+          <a:spcPct val="0"/>
+        </a:spcBef>
+        <a:spcAft>
+          <a:spcPct val="0"/>
+        </a:spcAft>
+        <a:defRPr sz="7700">
+          <a:solidFill>
+            <a:schemeClr val="tx1"/>
+          </a:solidFill>
+          <a:latin typeface="Calibri Light" panose="020F0302020204030204" pitchFamily="34" charset="0"/>
+        </a:defRPr>
+      </a:lvl7pPr>
+      <a:lvl8pPr marL="1371600" algn="l" defTabSz="1619250" rtl="0" fontAlgn="base">
+        <a:lnSpc>
+          <a:spcPct val="90000"/>
+        </a:lnSpc>
+        <a:spcBef>
+          <a:spcPct val="0"/>
+        </a:spcBef>
+        <a:spcAft>
+          <a:spcPct val="0"/>
+        </a:spcAft>
+        <a:defRPr sz="7700">
+          <a:solidFill>
+            <a:schemeClr val="tx1"/>
+          </a:solidFill>
+          <a:latin typeface="Calibri Light" panose="020F0302020204030204" pitchFamily="34" charset="0"/>
+        </a:defRPr>
+      </a:lvl8pPr>
+      <a:lvl9pPr marL="1828800" algn="l" defTabSz="1619250" rtl="0" fontAlgn="base">
+        <a:lnSpc>
+          <a:spcPct val="90000"/>
+        </a:lnSpc>
+        <a:spcBef>
+          <a:spcPct val="0"/>
+        </a:spcBef>
+        <a:spcAft>
+          <a:spcPct val="0"/>
+        </a:spcAft>
+        <a:defRPr sz="7700">
+          <a:solidFill>
+            <a:schemeClr val="tx1"/>
+          </a:solidFill>
+          <a:latin typeface="Calibri Light" panose="020F0302020204030204" pitchFamily="34" charset="0"/>
+        </a:defRPr>
+      </a:lvl9pPr>
+    </p:titleStyle>
+    <p:bodyStyle>
+      <a:lvl1pPr marL="404813" indent="-404813" algn="l" defTabSz="1619250" rtl="0" eaLnBrk="0" fontAlgn="base" hangingPunct="0">
+        <a:lnSpc>
+          <a:spcPct val="90000"/>
+        </a:lnSpc>
+        <a:spcBef>
+          <a:spcPts val="1775"/>
+        </a:spcBef>
+        <a:spcAft>
+          <a:spcPct val="0"/>
+        </a:spcAft>
         <a:buFont typeface="Arial" panose="020B0604020202020204" pitchFamily="34" charset="0"/>
         <a:buChar char="•"/>
-        <a:defRPr sz="3197" kern="1200">
+        <a:defRPr sz="4900" kern="1200">
           <a:solidFill>
             <a:schemeClr val="tx1"/>
           </a:solidFill>
@@ -2901,16 +3505,19 @@
           <a:cs typeface="+mn-cs"/>
         </a:defRPr>
       </a:lvl1pPr>
-      <a:lvl2pPr marL="782978" indent="-260993" algn="l" defTabSz="1043970" rtl="0" eaLnBrk="1" latinLnBrk="0" hangingPunct="1">
+      <a:lvl2pPr marL="1214438" indent="-404813" algn="l" defTabSz="1619250" rtl="0" eaLnBrk="0" fontAlgn="base" hangingPunct="0">
         <a:lnSpc>
           <a:spcPct val="90000"/>
         </a:lnSpc>
         <a:spcBef>
-          <a:spcPts val="571"/>
+          <a:spcPts val="888"/>
         </a:spcBef>
+        <a:spcAft>
+          <a:spcPct val="0"/>
+        </a:spcAft>
         <a:buFont typeface="Arial" panose="020B0604020202020204" pitchFamily="34" charset="0"/>
         <a:buChar char="•"/>
-        <a:defRPr sz="2740" kern="1200">
+        <a:defRPr sz="4200" kern="1200">
           <a:solidFill>
             <a:schemeClr val="tx1"/>
           </a:solidFill>
@@ -2919,16 +3526,19 @@
           <a:cs typeface="+mn-cs"/>
         </a:defRPr>
       </a:lvl2pPr>
-      <a:lvl3pPr marL="1304963" indent="-260993" algn="l" defTabSz="1043970" rtl="0" eaLnBrk="1" latinLnBrk="0" hangingPunct="1">
+      <a:lvl3pPr marL="2024063" indent="-404813" algn="l" defTabSz="1619250" rtl="0" eaLnBrk="0" fontAlgn="base" hangingPunct="0">
         <a:lnSpc>
           <a:spcPct val="90000"/>
         </a:lnSpc>
         <a:spcBef>
-          <a:spcPts val="571"/>
+          <a:spcPts val="888"/>
         </a:spcBef>
+        <a:spcAft>
+          <a:spcPct val="0"/>
+        </a:spcAft>
         <a:buFont typeface="Arial" panose="020B0604020202020204" pitchFamily="34" charset="0"/>
         <a:buChar char="•"/>
-        <a:defRPr sz="2283" kern="1200">
+        <a:defRPr sz="3500" kern="1200">
           <a:solidFill>
             <a:schemeClr val="tx1"/>
           </a:solidFill>
@@ -2937,16 +3547,19 @@
           <a:cs typeface="+mn-cs"/>
         </a:defRPr>
       </a:lvl3pPr>
-      <a:lvl4pPr marL="1826948" indent="-260993" algn="l" defTabSz="1043970" rtl="0" eaLnBrk="1" latinLnBrk="0" hangingPunct="1">
+      <a:lvl4pPr marL="2833688" indent="-404813" algn="l" defTabSz="1619250" rtl="0" eaLnBrk="0" fontAlgn="base" hangingPunct="0">
         <a:lnSpc>
           <a:spcPct val="90000"/>
         </a:lnSpc>
         <a:spcBef>
-          <a:spcPts val="571"/>
+          <a:spcPts val="888"/>
         </a:spcBef>
+        <a:spcAft>
+          <a:spcPct val="0"/>
+        </a:spcAft>
         <a:buFont typeface="Arial" panose="020B0604020202020204" pitchFamily="34" charset="0"/>
         <a:buChar char="•"/>
-        <a:defRPr sz="2055" kern="1200">
+        <a:defRPr sz="3100" kern="1200">
           <a:solidFill>
             <a:schemeClr val="tx1"/>
           </a:solidFill>
@@ -2955,16 +3568,19 @@
           <a:cs typeface="+mn-cs"/>
         </a:defRPr>
       </a:lvl4pPr>
-      <a:lvl5pPr marL="2348934" indent="-260993" algn="l" defTabSz="1043970" rtl="0" eaLnBrk="1" latinLnBrk="0" hangingPunct="1">
+      <a:lvl5pPr marL="3644900" indent="-404813" algn="l" defTabSz="1619250" rtl="0" eaLnBrk="0" fontAlgn="base" hangingPunct="0">
         <a:lnSpc>
           <a:spcPct val="90000"/>
         </a:lnSpc>
         <a:spcBef>
-          <a:spcPts val="571"/>
+          <a:spcPts val="888"/>
         </a:spcBef>
+        <a:spcAft>
+          <a:spcPct val="0"/>
+        </a:spcAft>
         <a:buFont typeface="Arial" panose="020B0604020202020204" pitchFamily="34" charset="0"/>
         <a:buChar char="•"/>
-        <a:defRPr sz="2055" kern="1200">
+        <a:defRPr sz="3100" kern="1200">
           <a:solidFill>
             <a:schemeClr val="tx1"/>
           </a:solidFill>
@@ -2973,16 +3589,16 @@
           <a:cs typeface="+mn-cs"/>
         </a:defRPr>
       </a:lvl5pPr>
-      <a:lvl6pPr marL="2870919" indent="-260993" algn="l" defTabSz="1043970" rtl="0" eaLnBrk="1" latinLnBrk="0" hangingPunct="1">
+      <a:lvl6pPr marL="4455117" indent="-405011" algn="l" defTabSz="1620042" rtl="0" eaLnBrk="1" latinLnBrk="0" hangingPunct="1">
         <a:lnSpc>
           <a:spcPct val="90000"/>
         </a:lnSpc>
         <a:spcBef>
-          <a:spcPts val="571"/>
+          <a:spcPts val="886"/>
         </a:spcBef>
         <a:buFont typeface="Arial" panose="020B0604020202020204" pitchFamily="34" charset="0"/>
         <a:buChar char="•"/>
-        <a:defRPr sz="2055" kern="1200">
+        <a:defRPr sz="3189" kern="1200">
           <a:solidFill>
             <a:schemeClr val="tx1"/>
           </a:solidFill>
@@ -2991,16 +3607,16 @@
           <a:cs typeface="+mn-cs"/>
         </a:defRPr>
       </a:lvl6pPr>
-      <a:lvl7pPr marL="3392904" indent="-260993" algn="l" defTabSz="1043970" rtl="0" eaLnBrk="1" latinLnBrk="0" hangingPunct="1">
+      <a:lvl7pPr marL="5265138" indent="-405011" algn="l" defTabSz="1620042" rtl="0" eaLnBrk="1" latinLnBrk="0" hangingPunct="1">
         <a:lnSpc>
           <a:spcPct val="90000"/>
         </a:lnSpc>
         <a:spcBef>
-          <a:spcPts val="571"/>
+          <a:spcPts val="886"/>
         </a:spcBef>
         <a:buFont typeface="Arial" panose="020B0604020202020204" pitchFamily="34" charset="0"/>
         <a:buChar char="•"/>
-        <a:defRPr sz="2055" kern="1200">
+        <a:defRPr sz="3189" kern="1200">
           <a:solidFill>
             <a:schemeClr val="tx1"/>
           </a:solidFill>
@@ -3009,16 +3625,16 @@
           <a:cs typeface="+mn-cs"/>
         </a:defRPr>
       </a:lvl7pPr>
-      <a:lvl8pPr marL="3914889" indent="-260993" algn="l" defTabSz="1043970" rtl="0" eaLnBrk="1" latinLnBrk="0" hangingPunct="1">
+      <a:lvl8pPr marL="6075159" indent="-405011" algn="l" defTabSz="1620042" rtl="0" eaLnBrk="1" latinLnBrk="0" hangingPunct="1">
         <a:lnSpc>
           <a:spcPct val="90000"/>
         </a:lnSpc>
         <a:spcBef>
-          <a:spcPts val="571"/>
+          <a:spcPts val="886"/>
         </a:spcBef>
         <a:buFont typeface="Arial" panose="020B0604020202020204" pitchFamily="34" charset="0"/>
         <a:buChar char="•"/>
-        <a:defRPr sz="2055" kern="1200">
+        <a:defRPr sz="3189" kern="1200">
           <a:solidFill>
             <a:schemeClr val="tx1"/>
           </a:solidFill>
@@ -3027,16 +3643,16 @@
           <a:cs typeface="+mn-cs"/>
         </a:defRPr>
       </a:lvl8pPr>
-      <a:lvl9pPr marL="4436875" indent="-260993" algn="l" defTabSz="1043970" rtl="0" eaLnBrk="1" latinLnBrk="0" hangingPunct="1">
+      <a:lvl9pPr marL="6885181" indent="-405011" algn="l" defTabSz="1620042" rtl="0" eaLnBrk="1" latinLnBrk="0" hangingPunct="1">
         <a:lnSpc>
           <a:spcPct val="90000"/>
         </a:lnSpc>
         <a:spcBef>
-          <a:spcPts val="571"/>
+          <a:spcPts val="886"/>
         </a:spcBef>
         <a:buFont typeface="Arial" panose="020B0604020202020204" pitchFamily="34" charset="0"/>
         <a:buChar char="•"/>
-        <a:defRPr sz="2055" kern="1200">
+        <a:defRPr sz="3189" kern="1200">
           <a:solidFill>
             <a:schemeClr val="tx1"/>
           </a:solidFill>
@@ -3050,8 +3666,8 @@
       <a:defPPr>
         <a:defRPr lang="en-US"/>
       </a:defPPr>
-      <a:lvl1pPr marL="0" algn="l" defTabSz="1043970" rtl="0" eaLnBrk="1" latinLnBrk="0" hangingPunct="1">
-        <a:defRPr sz="2055" kern="1200">
+      <a:lvl1pPr marL="0" algn="l" defTabSz="1620042" rtl="0" eaLnBrk="1" latinLnBrk="0" hangingPunct="1">
+        <a:defRPr sz="3189" kern="1200">
           <a:solidFill>
             <a:schemeClr val="tx1"/>
           </a:solidFill>
@@ -3060,8 +3676,8 @@
           <a:cs typeface="+mn-cs"/>
         </a:defRPr>
       </a:lvl1pPr>
-      <a:lvl2pPr marL="521985" algn="l" defTabSz="1043970" rtl="0" eaLnBrk="1" latinLnBrk="0" hangingPunct="1">
-        <a:defRPr sz="2055" kern="1200">
+      <a:lvl2pPr marL="810021" algn="l" defTabSz="1620042" rtl="0" eaLnBrk="1" latinLnBrk="0" hangingPunct="1">
+        <a:defRPr sz="3189" kern="1200">
           <a:solidFill>
             <a:schemeClr val="tx1"/>
           </a:solidFill>
@@ -3070,8 +3686,8 @@
           <a:cs typeface="+mn-cs"/>
         </a:defRPr>
       </a:lvl2pPr>
-      <a:lvl3pPr marL="1043970" algn="l" defTabSz="1043970" rtl="0" eaLnBrk="1" latinLnBrk="0" hangingPunct="1">
-        <a:defRPr sz="2055" kern="1200">
+      <a:lvl3pPr marL="1620042" algn="l" defTabSz="1620042" rtl="0" eaLnBrk="1" latinLnBrk="0" hangingPunct="1">
+        <a:defRPr sz="3189" kern="1200">
           <a:solidFill>
             <a:schemeClr val="tx1"/>
           </a:solidFill>
@@ -3080,8 +3696,8 @@
           <a:cs typeface="+mn-cs"/>
         </a:defRPr>
       </a:lvl3pPr>
-      <a:lvl4pPr marL="1565956" algn="l" defTabSz="1043970" rtl="0" eaLnBrk="1" latinLnBrk="0" hangingPunct="1">
-        <a:defRPr sz="2055" kern="1200">
+      <a:lvl4pPr marL="2430064" algn="l" defTabSz="1620042" rtl="0" eaLnBrk="1" latinLnBrk="0" hangingPunct="1">
+        <a:defRPr sz="3189" kern="1200">
           <a:solidFill>
             <a:schemeClr val="tx1"/>
           </a:solidFill>
@@ -3090,8 +3706,8 @@
           <a:cs typeface="+mn-cs"/>
         </a:defRPr>
       </a:lvl4pPr>
-      <a:lvl5pPr marL="2087941" algn="l" defTabSz="1043970" rtl="0" eaLnBrk="1" latinLnBrk="0" hangingPunct="1">
-        <a:defRPr sz="2055" kern="1200">
+      <a:lvl5pPr marL="3240085" algn="l" defTabSz="1620042" rtl="0" eaLnBrk="1" latinLnBrk="0" hangingPunct="1">
+        <a:defRPr sz="3189" kern="1200">
           <a:solidFill>
             <a:schemeClr val="tx1"/>
           </a:solidFill>
@@ -3100,8 +3716,8 @@
           <a:cs typeface="+mn-cs"/>
         </a:defRPr>
       </a:lvl5pPr>
-      <a:lvl6pPr marL="2609926" algn="l" defTabSz="1043970" rtl="0" eaLnBrk="1" latinLnBrk="0" hangingPunct="1">
-        <a:defRPr sz="2055" kern="1200">
+      <a:lvl6pPr marL="4050106" algn="l" defTabSz="1620042" rtl="0" eaLnBrk="1" latinLnBrk="0" hangingPunct="1">
+        <a:defRPr sz="3189" kern="1200">
           <a:solidFill>
             <a:schemeClr val="tx1"/>
           </a:solidFill>
@@ -3110,8 +3726,8 @@
           <a:cs typeface="+mn-cs"/>
         </a:defRPr>
       </a:lvl6pPr>
-      <a:lvl7pPr marL="3131911" algn="l" defTabSz="1043970" rtl="0" eaLnBrk="1" latinLnBrk="0" hangingPunct="1">
-        <a:defRPr sz="2055" kern="1200">
+      <a:lvl7pPr marL="4860127" algn="l" defTabSz="1620042" rtl="0" eaLnBrk="1" latinLnBrk="0" hangingPunct="1">
+        <a:defRPr sz="3189" kern="1200">
           <a:solidFill>
             <a:schemeClr val="tx1"/>
           </a:solidFill>
@@ -3120,8 +3736,8 @@
           <a:cs typeface="+mn-cs"/>
         </a:defRPr>
       </a:lvl7pPr>
-      <a:lvl8pPr marL="3653897" algn="l" defTabSz="1043970" rtl="0" eaLnBrk="1" latinLnBrk="0" hangingPunct="1">
-        <a:defRPr sz="2055" kern="1200">
+      <a:lvl8pPr marL="5670149" algn="l" defTabSz="1620042" rtl="0" eaLnBrk="1" latinLnBrk="0" hangingPunct="1">
+        <a:defRPr sz="3189" kern="1200">
           <a:solidFill>
             <a:schemeClr val="tx1"/>
           </a:solidFill>
@@ -3130,8 +3746,8 @@
           <a:cs typeface="+mn-cs"/>
         </a:defRPr>
       </a:lvl8pPr>
-      <a:lvl9pPr marL="4175882" algn="l" defTabSz="1043970" rtl="0" eaLnBrk="1" latinLnBrk="0" hangingPunct="1">
-        <a:defRPr sz="2055" kern="1200">
+      <a:lvl9pPr marL="6480170" algn="l" defTabSz="1620042" rtl="0" eaLnBrk="1" latinLnBrk="0" hangingPunct="1">
+        <a:defRPr sz="3189" kern="1200">
           <a:solidFill>
             <a:schemeClr val="tx1"/>
           </a:solidFill>
@@ -3164,15 +3780,15 @@
       </p:grpSpPr>
       <p:pic>
         <p:nvPicPr>
-          <p:cNvPr id="12" name="Picture 11">
+          <p:cNvPr id="13313" name="Picture 3">
             <a:extLst>
               <a:ext uri="{FF2B5EF4-FFF2-40B4-BE49-F238E27FC236}">
-                <a16:creationId xmlns:a16="http://schemas.microsoft.com/office/drawing/2014/main" id="{F08F2BB7-7611-FF63-8641-E46734E5DCB7}"/>
+                <a16:creationId xmlns:a16="http://schemas.microsoft.com/office/drawing/2014/main" id="{70129B61-669A-AA4D-BEB9-FE80A171E11D}"/>
               </a:ext>
             </a:extLst>
           </p:cNvPr>
           <p:cNvPicPr>
-            <a:picLocks noChangeAspect="1"/>
+            <a:picLocks noChangeAspect="1" noChangeArrowheads="1"/>
           </p:cNvPicPr>
           <p:nvPr/>
         </p:nvPicPr>
@@ -3181,34 +3797,10 @@
           <a:srcRect/>
           <a:stretch/>
         </p:blipFill>
-        <p:spPr>
-          <a:xfrm>
-            <a:off x="3778771" y="84024"/>
-            <a:ext cx="6476288" cy="6685200"/>
-          </a:xfrm>
-          <a:prstGeom prst="rect">
-            <a:avLst/>
-          </a:prstGeom>
-        </p:spPr>
-      </p:pic>
-      <p:sp>
-        <p:nvSpPr>
-          <p:cNvPr id="10" name="TextBox 4">
-            <a:extLst>
-              <a:ext uri="{FF2B5EF4-FFF2-40B4-BE49-F238E27FC236}">
-                <a16:creationId xmlns:a16="http://schemas.microsoft.com/office/drawing/2014/main" id="{156DC5B1-528B-A74D-9A43-203DFC8C8917}"/>
-              </a:ext>
-            </a:extLst>
-          </p:cNvPr>
-          <p:cNvSpPr txBox="1">
-            <a:spLocks noChangeArrowheads="1"/>
-          </p:cNvSpPr>
-          <p:nvPr/>
-        </p:nvSpPr>
         <p:spPr bwMode="auto">
           <a:xfrm>
-            <a:off x="7904" y="26951"/>
-            <a:ext cx="477710" cy="523220"/>
+            <a:off x="8526648" y="294989"/>
+            <a:ext cx="7688771" cy="2203788"/>
           </a:xfrm>
           <a:prstGeom prst="rect">
             <a:avLst/>
@@ -3237,126 +3829,13 @@
             </a:ext>
           </a:extLst>
         </p:spPr>
-        <p:txBody>
-          <a:bodyPr wrap="square">
-            <a:spAutoFit/>
-          </a:bodyPr>
-          <a:lstStyle>
-            <a:lvl1pPr>
-              <a:defRPr>
-                <a:solidFill>
-                  <a:schemeClr val="tx1"/>
-                </a:solidFill>
-                <a:latin typeface="Calibri" panose="020F0502020204030204" pitchFamily="34" charset="0"/>
-              </a:defRPr>
-            </a:lvl1pPr>
-            <a:lvl2pPr marL="742950" indent="-285750">
-              <a:defRPr>
-                <a:solidFill>
-                  <a:schemeClr val="tx1"/>
-                </a:solidFill>
-                <a:latin typeface="Calibri" panose="020F0502020204030204" pitchFamily="34" charset="0"/>
-              </a:defRPr>
-            </a:lvl2pPr>
-            <a:lvl3pPr marL="1143000" indent="-228600">
-              <a:defRPr>
-                <a:solidFill>
-                  <a:schemeClr val="tx1"/>
-                </a:solidFill>
-                <a:latin typeface="Calibri" panose="020F0502020204030204" pitchFamily="34" charset="0"/>
-              </a:defRPr>
-            </a:lvl3pPr>
-            <a:lvl4pPr marL="1600200" indent="-228600">
-              <a:defRPr>
-                <a:solidFill>
-                  <a:schemeClr val="tx1"/>
-                </a:solidFill>
-                <a:latin typeface="Calibri" panose="020F0502020204030204" pitchFamily="34" charset="0"/>
-              </a:defRPr>
-            </a:lvl4pPr>
-            <a:lvl5pPr marL="2057400" indent="-228600">
-              <a:defRPr>
-                <a:solidFill>
-                  <a:schemeClr val="tx1"/>
-                </a:solidFill>
-                <a:latin typeface="Calibri" panose="020F0502020204030204" pitchFamily="34" charset="0"/>
-              </a:defRPr>
-            </a:lvl5pPr>
-            <a:lvl6pPr marL="2514600" indent="-228600" defTabSz="457200" eaLnBrk="0" fontAlgn="base" hangingPunct="0">
-              <a:spcBef>
-                <a:spcPct val="0"/>
-              </a:spcBef>
-              <a:spcAft>
-                <a:spcPct val="0"/>
-              </a:spcAft>
-              <a:defRPr>
-                <a:solidFill>
-                  <a:schemeClr val="tx1"/>
-                </a:solidFill>
-                <a:latin typeface="Calibri" panose="020F0502020204030204" pitchFamily="34" charset="0"/>
-              </a:defRPr>
-            </a:lvl6pPr>
-            <a:lvl7pPr marL="2971800" indent="-228600" defTabSz="457200" eaLnBrk="0" fontAlgn="base" hangingPunct="0">
-              <a:spcBef>
-                <a:spcPct val="0"/>
-              </a:spcBef>
-              <a:spcAft>
-                <a:spcPct val="0"/>
-              </a:spcAft>
-              <a:defRPr>
-                <a:solidFill>
-                  <a:schemeClr val="tx1"/>
-                </a:solidFill>
-                <a:latin typeface="Calibri" panose="020F0502020204030204" pitchFamily="34" charset="0"/>
-              </a:defRPr>
-            </a:lvl7pPr>
-            <a:lvl8pPr marL="3429000" indent="-228600" defTabSz="457200" eaLnBrk="0" fontAlgn="base" hangingPunct="0">
-              <a:spcBef>
-                <a:spcPct val="0"/>
-              </a:spcBef>
-              <a:spcAft>
-                <a:spcPct val="0"/>
-              </a:spcAft>
-              <a:defRPr>
-                <a:solidFill>
-                  <a:schemeClr val="tx1"/>
-                </a:solidFill>
-                <a:latin typeface="Calibri" panose="020F0502020204030204" pitchFamily="34" charset="0"/>
-              </a:defRPr>
-            </a:lvl8pPr>
-            <a:lvl9pPr marL="3886200" indent="-228600" defTabSz="457200" eaLnBrk="0" fontAlgn="base" hangingPunct="0">
-              <a:spcBef>
-                <a:spcPct val="0"/>
-              </a:spcBef>
-              <a:spcAft>
-                <a:spcPct val="0"/>
-              </a:spcAft>
-              <a:defRPr>
-                <a:solidFill>
-                  <a:schemeClr val="tx1"/>
-                </a:solidFill>
-                <a:latin typeface="Calibri" panose="020F0502020204030204" pitchFamily="34" charset="0"/>
-              </a:defRPr>
-            </a:lvl9pPr>
-          </a:lstStyle>
-          <a:p>
-            <a:pPr algn="ctr" eaLnBrk="1" hangingPunct="1"/>
-            <a:r>
-              <a:rPr lang="en-DE" altLang="en-DE" sz="2800" b="1" dirty="0">
-                <a:latin typeface="Arial" panose="020B0604020202020204" pitchFamily="34" charset="0"/>
-                <a:cs typeface="Arial" panose="020B0604020202020204" pitchFamily="34" charset="0"/>
-              </a:rPr>
-              <a:t>A</a:t>
-            </a:r>
-          </a:p>
-        </p:txBody>
-      </p:sp>
-      <p:sp>
-        <p:nvSpPr>
-          <p:cNvPr id="11" name="TextBox 4">
+      </p:pic>
+      <p:sp>
+        <p:nvSpPr>
+          <p:cNvPr id="13314" name="TextBox 4">
             <a:extLst>
               <a:ext uri="{FF2B5EF4-FFF2-40B4-BE49-F238E27FC236}">
-                <a16:creationId xmlns:a16="http://schemas.microsoft.com/office/drawing/2014/main" id="{C65D8EE6-7054-164A-832B-92977C776B64}"/>
+                <a16:creationId xmlns:a16="http://schemas.microsoft.com/office/drawing/2014/main" id="{60718ED6-9AA1-2B4B-86B9-6ECF260ED97D}"/>
               </a:ext>
             </a:extLst>
           </p:cNvPr>
@@ -3367,8 +3846,8 @@
         </p:nvSpPr>
         <p:spPr bwMode="auto">
           <a:xfrm>
-            <a:off x="3927245" y="26951"/>
-            <a:ext cx="477710" cy="523220"/>
+            <a:off x="53351" y="158749"/>
+            <a:ext cx="449152" cy="588429"/>
           </a:xfrm>
           <a:prstGeom prst="rect">
             <a:avLst/>
@@ -3502,21 +3981,21 @@
           <a:p>
             <a:pPr algn="ctr" eaLnBrk="1" hangingPunct="1"/>
             <a:r>
-              <a:rPr lang="en-DE" altLang="en-DE" sz="2800" b="1" dirty="0">
+              <a:rPr lang="en-DE" altLang="en-DE" sz="3200" b="1" dirty="0">
                 <a:latin typeface="Arial" panose="020B0604020202020204" pitchFamily="34" charset="0"/>
                 <a:cs typeface="Arial" panose="020B0604020202020204" pitchFamily="34" charset="0"/>
               </a:rPr>
-              <a:t>B</a:t>
-            </a:r>
-          </a:p>
-        </p:txBody>
-      </p:sp>
-      <p:sp>
-        <p:nvSpPr>
-          <p:cNvPr id="16" name="TextBox 4">
+              <a:t>A</a:t>
+            </a:r>
+          </a:p>
+        </p:txBody>
+      </p:sp>
+      <p:sp>
+        <p:nvSpPr>
+          <p:cNvPr id="13315" name="TextBox 5">
             <a:extLst>
               <a:ext uri="{FF2B5EF4-FFF2-40B4-BE49-F238E27FC236}">
-                <a16:creationId xmlns:a16="http://schemas.microsoft.com/office/drawing/2014/main" id="{18D58B1B-CBDE-734C-9FF5-FDAB39841F5C}"/>
+                <a16:creationId xmlns:a16="http://schemas.microsoft.com/office/drawing/2014/main" id="{33A049F0-4039-5146-8CC0-AD686EBF3714}"/>
               </a:ext>
             </a:extLst>
           </p:cNvPr>
@@ -3527,8 +4006,8 @@
         </p:nvSpPr>
         <p:spPr bwMode="auto">
           <a:xfrm>
-            <a:off x="3253297" y="6761639"/>
-            <a:ext cx="477710" cy="523220"/>
+            <a:off x="46985" y="6135372"/>
+            <a:ext cx="450756" cy="588429"/>
           </a:xfrm>
           <a:prstGeom prst="rect">
             <a:avLst/>
@@ -3662,7 +4141,7 @@
           <a:p>
             <a:pPr algn="ctr" eaLnBrk="1" hangingPunct="1"/>
             <a:r>
-              <a:rPr lang="en-DE" altLang="en-DE" sz="2800" b="1" dirty="0">
+              <a:rPr lang="en-DE" altLang="en-DE" sz="3200" b="1" dirty="0">
                 <a:latin typeface="Arial" panose="020B0604020202020204" pitchFamily="34" charset="0"/>
                 <a:cs typeface="Arial" panose="020B0604020202020204" pitchFamily="34" charset="0"/>
               </a:rPr>
@@ -3673,10 +4152,10 @@
       </p:sp>
       <p:sp>
         <p:nvSpPr>
-          <p:cNvPr id="31" name="TextBox 4">
+          <p:cNvPr id="13316" name="TextBox 6">
             <a:extLst>
               <a:ext uri="{FF2B5EF4-FFF2-40B4-BE49-F238E27FC236}">
-                <a16:creationId xmlns:a16="http://schemas.microsoft.com/office/drawing/2014/main" id="{C742E70B-B676-4F41-B390-01141EC23DAF}"/>
+                <a16:creationId xmlns:a16="http://schemas.microsoft.com/office/drawing/2014/main" id="{7B5E45A2-E768-2344-B1A2-84BC2DB89531}"/>
               </a:ext>
             </a:extLst>
           </p:cNvPr>
@@ -3686,9 +4165,9 @@
           <p:nvPr/>
         </p:nvSpPr>
         <p:spPr bwMode="auto">
-          <a:xfrm flipH="1">
-            <a:off x="6317162" y="32976"/>
-            <a:ext cx="483345" cy="523220"/>
+          <a:xfrm>
+            <a:off x="53335" y="8254350"/>
+            <a:ext cx="450756" cy="590028"/>
           </a:xfrm>
           <a:prstGeom prst="rect">
             <a:avLst/>
@@ -3822,7 +4301,7 @@
           <a:p>
             <a:pPr algn="ctr" eaLnBrk="1" hangingPunct="1"/>
             <a:r>
-              <a:rPr lang="en-DE" altLang="en-DE" sz="2800" b="1" dirty="0">
+              <a:rPr lang="en-DE" altLang="en-DE" sz="3200" b="1" dirty="0">
                 <a:latin typeface="Arial" panose="020B0604020202020204" pitchFamily="34" charset="0"/>
                 <a:cs typeface="Arial" panose="020B0604020202020204" pitchFamily="34" charset="0"/>
               </a:rPr>
@@ -3833,10 +4312,382 @@
       </p:sp>
       <p:pic>
         <p:nvPicPr>
-          <p:cNvPr id="6" name="Picture 5">
+          <p:cNvPr id="13317" name="Picture 7">
             <a:extLst>
               <a:ext uri="{FF2B5EF4-FFF2-40B4-BE49-F238E27FC236}">
-                <a16:creationId xmlns:a16="http://schemas.microsoft.com/office/drawing/2014/main" id="{FEFB9AEC-7D00-4074-FFF1-2490D4469824}"/>
+                <a16:creationId xmlns:a16="http://schemas.microsoft.com/office/drawing/2014/main" id="{B1C900B1-24B1-7345-B10C-F9E77E017EEA}"/>
+              </a:ext>
+            </a:extLst>
+          </p:cNvPr>
+          <p:cNvPicPr>
+            <a:picLocks noChangeAspect="1" noChangeArrowheads="1"/>
+          </p:cNvPicPr>
+          <p:nvPr/>
+        </p:nvPicPr>
+        <p:blipFill>
+          <a:blip r:embed="rId3"/>
+          <a:srcRect/>
+          <a:stretch/>
+        </p:blipFill>
+        <p:spPr bwMode="auto">
+          <a:xfrm>
+            <a:off x="475807" y="281652"/>
+            <a:ext cx="7367021" cy="8141262"/>
+          </a:xfrm>
+          <a:prstGeom prst="rect">
+            <a:avLst/>
+          </a:prstGeom>
+          <a:noFill/>
+          <a:ln>
+            <a:noFill/>
+          </a:ln>
+          <a:extLst>
+            <a:ext uri="{909E8E84-426E-40DD-AFC4-6F175D3DCCD1}">
+              <a14:hiddenFill xmlns:a14="http://schemas.microsoft.com/office/drawing/2010/main">
+                <a:solidFill>
+                  <a:srgbClr val="FFFFFF"/>
+                </a:solidFill>
+              </a14:hiddenFill>
+            </a:ext>
+            <a:ext uri="{91240B29-F687-4F45-9708-019B960494DF}">
+              <a14:hiddenLine xmlns:a14="http://schemas.microsoft.com/office/drawing/2010/main" w="9525">
+                <a:solidFill>
+                  <a:srgbClr val="000000"/>
+                </a:solidFill>
+                <a:miter lim="800000"/>
+                <a:headEnd/>
+                <a:tailEnd/>
+              </a14:hiddenLine>
+            </a:ext>
+          </a:extLst>
+        </p:spPr>
+      </p:pic>
+      <p:sp>
+        <p:nvSpPr>
+          <p:cNvPr id="13319" name="TextBox 9">
+            <a:extLst>
+              <a:ext uri="{FF2B5EF4-FFF2-40B4-BE49-F238E27FC236}">
+                <a16:creationId xmlns:a16="http://schemas.microsoft.com/office/drawing/2014/main" id="{175AA567-2389-D148-A47B-D894B43BF194}"/>
+              </a:ext>
+            </a:extLst>
+          </p:cNvPr>
+          <p:cNvSpPr txBox="1">
+            <a:spLocks noChangeArrowheads="1"/>
+          </p:cNvSpPr>
+          <p:nvPr/>
+        </p:nvSpPr>
+        <p:spPr bwMode="auto">
+          <a:xfrm>
+            <a:off x="8069587" y="164411"/>
+            <a:ext cx="446087" cy="584200"/>
+          </a:xfrm>
+          <a:prstGeom prst="rect">
+            <a:avLst/>
+          </a:prstGeom>
+          <a:noFill/>
+          <a:ln>
+            <a:noFill/>
+          </a:ln>
+          <a:extLst>
+            <a:ext uri="{909E8E84-426E-40DD-AFC4-6F175D3DCCD1}">
+              <a14:hiddenFill xmlns:a14="http://schemas.microsoft.com/office/drawing/2010/main">
+                <a:solidFill>
+                  <a:srgbClr val="FFFFFF"/>
+                </a:solidFill>
+              </a14:hiddenFill>
+            </a:ext>
+            <a:ext uri="{91240B29-F687-4F45-9708-019B960494DF}">
+              <a14:hiddenLine xmlns:a14="http://schemas.microsoft.com/office/drawing/2010/main" w="9525">
+                <a:solidFill>
+                  <a:srgbClr val="000000"/>
+                </a:solidFill>
+                <a:miter lim="800000"/>
+                <a:headEnd/>
+                <a:tailEnd/>
+              </a14:hiddenLine>
+            </a:ext>
+          </a:extLst>
+        </p:spPr>
+        <p:txBody>
+          <a:bodyPr>
+            <a:spAutoFit/>
+          </a:bodyPr>
+          <a:lstStyle>
+            <a:lvl1pPr>
+              <a:defRPr>
+                <a:solidFill>
+                  <a:schemeClr val="tx1"/>
+                </a:solidFill>
+                <a:latin typeface="Calibri" panose="020F0502020204030204" pitchFamily="34" charset="0"/>
+              </a:defRPr>
+            </a:lvl1pPr>
+            <a:lvl2pPr marL="742950" indent="-285750">
+              <a:defRPr>
+                <a:solidFill>
+                  <a:schemeClr val="tx1"/>
+                </a:solidFill>
+                <a:latin typeface="Calibri" panose="020F0502020204030204" pitchFamily="34" charset="0"/>
+              </a:defRPr>
+            </a:lvl2pPr>
+            <a:lvl3pPr marL="1143000" indent="-228600">
+              <a:defRPr>
+                <a:solidFill>
+                  <a:schemeClr val="tx1"/>
+                </a:solidFill>
+                <a:latin typeface="Calibri" panose="020F0502020204030204" pitchFamily="34" charset="0"/>
+              </a:defRPr>
+            </a:lvl3pPr>
+            <a:lvl4pPr marL="1600200" indent="-228600">
+              <a:defRPr>
+                <a:solidFill>
+                  <a:schemeClr val="tx1"/>
+                </a:solidFill>
+                <a:latin typeface="Calibri" panose="020F0502020204030204" pitchFamily="34" charset="0"/>
+              </a:defRPr>
+            </a:lvl4pPr>
+            <a:lvl5pPr marL="2057400" indent="-228600">
+              <a:defRPr>
+                <a:solidFill>
+                  <a:schemeClr val="tx1"/>
+                </a:solidFill>
+                <a:latin typeface="Calibri" panose="020F0502020204030204" pitchFamily="34" charset="0"/>
+              </a:defRPr>
+            </a:lvl5pPr>
+            <a:lvl6pPr marL="2514600" indent="-228600" defTabSz="457200" eaLnBrk="0" fontAlgn="base" hangingPunct="0">
+              <a:spcBef>
+                <a:spcPct val="0"/>
+              </a:spcBef>
+              <a:spcAft>
+                <a:spcPct val="0"/>
+              </a:spcAft>
+              <a:defRPr>
+                <a:solidFill>
+                  <a:schemeClr val="tx1"/>
+                </a:solidFill>
+                <a:latin typeface="Calibri" panose="020F0502020204030204" pitchFamily="34" charset="0"/>
+              </a:defRPr>
+            </a:lvl6pPr>
+            <a:lvl7pPr marL="2971800" indent="-228600" defTabSz="457200" eaLnBrk="0" fontAlgn="base" hangingPunct="0">
+              <a:spcBef>
+                <a:spcPct val="0"/>
+              </a:spcBef>
+              <a:spcAft>
+                <a:spcPct val="0"/>
+              </a:spcAft>
+              <a:defRPr>
+                <a:solidFill>
+                  <a:schemeClr val="tx1"/>
+                </a:solidFill>
+                <a:latin typeface="Calibri" panose="020F0502020204030204" pitchFamily="34" charset="0"/>
+              </a:defRPr>
+            </a:lvl7pPr>
+            <a:lvl8pPr marL="3429000" indent="-228600" defTabSz="457200" eaLnBrk="0" fontAlgn="base" hangingPunct="0">
+              <a:spcBef>
+                <a:spcPct val="0"/>
+              </a:spcBef>
+              <a:spcAft>
+                <a:spcPct val="0"/>
+              </a:spcAft>
+              <a:defRPr>
+                <a:solidFill>
+                  <a:schemeClr val="tx1"/>
+                </a:solidFill>
+                <a:latin typeface="Calibri" panose="020F0502020204030204" pitchFamily="34" charset="0"/>
+              </a:defRPr>
+            </a:lvl8pPr>
+            <a:lvl9pPr marL="3886200" indent="-228600" defTabSz="457200" eaLnBrk="0" fontAlgn="base" hangingPunct="0">
+              <a:spcBef>
+                <a:spcPct val="0"/>
+              </a:spcBef>
+              <a:spcAft>
+                <a:spcPct val="0"/>
+              </a:spcAft>
+              <a:defRPr>
+                <a:solidFill>
+                  <a:schemeClr val="tx1"/>
+                </a:solidFill>
+                <a:latin typeface="Calibri" panose="020F0502020204030204" pitchFamily="34" charset="0"/>
+              </a:defRPr>
+            </a:lvl9pPr>
+          </a:lstStyle>
+          <a:p>
+            <a:pPr algn="ctr" eaLnBrk="1" hangingPunct="1"/>
+            <a:r>
+              <a:rPr lang="en-DE" altLang="en-DE" sz="3200" b="1" dirty="0">
+                <a:latin typeface="Arial" panose="020B0604020202020204" pitchFamily="34" charset="0"/>
+                <a:cs typeface="Arial" panose="020B0604020202020204" pitchFamily="34" charset="0"/>
+              </a:rPr>
+              <a:t>B</a:t>
+            </a:r>
+          </a:p>
+        </p:txBody>
+      </p:sp>
+      <p:sp>
+        <p:nvSpPr>
+          <p:cNvPr id="13320" name="TextBox 11">
+            <a:extLst>
+              <a:ext uri="{FF2B5EF4-FFF2-40B4-BE49-F238E27FC236}">
+                <a16:creationId xmlns:a16="http://schemas.microsoft.com/office/drawing/2014/main" id="{53440276-061F-564B-BA30-F0E9FE4C2AAC}"/>
+              </a:ext>
+            </a:extLst>
+          </p:cNvPr>
+          <p:cNvSpPr txBox="1">
+            <a:spLocks noChangeArrowheads="1"/>
+          </p:cNvSpPr>
+          <p:nvPr/>
+        </p:nvSpPr>
+        <p:spPr bwMode="auto">
+          <a:xfrm>
+            <a:off x="8069586" y="7549485"/>
+            <a:ext cx="446087" cy="585787"/>
+          </a:xfrm>
+          <a:prstGeom prst="rect">
+            <a:avLst/>
+          </a:prstGeom>
+          <a:noFill/>
+          <a:ln>
+            <a:noFill/>
+          </a:ln>
+          <a:extLst>
+            <a:ext uri="{909E8E84-426E-40DD-AFC4-6F175D3DCCD1}">
+              <a14:hiddenFill xmlns:a14="http://schemas.microsoft.com/office/drawing/2010/main">
+                <a:solidFill>
+                  <a:srgbClr val="FFFFFF"/>
+                </a:solidFill>
+              </a14:hiddenFill>
+            </a:ext>
+            <a:ext uri="{91240B29-F687-4F45-9708-019B960494DF}">
+              <a14:hiddenLine xmlns:a14="http://schemas.microsoft.com/office/drawing/2010/main" w="9525">
+                <a:solidFill>
+                  <a:srgbClr val="000000"/>
+                </a:solidFill>
+                <a:miter lim="800000"/>
+                <a:headEnd/>
+                <a:tailEnd/>
+              </a14:hiddenLine>
+            </a:ext>
+          </a:extLst>
+        </p:spPr>
+        <p:txBody>
+          <a:bodyPr>
+            <a:spAutoFit/>
+          </a:bodyPr>
+          <a:lstStyle>
+            <a:lvl1pPr>
+              <a:defRPr>
+                <a:solidFill>
+                  <a:schemeClr val="tx1"/>
+                </a:solidFill>
+                <a:latin typeface="Calibri" panose="020F0502020204030204" pitchFamily="34" charset="0"/>
+              </a:defRPr>
+            </a:lvl1pPr>
+            <a:lvl2pPr marL="742950" indent="-285750">
+              <a:defRPr>
+                <a:solidFill>
+                  <a:schemeClr val="tx1"/>
+                </a:solidFill>
+                <a:latin typeface="Calibri" panose="020F0502020204030204" pitchFamily="34" charset="0"/>
+              </a:defRPr>
+            </a:lvl2pPr>
+            <a:lvl3pPr marL="1143000" indent="-228600">
+              <a:defRPr>
+                <a:solidFill>
+                  <a:schemeClr val="tx1"/>
+                </a:solidFill>
+                <a:latin typeface="Calibri" panose="020F0502020204030204" pitchFamily="34" charset="0"/>
+              </a:defRPr>
+            </a:lvl3pPr>
+            <a:lvl4pPr marL="1600200" indent="-228600">
+              <a:defRPr>
+                <a:solidFill>
+                  <a:schemeClr val="tx1"/>
+                </a:solidFill>
+                <a:latin typeface="Calibri" panose="020F0502020204030204" pitchFamily="34" charset="0"/>
+              </a:defRPr>
+            </a:lvl4pPr>
+            <a:lvl5pPr marL="2057400" indent="-228600">
+              <a:defRPr>
+                <a:solidFill>
+                  <a:schemeClr val="tx1"/>
+                </a:solidFill>
+                <a:latin typeface="Calibri" panose="020F0502020204030204" pitchFamily="34" charset="0"/>
+              </a:defRPr>
+            </a:lvl5pPr>
+            <a:lvl6pPr marL="2514600" indent="-228600" defTabSz="457200" eaLnBrk="0" fontAlgn="base" hangingPunct="0">
+              <a:spcBef>
+                <a:spcPct val="0"/>
+              </a:spcBef>
+              <a:spcAft>
+                <a:spcPct val="0"/>
+              </a:spcAft>
+              <a:defRPr>
+                <a:solidFill>
+                  <a:schemeClr val="tx1"/>
+                </a:solidFill>
+                <a:latin typeface="Calibri" panose="020F0502020204030204" pitchFamily="34" charset="0"/>
+              </a:defRPr>
+            </a:lvl6pPr>
+            <a:lvl7pPr marL="2971800" indent="-228600" defTabSz="457200" eaLnBrk="0" fontAlgn="base" hangingPunct="0">
+              <a:spcBef>
+                <a:spcPct val="0"/>
+              </a:spcBef>
+              <a:spcAft>
+                <a:spcPct val="0"/>
+              </a:spcAft>
+              <a:defRPr>
+                <a:solidFill>
+                  <a:schemeClr val="tx1"/>
+                </a:solidFill>
+                <a:latin typeface="Calibri" panose="020F0502020204030204" pitchFamily="34" charset="0"/>
+              </a:defRPr>
+            </a:lvl7pPr>
+            <a:lvl8pPr marL="3429000" indent="-228600" defTabSz="457200" eaLnBrk="0" fontAlgn="base" hangingPunct="0">
+              <a:spcBef>
+                <a:spcPct val="0"/>
+              </a:spcBef>
+              <a:spcAft>
+                <a:spcPct val="0"/>
+              </a:spcAft>
+              <a:defRPr>
+                <a:solidFill>
+                  <a:schemeClr val="tx1"/>
+                </a:solidFill>
+                <a:latin typeface="Calibri" panose="020F0502020204030204" pitchFamily="34" charset="0"/>
+              </a:defRPr>
+            </a:lvl8pPr>
+            <a:lvl9pPr marL="3886200" indent="-228600" defTabSz="457200" eaLnBrk="0" fontAlgn="base" hangingPunct="0">
+              <a:spcBef>
+                <a:spcPct val="0"/>
+              </a:spcBef>
+              <a:spcAft>
+                <a:spcPct val="0"/>
+              </a:spcAft>
+              <a:defRPr>
+                <a:solidFill>
+                  <a:schemeClr val="tx1"/>
+                </a:solidFill>
+                <a:latin typeface="Calibri" panose="020F0502020204030204" pitchFamily="34" charset="0"/>
+              </a:defRPr>
+            </a:lvl9pPr>
+          </a:lstStyle>
+          <a:p>
+            <a:pPr algn="ctr" eaLnBrk="1" hangingPunct="1"/>
+            <a:r>
+              <a:rPr lang="en-DE" altLang="en-DE" sz="3200" b="1" dirty="0">
+                <a:latin typeface="Arial" panose="020B0604020202020204" pitchFamily="34" charset="0"/>
+                <a:cs typeface="Arial" panose="020B0604020202020204" pitchFamily="34" charset="0"/>
+              </a:rPr>
+              <a:t>F</a:t>
+            </a:r>
+          </a:p>
+        </p:txBody>
+      </p:sp>
+      <p:pic>
+        <p:nvPicPr>
+          <p:cNvPr id="4" name="Picture 3">
+            <a:extLst>
+              <a:ext uri="{FF2B5EF4-FFF2-40B4-BE49-F238E27FC236}">
+                <a16:creationId xmlns:a16="http://schemas.microsoft.com/office/drawing/2014/main" id="{97C97A6A-FDD0-4849-B460-3F1BB04DF126}"/>
               </a:ext>
             </a:extLst>
           </p:cNvPr>
@@ -3846,1379 +4697,298 @@
           <p:nvPr/>
         </p:nvPicPr>
         <p:blipFill>
-          <a:blip r:embed="rId3"/>
+          <a:blip r:embed="rId4"/>
           <a:srcRect/>
           <a:stretch/>
         </p:blipFill>
         <p:spPr>
           <a:xfrm>
-            <a:off x="487593" y="77176"/>
-            <a:ext cx="3353897" cy="8830800"/>
+            <a:off x="8308345" y="4630389"/>
+            <a:ext cx="7892993" cy="3011126"/>
           </a:xfrm>
           <a:prstGeom prst="rect">
             <a:avLst/>
           </a:prstGeom>
         </p:spPr>
       </p:pic>
-      <p:grpSp>
-        <p:nvGrpSpPr>
-          <p:cNvPr id="15" name="Group 14">
+      <p:sp>
+        <p:nvSpPr>
+          <p:cNvPr id="16" name="TextBox 11">
             <a:extLst>
               <a:ext uri="{FF2B5EF4-FFF2-40B4-BE49-F238E27FC236}">
-                <a16:creationId xmlns:a16="http://schemas.microsoft.com/office/drawing/2014/main" id="{C4A89295-C8A6-197B-CA3F-D04A9186726A}"/>
+                <a16:creationId xmlns:a16="http://schemas.microsoft.com/office/drawing/2014/main" id="{58985759-FA1F-324F-9CD6-71467C5F2A71}"/>
               </a:ext>
             </a:extLst>
           </p:cNvPr>
-          <p:cNvGrpSpPr>
-            <a:grpSpLocks noChangeAspect="1"/>
-          </p:cNvGrpSpPr>
+          <p:cNvSpPr txBox="1">
+            <a:spLocks noChangeArrowheads="1"/>
+          </p:cNvSpPr>
           <p:nvPr/>
-        </p:nvGrpSpPr>
-        <p:grpSpPr>
+        </p:nvSpPr>
+        <p:spPr bwMode="auto">
           <a:xfrm>
-            <a:off x="3545321" y="6871017"/>
-            <a:ext cx="6615832" cy="2044800"/>
-            <a:chOff x="3348371" y="6812234"/>
-            <a:chExt cx="6615832" cy="2043562"/>
+            <a:off x="8069586" y="4463553"/>
+            <a:ext cx="446087" cy="585787"/>
           </a:xfrm>
-        </p:grpSpPr>
-        <p:grpSp>
-          <p:nvGrpSpPr>
-            <p:cNvPr id="2" name="Group 1">
-              <a:extLst>
-                <a:ext uri="{FF2B5EF4-FFF2-40B4-BE49-F238E27FC236}">
-                  <a16:creationId xmlns:a16="http://schemas.microsoft.com/office/drawing/2014/main" id="{591A9965-B890-3247-94B2-DD3322639C78}"/>
-                </a:ext>
-              </a:extLst>
-            </p:cNvPr>
-            <p:cNvGrpSpPr/>
-            <p:nvPr/>
-          </p:nvGrpSpPr>
-          <p:grpSpPr>
-            <a:xfrm>
-              <a:off x="3348371" y="6812234"/>
-              <a:ext cx="6404882" cy="2043562"/>
-              <a:chOff x="481553" y="5941507"/>
-              <a:chExt cx="7093723" cy="2263346"/>
-            </a:xfrm>
-          </p:grpSpPr>
-          <p:pic>
-            <p:nvPicPr>
-              <p:cNvPr id="14" name="Picture 13">
-                <a:extLst>
-                  <a:ext uri="{FF2B5EF4-FFF2-40B4-BE49-F238E27FC236}">
-                    <a16:creationId xmlns:a16="http://schemas.microsoft.com/office/drawing/2014/main" id="{EC52B794-E796-5C43-BECB-EB2FB6943718}"/>
-                  </a:ext>
-                </a:extLst>
-              </p:cNvPr>
-              <p:cNvPicPr>
-                <a:picLocks noChangeAspect="1"/>
-              </p:cNvPicPr>
-              <p:nvPr/>
-            </p:nvPicPr>
-            <p:blipFill>
-              <a:blip r:embed="rId4"/>
-              <a:srcRect/>
-              <a:stretch/>
-            </p:blipFill>
-            <p:spPr>
-              <a:xfrm>
-                <a:off x="821745" y="5941507"/>
-                <a:ext cx="6753531" cy="2263346"/>
-              </a:xfrm>
-              <a:prstGeom prst="rect">
-                <a:avLst/>
-              </a:prstGeom>
-            </p:spPr>
-          </p:pic>
-          <p:sp>
-            <p:nvSpPr>
-              <p:cNvPr id="24" name="Rectangle 23">
-                <a:extLst>
-                  <a:ext uri="{FF2B5EF4-FFF2-40B4-BE49-F238E27FC236}">
-                    <a16:creationId xmlns:a16="http://schemas.microsoft.com/office/drawing/2014/main" id="{6E2F11B3-481B-4849-829B-7B44A3EAE550}"/>
-                  </a:ext>
-                </a:extLst>
-              </p:cNvPr>
-              <p:cNvSpPr/>
-              <p:nvPr/>
-            </p:nvSpPr>
-            <p:spPr>
-              <a:xfrm>
-                <a:off x="2049221" y="6356272"/>
-                <a:ext cx="324000" cy="324000"/>
-              </a:xfrm>
-              <a:prstGeom prst="rect">
-                <a:avLst/>
-              </a:prstGeom>
-              <a:noFill/>
-              <a:ln w="22225">
-                <a:solidFill>
-                  <a:schemeClr val="tx1"/>
-                </a:solidFill>
-              </a:ln>
-            </p:spPr>
-            <p:style>
-              <a:lnRef idx="2">
-                <a:schemeClr val="accent1">
-                  <a:shade val="50000"/>
-                </a:schemeClr>
-              </a:lnRef>
-              <a:fillRef idx="1">
-                <a:schemeClr val="accent1"/>
-              </a:fillRef>
-              <a:effectRef idx="0">
-                <a:schemeClr val="accent1"/>
-              </a:effectRef>
-              <a:fontRef idx="minor">
-                <a:schemeClr val="lt1"/>
-              </a:fontRef>
-            </p:style>
-            <p:txBody>
-              <a:bodyPr rtlCol="0" anchor="ctr"/>
-              <a:lstStyle/>
-              <a:p>
-                <a:pPr algn="ctr"/>
-                <a:endParaRPr lang="en-DE" dirty="0"/>
-              </a:p>
-            </p:txBody>
-          </p:sp>
-          <p:pic>
-            <p:nvPicPr>
-              <p:cNvPr id="8" name="Graphic 7" descr="Baby crawling outline">
-                <a:extLst>
-                  <a:ext uri="{FF2B5EF4-FFF2-40B4-BE49-F238E27FC236}">
-                    <a16:creationId xmlns:a16="http://schemas.microsoft.com/office/drawing/2014/main" id="{CAC84254-E8D7-A84F-9F0B-8B31490D4DC9}"/>
-                  </a:ext>
-                </a:extLst>
-              </p:cNvPr>
-              <p:cNvPicPr>
-                <a:picLocks noChangeAspect="1"/>
-              </p:cNvPicPr>
-              <p:nvPr/>
-            </p:nvPicPr>
-            <p:blipFill>
-              <a:blip r:embed="rId5">
-                <a:extLst>
-                  <a:ext uri="{96DAC541-7B7A-43D3-8B79-37D633B846F1}">
-                    <asvg:svgBlip xmlns:asvg="http://schemas.microsoft.com/office/drawing/2016/SVG/main" r:embed="rId6"/>
-                  </a:ext>
-                </a:extLst>
-              </a:blip>
-              <a:stretch>
-                <a:fillRect/>
-              </a:stretch>
-            </p:blipFill>
-            <p:spPr>
-              <a:xfrm>
-                <a:off x="807458" y="6303957"/>
-                <a:ext cx="403091" cy="403091"/>
-              </a:xfrm>
-              <a:prstGeom prst="rect">
-                <a:avLst/>
-              </a:prstGeom>
-            </p:spPr>
-          </p:pic>
-          <p:pic>
-            <p:nvPicPr>
-              <p:cNvPr id="26" name="Graphic 25" descr="School girl outline">
-                <a:extLst>
-                  <a:ext uri="{FF2B5EF4-FFF2-40B4-BE49-F238E27FC236}">
-                    <a16:creationId xmlns:a16="http://schemas.microsoft.com/office/drawing/2014/main" id="{7C2EA9BB-1DEB-574D-B663-A75CE3F829A6}"/>
-                  </a:ext>
-                </a:extLst>
-              </p:cNvPr>
-              <p:cNvPicPr>
-                <a:picLocks noChangeAspect="1"/>
-              </p:cNvPicPr>
-              <p:nvPr/>
-            </p:nvPicPr>
-            <p:blipFill>
-              <a:blip r:embed="rId7">
-                <a:extLst>
-                  <a:ext uri="{96DAC541-7B7A-43D3-8B79-37D633B846F1}">
-                    <asvg:svgBlip xmlns:asvg="http://schemas.microsoft.com/office/drawing/2016/SVG/main" r:embed="rId8"/>
-                  </a:ext>
-                </a:extLst>
-              </a:blip>
-              <a:stretch>
-                <a:fillRect/>
-              </a:stretch>
-            </p:blipFill>
-            <p:spPr>
-              <a:xfrm>
-                <a:off x="930162" y="6621772"/>
-                <a:ext cx="388695" cy="388695"/>
-              </a:xfrm>
-              <a:prstGeom prst="rect">
-                <a:avLst/>
-              </a:prstGeom>
-            </p:spPr>
-          </p:pic>
-          <p:pic>
-            <p:nvPicPr>
-              <p:cNvPr id="32" name="Graphic 31" descr="School boy outline">
-                <a:extLst>
-                  <a:ext uri="{FF2B5EF4-FFF2-40B4-BE49-F238E27FC236}">
-                    <a16:creationId xmlns:a16="http://schemas.microsoft.com/office/drawing/2014/main" id="{42D9EE82-4132-2242-B696-1A47C4ED58ED}"/>
-                  </a:ext>
-                </a:extLst>
-              </p:cNvPr>
-              <p:cNvPicPr>
-                <a:picLocks noChangeAspect="1"/>
-              </p:cNvPicPr>
-              <p:nvPr/>
-            </p:nvPicPr>
-            <p:blipFill>
-              <a:blip r:embed="rId9">
-                <a:extLst>
-                  <a:ext uri="{96DAC541-7B7A-43D3-8B79-37D633B846F1}">
-                    <asvg:svgBlip xmlns:asvg="http://schemas.microsoft.com/office/drawing/2016/SVG/main" r:embed="rId10"/>
-                  </a:ext>
-                </a:extLst>
-              </a:blip>
-              <a:stretch>
-                <a:fillRect/>
-              </a:stretch>
-            </p:blipFill>
-            <p:spPr>
-              <a:xfrm>
-                <a:off x="481553" y="6935008"/>
-                <a:ext cx="457199" cy="457199"/>
-              </a:xfrm>
-              <a:prstGeom prst="rect">
-                <a:avLst/>
-              </a:prstGeom>
-            </p:spPr>
-          </p:pic>
-          <p:pic>
-            <p:nvPicPr>
-              <p:cNvPr id="34" name="Graphic 33" descr="Female Profile outline">
-                <a:extLst>
-                  <a:ext uri="{FF2B5EF4-FFF2-40B4-BE49-F238E27FC236}">
-                    <a16:creationId xmlns:a16="http://schemas.microsoft.com/office/drawing/2014/main" id="{0A9B2B9A-2857-B34A-9785-438460C6B1A5}"/>
-                  </a:ext>
-                </a:extLst>
-              </p:cNvPr>
-              <p:cNvPicPr>
-                <a:picLocks noChangeAspect="1"/>
-              </p:cNvPicPr>
-              <p:nvPr/>
-            </p:nvPicPr>
-            <p:blipFill>
-              <a:blip r:embed="rId11">
-                <a:extLst>
-                  <a:ext uri="{96DAC541-7B7A-43D3-8B79-37D633B846F1}">
-                    <asvg:svgBlip xmlns:asvg="http://schemas.microsoft.com/office/drawing/2016/SVG/main" r:embed="rId12"/>
-                  </a:ext>
-                </a:extLst>
-              </a:blip>
-              <a:stretch>
-                <a:fillRect/>
-              </a:stretch>
-            </p:blipFill>
-            <p:spPr>
-              <a:xfrm>
-                <a:off x="872168" y="7309619"/>
-                <a:ext cx="457199" cy="457199"/>
-              </a:xfrm>
-              <a:prstGeom prst="rect">
-                <a:avLst/>
-              </a:prstGeom>
-            </p:spPr>
-          </p:pic>
-          <p:pic>
-            <p:nvPicPr>
-              <p:cNvPr id="36" name="Graphic 35" descr="Pregnant lady outline">
-                <a:extLst>
-                  <a:ext uri="{FF2B5EF4-FFF2-40B4-BE49-F238E27FC236}">
-                    <a16:creationId xmlns:a16="http://schemas.microsoft.com/office/drawing/2014/main" id="{222D1A07-673B-DE4D-AB3D-CDD50B301D13}"/>
-                  </a:ext>
-                </a:extLst>
-              </p:cNvPr>
-              <p:cNvPicPr>
-                <a:picLocks noChangeAspect="1"/>
-              </p:cNvPicPr>
-              <p:nvPr/>
-            </p:nvPicPr>
-            <p:blipFill>
-              <a:blip r:embed="rId13">
-                <a:extLst>
-                  <a:ext uri="{96DAC541-7B7A-43D3-8B79-37D633B846F1}">
-                    <asvg:svgBlip xmlns:asvg="http://schemas.microsoft.com/office/drawing/2016/SVG/main" r:embed="rId14"/>
-                  </a:ext>
-                </a:extLst>
-              </a:blip>
-              <a:stretch>
-                <a:fillRect/>
-              </a:stretch>
-            </p:blipFill>
-            <p:spPr>
-              <a:xfrm>
-                <a:off x="670891" y="5945760"/>
-                <a:ext cx="483425" cy="483425"/>
-              </a:xfrm>
-              <a:prstGeom prst="rect">
-                <a:avLst/>
-              </a:prstGeom>
-            </p:spPr>
-          </p:pic>
-          <p:sp>
-            <p:nvSpPr>
-              <p:cNvPr id="38" name="Rectangle 37">
-                <a:extLst>
-                  <a:ext uri="{FF2B5EF4-FFF2-40B4-BE49-F238E27FC236}">
-                    <a16:creationId xmlns:a16="http://schemas.microsoft.com/office/drawing/2014/main" id="{118143E4-513E-1142-8AA4-A874E9B47273}"/>
-                  </a:ext>
-                </a:extLst>
-              </p:cNvPr>
-              <p:cNvSpPr/>
-              <p:nvPr/>
-            </p:nvSpPr>
-            <p:spPr>
-              <a:xfrm>
-                <a:off x="3315091" y="6356083"/>
-                <a:ext cx="324000" cy="324000"/>
-              </a:xfrm>
-              <a:prstGeom prst="rect">
-                <a:avLst/>
-              </a:prstGeom>
-              <a:noFill/>
-              <a:ln w="22225">
-                <a:solidFill>
-                  <a:schemeClr val="tx1"/>
-                </a:solidFill>
-              </a:ln>
-            </p:spPr>
-            <p:style>
-              <a:lnRef idx="2">
-                <a:schemeClr val="accent1">
-                  <a:shade val="50000"/>
-                </a:schemeClr>
-              </a:lnRef>
-              <a:fillRef idx="1">
-                <a:schemeClr val="accent1"/>
-              </a:fillRef>
-              <a:effectRef idx="0">
-                <a:schemeClr val="accent1"/>
-              </a:effectRef>
-              <a:fontRef idx="minor">
-                <a:schemeClr val="lt1"/>
-              </a:fontRef>
-            </p:style>
-            <p:txBody>
-              <a:bodyPr rtlCol="0" anchor="ctr"/>
-              <a:lstStyle/>
-              <a:p>
-                <a:pPr algn="ctr"/>
-                <a:endParaRPr lang="en-DE" dirty="0"/>
-              </a:p>
-            </p:txBody>
-          </p:sp>
-          <p:sp>
-            <p:nvSpPr>
-              <p:cNvPr id="39" name="Rectangle 38">
-                <a:extLst>
-                  <a:ext uri="{FF2B5EF4-FFF2-40B4-BE49-F238E27FC236}">
-                    <a16:creationId xmlns:a16="http://schemas.microsoft.com/office/drawing/2014/main" id="{93901959-DBF8-7D40-9973-0DDC1C9B3405}"/>
-                  </a:ext>
-                </a:extLst>
-              </p:cNvPr>
-              <p:cNvSpPr/>
-              <p:nvPr/>
-            </p:nvSpPr>
-            <p:spPr>
-              <a:xfrm>
-                <a:off x="3948026" y="6356083"/>
-                <a:ext cx="648000" cy="324000"/>
-              </a:xfrm>
-              <a:prstGeom prst="rect">
-                <a:avLst/>
-              </a:prstGeom>
-              <a:noFill/>
-              <a:ln w="22225">
-                <a:solidFill>
-                  <a:schemeClr val="tx1"/>
-                </a:solidFill>
-              </a:ln>
-            </p:spPr>
-            <p:style>
-              <a:lnRef idx="2">
-                <a:schemeClr val="accent1">
-                  <a:shade val="50000"/>
-                </a:schemeClr>
-              </a:lnRef>
-              <a:fillRef idx="1">
-                <a:schemeClr val="accent1"/>
-              </a:fillRef>
-              <a:effectRef idx="0">
-                <a:schemeClr val="accent1"/>
-              </a:effectRef>
-              <a:fontRef idx="minor">
-                <a:schemeClr val="lt1"/>
-              </a:fontRef>
-            </p:style>
-            <p:txBody>
-              <a:bodyPr rtlCol="0" anchor="ctr"/>
-              <a:lstStyle/>
-              <a:p>
-                <a:pPr algn="ctr"/>
-                <a:endParaRPr lang="en-DE" dirty="0"/>
-              </a:p>
-            </p:txBody>
-          </p:sp>
-          <p:sp>
-            <p:nvSpPr>
-              <p:cNvPr id="40" name="Rectangle 39">
-                <a:extLst>
-                  <a:ext uri="{FF2B5EF4-FFF2-40B4-BE49-F238E27FC236}">
-                    <a16:creationId xmlns:a16="http://schemas.microsoft.com/office/drawing/2014/main" id="{0C5F53AA-1212-5E46-8F44-4E55D100E7BC}"/>
-                  </a:ext>
-                </a:extLst>
-              </p:cNvPr>
-              <p:cNvSpPr/>
-              <p:nvPr/>
-            </p:nvSpPr>
-            <p:spPr>
-              <a:xfrm>
-                <a:off x="1731675" y="7013289"/>
-                <a:ext cx="324000" cy="651556"/>
-              </a:xfrm>
-              <a:prstGeom prst="rect">
-                <a:avLst/>
-              </a:prstGeom>
-              <a:noFill/>
-              <a:ln w="22225">
-                <a:solidFill>
-                  <a:schemeClr val="tx1"/>
-                </a:solidFill>
-              </a:ln>
-            </p:spPr>
-            <p:style>
-              <a:lnRef idx="2">
-                <a:schemeClr val="accent1">
-                  <a:shade val="50000"/>
-                </a:schemeClr>
-              </a:lnRef>
-              <a:fillRef idx="1">
-                <a:schemeClr val="accent1"/>
-              </a:fillRef>
-              <a:effectRef idx="0">
-                <a:schemeClr val="accent1"/>
-              </a:effectRef>
-              <a:fontRef idx="minor">
-                <a:schemeClr val="lt1"/>
-              </a:fontRef>
-            </p:style>
-            <p:txBody>
-              <a:bodyPr rtlCol="0" anchor="ctr"/>
-              <a:lstStyle/>
-              <a:p>
-                <a:pPr algn="ctr"/>
-                <a:endParaRPr lang="en-DE" dirty="0"/>
-              </a:p>
-            </p:txBody>
-          </p:sp>
-          <p:sp>
-            <p:nvSpPr>
-              <p:cNvPr id="41" name="Rectangle 40">
-                <a:extLst>
-                  <a:ext uri="{FF2B5EF4-FFF2-40B4-BE49-F238E27FC236}">
-                    <a16:creationId xmlns:a16="http://schemas.microsoft.com/office/drawing/2014/main" id="{7E347C49-4A41-6A43-8958-FD9339DACC7A}"/>
-                  </a:ext>
-                </a:extLst>
-              </p:cNvPr>
-              <p:cNvSpPr/>
-              <p:nvPr/>
-            </p:nvSpPr>
-            <p:spPr>
-              <a:xfrm>
-                <a:off x="2368548" y="7014006"/>
-                <a:ext cx="648000" cy="324000"/>
-              </a:xfrm>
-              <a:prstGeom prst="rect">
-                <a:avLst/>
-              </a:prstGeom>
-              <a:noFill/>
-              <a:ln w="22225">
-                <a:solidFill>
-                  <a:schemeClr val="tx1"/>
-                </a:solidFill>
-              </a:ln>
-            </p:spPr>
-            <p:style>
-              <a:lnRef idx="2">
-                <a:schemeClr val="accent1">
-                  <a:shade val="50000"/>
-                </a:schemeClr>
-              </a:lnRef>
-              <a:fillRef idx="1">
-                <a:schemeClr val="accent1"/>
-              </a:fillRef>
-              <a:effectRef idx="0">
-                <a:schemeClr val="accent1"/>
-              </a:effectRef>
-              <a:fontRef idx="minor">
-                <a:schemeClr val="lt1"/>
-              </a:fontRef>
-            </p:style>
-            <p:txBody>
-              <a:bodyPr rtlCol="0" anchor="ctr"/>
-              <a:lstStyle/>
-              <a:p>
-                <a:pPr algn="ctr"/>
-                <a:endParaRPr lang="en-DE" dirty="0"/>
-              </a:p>
-            </p:txBody>
-          </p:sp>
-          <p:sp>
-            <p:nvSpPr>
-              <p:cNvPr id="43" name="Rectangle 42">
-                <a:extLst>
-                  <a:ext uri="{FF2B5EF4-FFF2-40B4-BE49-F238E27FC236}">
-                    <a16:creationId xmlns:a16="http://schemas.microsoft.com/office/drawing/2014/main" id="{6B6F2267-9DFE-B546-95CB-8D8239E38F34}"/>
-                  </a:ext>
-                </a:extLst>
-              </p:cNvPr>
-              <p:cNvSpPr/>
-              <p:nvPr/>
-            </p:nvSpPr>
-            <p:spPr>
-              <a:xfrm>
-                <a:off x="3311155" y="7013289"/>
-                <a:ext cx="1284873" cy="324000"/>
-              </a:xfrm>
-              <a:prstGeom prst="rect">
-                <a:avLst/>
-              </a:prstGeom>
-              <a:noFill/>
-              <a:ln w="22225">
-                <a:solidFill>
-                  <a:schemeClr val="tx1"/>
-                </a:solidFill>
-              </a:ln>
-            </p:spPr>
-            <p:style>
-              <a:lnRef idx="2">
-                <a:schemeClr val="accent1">
-                  <a:shade val="50000"/>
-                </a:schemeClr>
-              </a:lnRef>
-              <a:fillRef idx="1">
-                <a:schemeClr val="accent1"/>
-              </a:fillRef>
-              <a:effectRef idx="0">
-                <a:schemeClr val="accent1"/>
-              </a:effectRef>
-              <a:fontRef idx="minor">
-                <a:schemeClr val="lt1"/>
-              </a:fontRef>
-            </p:style>
-            <p:txBody>
-              <a:bodyPr rtlCol="0" anchor="ctr"/>
-              <a:lstStyle/>
-              <a:p>
-                <a:pPr algn="ctr"/>
-                <a:endParaRPr lang="en-DE" dirty="0"/>
-              </a:p>
-            </p:txBody>
-          </p:sp>
-          <p:sp>
-            <p:nvSpPr>
-              <p:cNvPr id="44" name="Rectangle 43">
-                <a:extLst>
-                  <a:ext uri="{FF2B5EF4-FFF2-40B4-BE49-F238E27FC236}">
-                    <a16:creationId xmlns:a16="http://schemas.microsoft.com/office/drawing/2014/main" id="{D96A5EF6-D7F7-2745-B704-E92591A296F8}"/>
-                  </a:ext>
-                </a:extLst>
-              </p:cNvPr>
-              <p:cNvSpPr/>
-              <p:nvPr/>
-            </p:nvSpPr>
-            <p:spPr>
-              <a:xfrm rot="5400000">
-                <a:off x="5983269" y="6848465"/>
-                <a:ext cx="1308759" cy="324000"/>
-              </a:xfrm>
-              <a:prstGeom prst="rect">
-                <a:avLst/>
-              </a:prstGeom>
-              <a:noFill/>
-              <a:ln w="22225">
-                <a:solidFill>
-                  <a:schemeClr val="tx1"/>
-                </a:solidFill>
-              </a:ln>
-            </p:spPr>
-            <p:style>
-              <a:lnRef idx="2">
-                <a:schemeClr val="accent1">
-                  <a:shade val="50000"/>
-                </a:schemeClr>
-              </a:lnRef>
-              <a:fillRef idx="1">
-                <a:schemeClr val="accent1"/>
-              </a:fillRef>
-              <a:effectRef idx="0">
-                <a:schemeClr val="accent1"/>
-              </a:effectRef>
-              <a:fontRef idx="minor">
-                <a:schemeClr val="lt1"/>
-              </a:fontRef>
-            </p:style>
-            <p:txBody>
-              <a:bodyPr rtlCol="0" anchor="ctr"/>
-              <a:lstStyle/>
-              <a:p>
-                <a:pPr algn="ctr"/>
-                <a:endParaRPr lang="en-DE" dirty="0"/>
-              </a:p>
-            </p:txBody>
-          </p:sp>
-          <p:sp>
-            <p:nvSpPr>
-              <p:cNvPr id="45" name="Rectangle 44">
-                <a:extLst>
-                  <a:ext uri="{FF2B5EF4-FFF2-40B4-BE49-F238E27FC236}">
-                    <a16:creationId xmlns:a16="http://schemas.microsoft.com/office/drawing/2014/main" id="{78BFC0B9-7028-D04C-8447-806AFBB257C6}"/>
-                  </a:ext>
-                </a:extLst>
-              </p:cNvPr>
-              <p:cNvSpPr/>
-              <p:nvPr/>
-            </p:nvSpPr>
-            <p:spPr>
-              <a:xfrm rot="5400000">
-                <a:off x="4410441" y="6523166"/>
-                <a:ext cx="1304251" cy="324000"/>
-              </a:xfrm>
-              <a:prstGeom prst="rect">
-                <a:avLst/>
-              </a:prstGeom>
-              <a:noFill/>
-              <a:ln w="22225">
-                <a:solidFill>
-                  <a:schemeClr val="tx1"/>
-                </a:solidFill>
-              </a:ln>
-            </p:spPr>
-            <p:style>
-              <a:lnRef idx="2">
-                <a:schemeClr val="accent1">
-                  <a:shade val="50000"/>
-                </a:schemeClr>
-              </a:lnRef>
-              <a:fillRef idx="1">
-                <a:schemeClr val="accent1"/>
-              </a:fillRef>
-              <a:effectRef idx="0">
-                <a:schemeClr val="accent1"/>
-              </a:effectRef>
-              <a:fontRef idx="minor">
-                <a:schemeClr val="lt1"/>
-              </a:fontRef>
-            </p:style>
-            <p:txBody>
-              <a:bodyPr rtlCol="0" anchor="ctr"/>
-              <a:lstStyle/>
-              <a:p>
-                <a:pPr algn="ctr"/>
-                <a:endParaRPr lang="en-DE" dirty="0"/>
-              </a:p>
-            </p:txBody>
-          </p:sp>
-          <p:sp>
-            <p:nvSpPr>
-              <p:cNvPr id="46" name="Rectangle 45">
-                <a:extLst>
-                  <a:ext uri="{FF2B5EF4-FFF2-40B4-BE49-F238E27FC236}">
-                    <a16:creationId xmlns:a16="http://schemas.microsoft.com/office/drawing/2014/main" id="{4E4C26D8-A980-7A4B-A3C3-AC53D6AA08F1}"/>
-                  </a:ext>
-                </a:extLst>
-              </p:cNvPr>
-              <p:cNvSpPr/>
-              <p:nvPr/>
-            </p:nvSpPr>
-            <p:spPr>
-              <a:xfrm>
-                <a:off x="2368547" y="7337291"/>
-                <a:ext cx="2856017" cy="333017"/>
-              </a:xfrm>
-              <a:prstGeom prst="rect">
-                <a:avLst/>
-              </a:prstGeom>
-              <a:noFill/>
-              <a:ln w="22225">
-                <a:solidFill>
-                  <a:schemeClr val="tx1"/>
-                </a:solidFill>
-              </a:ln>
-            </p:spPr>
-            <p:style>
-              <a:lnRef idx="2">
-                <a:schemeClr val="accent1">
-                  <a:shade val="50000"/>
-                </a:schemeClr>
-              </a:lnRef>
-              <a:fillRef idx="1">
-                <a:schemeClr val="accent1"/>
-              </a:fillRef>
-              <a:effectRef idx="0">
-                <a:schemeClr val="accent1"/>
-              </a:effectRef>
-              <a:fontRef idx="minor">
-                <a:schemeClr val="lt1"/>
-              </a:fontRef>
-            </p:style>
-            <p:txBody>
-              <a:bodyPr rtlCol="0" anchor="ctr"/>
-              <a:lstStyle/>
-              <a:p>
-                <a:pPr algn="ctr"/>
-                <a:endParaRPr lang="en-DE" dirty="0"/>
-              </a:p>
-            </p:txBody>
-          </p:sp>
-        </p:grpSp>
-        <p:pic>
-          <p:nvPicPr>
-            <p:cNvPr id="33" name="Picture 32">
-              <a:extLst>
-                <a:ext uri="{FF2B5EF4-FFF2-40B4-BE49-F238E27FC236}">
-                  <a16:creationId xmlns:a16="http://schemas.microsoft.com/office/drawing/2014/main" id="{B60E074B-0F45-8D35-78B8-92097A4BE8B6}"/>
-                </a:ext>
-              </a:extLst>
-            </p:cNvPr>
-            <p:cNvPicPr>
-              <a:picLocks noChangeAspect="1"/>
-            </p:cNvPicPr>
-            <p:nvPr/>
-          </p:nvPicPr>
-          <p:blipFill rotWithShape="1">
-            <a:blip r:embed="rId15"/>
-            <a:srcRect l="60783" t="96355" r="29038" b="462"/>
-            <a:stretch/>
-          </p:blipFill>
-          <p:spPr>
-            <a:xfrm rot="16200000">
-              <a:off x="9500710" y="7516486"/>
-              <a:ext cx="714203" cy="212783"/>
-            </a:xfrm>
-            <a:prstGeom prst="rect">
-              <a:avLst/>
-            </a:prstGeom>
-          </p:spPr>
-        </p:pic>
-      </p:grpSp>
-      <p:grpSp>
-        <p:nvGrpSpPr>
-          <p:cNvPr id="21" name="Group 20">
+          <a:prstGeom prst="rect">
+            <a:avLst/>
+          </a:prstGeom>
+          <a:noFill/>
+          <a:ln>
+            <a:noFill/>
+          </a:ln>
+          <a:extLst>
+            <a:ext uri="{909E8E84-426E-40DD-AFC4-6F175D3DCCD1}">
+              <a14:hiddenFill xmlns:a14="http://schemas.microsoft.com/office/drawing/2010/main">
+                <a:solidFill>
+                  <a:srgbClr val="FFFFFF"/>
+                </a:solidFill>
+              </a14:hiddenFill>
+            </a:ext>
+            <a:ext uri="{91240B29-F687-4F45-9708-019B960494DF}">
+              <a14:hiddenLine xmlns:a14="http://schemas.microsoft.com/office/drawing/2010/main" w="9525">
+                <a:solidFill>
+                  <a:srgbClr val="000000"/>
+                </a:solidFill>
+                <a:miter lim="800000"/>
+                <a:headEnd/>
+                <a:tailEnd/>
+              </a14:hiddenLine>
+            </a:ext>
+          </a:extLst>
+        </p:spPr>
+        <p:txBody>
+          <a:bodyPr>
+            <a:spAutoFit/>
+          </a:bodyPr>
+          <a:lstStyle>
+            <a:lvl1pPr>
+              <a:defRPr>
+                <a:solidFill>
+                  <a:schemeClr val="tx1"/>
+                </a:solidFill>
+                <a:latin typeface="Calibri" panose="020F0502020204030204" pitchFamily="34" charset="0"/>
+              </a:defRPr>
+            </a:lvl1pPr>
+            <a:lvl2pPr marL="742950" indent="-285750">
+              <a:defRPr>
+                <a:solidFill>
+                  <a:schemeClr val="tx1"/>
+                </a:solidFill>
+                <a:latin typeface="Calibri" panose="020F0502020204030204" pitchFamily="34" charset="0"/>
+              </a:defRPr>
+            </a:lvl2pPr>
+            <a:lvl3pPr marL="1143000" indent="-228600">
+              <a:defRPr>
+                <a:solidFill>
+                  <a:schemeClr val="tx1"/>
+                </a:solidFill>
+                <a:latin typeface="Calibri" panose="020F0502020204030204" pitchFamily="34" charset="0"/>
+              </a:defRPr>
+            </a:lvl3pPr>
+            <a:lvl4pPr marL="1600200" indent="-228600">
+              <a:defRPr>
+                <a:solidFill>
+                  <a:schemeClr val="tx1"/>
+                </a:solidFill>
+                <a:latin typeface="Calibri" panose="020F0502020204030204" pitchFamily="34" charset="0"/>
+              </a:defRPr>
+            </a:lvl4pPr>
+            <a:lvl5pPr marL="2057400" indent="-228600">
+              <a:defRPr>
+                <a:solidFill>
+                  <a:schemeClr val="tx1"/>
+                </a:solidFill>
+                <a:latin typeface="Calibri" panose="020F0502020204030204" pitchFamily="34" charset="0"/>
+              </a:defRPr>
+            </a:lvl5pPr>
+            <a:lvl6pPr marL="2514600" indent="-228600" defTabSz="457200" eaLnBrk="0" fontAlgn="base" hangingPunct="0">
+              <a:spcBef>
+                <a:spcPct val="0"/>
+              </a:spcBef>
+              <a:spcAft>
+                <a:spcPct val="0"/>
+              </a:spcAft>
+              <a:defRPr>
+                <a:solidFill>
+                  <a:schemeClr val="tx1"/>
+                </a:solidFill>
+                <a:latin typeface="Calibri" panose="020F0502020204030204" pitchFamily="34" charset="0"/>
+              </a:defRPr>
+            </a:lvl6pPr>
+            <a:lvl7pPr marL="2971800" indent="-228600" defTabSz="457200" eaLnBrk="0" fontAlgn="base" hangingPunct="0">
+              <a:spcBef>
+                <a:spcPct val="0"/>
+              </a:spcBef>
+              <a:spcAft>
+                <a:spcPct val="0"/>
+              </a:spcAft>
+              <a:defRPr>
+                <a:solidFill>
+                  <a:schemeClr val="tx1"/>
+                </a:solidFill>
+                <a:latin typeface="Calibri" panose="020F0502020204030204" pitchFamily="34" charset="0"/>
+              </a:defRPr>
+            </a:lvl7pPr>
+            <a:lvl8pPr marL="3429000" indent="-228600" defTabSz="457200" eaLnBrk="0" fontAlgn="base" hangingPunct="0">
+              <a:spcBef>
+                <a:spcPct val="0"/>
+              </a:spcBef>
+              <a:spcAft>
+                <a:spcPct val="0"/>
+              </a:spcAft>
+              <a:defRPr>
+                <a:solidFill>
+                  <a:schemeClr val="tx1"/>
+                </a:solidFill>
+                <a:latin typeface="Calibri" panose="020F0502020204030204" pitchFamily="34" charset="0"/>
+              </a:defRPr>
+            </a:lvl8pPr>
+            <a:lvl9pPr marL="3886200" indent="-228600" defTabSz="457200" eaLnBrk="0" fontAlgn="base" hangingPunct="0">
+              <a:spcBef>
+                <a:spcPct val="0"/>
+              </a:spcBef>
+              <a:spcAft>
+                <a:spcPct val="0"/>
+              </a:spcAft>
+              <a:defRPr>
+                <a:solidFill>
+                  <a:schemeClr val="tx1"/>
+                </a:solidFill>
+                <a:latin typeface="Calibri" panose="020F0502020204030204" pitchFamily="34" charset="0"/>
+              </a:defRPr>
+            </a:lvl9pPr>
+          </a:lstStyle>
+          <a:p>
+            <a:pPr algn="ctr" eaLnBrk="1" hangingPunct="1"/>
+            <a:r>
+              <a:rPr lang="en-DE" altLang="en-DE" sz="3200" b="1" dirty="0">
+                <a:latin typeface="Arial" panose="020B0604020202020204" pitchFamily="34" charset="0"/>
+                <a:cs typeface="Arial" panose="020B0604020202020204" pitchFamily="34" charset="0"/>
+              </a:rPr>
+              <a:t>E</a:t>
+            </a:r>
+          </a:p>
+        </p:txBody>
+      </p:sp>
+      <p:pic>
+        <p:nvPicPr>
+          <p:cNvPr id="5" name="Picture 4">
             <a:extLst>
               <a:ext uri="{FF2B5EF4-FFF2-40B4-BE49-F238E27FC236}">
-                <a16:creationId xmlns:a16="http://schemas.microsoft.com/office/drawing/2014/main" id="{001388B9-6CCA-B060-5E0B-75070D4A0A68}"/>
+                <a16:creationId xmlns:a16="http://schemas.microsoft.com/office/drawing/2014/main" id="{617628E2-F290-3C43-9B92-B510D5822376}"/>
               </a:ext>
             </a:extLst>
           </p:cNvPr>
-          <p:cNvGrpSpPr/>
+          <p:cNvPicPr>
+            <a:picLocks noChangeAspect="1"/>
+          </p:cNvPicPr>
           <p:nvPr/>
-        </p:nvGrpSpPr>
-        <p:grpSpPr>
-          <a:xfrm flipH="1">
-            <a:off x="9040512" y="181584"/>
-            <a:ext cx="1245367" cy="4200137"/>
-            <a:chOff x="10549419" y="181584"/>
-            <a:chExt cx="1245367" cy="4200137"/>
+        </p:nvPicPr>
+        <p:blipFill>
+          <a:blip r:embed="rId5"/>
+          <a:srcRect/>
+          <a:stretch/>
+        </p:blipFill>
+        <p:spPr>
+          <a:xfrm>
+            <a:off x="490554" y="8398519"/>
+            <a:ext cx="3832153" cy="3936037"/>
           </a:xfrm>
-        </p:grpSpPr>
-        <p:sp>
-          <p:nvSpPr>
-            <p:cNvPr id="58" name="Left Bracket 57">
-              <a:extLst>
-                <a:ext uri="{FF2B5EF4-FFF2-40B4-BE49-F238E27FC236}">
-                  <a16:creationId xmlns:a16="http://schemas.microsoft.com/office/drawing/2014/main" id="{8CCDF50D-0DE6-6C04-E9FE-F3B7848EDC22}"/>
-                </a:ext>
-              </a:extLst>
-            </p:cNvPr>
-            <p:cNvSpPr/>
-            <p:nvPr/>
-          </p:nvSpPr>
-          <p:spPr>
-            <a:xfrm>
-              <a:off x="10549419" y="181584"/>
-              <a:ext cx="36000" cy="576000"/>
-            </a:xfrm>
-            <a:prstGeom prst="leftBracket">
-              <a:avLst/>
-            </a:prstGeom>
-            <a:ln w="15875"/>
-          </p:spPr>
-          <p:style>
-            <a:lnRef idx="1">
-              <a:schemeClr val="dk1"/>
-            </a:lnRef>
-            <a:fillRef idx="0">
-              <a:schemeClr val="dk1"/>
-            </a:fillRef>
-            <a:effectRef idx="0">
-              <a:schemeClr val="dk1"/>
-            </a:effectRef>
-            <a:fontRef idx="minor">
-              <a:schemeClr val="tx1"/>
-            </a:fontRef>
-          </p:style>
-          <p:txBody>
-            <a:bodyPr rtlCol="0" anchor="ctr"/>
-            <a:lstStyle/>
-            <a:p>
-              <a:pPr algn="ctr"/>
-              <a:endParaRPr lang="en-DE"/>
-            </a:p>
-          </p:txBody>
-        </p:sp>
-        <p:sp>
-          <p:nvSpPr>
-            <p:cNvPr id="59" name="Left Bracket 58">
-              <a:extLst>
-                <a:ext uri="{FF2B5EF4-FFF2-40B4-BE49-F238E27FC236}">
-                  <a16:creationId xmlns:a16="http://schemas.microsoft.com/office/drawing/2014/main" id="{63963A27-E999-83D2-9657-B38999AC3318}"/>
-                </a:ext>
-              </a:extLst>
-            </p:cNvPr>
-            <p:cNvSpPr/>
-            <p:nvPr/>
-          </p:nvSpPr>
-          <p:spPr>
-            <a:xfrm>
-              <a:off x="11183597" y="798770"/>
-              <a:ext cx="36000" cy="360000"/>
-            </a:xfrm>
-            <a:prstGeom prst="leftBracket">
-              <a:avLst/>
-            </a:prstGeom>
-            <a:ln w="15875"/>
-          </p:spPr>
-          <p:style>
-            <a:lnRef idx="1">
-              <a:schemeClr val="dk1"/>
-            </a:lnRef>
-            <a:fillRef idx="0">
-              <a:schemeClr val="dk1"/>
-            </a:fillRef>
-            <a:effectRef idx="0">
-              <a:schemeClr val="dk1"/>
-            </a:effectRef>
-            <a:fontRef idx="minor">
-              <a:schemeClr val="tx1"/>
-            </a:fontRef>
-          </p:style>
-          <p:txBody>
-            <a:bodyPr rtlCol="0" anchor="ctr"/>
-            <a:lstStyle/>
-            <a:p>
-              <a:pPr algn="ctr"/>
-              <a:endParaRPr lang="en-DE"/>
-            </a:p>
-          </p:txBody>
-        </p:sp>
-        <p:sp>
-          <p:nvSpPr>
-            <p:cNvPr id="60" name="Left Bracket 59">
-              <a:extLst>
-                <a:ext uri="{FF2B5EF4-FFF2-40B4-BE49-F238E27FC236}">
-                  <a16:creationId xmlns:a16="http://schemas.microsoft.com/office/drawing/2014/main" id="{348E4E07-7775-7B82-3A50-A95D0D7DA590}"/>
-                </a:ext>
-              </a:extLst>
-            </p:cNvPr>
-            <p:cNvSpPr/>
-            <p:nvPr/>
-          </p:nvSpPr>
-          <p:spPr>
-            <a:xfrm>
-              <a:off x="11249963" y="2207738"/>
-              <a:ext cx="36000" cy="360000"/>
-            </a:xfrm>
-            <a:prstGeom prst="leftBracket">
-              <a:avLst/>
-            </a:prstGeom>
-            <a:ln w="15875"/>
-          </p:spPr>
-          <p:style>
-            <a:lnRef idx="1">
-              <a:schemeClr val="dk1"/>
-            </a:lnRef>
-            <a:fillRef idx="0">
-              <a:schemeClr val="dk1"/>
-            </a:fillRef>
-            <a:effectRef idx="0">
-              <a:schemeClr val="dk1"/>
-            </a:effectRef>
-            <a:fontRef idx="minor">
-              <a:schemeClr val="tx1"/>
-            </a:fontRef>
-          </p:style>
-          <p:txBody>
-            <a:bodyPr rtlCol="0" anchor="ctr"/>
-            <a:lstStyle/>
-            <a:p>
-              <a:pPr algn="ctr"/>
-              <a:endParaRPr lang="en-DE"/>
-            </a:p>
-          </p:txBody>
-        </p:sp>
-        <p:sp>
-          <p:nvSpPr>
-            <p:cNvPr id="61" name="Left Bracket 60">
-              <a:extLst>
-                <a:ext uri="{FF2B5EF4-FFF2-40B4-BE49-F238E27FC236}">
-                  <a16:creationId xmlns:a16="http://schemas.microsoft.com/office/drawing/2014/main" id="{16CD651D-C121-358A-7CD0-73929DA2E77D}"/>
-                </a:ext>
-              </a:extLst>
-            </p:cNvPr>
-            <p:cNvSpPr/>
-            <p:nvPr/>
-          </p:nvSpPr>
-          <p:spPr>
-            <a:xfrm>
-              <a:off x="11758786" y="2816672"/>
-              <a:ext cx="36000" cy="1170000"/>
-            </a:xfrm>
-            <a:prstGeom prst="leftBracket">
-              <a:avLst/>
-            </a:prstGeom>
-            <a:ln w="15875"/>
-          </p:spPr>
-          <p:style>
-            <a:lnRef idx="1">
-              <a:schemeClr val="dk1"/>
-            </a:lnRef>
-            <a:fillRef idx="0">
-              <a:schemeClr val="dk1"/>
-            </a:fillRef>
-            <a:effectRef idx="0">
-              <a:schemeClr val="dk1"/>
-            </a:effectRef>
-            <a:fontRef idx="minor">
-              <a:schemeClr val="tx1"/>
-            </a:fontRef>
-          </p:style>
-          <p:txBody>
-            <a:bodyPr rtlCol="0" anchor="ctr"/>
-            <a:lstStyle/>
-            <a:p>
-              <a:pPr algn="ctr"/>
-              <a:endParaRPr lang="en-DE"/>
-            </a:p>
-          </p:txBody>
-        </p:sp>
-        <p:sp>
-          <p:nvSpPr>
-            <p:cNvPr id="62" name="Left Bracket 61">
-              <a:extLst>
-                <a:ext uri="{FF2B5EF4-FFF2-40B4-BE49-F238E27FC236}">
-                  <a16:creationId xmlns:a16="http://schemas.microsoft.com/office/drawing/2014/main" id="{DD6624E4-7BD0-9FE5-1AA9-E9BB65A9499F}"/>
-                </a:ext>
-              </a:extLst>
-            </p:cNvPr>
-            <p:cNvSpPr/>
-            <p:nvPr/>
-          </p:nvSpPr>
-          <p:spPr>
-            <a:xfrm>
-              <a:off x="11048462" y="4021721"/>
-              <a:ext cx="36000" cy="360000"/>
-            </a:xfrm>
-            <a:prstGeom prst="leftBracket">
-              <a:avLst/>
-            </a:prstGeom>
-            <a:ln w="15875"/>
-          </p:spPr>
-          <p:style>
-            <a:lnRef idx="1">
-              <a:schemeClr val="dk1"/>
-            </a:lnRef>
-            <a:fillRef idx="0">
-              <a:schemeClr val="dk1"/>
-            </a:fillRef>
-            <a:effectRef idx="0">
-              <a:schemeClr val="dk1"/>
-            </a:effectRef>
-            <a:fontRef idx="minor">
-              <a:schemeClr val="tx1"/>
-            </a:fontRef>
-          </p:style>
-          <p:txBody>
-            <a:bodyPr rtlCol="0" anchor="ctr"/>
-            <a:lstStyle/>
-            <a:p>
-              <a:pPr algn="ctr"/>
-              <a:endParaRPr lang="en-DE"/>
-            </a:p>
-          </p:txBody>
-        </p:sp>
-      </p:grpSp>
-      <p:grpSp>
-        <p:nvGrpSpPr>
-          <p:cNvPr id="3" name="Group 2">
+          <a:prstGeom prst="rect">
+            <a:avLst/>
+          </a:prstGeom>
+        </p:spPr>
+      </p:pic>
+      <p:pic>
+        <p:nvPicPr>
+          <p:cNvPr id="8" name="Picture 7">
             <a:extLst>
               <a:ext uri="{FF2B5EF4-FFF2-40B4-BE49-F238E27FC236}">
-                <a16:creationId xmlns:a16="http://schemas.microsoft.com/office/drawing/2014/main" id="{EB98048F-3B4B-F9AF-117B-0D0FE234070B}"/>
+                <a16:creationId xmlns:a16="http://schemas.microsoft.com/office/drawing/2014/main" id="{CE6543C0-14F4-7E48-BC8C-8F7BD3B354D7}"/>
               </a:ext>
             </a:extLst>
           </p:cNvPr>
-          <p:cNvGrpSpPr/>
+          <p:cNvPicPr>
+            <a:picLocks noChangeAspect="1"/>
+          </p:cNvPicPr>
           <p:nvPr/>
-        </p:nvGrpSpPr>
-        <p:grpSpPr>
+        </p:nvPicPr>
+        <p:blipFill>
+          <a:blip r:embed="rId6"/>
+          <a:stretch>
+            <a:fillRect/>
+          </a:stretch>
+        </p:blipFill>
+        <p:spPr>
           <a:xfrm>
-            <a:off x="6821767" y="181584"/>
-            <a:ext cx="36000" cy="5630382"/>
-            <a:chOff x="6821767" y="181584"/>
-            <a:chExt cx="36000" cy="5630382"/>
+            <a:off x="4130093" y="8791867"/>
+            <a:ext cx="4162464" cy="3466649"/>
           </a:xfrm>
-        </p:grpSpPr>
-        <p:grpSp>
-          <p:nvGrpSpPr>
-            <p:cNvPr id="22" name="Group 21">
-              <a:extLst>
-                <a:ext uri="{FF2B5EF4-FFF2-40B4-BE49-F238E27FC236}">
-                  <a16:creationId xmlns:a16="http://schemas.microsoft.com/office/drawing/2014/main" id="{260412FF-F9A4-4670-A7D4-3382A062AF53}"/>
-                </a:ext>
-              </a:extLst>
-            </p:cNvPr>
-            <p:cNvGrpSpPr/>
-            <p:nvPr/>
-          </p:nvGrpSpPr>
-          <p:grpSpPr>
-            <a:xfrm>
-              <a:off x="6821767" y="181584"/>
-              <a:ext cx="36000" cy="4200137"/>
-              <a:chOff x="7023240" y="181584"/>
-              <a:chExt cx="36000" cy="4200137"/>
-            </a:xfrm>
-          </p:grpSpPr>
-          <p:sp>
-            <p:nvSpPr>
-              <p:cNvPr id="20" name="Left Bracket 19">
-                <a:extLst>
-                  <a:ext uri="{FF2B5EF4-FFF2-40B4-BE49-F238E27FC236}">
-                    <a16:creationId xmlns:a16="http://schemas.microsoft.com/office/drawing/2014/main" id="{BE48FF81-7BEC-667C-A11B-D9A2353D0375}"/>
-                  </a:ext>
-                </a:extLst>
-              </p:cNvPr>
-              <p:cNvSpPr/>
-              <p:nvPr/>
-            </p:nvSpPr>
-            <p:spPr>
-              <a:xfrm>
-                <a:off x="7023240" y="181584"/>
-                <a:ext cx="36000" cy="576000"/>
-              </a:xfrm>
-              <a:prstGeom prst="leftBracket">
-                <a:avLst/>
-              </a:prstGeom>
-              <a:ln w="15875"/>
-            </p:spPr>
-            <p:style>
-              <a:lnRef idx="1">
-                <a:schemeClr val="dk1"/>
-              </a:lnRef>
-              <a:fillRef idx="0">
-                <a:schemeClr val="dk1"/>
-              </a:fillRef>
-              <a:effectRef idx="0">
-                <a:schemeClr val="dk1"/>
-              </a:effectRef>
-              <a:fontRef idx="minor">
-                <a:schemeClr val="tx1"/>
-              </a:fontRef>
-            </p:style>
-            <p:txBody>
-              <a:bodyPr rtlCol="0" anchor="ctr"/>
-              <a:lstStyle/>
-              <a:p>
-                <a:pPr algn="ctr"/>
-                <a:endParaRPr lang="en-DE"/>
-              </a:p>
-            </p:txBody>
-          </p:sp>
-          <p:sp>
-            <p:nvSpPr>
-              <p:cNvPr id="42" name="Left Bracket 41">
-                <a:extLst>
-                  <a:ext uri="{FF2B5EF4-FFF2-40B4-BE49-F238E27FC236}">
-                    <a16:creationId xmlns:a16="http://schemas.microsoft.com/office/drawing/2014/main" id="{81AD698D-A1ED-A286-EBE1-0D9BCDA8A8B0}"/>
-                  </a:ext>
-                </a:extLst>
-              </p:cNvPr>
-              <p:cNvSpPr/>
-              <p:nvPr/>
-            </p:nvSpPr>
-            <p:spPr>
-              <a:xfrm>
-                <a:off x="7023240" y="798770"/>
-                <a:ext cx="36000" cy="360000"/>
-              </a:xfrm>
-              <a:prstGeom prst="leftBracket">
-                <a:avLst/>
-              </a:prstGeom>
-              <a:ln w="15875"/>
-            </p:spPr>
-            <p:style>
-              <a:lnRef idx="1">
-                <a:schemeClr val="dk1"/>
-              </a:lnRef>
-              <a:fillRef idx="0">
-                <a:schemeClr val="dk1"/>
-              </a:fillRef>
-              <a:effectRef idx="0">
-                <a:schemeClr val="dk1"/>
-              </a:effectRef>
-              <a:fontRef idx="minor">
-                <a:schemeClr val="tx1"/>
-              </a:fontRef>
-            </p:style>
-            <p:txBody>
-              <a:bodyPr rtlCol="0" anchor="ctr"/>
-              <a:lstStyle/>
-              <a:p>
-                <a:pPr algn="ctr"/>
-                <a:endParaRPr lang="en-DE"/>
-              </a:p>
-            </p:txBody>
-          </p:sp>
-          <p:sp>
-            <p:nvSpPr>
-              <p:cNvPr id="48" name="Left Bracket 47">
-                <a:extLst>
-                  <a:ext uri="{FF2B5EF4-FFF2-40B4-BE49-F238E27FC236}">
-                    <a16:creationId xmlns:a16="http://schemas.microsoft.com/office/drawing/2014/main" id="{405DA880-431E-DF9A-016F-119282D9EA75}"/>
-                  </a:ext>
-                </a:extLst>
-              </p:cNvPr>
-              <p:cNvSpPr/>
-              <p:nvPr/>
-            </p:nvSpPr>
-            <p:spPr>
-              <a:xfrm>
-                <a:off x="7023240" y="2207738"/>
-                <a:ext cx="36000" cy="360000"/>
-              </a:xfrm>
-              <a:prstGeom prst="leftBracket">
-                <a:avLst/>
-              </a:prstGeom>
-              <a:ln w="15875"/>
-            </p:spPr>
-            <p:style>
-              <a:lnRef idx="1">
-                <a:schemeClr val="dk1"/>
-              </a:lnRef>
-              <a:fillRef idx="0">
-                <a:schemeClr val="dk1"/>
-              </a:fillRef>
-              <a:effectRef idx="0">
-                <a:schemeClr val="dk1"/>
-              </a:effectRef>
-              <a:fontRef idx="minor">
-                <a:schemeClr val="tx1"/>
-              </a:fontRef>
-            </p:style>
-            <p:txBody>
-              <a:bodyPr rtlCol="0" anchor="ctr"/>
-              <a:lstStyle/>
-              <a:p>
-                <a:pPr algn="ctr"/>
-                <a:endParaRPr lang="en-DE"/>
-              </a:p>
-            </p:txBody>
-          </p:sp>
-          <p:sp>
-            <p:nvSpPr>
-              <p:cNvPr id="49" name="Left Bracket 48">
-                <a:extLst>
-                  <a:ext uri="{FF2B5EF4-FFF2-40B4-BE49-F238E27FC236}">
-                    <a16:creationId xmlns:a16="http://schemas.microsoft.com/office/drawing/2014/main" id="{469D8FA8-98C5-8254-77C2-6CE7C932750F}"/>
-                  </a:ext>
-                </a:extLst>
-              </p:cNvPr>
-              <p:cNvSpPr/>
-              <p:nvPr/>
-            </p:nvSpPr>
-            <p:spPr>
-              <a:xfrm>
-                <a:off x="7023240" y="2816672"/>
-                <a:ext cx="36000" cy="1170000"/>
-              </a:xfrm>
-              <a:prstGeom prst="leftBracket">
-                <a:avLst/>
-              </a:prstGeom>
-              <a:ln w="15875"/>
-            </p:spPr>
-            <p:style>
-              <a:lnRef idx="1">
-                <a:schemeClr val="dk1"/>
-              </a:lnRef>
-              <a:fillRef idx="0">
-                <a:schemeClr val="dk1"/>
-              </a:fillRef>
-              <a:effectRef idx="0">
-                <a:schemeClr val="dk1"/>
-              </a:effectRef>
-              <a:fontRef idx="minor">
-                <a:schemeClr val="tx1"/>
-              </a:fontRef>
-            </p:style>
-            <p:txBody>
-              <a:bodyPr rtlCol="0" anchor="ctr"/>
-              <a:lstStyle/>
-              <a:p>
-                <a:pPr algn="ctr"/>
-                <a:endParaRPr lang="en-DE"/>
-              </a:p>
-            </p:txBody>
-          </p:sp>
-          <p:sp>
-            <p:nvSpPr>
-              <p:cNvPr id="50" name="Left Bracket 49">
-                <a:extLst>
-                  <a:ext uri="{FF2B5EF4-FFF2-40B4-BE49-F238E27FC236}">
-                    <a16:creationId xmlns:a16="http://schemas.microsoft.com/office/drawing/2014/main" id="{33BD4B18-803E-8063-4F04-105EAB202A23}"/>
-                  </a:ext>
-                </a:extLst>
-              </p:cNvPr>
-              <p:cNvSpPr/>
-              <p:nvPr/>
-            </p:nvSpPr>
-            <p:spPr>
-              <a:xfrm>
-                <a:off x="7023240" y="4021721"/>
-                <a:ext cx="36000" cy="360000"/>
-              </a:xfrm>
-              <a:prstGeom prst="leftBracket">
-                <a:avLst/>
-              </a:prstGeom>
-              <a:ln w="15875"/>
-            </p:spPr>
-            <p:style>
-              <a:lnRef idx="1">
-                <a:schemeClr val="dk1"/>
-              </a:lnRef>
-              <a:fillRef idx="0">
-                <a:schemeClr val="dk1"/>
-              </a:fillRef>
-              <a:effectRef idx="0">
-                <a:schemeClr val="dk1"/>
-              </a:effectRef>
-              <a:fontRef idx="minor">
-                <a:schemeClr val="tx1"/>
-              </a:fontRef>
-            </p:style>
-            <p:txBody>
-              <a:bodyPr rtlCol="0" anchor="ctr"/>
-              <a:lstStyle/>
-              <a:p>
-                <a:pPr algn="ctr"/>
-                <a:endParaRPr lang="en-DE" dirty="0"/>
-              </a:p>
-            </p:txBody>
-          </p:sp>
-        </p:grpSp>
-        <p:sp>
-          <p:nvSpPr>
-            <p:cNvPr id="47" name="Left Bracket 46">
-              <a:extLst>
-                <a:ext uri="{FF2B5EF4-FFF2-40B4-BE49-F238E27FC236}">
-                  <a16:creationId xmlns:a16="http://schemas.microsoft.com/office/drawing/2014/main" id="{6F96B5B1-4289-70FA-1203-2C204F519EEA}"/>
-                </a:ext>
-              </a:extLst>
-            </p:cNvPr>
-            <p:cNvSpPr/>
-            <p:nvPr/>
-          </p:nvSpPr>
-          <p:spPr>
-            <a:xfrm>
-              <a:off x="6821767" y="5235966"/>
-              <a:ext cx="36000" cy="576000"/>
-            </a:xfrm>
-            <a:prstGeom prst="leftBracket">
-              <a:avLst/>
-            </a:prstGeom>
-            <a:ln w="15875"/>
-          </p:spPr>
-          <p:style>
-            <a:lnRef idx="1">
-              <a:schemeClr val="dk1"/>
-            </a:lnRef>
-            <a:fillRef idx="0">
-              <a:schemeClr val="dk1"/>
-            </a:fillRef>
-            <a:effectRef idx="0">
-              <a:schemeClr val="dk1"/>
-            </a:effectRef>
-            <a:fontRef idx="minor">
-              <a:schemeClr val="tx1"/>
-            </a:fontRef>
-          </p:style>
-          <p:txBody>
-            <a:bodyPr rtlCol="0" anchor="ctr"/>
-            <a:lstStyle/>
-            <a:p>
-              <a:pPr algn="ctr"/>
-              <a:endParaRPr lang="en-DE"/>
-            </a:p>
-          </p:txBody>
-        </p:sp>
-      </p:grpSp>
-      <p:sp>
-        <p:nvSpPr>
-          <p:cNvPr id="52" name="Left Bracket 51">
+          <a:prstGeom prst="rect">
+            <a:avLst/>
+          </a:prstGeom>
+        </p:spPr>
+      </p:pic>
+      <p:pic>
+        <p:nvPicPr>
+          <p:cNvPr id="7" name="Picture 6">
             <a:extLst>
               <a:ext uri="{FF2B5EF4-FFF2-40B4-BE49-F238E27FC236}">
-                <a16:creationId xmlns:a16="http://schemas.microsoft.com/office/drawing/2014/main" id="{8AB34B34-3FDC-6AA3-36C8-851C959C421C}"/>
+                <a16:creationId xmlns:a16="http://schemas.microsoft.com/office/drawing/2014/main" id="{D8617506-2308-0B4E-83D8-F15543B342B6}"/>
               </a:ext>
             </a:extLst>
           </p:cNvPr>
-          <p:cNvSpPr/>
+          <p:cNvPicPr>
+            <a:picLocks noChangeAspect="1"/>
+          </p:cNvPicPr>
           <p:nvPr/>
-        </p:nvSpPr>
+        </p:nvPicPr>
+        <p:blipFill>
+          <a:blip r:embed="rId7"/>
+          <a:srcRect/>
+          <a:stretch/>
+        </p:blipFill>
         <p:spPr>
-          <a:xfrm flipH="1">
-            <a:off x="9180237" y="5235966"/>
-            <a:ext cx="48366" cy="576000"/>
+          <a:xfrm>
+            <a:off x="8406931" y="7845494"/>
+            <a:ext cx="7692808" cy="4254682"/>
           </a:xfrm>
-          <a:prstGeom prst="leftBracket">
+          <a:prstGeom prst="rect">
             <a:avLst/>
           </a:prstGeom>
-          <a:ln w="15875"/>
         </p:spPr>
-        <p:style>
-          <a:lnRef idx="1">
-            <a:schemeClr val="dk1"/>
-          </a:lnRef>
-          <a:fillRef idx="0">
-            <a:schemeClr val="dk1"/>
-          </a:fillRef>
-          <a:effectRef idx="0">
-            <a:schemeClr val="dk1"/>
-          </a:effectRef>
-          <a:fontRef idx="minor">
-            <a:schemeClr val="tx1"/>
-          </a:fontRef>
-        </p:style>
-        <p:txBody>
-          <a:bodyPr rtlCol="0" anchor="ctr"/>
-          <a:lstStyle/>
-          <a:p>
-            <a:pPr algn="ctr"/>
-            <a:endParaRPr lang="en-DE"/>
-          </a:p>
-        </p:txBody>
-      </p:sp>
+      </p:pic>
+      <p:pic>
+        <p:nvPicPr>
+          <p:cNvPr id="3" name="Picture 2">
+            <a:extLst>
+              <a:ext uri="{FF2B5EF4-FFF2-40B4-BE49-F238E27FC236}">
+                <a16:creationId xmlns:a16="http://schemas.microsoft.com/office/drawing/2014/main" id="{F258C4CC-213A-AF95-6C13-8E1D5E90BE19}"/>
+              </a:ext>
+            </a:extLst>
+          </p:cNvPr>
+          <p:cNvPicPr>
+            <a:picLocks noChangeAspect="1"/>
+          </p:cNvPicPr>
+          <p:nvPr/>
+        </p:nvPicPr>
+        <p:blipFill>
+          <a:blip r:embed="rId8"/>
+          <a:srcRect/>
+          <a:stretch/>
+        </p:blipFill>
+        <p:spPr>
+          <a:xfrm>
+            <a:off x="8443085" y="2455591"/>
+            <a:ext cx="7535996" cy="2123999"/>
+          </a:xfrm>
+          <a:prstGeom prst="rect">
+            <a:avLst/>
+          </a:prstGeom>
+        </p:spPr>
+      </p:pic>
     </p:spTree>
-    <p:extLst>
-      <p:ext uri="{BB962C8B-B14F-4D97-AF65-F5344CB8AC3E}">
-        <p14:creationId xmlns:p14="http://schemas.microsoft.com/office/powerpoint/2010/main" val="1466436473"/>
-      </p:ext>
-    </p:extLst>
   </p:cSld>
   <p:clrMapOvr>
     <a:masterClrMapping/>
